--- a/template_report.pptx
+++ b/template_report.pptx
@@ -2,7 +2,7 @@
 <file path=ppt/presentation.xml><?xml version="1.0" encoding="utf-8"?>
 <p:presentation xmlns:a="http://schemas.openxmlformats.org/drawingml/2006/main" xmlns:r="http://schemas.openxmlformats.org/officeDocument/2006/relationships" xmlns:p="http://schemas.openxmlformats.org/presentationml/2006/main" strictFirstAndLastChars="0" embedTrueTypeFonts="1" saveSubsetFonts="1" autoCompressPictures="0">
   <p:sldMasterIdLst>
-    <p:sldMasterId id="2147483683" r:id="rId1"/>
+    <p:sldMasterId id="2147483785" r:id="rId1"/>
   </p:sldMasterIdLst>
   <p:notesMasterIdLst>
     <p:notesMasterId r:id="rId15"/>
@@ -10,7 +10,7 @@
   <p:sldIdLst>
     <p:sldId id="353" r:id="rId2"/>
     <p:sldId id="368" r:id="rId3"/>
-    <p:sldId id="367" r:id="rId4"/>
+    <p:sldId id="372" r:id="rId4"/>
     <p:sldId id="366" r:id="rId5"/>
     <p:sldId id="355" r:id="rId6"/>
     <p:sldId id="358" r:id="rId7"/>
@@ -19,8 +19,8 @@
     <p:sldId id="369" r:id="rId10"/>
     <p:sldId id="370" r:id="rId11"/>
     <p:sldId id="363" r:id="rId12"/>
-    <p:sldId id="371" r:id="rId13"/>
-    <p:sldId id="256" r:id="rId14"/>
+    <p:sldId id="256" r:id="rId13"/>
+    <p:sldId id="371" r:id="rId14"/>
   </p:sldIdLst>
   <p:sldSz cx="9144000" cy="5143500" type="screen16x9"/>
   <p:notesSz cx="6858000" cy="9144000"/>
@@ -32,236 +32,114 @@
       <p:italic r:id="rId18"/>
       <p:boldItalic r:id="rId19"/>
     </p:embeddedFont>
+    <p:embeddedFont>
+      <p:font typeface="Calibri" panose="020F0502020204030204" pitchFamily="34" charset="0"/>
+      <p:regular r:id="rId20"/>
+      <p:bold r:id="rId21"/>
+      <p:italic r:id="rId22"/>
+      <p:boldItalic r:id="rId23"/>
+    </p:embeddedFont>
+    <p:embeddedFont>
+      <p:font typeface="Calibri Light" panose="020F0302020204030204" pitchFamily="34" charset="0"/>
+      <p:regular r:id="rId24"/>
+      <p:italic r:id="rId25"/>
+    </p:embeddedFont>
   </p:embeddedFontLst>
   <p:custDataLst>
-    <p:tags r:id="rId20"/>
+    <p:tags r:id="rId26"/>
   </p:custDataLst>
   <p:defaultTextStyle>
-    <a:defPPr marR="0" lvl="0" algn="l" rtl="0">
-      <a:lnSpc>
-        <a:spcPct val="100000"/>
-      </a:lnSpc>
-      <a:spcBef>
-        <a:spcPts val="0"/>
-      </a:spcBef>
-      <a:spcAft>
-        <a:spcPts val="0"/>
-      </a:spcAft>
+    <a:defPPr>
+      <a:defRPr lang="en-US"/>
     </a:defPPr>
-    <a:lvl1pPr marR="0" lvl="0" algn="l" rtl="0">
-      <a:lnSpc>
-        <a:spcPct val="100000"/>
-      </a:lnSpc>
-      <a:spcBef>
-        <a:spcPts val="0"/>
-      </a:spcBef>
-      <a:spcAft>
-        <a:spcPts val="0"/>
-      </a:spcAft>
-      <a:buClr>
-        <a:srgbClr val="000000"/>
-      </a:buClr>
-      <a:buFont typeface="Arial"/>
-      <a:defRPr sz="1400" b="0" i="0" u="none" strike="noStrike" cap="none">
+    <a:lvl1pPr marL="0" algn="l" defTabSz="457200" rtl="0" eaLnBrk="1" latinLnBrk="0" hangingPunct="1">
+      <a:defRPr sz="1800" kern="1200">
         <a:solidFill>
-          <a:srgbClr val="000000"/>
+          <a:schemeClr val="tx1"/>
         </a:solidFill>
-        <a:latin typeface="Arial"/>
-        <a:ea typeface="Arial"/>
-        <a:cs typeface="Arial"/>
-        <a:sym typeface="Arial"/>
+        <a:latin typeface="+mn-lt"/>
+        <a:ea typeface="+mn-ea"/>
+        <a:cs typeface="+mn-cs"/>
       </a:defRPr>
     </a:lvl1pPr>
-    <a:lvl2pPr marR="0" lvl="1" algn="l" rtl="0">
-      <a:lnSpc>
-        <a:spcPct val="100000"/>
-      </a:lnSpc>
-      <a:spcBef>
-        <a:spcPts val="0"/>
-      </a:spcBef>
-      <a:spcAft>
-        <a:spcPts val="0"/>
-      </a:spcAft>
-      <a:buClr>
-        <a:srgbClr val="000000"/>
-      </a:buClr>
-      <a:buFont typeface="Arial"/>
-      <a:defRPr sz="1400" b="0" i="0" u="none" strike="noStrike" cap="none">
+    <a:lvl2pPr marL="457200" algn="l" defTabSz="457200" rtl="0" eaLnBrk="1" latinLnBrk="0" hangingPunct="1">
+      <a:defRPr sz="1800" kern="1200">
         <a:solidFill>
-          <a:srgbClr val="000000"/>
+          <a:schemeClr val="tx1"/>
         </a:solidFill>
-        <a:latin typeface="Arial"/>
-        <a:ea typeface="Arial"/>
-        <a:cs typeface="Arial"/>
-        <a:sym typeface="Arial"/>
+        <a:latin typeface="+mn-lt"/>
+        <a:ea typeface="+mn-ea"/>
+        <a:cs typeface="+mn-cs"/>
       </a:defRPr>
     </a:lvl2pPr>
-    <a:lvl3pPr marR="0" lvl="2" algn="l" rtl="0">
-      <a:lnSpc>
-        <a:spcPct val="100000"/>
-      </a:lnSpc>
-      <a:spcBef>
-        <a:spcPts val="0"/>
-      </a:spcBef>
-      <a:spcAft>
-        <a:spcPts val="0"/>
-      </a:spcAft>
-      <a:buClr>
-        <a:srgbClr val="000000"/>
-      </a:buClr>
-      <a:buFont typeface="Arial"/>
-      <a:defRPr sz="1400" b="0" i="0" u="none" strike="noStrike" cap="none">
+    <a:lvl3pPr marL="914400" algn="l" defTabSz="457200" rtl="0" eaLnBrk="1" latinLnBrk="0" hangingPunct="1">
+      <a:defRPr sz="1800" kern="1200">
         <a:solidFill>
-          <a:srgbClr val="000000"/>
+          <a:schemeClr val="tx1"/>
         </a:solidFill>
-        <a:latin typeface="Arial"/>
-        <a:ea typeface="Arial"/>
-        <a:cs typeface="Arial"/>
-        <a:sym typeface="Arial"/>
+        <a:latin typeface="+mn-lt"/>
+        <a:ea typeface="+mn-ea"/>
+        <a:cs typeface="+mn-cs"/>
       </a:defRPr>
     </a:lvl3pPr>
-    <a:lvl4pPr marR="0" lvl="3" algn="l" rtl="0">
-      <a:lnSpc>
-        <a:spcPct val="100000"/>
-      </a:lnSpc>
-      <a:spcBef>
-        <a:spcPts val="0"/>
-      </a:spcBef>
-      <a:spcAft>
-        <a:spcPts val="0"/>
-      </a:spcAft>
-      <a:buClr>
-        <a:srgbClr val="000000"/>
-      </a:buClr>
-      <a:buFont typeface="Arial"/>
-      <a:defRPr sz="1400" b="0" i="0" u="none" strike="noStrike" cap="none">
+    <a:lvl4pPr marL="1371600" algn="l" defTabSz="457200" rtl="0" eaLnBrk="1" latinLnBrk="0" hangingPunct="1">
+      <a:defRPr sz="1800" kern="1200">
         <a:solidFill>
-          <a:srgbClr val="000000"/>
+          <a:schemeClr val="tx1"/>
         </a:solidFill>
-        <a:latin typeface="Arial"/>
-        <a:ea typeface="Arial"/>
-        <a:cs typeface="Arial"/>
-        <a:sym typeface="Arial"/>
+        <a:latin typeface="+mn-lt"/>
+        <a:ea typeface="+mn-ea"/>
+        <a:cs typeface="+mn-cs"/>
       </a:defRPr>
     </a:lvl4pPr>
-    <a:lvl5pPr marR="0" lvl="4" algn="l" rtl="0">
-      <a:lnSpc>
-        <a:spcPct val="100000"/>
-      </a:lnSpc>
-      <a:spcBef>
-        <a:spcPts val="0"/>
-      </a:spcBef>
-      <a:spcAft>
-        <a:spcPts val="0"/>
-      </a:spcAft>
-      <a:buClr>
-        <a:srgbClr val="000000"/>
-      </a:buClr>
-      <a:buFont typeface="Arial"/>
-      <a:defRPr sz="1400" b="0" i="0" u="none" strike="noStrike" cap="none">
+    <a:lvl5pPr marL="1828800" algn="l" defTabSz="457200" rtl="0" eaLnBrk="1" latinLnBrk="0" hangingPunct="1">
+      <a:defRPr sz="1800" kern="1200">
         <a:solidFill>
-          <a:srgbClr val="000000"/>
+          <a:schemeClr val="tx1"/>
         </a:solidFill>
-        <a:latin typeface="Arial"/>
-        <a:ea typeface="Arial"/>
-        <a:cs typeface="Arial"/>
-        <a:sym typeface="Arial"/>
+        <a:latin typeface="+mn-lt"/>
+        <a:ea typeface="+mn-ea"/>
+        <a:cs typeface="+mn-cs"/>
       </a:defRPr>
     </a:lvl5pPr>
-    <a:lvl6pPr marR="0" lvl="5" algn="l" rtl="0">
-      <a:lnSpc>
-        <a:spcPct val="100000"/>
-      </a:lnSpc>
-      <a:spcBef>
-        <a:spcPts val="0"/>
-      </a:spcBef>
-      <a:spcAft>
-        <a:spcPts val="0"/>
-      </a:spcAft>
-      <a:buClr>
-        <a:srgbClr val="000000"/>
-      </a:buClr>
-      <a:buFont typeface="Arial"/>
-      <a:defRPr sz="1400" b="0" i="0" u="none" strike="noStrike" cap="none">
+    <a:lvl6pPr marL="2286000" algn="l" defTabSz="457200" rtl="0" eaLnBrk="1" latinLnBrk="0" hangingPunct="1">
+      <a:defRPr sz="1800" kern="1200">
         <a:solidFill>
-          <a:srgbClr val="000000"/>
+          <a:schemeClr val="tx1"/>
         </a:solidFill>
-        <a:latin typeface="Arial"/>
-        <a:ea typeface="Arial"/>
-        <a:cs typeface="Arial"/>
-        <a:sym typeface="Arial"/>
+        <a:latin typeface="+mn-lt"/>
+        <a:ea typeface="+mn-ea"/>
+        <a:cs typeface="+mn-cs"/>
       </a:defRPr>
     </a:lvl6pPr>
-    <a:lvl7pPr marR="0" lvl="6" algn="l" rtl="0">
-      <a:lnSpc>
-        <a:spcPct val="100000"/>
-      </a:lnSpc>
-      <a:spcBef>
-        <a:spcPts val="0"/>
-      </a:spcBef>
-      <a:spcAft>
-        <a:spcPts val="0"/>
-      </a:spcAft>
-      <a:buClr>
-        <a:srgbClr val="000000"/>
-      </a:buClr>
-      <a:buFont typeface="Arial"/>
-      <a:defRPr sz="1400" b="0" i="0" u="none" strike="noStrike" cap="none">
+    <a:lvl7pPr marL="2743200" algn="l" defTabSz="457200" rtl="0" eaLnBrk="1" latinLnBrk="0" hangingPunct="1">
+      <a:defRPr sz="1800" kern="1200">
         <a:solidFill>
-          <a:srgbClr val="000000"/>
+          <a:schemeClr val="tx1"/>
         </a:solidFill>
-        <a:latin typeface="Arial"/>
-        <a:ea typeface="Arial"/>
-        <a:cs typeface="Arial"/>
-        <a:sym typeface="Arial"/>
+        <a:latin typeface="+mn-lt"/>
+        <a:ea typeface="+mn-ea"/>
+        <a:cs typeface="+mn-cs"/>
       </a:defRPr>
     </a:lvl7pPr>
-    <a:lvl8pPr marR="0" lvl="7" algn="l" rtl="0">
-      <a:lnSpc>
-        <a:spcPct val="100000"/>
-      </a:lnSpc>
-      <a:spcBef>
-        <a:spcPts val="0"/>
-      </a:spcBef>
-      <a:spcAft>
-        <a:spcPts val="0"/>
-      </a:spcAft>
-      <a:buClr>
-        <a:srgbClr val="000000"/>
-      </a:buClr>
-      <a:buFont typeface="Arial"/>
-      <a:defRPr sz="1400" b="0" i="0" u="none" strike="noStrike" cap="none">
+    <a:lvl8pPr marL="3200400" algn="l" defTabSz="457200" rtl="0" eaLnBrk="1" latinLnBrk="0" hangingPunct="1">
+      <a:defRPr sz="1800" kern="1200">
         <a:solidFill>
-          <a:srgbClr val="000000"/>
+          <a:schemeClr val="tx1"/>
         </a:solidFill>
-        <a:latin typeface="Arial"/>
-        <a:ea typeface="Arial"/>
-        <a:cs typeface="Arial"/>
-        <a:sym typeface="Arial"/>
+        <a:latin typeface="+mn-lt"/>
+        <a:ea typeface="+mn-ea"/>
+        <a:cs typeface="+mn-cs"/>
       </a:defRPr>
     </a:lvl8pPr>
-    <a:lvl9pPr marR="0" lvl="8" algn="l" rtl="0">
-      <a:lnSpc>
-        <a:spcPct val="100000"/>
-      </a:lnSpc>
-      <a:spcBef>
-        <a:spcPts val="0"/>
-      </a:spcBef>
-      <a:spcAft>
-        <a:spcPts val="0"/>
-      </a:spcAft>
-      <a:buClr>
-        <a:srgbClr val="000000"/>
-      </a:buClr>
-      <a:buFont typeface="Arial"/>
-      <a:defRPr sz="1400" b="0" i="0" u="none" strike="noStrike" cap="none">
+    <a:lvl9pPr marL="3657600" algn="l" defTabSz="457200" rtl="0" eaLnBrk="1" latinLnBrk="0" hangingPunct="1">
+      <a:defRPr sz="1800" kern="1200">
         <a:solidFill>
-          <a:srgbClr val="000000"/>
+          <a:schemeClr val="tx1"/>
         </a:solidFill>
-        <a:latin typeface="Arial"/>
-        <a:ea typeface="Arial"/>
-        <a:cs typeface="Arial"/>
-        <a:sym typeface="Arial"/>
+        <a:latin typeface="+mn-lt"/>
+        <a:ea typeface="+mn-ea"/>
+        <a:cs typeface="+mn-cs"/>
       </a:defRPr>
     </a:lvl9pPr>
   </p:defaultTextStyle>
@@ -1074,6 +952,110 @@
   <p:cSld>
     <p:spTree>
       <p:nvGrpSpPr>
+        <p:cNvPr id="1" name="Shape 210"/>
+        <p:cNvGrpSpPr/>
+        <p:nvPr/>
+      </p:nvGrpSpPr>
+      <p:grpSpPr>
+        <a:xfrm>
+          <a:off x="0" y="0"/>
+          <a:ext cx="0" cy="0"/>
+          <a:chOff x="0" y="0"/>
+          <a:chExt cx="0" cy="0"/>
+        </a:xfrm>
+      </p:grpSpPr>
+      <p:sp>
+        <p:nvSpPr>
+          <p:cNvPr id="211" name="Google Shape;211;g5ada77b396_3_1210:notes"/>
+          <p:cNvSpPr>
+            <a:spLocks noGrp="1" noRot="1" noChangeAspect="1"/>
+          </p:cNvSpPr>
+          <p:nvPr>
+            <p:ph type="sldImg" idx="2"/>
+          </p:nvPr>
+        </p:nvSpPr>
+        <p:spPr>
+          <a:xfrm>
+            <a:off x="381000" y="685800"/>
+            <a:ext cx="6096000" cy="3429000"/>
+          </a:xfrm>
+          <a:custGeom>
+            <a:avLst/>
+            <a:gdLst/>
+            <a:ahLst/>
+            <a:cxnLst/>
+            <a:rect l="l" t="t" r="r" b="b"/>
+            <a:pathLst>
+              <a:path w="120000" h="120000" extrusionOk="0">
+                <a:moveTo>
+                  <a:pt x="0" y="0"/>
+                </a:moveTo>
+                <a:lnTo>
+                  <a:pt x="120000" y="0"/>
+                </a:lnTo>
+                <a:lnTo>
+                  <a:pt x="120000" y="120000"/>
+                </a:lnTo>
+                <a:lnTo>
+                  <a:pt x="0" y="120000"/>
+                </a:lnTo>
+                <a:close/>
+              </a:path>
+            </a:pathLst>
+          </a:custGeom>
+        </p:spPr>
+      </p:sp>
+      <p:sp>
+        <p:nvSpPr>
+          <p:cNvPr id="212" name="Google Shape;212;g5ada77b396_3_1210:notes"/>
+          <p:cNvSpPr txBox="1">
+            <a:spLocks noGrp="1"/>
+          </p:cNvSpPr>
+          <p:nvPr>
+            <p:ph type="body" idx="1"/>
+          </p:nvPr>
+        </p:nvSpPr>
+        <p:spPr>
+          <a:xfrm>
+            <a:off x="685800" y="4343400"/>
+            <a:ext cx="5486400" cy="4114800"/>
+          </a:xfrm>
+          <a:prstGeom prst="rect">
+            <a:avLst/>
+          </a:prstGeom>
+        </p:spPr>
+        <p:txBody>
+          <a:bodyPr spcFirstLastPara="1" wrap="square" lIns="91425" tIns="91425" rIns="91425" bIns="91425" anchor="t" anchorCtr="0">
+            <a:noAutofit/>
+          </a:bodyPr>
+          <a:lstStyle/>
+          <a:p>
+            <a:pPr marL="0" lvl="0" indent="0" algn="l" rtl="0">
+              <a:spcBef>
+                <a:spcPts val="0"/>
+              </a:spcBef>
+              <a:spcAft>
+                <a:spcPts val="0"/>
+              </a:spcAft>
+              <a:buNone/>
+            </a:pPr>
+            <a:endParaRPr/>
+          </a:p>
+        </p:txBody>
+      </p:sp>
+    </p:spTree>
+  </p:cSld>
+  <p:clrMapOvr>
+    <a:masterClrMapping/>
+  </p:clrMapOvr>
+</p:notes>
+</file>
+
+<file path=ppt/notesSlides/notesSlide13.xml><?xml version="1.0" encoding="utf-8"?>
+<p:notes xmlns:a="http://schemas.openxmlformats.org/drawingml/2006/main" xmlns:r="http://schemas.openxmlformats.org/officeDocument/2006/relationships" xmlns:p="http://schemas.openxmlformats.org/presentationml/2006/main" showMasterSp="0" showMasterPhAnim="0">
+  <p:cSld>
+    <p:spTree>
+      <p:nvGrpSpPr>
         <p:cNvPr id="1" name="Shape 597"/>
         <p:cNvGrpSpPr/>
         <p:nvPr/>
@@ -1171,110 +1153,6 @@
         <p14:creationId xmlns:p14="http://schemas.microsoft.com/office/powerpoint/2010/main" val="4058784416"/>
       </p:ext>
     </p:extLst>
-  </p:cSld>
-  <p:clrMapOvr>
-    <a:masterClrMapping/>
-  </p:clrMapOvr>
-</p:notes>
-</file>
-
-<file path=ppt/notesSlides/notesSlide13.xml><?xml version="1.0" encoding="utf-8"?>
-<p:notes xmlns:a="http://schemas.openxmlformats.org/drawingml/2006/main" xmlns:r="http://schemas.openxmlformats.org/officeDocument/2006/relationships" xmlns:p="http://schemas.openxmlformats.org/presentationml/2006/main" showMasterSp="0" showMasterPhAnim="0">
-  <p:cSld>
-    <p:spTree>
-      <p:nvGrpSpPr>
-        <p:cNvPr id="1" name="Shape 210"/>
-        <p:cNvGrpSpPr/>
-        <p:nvPr/>
-      </p:nvGrpSpPr>
-      <p:grpSpPr>
-        <a:xfrm>
-          <a:off x="0" y="0"/>
-          <a:ext cx="0" cy="0"/>
-          <a:chOff x="0" y="0"/>
-          <a:chExt cx="0" cy="0"/>
-        </a:xfrm>
-      </p:grpSpPr>
-      <p:sp>
-        <p:nvSpPr>
-          <p:cNvPr id="211" name="Google Shape;211;g5ada77b396_3_1210:notes"/>
-          <p:cNvSpPr>
-            <a:spLocks noGrp="1" noRot="1" noChangeAspect="1"/>
-          </p:cNvSpPr>
-          <p:nvPr>
-            <p:ph type="sldImg" idx="2"/>
-          </p:nvPr>
-        </p:nvSpPr>
-        <p:spPr>
-          <a:xfrm>
-            <a:off x="381000" y="685800"/>
-            <a:ext cx="6096000" cy="3429000"/>
-          </a:xfrm>
-          <a:custGeom>
-            <a:avLst/>
-            <a:gdLst/>
-            <a:ahLst/>
-            <a:cxnLst/>
-            <a:rect l="l" t="t" r="r" b="b"/>
-            <a:pathLst>
-              <a:path w="120000" h="120000" extrusionOk="0">
-                <a:moveTo>
-                  <a:pt x="0" y="0"/>
-                </a:moveTo>
-                <a:lnTo>
-                  <a:pt x="120000" y="0"/>
-                </a:lnTo>
-                <a:lnTo>
-                  <a:pt x="120000" y="120000"/>
-                </a:lnTo>
-                <a:lnTo>
-                  <a:pt x="0" y="120000"/>
-                </a:lnTo>
-                <a:close/>
-              </a:path>
-            </a:pathLst>
-          </a:custGeom>
-        </p:spPr>
-      </p:sp>
-      <p:sp>
-        <p:nvSpPr>
-          <p:cNvPr id="212" name="Google Shape;212;g5ada77b396_3_1210:notes"/>
-          <p:cNvSpPr txBox="1">
-            <a:spLocks noGrp="1"/>
-          </p:cNvSpPr>
-          <p:nvPr>
-            <p:ph type="body" idx="1"/>
-          </p:nvPr>
-        </p:nvSpPr>
-        <p:spPr>
-          <a:xfrm>
-            <a:off x="685800" y="4343400"/>
-            <a:ext cx="5486400" cy="4114800"/>
-          </a:xfrm>
-          <a:prstGeom prst="rect">
-            <a:avLst/>
-          </a:prstGeom>
-        </p:spPr>
-        <p:txBody>
-          <a:bodyPr spcFirstLastPara="1" wrap="square" lIns="91425" tIns="91425" rIns="91425" bIns="91425" anchor="t" anchorCtr="0">
-            <a:noAutofit/>
-          </a:bodyPr>
-          <a:lstStyle/>
-          <a:p>
-            <a:pPr marL="0" lvl="0" indent="0" algn="l" rtl="0">
-              <a:spcBef>
-                <a:spcPts val="0"/>
-              </a:spcBef>
-              <a:spcAft>
-                <a:spcPts val="0"/>
-              </a:spcAft>
-              <a:buNone/>
-            </a:pPr>
-            <a:endParaRPr/>
-          </a:p>
-        </p:txBody>
-      </p:sp>
-    </p:spTree>
   </p:cSld>
   <p:clrMapOvr>
     <a:masterClrMapping/>
@@ -1498,7 +1376,7 @@
     </p:spTree>
     <p:extLst>
       <p:ext uri="{BB962C8B-B14F-4D97-AF65-F5344CB8AC3E}">
-        <p14:creationId xmlns:p14="http://schemas.microsoft.com/office/powerpoint/2010/main" val="4263190797"/>
+        <p14:creationId xmlns:p14="http://schemas.microsoft.com/office/powerpoint/2010/main" val="1659732323"/>
       </p:ext>
     </p:extLst>
   </p:cSld>
@@ -2176,11 +2054,11 @@
 </file>
 
 <file path=ppt/slideLayouts/slideLayout1.xml><?xml version="1.0" encoding="utf-8"?>
-<p:sldLayout xmlns:a="http://schemas.openxmlformats.org/drawingml/2006/main" xmlns:r="http://schemas.openxmlformats.org/officeDocument/2006/relationships" xmlns:p="http://schemas.openxmlformats.org/presentationml/2006/main" matchingName="Title slide" type="title">
-  <p:cSld name="TITLE">
+<p:sldLayout xmlns:a="http://schemas.openxmlformats.org/drawingml/2006/main" xmlns:r="http://schemas.openxmlformats.org/officeDocument/2006/relationships" xmlns:p="http://schemas.openxmlformats.org/presentationml/2006/main" type="title" preserve="1">
+  <p:cSld name="Diapositiva de título">
     <p:spTree>
       <p:nvGrpSpPr>
-        <p:cNvPr id="1" name="Shape 9"/>
+        <p:cNvPr id="1" name=""/>
         <p:cNvGrpSpPr/>
         <p:nvPr/>
       </p:nvGrpSpPr>
@@ -2194,8 +2072,8 @@
       </p:grpSpPr>
       <p:sp>
         <p:nvSpPr>
-          <p:cNvPr id="10" name="Google Shape;10;p2"/>
-          <p:cNvSpPr txBox="1">
+          <p:cNvPr id="2" name="Title 1"/>
+          <p:cNvSpPr>
             <a:spLocks noGrp="1"/>
           </p:cNvSpPr>
           <p:nvPr>
@@ -2204,127 +2082,30 @@
         </p:nvSpPr>
         <p:spPr>
           <a:xfrm>
-            <a:off x="311708" y="744575"/>
-            <a:ext cx="8520600" cy="2052600"/>
+            <a:off x="1143000" y="841772"/>
+            <a:ext cx="6858000" cy="1790700"/>
           </a:xfrm>
-          <a:prstGeom prst="rect">
-            <a:avLst/>
-          </a:prstGeom>
         </p:spPr>
         <p:txBody>
-          <a:bodyPr spcFirstLastPara="1" wrap="square" lIns="91425" tIns="91425" rIns="91425" bIns="91425" anchor="b" anchorCtr="0">
-            <a:noAutofit/>
-          </a:bodyPr>
+          <a:bodyPr anchor="b"/>
           <a:lstStyle>
-            <a:lvl1pPr lvl="0" algn="ctr">
-              <a:spcBef>
-                <a:spcPts val="0"/>
-              </a:spcBef>
-              <a:spcAft>
-                <a:spcPts val="0"/>
-              </a:spcAft>
-              <a:buSzPts val="5200"/>
-              <a:buNone/>
-              <a:defRPr sz="5200"/>
+            <a:lvl1pPr algn="ctr">
+              <a:defRPr sz="4500"/>
             </a:lvl1pPr>
-            <a:lvl2pPr lvl="1" algn="ctr">
-              <a:spcBef>
-                <a:spcPts val="0"/>
-              </a:spcBef>
-              <a:spcAft>
-                <a:spcPts val="0"/>
-              </a:spcAft>
-              <a:buSzPts val="5200"/>
-              <a:buNone/>
-              <a:defRPr sz="5200"/>
-            </a:lvl2pPr>
-            <a:lvl3pPr lvl="2" algn="ctr">
-              <a:spcBef>
-                <a:spcPts val="0"/>
-              </a:spcBef>
-              <a:spcAft>
-                <a:spcPts val="0"/>
-              </a:spcAft>
-              <a:buSzPts val="5200"/>
-              <a:buNone/>
-              <a:defRPr sz="5200"/>
-            </a:lvl3pPr>
-            <a:lvl4pPr lvl="3" algn="ctr">
-              <a:spcBef>
-                <a:spcPts val="0"/>
-              </a:spcBef>
-              <a:spcAft>
-                <a:spcPts val="0"/>
-              </a:spcAft>
-              <a:buSzPts val="5200"/>
-              <a:buNone/>
-              <a:defRPr sz="5200"/>
-            </a:lvl4pPr>
-            <a:lvl5pPr lvl="4" algn="ctr">
-              <a:spcBef>
-                <a:spcPts val="0"/>
-              </a:spcBef>
-              <a:spcAft>
-                <a:spcPts val="0"/>
-              </a:spcAft>
-              <a:buSzPts val="5200"/>
-              <a:buNone/>
-              <a:defRPr sz="5200"/>
-            </a:lvl5pPr>
-            <a:lvl6pPr lvl="5" algn="ctr">
-              <a:spcBef>
-                <a:spcPts val="0"/>
-              </a:spcBef>
-              <a:spcAft>
-                <a:spcPts val="0"/>
-              </a:spcAft>
-              <a:buSzPts val="5200"/>
-              <a:buNone/>
-              <a:defRPr sz="5200"/>
-            </a:lvl6pPr>
-            <a:lvl7pPr lvl="6" algn="ctr">
-              <a:spcBef>
-                <a:spcPts val="0"/>
-              </a:spcBef>
-              <a:spcAft>
-                <a:spcPts val="0"/>
-              </a:spcAft>
-              <a:buSzPts val="5200"/>
-              <a:buNone/>
-              <a:defRPr sz="5200"/>
-            </a:lvl7pPr>
-            <a:lvl8pPr lvl="7" algn="ctr">
-              <a:spcBef>
-                <a:spcPts val="0"/>
-              </a:spcBef>
-              <a:spcAft>
-                <a:spcPts val="0"/>
-              </a:spcAft>
-              <a:buSzPts val="5200"/>
-              <a:buNone/>
-              <a:defRPr sz="5200"/>
-            </a:lvl8pPr>
-            <a:lvl9pPr lvl="8" algn="ctr">
-              <a:spcBef>
-                <a:spcPts val="0"/>
-              </a:spcBef>
-              <a:spcAft>
-                <a:spcPts val="0"/>
-              </a:spcAft>
-              <a:buSzPts val="5200"/>
-              <a:buNone/>
-              <a:defRPr sz="5200"/>
-            </a:lvl9pPr>
           </a:lstStyle>
           <a:p>
-            <a:endParaRPr/>
+            <a:r>
+              <a:rPr lang="es-ES" smtClean="0"/>
+              <a:t>Haga clic para modificar el estilo de título del patrón</a:t>
+            </a:r>
+            <a:endParaRPr lang="en-US" dirty="0"/>
           </a:p>
         </p:txBody>
       </p:sp>
       <p:sp>
         <p:nvSpPr>
-          <p:cNvPr id="11" name="Google Shape;11;p2"/>
-          <p:cNvSpPr txBox="1">
+          <p:cNvPr id="3" name="Subtitle 2"/>
+          <p:cNvSpPr>
             <a:spLocks noGrp="1"/>
           </p:cNvSpPr>
           <p:nvPr>
@@ -2333,211 +2114,116 @@
         </p:nvSpPr>
         <p:spPr>
           <a:xfrm>
-            <a:off x="311700" y="2834125"/>
-            <a:ext cx="8520600" cy="792600"/>
+            <a:off x="1143000" y="2701528"/>
+            <a:ext cx="6858000" cy="1241822"/>
           </a:xfrm>
-          <a:prstGeom prst="rect">
-            <a:avLst/>
-          </a:prstGeom>
         </p:spPr>
         <p:txBody>
-          <a:bodyPr spcFirstLastPara="1" wrap="square" lIns="91425" tIns="91425" rIns="91425" bIns="91425" anchor="t" anchorCtr="0">
-            <a:noAutofit/>
-          </a:bodyPr>
+          <a:bodyPr/>
           <a:lstStyle>
-            <a:lvl1pPr lvl="0" algn="ctr">
-              <a:lnSpc>
-                <a:spcPct val="100000"/>
-              </a:lnSpc>
-              <a:spcBef>
-                <a:spcPts val="0"/>
-              </a:spcBef>
-              <a:spcAft>
-                <a:spcPts val="0"/>
-              </a:spcAft>
-              <a:buSzPts val="2800"/>
+            <a:lvl1pPr marL="0" indent="0" algn="ctr">
               <a:buNone/>
-              <a:defRPr sz="2800"/>
+              <a:defRPr sz="1800"/>
             </a:lvl1pPr>
-            <a:lvl2pPr lvl="1" algn="ctr">
-              <a:lnSpc>
-                <a:spcPct val="100000"/>
-              </a:lnSpc>
-              <a:spcBef>
-                <a:spcPts val="0"/>
-              </a:spcBef>
-              <a:spcAft>
-                <a:spcPts val="0"/>
-              </a:spcAft>
-              <a:buSzPts val="2800"/>
+            <a:lvl2pPr marL="342900" indent="0" algn="ctr">
               <a:buNone/>
-              <a:defRPr sz="2800"/>
+              <a:defRPr sz="1500"/>
             </a:lvl2pPr>
-            <a:lvl3pPr lvl="2" algn="ctr">
-              <a:lnSpc>
-                <a:spcPct val="100000"/>
-              </a:lnSpc>
-              <a:spcBef>
-                <a:spcPts val="0"/>
-              </a:spcBef>
-              <a:spcAft>
-                <a:spcPts val="0"/>
-              </a:spcAft>
-              <a:buSzPts val="2800"/>
+            <a:lvl3pPr marL="685800" indent="0" algn="ctr">
               <a:buNone/>
-              <a:defRPr sz="2800"/>
+              <a:defRPr sz="1350"/>
             </a:lvl3pPr>
-            <a:lvl4pPr lvl="3" algn="ctr">
-              <a:lnSpc>
-                <a:spcPct val="100000"/>
-              </a:lnSpc>
-              <a:spcBef>
-                <a:spcPts val="0"/>
-              </a:spcBef>
-              <a:spcAft>
-                <a:spcPts val="0"/>
-              </a:spcAft>
-              <a:buSzPts val="2800"/>
+            <a:lvl4pPr marL="1028700" indent="0" algn="ctr">
               <a:buNone/>
-              <a:defRPr sz="2800"/>
+              <a:defRPr sz="1200"/>
             </a:lvl4pPr>
-            <a:lvl5pPr lvl="4" algn="ctr">
-              <a:lnSpc>
-                <a:spcPct val="100000"/>
-              </a:lnSpc>
-              <a:spcBef>
-                <a:spcPts val="0"/>
-              </a:spcBef>
-              <a:spcAft>
-                <a:spcPts val="0"/>
-              </a:spcAft>
-              <a:buSzPts val="2800"/>
+            <a:lvl5pPr marL="1371600" indent="0" algn="ctr">
               <a:buNone/>
-              <a:defRPr sz="2800"/>
+              <a:defRPr sz="1200"/>
             </a:lvl5pPr>
-            <a:lvl6pPr lvl="5" algn="ctr">
-              <a:lnSpc>
-                <a:spcPct val="100000"/>
-              </a:lnSpc>
-              <a:spcBef>
-                <a:spcPts val="0"/>
-              </a:spcBef>
-              <a:spcAft>
-                <a:spcPts val="0"/>
-              </a:spcAft>
-              <a:buSzPts val="2800"/>
+            <a:lvl6pPr marL="1714500" indent="0" algn="ctr">
               <a:buNone/>
-              <a:defRPr sz="2800"/>
+              <a:defRPr sz="1200"/>
             </a:lvl6pPr>
-            <a:lvl7pPr lvl="6" algn="ctr">
-              <a:lnSpc>
-                <a:spcPct val="100000"/>
-              </a:lnSpc>
-              <a:spcBef>
-                <a:spcPts val="0"/>
-              </a:spcBef>
-              <a:spcAft>
-                <a:spcPts val="0"/>
-              </a:spcAft>
-              <a:buSzPts val="2800"/>
+            <a:lvl7pPr marL="2057400" indent="0" algn="ctr">
               <a:buNone/>
-              <a:defRPr sz="2800"/>
+              <a:defRPr sz="1200"/>
             </a:lvl7pPr>
-            <a:lvl8pPr lvl="7" algn="ctr">
-              <a:lnSpc>
-                <a:spcPct val="100000"/>
-              </a:lnSpc>
-              <a:spcBef>
-                <a:spcPts val="0"/>
-              </a:spcBef>
-              <a:spcAft>
-                <a:spcPts val="0"/>
-              </a:spcAft>
-              <a:buSzPts val="2800"/>
+            <a:lvl8pPr marL="2400300" indent="0" algn="ctr">
               <a:buNone/>
-              <a:defRPr sz="2800"/>
+              <a:defRPr sz="1200"/>
             </a:lvl8pPr>
-            <a:lvl9pPr lvl="8" algn="ctr">
-              <a:lnSpc>
-                <a:spcPct val="100000"/>
-              </a:lnSpc>
-              <a:spcBef>
-                <a:spcPts val="0"/>
-              </a:spcBef>
-              <a:spcAft>
-                <a:spcPts val="0"/>
-              </a:spcAft>
-              <a:buSzPts val="2800"/>
+            <a:lvl9pPr marL="2743200" indent="0" algn="ctr">
               <a:buNone/>
-              <a:defRPr sz="2800"/>
+              <a:defRPr sz="1200"/>
             </a:lvl9pPr>
           </a:lstStyle>
           <a:p>
-            <a:endParaRPr/>
+            <a:r>
+              <a:rPr lang="es-ES" smtClean="0"/>
+              <a:t>Haga clic para editar el estilo de subtítulo del patrón</a:t>
+            </a:r>
+            <a:endParaRPr lang="en-US" dirty="0"/>
           </a:p>
         </p:txBody>
       </p:sp>
       <p:sp>
         <p:nvSpPr>
-          <p:cNvPr id="12" name="Google Shape;12;p2"/>
-          <p:cNvSpPr txBox="1">
+          <p:cNvPr id="4" name="Date Placeholder 3"/>
+          <p:cNvSpPr>
             <a:spLocks noGrp="1"/>
           </p:cNvSpPr>
           <p:nvPr>
-            <p:ph type="sldNum" idx="12"/>
+            <p:ph type="dt" sz="half" idx="10"/>
           </p:nvPr>
         </p:nvSpPr>
-        <p:spPr>
-          <a:xfrm>
-            <a:off x="8472458" y="4663217"/>
-            <a:ext cx="548700" cy="393600"/>
-          </a:xfrm>
-          <a:prstGeom prst="rect">
-            <a:avLst/>
-          </a:prstGeom>
-        </p:spPr>
+        <p:spPr/>
         <p:txBody>
-          <a:bodyPr spcFirstLastPara="1" wrap="square" lIns="91425" tIns="91425" rIns="91425" bIns="91425" anchor="ctr" anchorCtr="0">
-            <a:noAutofit/>
-          </a:bodyPr>
-          <a:lstStyle>
-            <a:lvl1pPr lvl="0">
-              <a:buNone/>
-              <a:defRPr/>
-            </a:lvl1pPr>
-            <a:lvl2pPr lvl="1">
-              <a:buNone/>
-              <a:defRPr/>
-            </a:lvl2pPr>
-            <a:lvl3pPr lvl="2">
-              <a:buNone/>
-              <a:defRPr/>
-            </a:lvl3pPr>
-            <a:lvl4pPr lvl="3">
-              <a:buNone/>
-              <a:defRPr/>
-            </a:lvl4pPr>
-            <a:lvl5pPr lvl="4">
-              <a:buNone/>
-              <a:defRPr/>
-            </a:lvl5pPr>
-            <a:lvl6pPr lvl="5">
-              <a:buNone/>
-              <a:defRPr/>
-            </a:lvl6pPr>
-            <a:lvl7pPr lvl="6">
-              <a:buNone/>
-              <a:defRPr/>
-            </a:lvl7pPr>
-            <a:lvl8pPr lvl="7">
-              <a:buNone/>
-              <a:defRPr/>
-            </a:lvl8pPr>
-            <a:lvl9pPr lvl="8">
-              <a:buNone/>
-              <a:defRPr/>
-            </a:lvl9pPr>
-          </a:lstStyle>
+          <a:bodyPr/>
+          <a:lstStyle/>
+          <a:p>
+            <a:fld id="{B61BEF0D-F0BB-DE4B-95CE-6DB70DBA9567}" type="datetimeFigureOut">
+              <a:rPr lang="en-US" smtClean="0"/>
+              <a:pPr/>
+              <a:t>7/17/2019</a:t>
+            </a:fld>
+            <a:endParaRPr lang="en-US" dirty="0"/>
+          </a:p>
+        </p:txBody>
+      </p:sp>
+      <p:sp>
+        <p:nvSpPr>
+          <p:cNvPr id="5" name="Footer Placeholder 4"/>
+          <p:cNvSpPr>
+            <a:spLocks noGrp="1"/>
+          </p:cNvSpPr>
+          <p:nvPr>
+            <p:ph type="ftr" sz="quarter" idx="11"/>
+          </p:nvPr>
+        </p:nvSpPr>
+        <p:spPr/>
+        <p:txBody>
+          <a:bodyPr/>
+          <a:lstStyle/>
+          <a:p>
+            <a:endParaRPr lang="en-US" dirty="0"/>
+          </a:p>
+        </p:txBody>
+      </p:sp>
+      <p:sp>
+        <p:nvSpPr>
+          <p:cNvPr id="6" name="Slide Number Placeholder 5"/>
+          <p:cNvSpPr>
+            <a:spLocks noGrp="1"/>
+          </p:cNvSpPr>
+          <p:nvPr>
+            <p:ph type="sldNum" sz="quarter" idx="12"/>
+          </p:nvPr>
+        </p:nvSpPr>
+        <p:spPr/>
+        <p:txBody>
+          <a:bodyPr/>
+          <a:lstStyle/>
           <a:p>
             <a:pPr marL="0" lvl="0" indent="0" algn="r" rtl="0">
               <a:spcBef>
@@ -2549,27 +2235,33 @@
               <a:buNone/>
             </a:pPr>
             <a:fld id="{00000000-1234-1234-1234-123412341234}" type="slidenum">
-              <a:rPr lang="en"/>
+              <a:rPr lang="es-419" smtClean="0"/>
               <a:t>‹Nº›</a:t>
             </a:fld>
-            <a:endParaRPr/>
+            <a:endParaRPr lang="es-419"/>
           </a:p>
         </p:txBody>
       </p:sp>
     </p:spTree>
+    <p:extLst>
+      <p:ext uri="{BB962C8B-B14F-4D97-AF65-F5344CB8AC3E}">
+        <p14:creationId xmlns:p14="http://schemas.microsoft.com/office/powerpoint/2010/main" val="1587813601"/>
+      </p:ext>
+    </p:extLst>
   </p:cSld>
   <p:clrMapOvr>
     <a:masterClrMapping/>
   </p:clrMapOvr>
+  <p:hf sldNum="0" hdr="0" ftr="0" dt="0"/>
 </p:sldLayout>
 </file>
 
 <file path=ppt/slideLayouts/slideLayout10.xml><?xml version="1.0" encoding="utf-8"?>
-<p:sldLayout xmlns:a="http://schemas.openxmlformats.org/drawingml/2006/main" xmlns:r="http://schemas.openxmlformats.org/officeDocument/2006/relationships" xmlns:p="http://schemas.openxmlformats.org/presentationml/2006/main" matchingName="Big number">
-  <p:cSld name="BIG_NUMBER">
+<p:sldLayout xmlns:a="http://schemas.openxmlformats.org/drawingml/2006/main" xmlns:r="http://schemas.openxmlformats.org/officeDocument/2006/relationships" xmlns:p="http://schemas.openxmlformats.org/presentationml/2006/main" type="vertTx" preserve="1">
+  <p:cSld name="Título y texto vertical">
     <p:spTree>
       <p:nvGrpSpPr>
-        <p:cNvPr id="1" name="Shape 44"/>
+        <p:cNvPr id="1" name=""/>
         <p:cNvGrpSpPr/>
         <p:nvPr/>
       </p:nvGrpSpPr>
@@ -2583,325 +2275,135 @@
       </p:grpSpPr>
       <p:sp>
         <p:nvSpPr>
-          <p:cNvPr id="45" name="Google Shape;45;p11"/>
-          <p:cNvSpPr txBox="1">
+          <p:cNvPr id="2" name="Title 1"/>
+          <p:cNvSpPr>
             <a:spLocks noGrp="1"/>
           </p:cNvSpPr>
           <p:nvPr>
-            <p:ph type="title" hasCustomPrompt="1"/>
+            <p:ph type="title"/>
           </p:nvPr>
         </p:nvSpPr>
-        <p:spPr>
-          <a:xfrm>
-            <a:off x="311700" y="1106125"/>
-            <a:ext cx="8520600" cy="1963500"/>
-          </a:xfrm>
-          <a:prstGeom prst="rect">
-            <a:avLst/>
-          </a:prstGeom>
-        </p:spPr>
+        <p:spPr/>
         <p:txBody>
-          <a:bodyPr spcFirstLastPara="1" wrap="square" lIns="91425" tIns="91425" rIns="91425" bIns="91425" anchor="b" anchorCtr="0">
-            <a:noAutofit/>
-          </a:bodyPr>
-          <a:lstStyle>
-            <a:lvl1pPr lvl="0" algn="ctr">
-              <a:spcBef>
-                <a:spcPts val="0"/>
-              </a:spcBef>
-              <a:spcAft>
-                <a:spcPts val="0"/>
-              </a:spcAft>
-              <a:buSzPts val="12000"/>
-              <a:buNone/>
-              <a:defRPr sz="12000"/>
-            </a:lvl1pPr>
-            <a:lvl2pPr lvl="1" algn="ctr">
-              <a:spcBef>
-                <a:spcPts val="0"/>
-              </a:spcBef>
-              <a:spcAft>
-                <a:spcPts val="0"/>
-              </a:spcAft>
-              <a:buSzPts val="12000"/>
-              <a:buNone/>
-              <a:defRPr sz="12000"/>
-            </a:lvl2pPr>
-            <a:lvl3pPr lvl="2" algn="ctr">
-              <a:spcBef>
-                <a:spcPts val="0"/>
-              </a:spcBef>
-              <a:spcAft>
-                <a:spcPts val="0"/>
-              </a:spcAft>
-              <a:buSzPts val="12000"/>
-              <a:buNone/>
-              <a:defRPr sz="12000"/>
-            </a:lvl3pPr>
-            <a:lvl4pPr lvl="3" algn="ctr">
-              <a:spcBef>
-                <a:spcPts val="0"/>
-              </a:spcBef>
-              <a:spcAft>
-                <a:spcPts val="0"/>
-              </a:spcAft>
-              <a:buSzPts val="12000"/>
-              <a:buNone/>
-              <a:defRPr sz="12000"/>
-            </a:lvl4pPr>
-            <a:lvl5pPr lvl="4" algn="ctr">
-              <a:spcBef>
-                <a:spcPts val="0"/>
-              </a:spcBef>
-              <a:spcAft>
-                <a:spcPts val="0"/>
-              </a:spcAft>
-              <a:buSzPts val="12000"/>
-              <a:buNone/>
-              <a:defRPr sz="12000"/>
-            </a:lvl5pPr>
-            <a:lvl6pPr lvl="5" algn="ctr">
-              <a:spcBef>
-                <a:spcPts val="0"/>
-              </a:spcBef>
-              <a:spcAft>
-                <a:spcPts val="0"/>
-              </a:spcAft>
-              <a:buSzPts val="12000"/>
-              <a:buNone/>
-              <a:defRPr sz="12000"/>
-            </a:lvl6pPr>
-            <a:lvl7pPr lvl="6" algn="ctr">
-              <a:spcBef>
-                <a:spcPts val="0"/>
-              </a:spcBef>
-              <a:spcAft>
-                <a:spcPts val="0"/>
-              </a:spcAft>
-              <a:buSzPts val="12000"/>
-              <a:buNone/>
-              <a:defRPr sz="12000"/>
-            </a:lvl7pPr>
-            <a:lvl8pPr lvl="7" algn="ctr">
-              <a:spcBef>
-                <a:spcPts val="0"/>
-              </a:spcBef>
-              <a:spcAft>
-                <a:spcPts val="0"/>
-              </a:spcAft>
-              <a:buSzPts val="12000"/>
-              <a:buNone/>
-              <a:defRPr sz="12000"/>
-            </a:lvl8pPr>
-            <a:lvl9pPr lvl="8" algn="ctr">
-              <a:spcBef>
-                <a:spcPts val="0"/>
-              </a:spcBef>
-              <a:spcAft>
-                <a:spcPts val="0"/>
-              </a:spcAft>
-              <a:buSzPts val="12000"/>
-              <a:buNone/>
-              <a:defRPr sz="12000"/>
-            </a:lvl9pPr>
-          </a:lstStyle>
+          <a:bodyPr/>
+          <a:lstStyle/>
           <a:p>
             <a:r>
-              <a:t>xx%</a:t>
+              <a:rPr lang="es-ES" smtClean="0"/>
+              <a:t>Haga clic para modificar el estilo de título del patrón</a:t>
             </a:r>
+            <a:endParaRPr lang="en-US" dirty="0"/>
           </a:p>
         </p:txBody>
       </p:sp>
       <p:sp>
         <p:nvSpPr>
-          <p:cNvPr id="46" name="Google Shape;46;p11"/>
-          <p:cNvSpPr txBox="1">
+          <p:cNvPr id="3" name="Vertical Text Placeholder 2"/>
+          <p:cNvSpPr>
             <a:spLocks noGrp="1"/>
           </p:cNvSpPr>
           <p:nvPr>
-            <p:ph type="body" idx="1"/>
+            <p:ph type="body" orient="vert" idx="1"/>
           </p:nvPr>
         </p:nvSpPr>
-        <p:spPr>
-          <a:xfrm>
-            <a:off x="311700" y="3152225"/>
-            <a:ext cx="8520600" cy="1300800"/>
-          </a:xfrm>
-          <a:prstGeom prst="rect">
-            <a:avLst/>
-          </a:prstGeom>
-        </p:spPr>
+        <p:spPr/>
         <p:txBody>
-          <a:bodyPr spcFirstLastPara="1" wrap="square" lIns="91425" tIns="91425" rIns="91425" bIns="91425" anchor="t" anchorCtr="0">
-            <a:noAutofit/>
-          </a:bodyPr>
-          <a:lstStyle>
-            <a:lvl1pPr marL="457200" lvl="0" indent="-342900" algn="ctr">
-              <a:spcBef>
-                <a:spcPts val="0"/>
-              </a:spcBef>
-              <a:spcAft>
-                <a:spcPts val="0"/>
-              </a:spcAft>
-              <a:buSzPts val="1800"/>
-              <a:buChar char="●"/>
-              <a:defRPr/>
-            </a:lvl1pPr>
-            <a:lvl2pPr marL="914400" lvl="1" indent="-317500" algn="ctr">
-              <a:spcBef>
-                <a:spcPts val="1600"/>
-              </a:spcBef>
-              <a:spcAft>
-                <a:spcPts val="0"/>
-              </a:spcAft>
-              <a:buSzPts val="1400"/>
-              <a:buChar char="○"/>
-              <a:defRPr/>
-            </a:lvl2pPr>
-            <a:lvl3pPr marL="1371600" lvl="2" indent="-317500" algn="ctr">
-              <a:spcBef>
-                <a:spcPts val="1600"/>
-              </a:spcBef>
-              <a:spcAft>
-                <a:spcPts val="0"/>
-              </a:spcAft>
-              <a:buSzPts val="1400"/>
-              <a:buChar char="■"/>
-              <a:defRPr/>
-            </a:lvl3pPr>
-            <a:lvl4pPr marL="1828800" lvl="3" indent="-317500" algn="ctr">
-              <a:spcBef>
-                <a:spcPts val="1600"/>
-              </a:spcBef>
-              <a:spcAft>
-                <a:spcPts val="0"/>
-              </a:spcAft>
-              <a:buSzPts val="1400"/>
-              <a:buChar char="●"/>
-              <a:defRPr/>
-            </a:lvl4pPr>
-            <a:lvl5pPr marL="2286000" lvl="4" indent="-317500" algn="ctr">
-              <a:spcBef>
-                <a:spcPts val="1600"/>
-              </a:spcBef>
-              <a:spcAft>
-                <a:spcPts val="0"/>
-              </a:spcAft>
-              <a:buSzPts val="1400"/>
-              <a:buChar char="○"/>
-              <a:defRPr/>
-            </a:lvl5pPr>
-            <a:lvl6pPr marL="2743200" lvl="5" indent="-317500" algn="ctr">
-              <a:spcBef>
-                <a:spcPts val="1600"/>
-              </a:spcBef>
-              <a:spcAft>
-                <a:spcPts val="0"/>
-              </a:spcAft>
-              <a:buSzPts val="1400"/>
-              <a:buChar char="■"/>
-              <a:defRPr/>
-            </a:lvl6pPr>
-            <a:lvl7pPr marL="3200400" lvl="6" indent="-317500" algn="ctr">
-              <a:spcBef>
-                <a:spcPts val="1600"/>
-              </a:spcBef>
-              <a:spcAft>
-                <a:spcPts val="0"/>
-              </a:spcAft>
-              <a:buSzPts val="1400"/>
-              <a:buChar char="●"/>
-              <a:defRPr/>
-            </a:lvl7pPr>
-            <a:lvl8pPr marL="3657600" lvl="7" indent="-317500" algn="ctr">
-              <a:spcBef>
-                <a:spcPts val="1600"/>
-              </a:spcBef>
-              <a:spcAft>
-                <a:spcPts val="0"/>
-              </a:spcAft>
-              <a:buSzPts val="1400"/>
-              <a:buChar char="○"/>
-              <a:defRPr/>
-            </a:lvl8pPr>
-            <a:lvl9pPr marL="4114800" lvl="8" indent="-317500" algn="ctr">
-              <a:spcBef>
-                <a:spcPts val="1600"/>
-              </a:spcBef>
-              <a:spcAft>
-                <a:spcPts val="1600"/>
-              </a:spcAft>
-              <a:buSzPts val="1400"/>
-              <a:buChar char="■"/>
-              <a:defRPr/>
-            </a:lvl9pPr>
-          </a:lstStyle>
-          <a:p>
-            <a:endParaRPr/>
+          <a:bodyPr vert="eaVert"/>
+          <a:lstStyle/>
+          <a:p>
+            <a:pPr lvl="0"/>
+            <a:r>
+              <a:rPr lang="es-ES" smtClean="0"/>
+              <a:t>Editar el estilo de texto del patrón</a:t>
+            </a:r>
+          </a:p>
+          <a:p>
+            <a:pPr lvl="1"/>
+            <a:r>
+              <a:rPr lang="es-ES" smtClean="0"/>
+              <a:t>Segundo nivel</a:t>
+            </a:r>
+          </a:p>
+          <a:p>
+            <a:pPr lvl="2"/>
+            <a:r>
+              <a:rPr lang="es-ES" smtClean="0"/>
+              <a:t>Tercer nivel</a:t>
+            </a:r>
+          </a:p>
+          <a:p>
+            <a:pPr lvl="3"/>
+            <a:r>
+              <a:rPr lang="es-ES" smtClean="0"/>
+              <a:t>Cuarto nivel</a:t>
+            </a:r>
+          </a:p>
+          <a:p>
+            <a:pPr lvl="4"/>
+            <a:r>
+              <a:rPr lang="es-ES" smtClean="0"/>
+              <a:t>Quinto nivel</a:t>
+            </a:r>
+            <a:endParaRPr lang="en-US" dirty="0"/>
           </a:p>
         </p:txBody>
       </p:sp>
       <p:sp>
         <p:nvSpPr>
-          <p:cNvPr id="47" name="Google Shape;47;p11"/>
-          <p:cNvSpPr txBox="1">
+          <p:cNvPr id="4" name="Date Placeholder 3"/>
+          <p:cNvSpPr>
             <a:spLocks noGrp="1"/>
           </p:cNvSpPr>
           <p:nvPr>
-            <p:ph type="sldNum" idx="12"/>
+            <p:ph type="dt" sz="half" idx="10"/>
           </p:nvPr>
         </p:nvSpPr>
-        <p:spPr>
-          <a:xfrm>
-            <a:off x="8472458" y="4663217"/>
-            <a:ext cx="548700" cy="393600"/>
-          </a:xfrm>
-          <a:prstGeom prst="rect">
-            <a:avLst/>
-          </a:prstGeom>
-        </p:spPr>
+        <p:spPr/>
         <p:txBody>
-          <a:bodyPr spcFirstLastPara="1" wrap="square" lIns="91425" tIns="91425" rIns="91425" bIns="91425" anchor="ctr" anchorCtr="0">
-            <a:noAutofit/>
-          </a:bodyPr>
-          <a:lstStyle>
-            <a:lvl1pPr lvl="0">
-              <a:buNone/>
-              <a:defRPr/>
-            </a:lvl1pPr>
-            <a:lvl2pPr lvl="1">
-              <a:buNone/>
-              <a:defRPr/>
-            </a:lvl2pPr>
-            <a:lvl3pPr lvl="2">
-              <a:buNone/>
-              <a:defRPr/>
-            </a:lvl3pPr>
-            <a:lvl4pPr lvl="3">
-              <a:buNone/>
-              <a:defRPr/>
-            </a:lvl4pPr>
-            <a:lvl5pPr lvl="4">
-              <a:buNone/>
-              <a:defRPr/>
-            </a:lvl5pPr>
-            <a:lvl6pPr lvl="5">
-              <a:buNone/>
-              <a:defRPr/>
-            </a:lvl6pPr>
-            <a:lvl7pPr lvl="6">
-              <a:buNone/>
-              <a:defRPr/>
-            </a:lvl7pPr>
-            <a:lvl8pPr lvl="7">
-              <a:buNone/>
-              <a:defRPr/>
-            </a:lvl8pPr>
-            <a:lvl9pPr lvl="8">
-              <a:buNone/>
-              <a:defRPr/>
-            </a:lvl9pPr>
-          </a:lstStyle>
+          <a:bodyPr/>
+          <a:lstStyle/>
+          <a:p>
+            <a:fld id="{55C6B4A9-1611-4792-9094-5F34BCA07E0B}" type="datetimeFigureOut">
+              <a:rPr lang="en-US" smtClean="0"/>
+              <a:t>7/17/2019</a:t>
+            </a:fld>
+            <a:endParaRPr lang="en-US" dirty="0"/>
+          </a:p>
+        </p:txBody>
+      </p:sp>
+      <p:sp>
+        <p:nvSpPr>
+          <p:cNvPr id="5" name="Footer Placeholder 4"/>
+          <p:cNvSpPr>
+            <a:spLocks noGrp="1"/>
+          </p:cNvSpPr>
+          <p:nvPr>
+            <p:ph type="ftr" sz="quarter" idx="11"/>
+          </p:nvPr>
+        </p:nvSpPr>
+        <p:spPr/>
+        <p:txBody>
+          <a:bodyPr/>
+          <a:lstStyle/>
+          <a:p>
+            <a:endParaRPr lang="en-US" dirty="0"/>
+          </a:p>
+        </p:txBody>
+      </p:sp>
+      <p:sp>
+        <p:nvSpPr>
+          <p:cNvPr id="6" name="Slide Number Placeholder 5"/>
+          <p:cNvSpPr>
+            <a:spLocks noGrp="1"/>
+          </p:cNvSpPr>
+          <p:nvPr>
+            <p:ph type="sldNum" sz="quarter" idx="12"/>
+          </p:nvPr>
+        </p:nvSpPr>
+        <p:spPr/>
+        <p:txBody>
+          <a:bodyPr/>
+          <a:lstStyle/>
           <a:p>
             <a:pPr marL="0" lvl="0" indent="0" algn="r" rtl="0">
               <a:spcBef>
@@ -2913,27 +2415,33 @@
               <a:buNone/>
             </a:pPr>
             <a:fld id="{00000000-1234-1234-1234-123412341234}" type="slidenum">
-              <a:rPr lang="en"/>
+              <a:rPr lang="es-419" smtClean="0"/>
               <a:t>‹Nº›</a:t>
             </a:fld>
-            <a:endParaRPr/>
+            <a:endParaRPr lang="es-419"/>
           </a:p>
         </p:txBody>
       </p:sp>
     </p:spTree>
+    <p:extLst>
+      <p:ext uri="{BB962C8B-B14F-4D97-AF65-F5344CB8AC3E}">
+        <p14:creationId xmlns:p14="http://schemas.microsoft.com/office/powerpoint/2010/main" val="4019957475"/>
+      </p:ext>
+    </p:extLst>
   </p:cSld>
   <p:clrMapOvr>
     <a:masterClrMapping/>
   </p:clrMapOvr>
+  <p:hf sldNum="0" hdr="0" ftr="0" dt="0"/>
 </p:sldLayout>
 </file>
 
 <file path=ppt/slideLayouts/slideLayout11.xml><?xml version="1.0" encoding="utf-8"?>
-<p:sldLayout xmlns:a="http://schemas.openxmlformats.org/drawingml/2006/main" xmlns:r="http://schemas.openxmlformats.org/officeDocument/2006/relationships" xmlns:p="http://schemas.openxmlformats.org/presentationml/2006/main" matchingName="Blank" type="blank">
-  <p:cSld name="BLANK">
+<p:sldLayout xmlns:a="http://schemas.openxmlformats.org/drawingml/2006/main" xmlns:r="http://schemas.openxmlformats.org/officeDocument/2006/relationships" xmlns:p="http://schemas.openxmlformats.org/presentationml/2006/main" type="vertTitleAndTx" preserve="1">
+  <p:cSld name="Título vertical y texto">
     <p:spTree>
       <p:nvGrpSpPr>
-        <p:cNvPr id="1" name="Shape 48"/>
+        <p:cNvPr id="1" name=""/>
         <p:cNvGrpSpPr/>
         <p:nvPr/>
       </p:nvGrpSpPr>
@@ -2947,65 +2455,146 @@
       </p:grpSpPr>
       <p:sp>
         <p:nvSpPr>
-          <p:cNvPr id="49" name="Google Shape;49;p12"/>
-          <p:cNvSpPr txBox="1">
+          <p:cNvPr id="2" name="Vertical Title 1"/>
+          <p:cNvSpPr>
             <a:spLocks noGrp="1"/>
           </p:cNvSpPr>
           <p:nvPr>
-            <p:ph type="sldNum" idx="12"/>
+            <p:ph type="title" orient="vert"/>
           </p:nvPr>
         </p:nvSpPr>
         <p:spPr>
           <a:xfrm>
-            <a:off x="8472458" y="4663217"/>
-            <a:ext cx="548700" cy="393600"/>
+            <a:off x="6543675" y="273844"/>
+            <a:ext cx="1971675" cy="4358879"/>
           </a:xfrm>
-          <a:prstGeom prst="rect">
-            <a:avLst/>
-          </a:prstGeom>
         </p:spPr>
         <p:txBody>
-          <a:bodyPr spcFirstLastPara="1" wrap="square" lIns="91425" tIns="91425" rIns="91425" bIns="91425" anchor="ctr" anchorCtr="0">
-            <a:noAutofit/>
-          </a:bodyPr>
-          <a:lstStyle>
-            <a:lvl1pPr lvl="0">
-              <a:buNone/>
-              <a:defRPr/>
-            </a:lvl1pPr>
-            <a:lvl2pPr lvl="1">
-              <a:buNone/>
-              <a:defRPr/>
-            </a:lvl2pPr>
-            <a:lvl3pPr lvl="2">
-              <a:buNone/>
-              <a:defRPr/>
-            </a:lvl3pPr>
-            <a:lvl4pPr lvl="3">
-              <a:buNone/>
-              <a:defRPr/>
-            </a:lvl4pPr>
-            <a:lvl5pPr lvl="4">
-              <a:buNone/>
-              <a:defRPr/>
-            </a:lvl5pPr>
-            <a:lvl6pPr lvl="5">
-              <a:buNone/>
-              <a:defRPr/>
-            </a:lvl6pPr>
-            <a:lvl7pPr lvl="6">
-              <a:buNone/>
-              <a:defRPr/>
-            </a:lvl7pPr>
-            <a:lvl8pPr lvl="7">
-              <a:buNone/>
-              <a:defRPr/>
-            </a:lvl8pPr>
-            <a:lvl9pPr lvl="8">
-              <a:buNone/>
-              <a:defRPr/>
-            </a:lvl9pPr>
-          </a:lstStyle>
+          <a:bodyPr vert="eaVert"/>
+          <a:lstStyle/>
+          <a:p>
+            <a:r>
+              <a:rPr lang="es-ES" smtClean="0"/>
+              <a:t>Haga clic para modificar el estilo de título del patrón</a:t>
+            </a:r>
+            <a:endParaRPr lang="en-US" dirty="0"/>
+          </a:p>
+        </p:txBody>
+      </p:sp>
+      <p:sp>
+        <p:nvSpPr>
+          <p:cNvPr id="3" name="Vertical Text Placeholder 2"/>
+          <p:cNvSpPr>
+            <a:spLocks noGrp="1"/>
+          </p:cNvSpPr>
+          <p:nvPr>
+            <p:ph type="body" orient="vert" idx="1"/>
+          </p:nvPr>
+        </p:nvSpPr>
+        <p:spPr>
+          <a:xfrm>
+            <a:off x="628650" y="273844"/>
+            <a:ext cx="5800725" cy="4358879"/>
+          </a:xfrm>
+        </p:spPr>
+        <p:txBody>
+          <a:bodyPr vert="eaVert"/>
+          <a:lstStyle/>
+          <a:p>
+            <a:pPr lvl="0"/>
+            <a:r>
+              <a:rPr lang="es-ES" smtClean="0"/>
+              <a:t>Editar el estilo de texto del patrón</a:t>
+            </a:r>
+          </a:p>
+          <a:p>
+            <a:pPr lvl="1"/>
+            <a:r>
+              <a:rPr lang="es-ES" smtClean="0"/>
+              <a:t>Segundo nivel</a:t>
+            </a:r>
+          </a:p>
+          <a:p>
+            <a:pPr lvl="2"/>
+            <a:r>
+              <a:rPr lang="es-ES" smtClean="0"/>
+              <a:t>Tercer nivel</a:t>
+            </a:r>
+          </a:p>
+          <a:p>
+            <a:pPr lvl="3"/>
+            <a:r>
+              <a:rPr lang="es-ES" smtClean="0"/>
+              <a:t>Cuarto nivel</a:t>
+            </a:r>
+          </a:p>
+          <a:p>
+            <a:pPr lvl="4"/>
+            <a:r>
+              <a:rPr lang="es-ES" smtClean="0"/>
+              <a:t>Quinto nivel</a:t>
+            </a:r>
+            <a:endParaRPr lang="en-US" dirty="0"/>
+          </a:p>
+        </p:txBody>
+      </p:sp>
+      <p:sp>
+        <p:nvSpPr>
+          <p:cNvPr id="4" name="Date Placeholder 3"/>
+          <p:cNvSpPr>
+            <a:spLocks noGrp="1"/>
+          </p:cNvSpPr>
+          <p:nvPr>
+            <p:ph type="dt" sz="half" idx="10"/>
+          </p:nvPr>
+        </p:nvSpPr>
+        <p:spPr/>
+        <p:txBody>
+          <a:bodyPr/>
+          <a:lstStyle/>
+          <a:p>
+            <a:fld id="{B61BEF0D-F0BB-DE4B-95CE-6DB70DBA9567}" type="datetimeFigureOut">
+              <a:rPr lang="en-US" smtClean="0"/>
+              <a:pPr/>
+              <a:t>7/17/2019</a:t>
+            </a:fld>
+            <a:endParaRPr lang="en-US" dirty="0"/>
+          </a:p>
+        </p:txBody>
+      </p:sp>
+      <p:sp>
+        <p:nvSpPr>
+          <p:cNvPr id="5" name="Footer Placeholder 4"/>
+          <p:cNvSpPr>
+            <a:spLocks noGrp="1"/>
+          </p:cNvSpPr>
+          <p:nvPr>
+            <p:ph type="ftr" sz="quarter" idx="11"/>
+          </p:nvPr>
+        </p:nvSpPr>
+        <p:spPr/>
+        <p:txBody>
+          <a:bodyPr/>
+          <a:lstStyle/>
+          <a:p>
+            <a:endParaRPr lang="en-US" dirty="0"/>
+          </a:p>
+        </p:txBody>
+      </p:sp>
+      <p:sp>
+        <p:nvSpPr>
+          <p:cNvPr id="6" name="Slide Number Placeholder 5"/>
+          <p:cNvSpPr>
+            <a:spLocks noGrp="1"/>
+          </p:cNvSpPr>
+          <p:nvPr>
+            <p:ph type="sldNum" sz="quarter" idx="12"/>
+          </p:nvPr>
+        </p:nvSpPr>
+        <p:spPr/>
+        <p:txBody>
+          <a:bodyPr/>
+          <a:lstStyle/>
           <a:p>
             <a:pPr marL="0" lvl="0" indent="0" algn="r" rtl="0">
               <a:spcBef>
@@ -3017,257 +2606,30 @@
               <a:buNone/>
             </a:pPr>
             <a:fld id="{00000000-1234-1234-1234-123412341234}" type="slidenum">
-              <a:rPr lang="en"/>
+              <a:rPr lang="es-419" smtClean="0"/>
               <a:t>‹Nº›</a:t>
             </a:fld>
-            <a:endParaRPr/>
+            <a:endParaRPr lang="es-419"/>
           </a:p>
         </p:txBody>
       </p:sp>
     </p:spTree>
+    <p:extLst>
+      <p:ext uri="{BB962C8B-B14F-4D97-AF65-F5344CB8AC3E}">
+        <p14:creationId xmlns:p14="http://schemas.microsoft.com/office/powerpoint/2010/main" val="1309172764"/>
+      </p:ext>
+    </p:extLst>
   </p:cSld>
   <p:clrMapOvr>
     <a:masterClrMapping/>
   </p:clrMapOvr>
+  <p:hf sldNum="0" hdr="0" ftr="0" dt="0"/>
 </p:sldLayout>
 </file>
 
-<file path=ppt/slideLayouts/slideLayout2.xml><?xml version="1.0" encoding="utf-8"?>
-<p:sldLayout xmlns:a="http://schemas.openxmlformats.org/drawingml/2006/main" xmlns:r="http://schemas.openxmlformats.org/officeDocument/2006/relationships" xmlns:p="http://schemas.openxmlformats.org/presentationml/2006/main" matchingName="Section header" type="secHead">
-  <p:cSld name="SECTION_HEADER">
-    <p:spTree>
-      <p:nvGrpSpPr>
-        <p:cNvPr id="1" name="Shape 13"/>
-        <p:cNvGrpSpPr/>
-        <p:nvPr/>
-      </p:nvGrpSpPr>
-      <p:grpSpPr>
-        <a:xfrm>
-          <a:off x="0" y="0"/>
-          <a:ext cx="0" cy="0"/>
-          <a:chOff x="0" y="0"/>
-          <a:chExt cx="0" cy="0"/>
-        </a:xfrm>
-      </p:grpSpPr>
-      <p:sp>
-        <p:nvSpPr>
-          <p:cNvPr id="14" name="Google Shape;14;p3"/>
-          <p:cNvSpPr txBox="1">
-            <a:spLocks noGrp="1"/>
-          </p:cNvSpPr>
-          <p:nvPr>
-            <p:ph type="title"/>
-          </p:nvPr>
-        </p:nvSpPr>
-        <p:spPr>
-          <a:xfrm>
-            <a:off x="311700" y="2150850"/>
-            <a:ext cx="8520600" cy="841800"/>
-          </a:xfrm>
-          <a:prstGeom prst="rect">
-            <a:avLst/>
-          </a:prstGeom>
-        </p:spPr>
-        <p:txBody>
-          <a:bodyPr spcFirstLastPara="1" wrap="square" lIns="91425" tIns="91425" rIns="91425" bIns="91425" anchor="ctr" anchorCtr="0">
-            <a:noAutofit/>
-          </a:bodyPr>
-          <a:lstStyle>
-            <a:lvl1pPr lvl="0" algn="ctr">
-              <a:spcBef>
-                <a:spcPts val="0"/>
-              </a:spcBef>
-              <a:spcAft>
-                <a:spcPts val="0"/>
-              </a:spcAft>
-              <a:buSzPts val="3600"/>
-              <a:buNone/>
-              <a:defRPr sz="3600"/>
-            </a:lvl1pPr>
-            <a:lvl2pPr lvl="1" algn="ctr">
-              <a:spcBef>
-                <a:spcPts val="0"/>
-              </a:spcBef>
-              <a:spcAft>
-                <a:spcPts val="0"/>
-              </a:spcAft>
-              <a:buSzPts val="3600"/>
-              <a:buNone/>
-              <a:defRPr sz="3600"/>
-            </a:lvl2pPr>
-            <a:lvl3pPr lvl="2" algn="ctr">
-              <a:spcBef>
-                <a:spcPts val="0"/>
-              </a:spcBef>
-              <a:spcAft>
-                <a:spcPts val="0"/>
-              </a:spcAft>
-              <a:buSzPts val="3600"/>
-              <a:buNone/>
-              <a:defRPr sz="3600"/>
-            </a:lvl3pPr>
-            <a:lvl4pPr lvl="3" algn="ctr">
-              <a:spcBef>
-                <a:spcPts val="0"/>
-              </a:spcBef>
-              <a:spcAft>
-                <a:spcPts val="0"/>
-              </a:spcAft>
-              <a:buSzPts val="3600"/>
-              <a:buNone/>
-              <a:defRPr sz="3600"/>
-            </a:lvl4pPr>
-            <a:lvl5pPr lvl="4" algn="ctr">
-              <a:spcBef>
-                <a:spcPts val="0"/>
-              </a:spcBef>
-              <a:spcAft>
-                <a:spcPts val="0"/>
-              </a:spcAft>
-              <a:buSzPts val="3600"/>
-              <a:buNone/>
-              <a:defRPr sz="3600"/>
-            </a:lvl5pPr>
-            <a:lvl6pPr lvl="5" algn="ctr">
-              <a:spcBef>
-                <a:spcPts val="0"/>
-              </a:spcBef>
-              <a:spcAft>
-                <a:spcPts val="0"/>
-              </a:spcAft>
-              <a:buSzPts val="3600"/>
-              <a:buNone/>
-              <a:defRPr sz="3600"/>
-            </a:lvl6pPr>
-            <a:lvl7pPr lvl="6" algn="ctr">
-              <a:spcBef>
-                <a:spcPts val="0"/>
-              </a:spcBef>
-              <a:spcAft>
-                <a:spcPts val="0"/>
-              </a:spcAft>
-              <a:buSzPts val="3600"/>
-              <a:buNone/>
-              <a:defRPr sz="3600"/>
-            </a:lvl7pPr>
-            <a:lvl8pPr lvl="7" algn="ctr">
-              <a:spcBef>
-                <a:spcPts val="0"/>
-              </a:spcBef>
-              <a:spcAft>
-                <a:spcPts val="0"/>
-              </a:spcAft>
-              <a:buSzPts val="3600"/>
-              <a:buNone/>
-              <a:defRPr sz="3600"/>
-            </a:lvl8pPr>
-            <a:lvl9pPr lvl="8" algn="ctr">
-              <a:spcBef>
-                <a:spcPts val="0"/>
-              </a:spcBef>
-              <a:spcAft>
-                <a:spcPts val="0"/>
-              </a:spcAft>
-              <a:buSzPts val="3600"/>
-              <a:buNone/>
-              <a:defRPr sz="3600"/>
-            </a:lvl9pPr>
-          </a:lstStyle>
-          <a:p>
-            <a:endParaRPr/>
-          </a:p>
-        </p:txBody>
-      </p:sp>
-      <p:sp>
-        <p:nvSpPr>
-          <p:cNvPr id="15" name="Google Shape;15;p3"/>
-          <p:cNvSpPr txBox="1">
-            <a:spLocks noGrp="1"/>
-          </p:cNvSpPr>
-          <p:nvPr>
-            <p:ph type="sldNum" idx="12"/>
-          </p:nvPr>
-        </p:nvSpPr>
-        <p:spPr>
-          <a:xfrm>
-            <a:off x="8472458" y="4663217"/>
-            <a:ext cx="548700" cy="393600"/>
-          </a:xfrm>
-          <a:prstGeom prst="rect">
-            <a:avLst/>
-          </a:prstGeom>
-        </p:spPr>
-        <p:txBody>
-          <a:bodyPr spcFirstLastPara="1" wrap="square" lIns="91425" tIns="91425" rIns="91425" bIns="91425" anchor="ctr" anchorCtr="0">
-            <a:noAutofit/>
-          </a:bodyPr>
-          <a:lstStyle>
-            <a:lvl1pPr lvl="0">
-              <a:buNone/>
-              <a:defRPr/>
-            </a:lvl1pPr>
-            <a:lvl2pPr lvl="1">
-              <a:buNone/>
-              <a:defRPr/>
-            </a:lvl2pPr>
-            <a:lvl3pPr lvl="2">
-              <a:buNone/>
-              <a:defRPr/>
-            </a:lvl3pPr>
-            <a:lvl4pPr lvl="3">
-              <a:buNone/>
-              <a:defRPr/>
-            </a:lvl4pPr>
-            <a:lvl5pPr lvl="4">
-              <a:buNone/>
-              <a:defRPr/>
-            </a:lvl5pPr>
-            <a:lvl6pPr lvl="5">
-              <a:buNone/>
-              <a:defRPr/>
-            </a:lvl6pPr>
-            <a:lvl7pPr lvl="6">
-              <a:buNone/>
-              <a:defRPr/>
-            </a:lvl7pPr>
-            <a:lvl8pPr lvl="7">
-              <a:buNone/>
-              <a:defRPr/>
-            </a:lvl8pPr>
-            <a:lvl9pPr lvl="8">
-              <a:buNone/>
-              <a:defRPr/>
-            </a:lvl9pPr>
-          </a:lstStyle>
-          <a:p>
-            <a:pPr marL="0" lvl="0" indent="0" algn="r" rtl="0">
-              <a:spcBef>
-                <a:spcPts val="0"/>
-              </a:spcBef>
-              <a:spcAft>
-                <a:spcPts val="0"/>
-              </a:spcAft>
-              <a:buNone/>
-            </a:pPr>
-            <a:fld id="{00000000-1234-1234-1234-123412341234}" type="slidenum">
-              <a:rPr lang="en"/>
-              <a:t>‹Nº›</a:t>
-            </a:fld>
-            <a:endParaRPr/>
-          </a:p>
-        </p:txBody>
-      </p:sp>
-    </p:spTree>
-  </p:cSld>
-  <p:clrMapOvr>
-    <a:masterClrMapping/>
-  </p:clrMapOvr>
-</p:sldLayout>
-</file>
-
-<file path=ppt/slideLayouts/slideLayout3.xml><?xml version="1.0" encoding="utf-8"?>
+<file path=ppt/slideLayouts/slideLayout12.xml><?xml version="1.0" encoding="utf-8"?>
 <p:sldLayout xmlns:a="http://schemas.openxmlformats.org/drawingml/2006/main" xmlns:r="http://schemas.openxmlformats.org/officeDocument/2006/relationships" xmlns:p="http://schemas.openxmlformats.org/presentationml/2006/main" matchingName="Title and body" type="tx">
-  <p:cSld name="TITLE_AND_BODY">
+  <p:cSld name="Title and body">
     <p:spTree>
       <p:nvGrpSpPr>
         <p:cNvPr id="1" name="Shape 16"/>
@@ -3620,6 +2982,11 @@
         </p:txBody>
       </p:sp>
     </p:spTree>
+    <p:extLst>
+      <p:ext uri="{BB962C8B-B14F-4D97-AF65-F5344CB8AC3E}">
+        <p14:creationId xmlns:p14="http://schemas.microsoft.com/office/powerpoint/2010/main" val="403119753"/>
+      </p:ext>
+    </p:extLst>
   </p:cSld>
   <p:clrMapOvr>
     <a:masterClrMapping/>
@@ -3627,12 +2994,12 @@
 </p:sldLayout>
 </file>
 
-<file path=ppt/slideLayouts/slideLayout4.xml><?xml version="1.0" encoding="utf-8"?>
-<p:sldLayout xmlns:a="http://schemas.openxmlformats.org/drawingml/2006/main" xmlns:r="http://schemas.openxmlformats.org/officeDocument/2006/relationships" xmlns:p="http://schemas.openxmlformats.org/presentationml/2006/main" matchingName="Title and two columns" type="twoColTx">
-  <p:cSld name="TITLE_AND_TWO_COLUMNS">
+<file path=ppt/slideLayouts/slideLayout2.xml><?xml version="1.0" encoding="utf-8"?>
+<p:sldLayout xmlns:a="http://schemas.openxmlformats.org/drawingml/2006/main" xmlns:r="http://schemas.openxmlformats.org/officeDocument/2006/relationships" xmlns:p="http://schemas.openxmlformats.org/presentationml/2006/main" type="obj" preserve="1">
+  <p:cSld name="Título y objetos">
     <p:spTree>
       <p:nvGrpSpPr>
-        <p:cNvPr id="1" name="Shape 20"/>
+        <p:cNvPr id="1" name=""/>
         <p:cNvGrpSpPr/>
         <p:nvPr/>
       </p:nvGrpSpPr>
@@ -3646,452 +3013,136 @@
       </p:grpSpPr>
       <p:sp>
         <p:nvSpPr>
-          <p:cNvPr id="21" name="Google Shape;21;p5"/>
-          <p:cNvSpPr txBox="1">
+          <p:cNvPr id="2" name="Title 1"/>
+          <p:cNvSpPr>
             <a:spLocks noGrp="1"/>
           </p:cNvSpPr>
           <p:nvPr>
             <p:ph type="title"/>
           </p:nvPr>
         </p:nvSpPr>
-        <p:spPr>
-          <a:xfrm>
-            <a:off x="311700" y="445025"/>
-            <a:ext cx="8520600" cy="572700"/>
-          </a:xfrm>
-          <a:prstGeom prst="rect">
-            <a:avLst/>
-          </a:prstGeom>
-        </p:spPr>
+        <p:spPr/>
         <p:txBody>
-          <a:bodyPr spcFirstLastPara="1" wrap="square" lIns="91425" tIns="91425" rIns="91425" bIns="91425" anchor="t" anchorCtr="0">
-            <a:noAutofit/>
-          </a:bodyPr>
-          <a:lstStyle>
-            <a:lvl1pPr lvl="0">
-              <a:spcBef>
-                <a:spcPts val="0"/>
-              </a:spcBef>
-              <a:spcAft>
-                <a:spcPts val="0"/>
-              </a:spcAft>
-              <a:buSzPts val="2800"/>
-              <a:buNone/>
-              <a:defRPr/>
-            </a:lvl1pPr>
-            <a:lvl2pPr lvl="1">
-              <a:spcBef>
-                <a:spcPts val="0"/>
-              </a:spcBef>
-              <a:spcAft>
-                <a:spcPts val="0"/>
-              </a:spcAft>
-              <a:buSzPts val="2800"/>
-              <a:buNone/>
-              <a:defRPr/>
-            </a:lvl2pPr>
-            <a:lvl3pPr lvl="2">
-              <a:spcBef>
-                <a:spcPts val="0"/>
-              </a:spcBef>
-              <a:spcAft>
-                <a:spcPts val="0"/>
-              </a:spcAft>
-              <a:buSzPts val="2800"/>
-              <a:buNone/>
-              <a:defRPr/>
-            </a:lvl3pPr>
-            <a:lvl4pPr lvl="3">
-              <a:spcBef>
-                <a:spcPts val="0"/>
-              </a:spcBef>
-              <a:spcAft>
-                <a:spcPts val="0"/>
-              </a:spcAft>
-              <a:buSzPts val="2800"/>
-              <a:buNone/>
-              <a:defRPr/>
-            </a:lvl4pPr>
-            <a:lvl5pPr lvl="4">
-              <a:spcBef>
-                <a:spcPts val="0"/>
-              </a:spcBef>
-              <a:spcAft>
-                <a:spcPts val="0"/>
-              </a:spcAft>
-              <a:buSzPts val="2800"/>
-              <a:buNone/>
-              <a:defRPr/>
-            </a:lvl5pPr>
-            <a:lvl6pPr lvl="5">
-              <a:spcBef>
-                <a:spcPts val="0"/>
-              </a:spcBef>
-              <a:spcAft>
-                <a:spcPts val="0"/>
-              </a:spcAft>
-              <a:buSzPts val="2800"/>
-              <a:buNone/>
-              <a:defRPr/>
-            </a:lvl6pPr>
-            <a:lvl7pPr lvl="6">
-              <a:spcBef>
-                <a:spcPts val="0"/>
-              </a:spcBef>
-              <a:spcAft>
-                <a:spcPts val="0"/>
-              </a:spcAft>
-              <a:buSzPts val="2800"/>
-              <a:buNone/>
-              <a:defRPr/>
-            </a:lvl7pPr>
-            <a:lvl8pPr lvl="7">
-              <a:spcBef>
-                <a:spcPts val="0"/>
-              </a:spcBef>
-              <a:spcAft>
-                <a:spcPts val="0"/>
-              </a:spcAft>
-              <a:buSzPts val="2800"/>
-              <a:buNone/>
-              <a:defRPr/>
-            </a:lvl8pPr>
-            <a:lvl9pPr lvl="8">
-              <a:spcBef>
-                <a:spcPts val="0"/>
-              </a:spcBef>
-              <a:spcAft>
-                <a:spcPts val="0"/>
-              </a:spcAft>
-              <a:buSzPts val="2800"/>
-              <a:buNone/>
-              <a:defRPr/>
-            </a:lvl9pPr>
-          </a:lstStyle>
-          <a:p>
-            <a:endParaRPr/>
+          <a:bodyPr/>
+          <a:lstStyle/>
+          <a:p>
+            <a:r>
+              <a:rPr lang="es-ES" smtClean="0"/>
+              <a:t>Haga clic para modificar el estilo de título del patrón</a:t>
+            </a:r>
+            <a:endParaRPr lang="en-US" dirty="0"/>
           </a:p>
         </p:txBody>
       </p:sp>
       <p:sp>
         <p:nvSpPr>
-          <p:cNvPr id="22" name="Google Shape;22;p5"/>
-          <p:cNvSpPr txBox="1">
+          <p:cNvPr id="3" name="Content Placeholder 2"/>
+          <p:cNvSpPr>
             <a:spLocks noGrp="1"/>
           </p:cNvSpPr>
           <p:nvPr>
-            <p:ph type="body" idx="1"/>
+            <p:ph idx="1"/>
           </p:nvPr>
         </p:nvSpPr>
-        <p:spPr>
-          <a:xfrm>
-            <a:off x="311700" y="1152475"/>
-            <a:ext cx="3999900" cy="3416400"/>
-          </a:xfrm>
-          <a:prstGeom prst="rect">
-            <a:avLst/>
-          </a:prstGeom>
-        </p:spPr>
+        <p:spPr/>
         <p:txBody>
-          <a:bodyPr spcFirstLastPara="1" wrap="square" lIns="91425" tIns="91425" rIns="91425" bIns="91425" anchor="t" anchorCtr="0">
-            <a:noAutofit/>
-          </a:bodyPr>
-          <a:lstStyle>
-            <a:lvl1pPr marL="457200" lvl="0" indent="-317500">
-              <a:spcBef>
-                <a:spcPts val="0"/>
-              </a:spcBef>
-              <a:spcAft>
-                <a:spcPts val="0"/>
-              </a:spcAft>
-              <a:buSzPts val="1400"/>
-              <a:buChar char="●"/>
-              <a:defRPr sz="1400"/>
-            </a:lvl1pPr>
-            <a:lvl2pPr marL="914400" lvl="1" indent="-304800">
-              <a:spcBef>
-                <a:spcPts val="1600"/>
-              </a:spcBef>
-              <a:spcAft>
-                <a:spcPts val="0"/>
-              </a:spcAft>
-              <a:buSzPts val="1200"/>
-              <a:buChar char="○"/>
-              <a:defRPr sz="1200"/>
-            </a:lvl2pPr>
-            <a:lvl3pPr marL="1371600" lvl="2" indent="-304800">
-              <a:spcBef>
-                <a:spcPts val="1600"/>
-              </a:spcBef>
-              <a:spcAft>
-                <a:spcPts val="0"/>
-              </a:spcAft>
-              <a:buSzPts val="1200"/>
-              <a:buChar char="■"/>
-              <a:defRPr sz="1200"/>
-            </a:lvl3pPr>
-            <a:lvl4pPr marL="1828800" lvl="3" indent="-304800">
-              <a:spcBef>
-                <a:spcPts val="1600"/>
-              </a:spcBef>
-              <a:spcAft>
-                <a:spcPts val="0"/>
-              </a:spcAft>
-              <a:buSzPts val="1200"/>
-              <a:buChar char="●"/>
-              <a:defRPr sz="1200"/>
-            </a:lvl4pPr>
-            <a:lvl5pPr marL="2286000" lvl="4" indent="-304800">
-              <a:spcBef>
-                <a:spcPts val="1600"/>
-              </a:spcBef>
-              <a:spcAft>
-                <a:spcPts val="0"/>
-              </a:spcAft>
-              <a:buSzPts val="1200"/>
-              <a:buChar char="○"/>
-              <a:defRPr sz="1200"/>
-            </a:lvl5pPr>
-            <a:lvl6pPr marL="2743200" lvl="5" indent="-304800">
-              <a:spcBef>
-                <a:spcPts val="1600"/>
-              </a:spcBef>
-              <a:spcAft>
-                <a:spcPts val="0"/>
-              </a:spcAft>
-              <a:buSzPts val="1200"/>
-              <a:buChar char="■"/>
-              <a:defRPr sz="1200"/>
-            </a:lvl6pPr>
-            <a:lvl7pPr marL="3200400" lvl="6" indent="-304800">
-              <a:spcBef>
-                <a:spcPts val="1600"/>
-              </a:spcBef>
-              <a:spcAft>
-                <a:spcPts val="0"/>
-              </a:spcAft>
-              <a:buSzPts val="1200"/>
-              <a:buChar char="●"/>
-              <a:defRPr sz="1200"/>
-            </a:lvl7pPr>
-            <a:lvl8pPr marL="3657600" lvl="7" indent="-304800">
-              <a:spcBef>
-                <a:spcPts val="1600"/>
-              </a:spcBef>
-              <a:spcAft>
-                <a:spcPts val="0"/>
-              </a:spcAft>
-              <a:buSzPts val="1200"/>
-              <a:buChar char="○"/>
-              <a:defRPr sz="1200"/>
-            </a:lvl8pPr>
-            <a:lvl9pPr marL="4114800" lvl="8" indent="-304800">
-              <a:spcBef>
-                <a:spcPts val="1600"/>
-              </a:spcBef>
-              <a:spcAft>
-                <a:spcPts val="1600"/>
-              </a:spcAft>
-              <a:buSzPts val="1200"/>
-              <a:buChar char="■"/>
-              <a:defRPr sz="1200"/>
-            </a:lvl9pPr>
-          </a:lstStyle>
-          <a:p>
-            <a:endParaRPr/>
+          <a:bodyPr/>
+          <a:lstStyle/>
+          <a:p>
+            <a:pPr lvl="0"/>
+            <a:r>
+              <a:rPr lang="es-ES" smtClean="0"/>
+              <a:t>Editar el estilo de texto del patrón</a:t>
+            </a:r>
+          </a:p>
+          <a:p>
+            <a:pPr lvl="1"/>
+            <a:r>
+              <a:rPr lang="es-ES" smtClean="0"/>
+              <a:t>Segundo nivel</a:t>
+            </a:r>
+          </a:p>
+          <a:p>
+            <a:pPr lvl="2"/>
+            <a:r>
+              <a:rPr lang="es-ES" smtClean="0"/>
+              <a:t>Tercer nivel</a:t>
+            </a:r>
+          </a:p>
+          <a:p>
+            <a:pPr lvl="3"/>
+            <a:r>
+              <a:rPr lang="es-ES" smtClean="0"/>
+              <a:t>Cuarto nivel</a:t>
+            </a:r>
+          </a:p>
+          <a:p>
+            <a:pPr lvl="4"/>
+            <a:r>
+              <a:rPr lang="es-ES" smtClean="0"/>
+              <a:t>Quinto nivel</a:t>
+            </a:r>
+            <a:endParaRPr lang="en-US" dirty="0"/>
           </a:p>
         </p:txBody>
       </p:sp>
       <p:sp>
         <p:nvSpPr>
-          <p:cNvPr id="23" name="Google Shape;23;p5"/>
-          <p:cNvSpPr txBox="1">
+          <p:cNvPr id="4" name="Date Placeholder 3"/>
+          <p:cNvSpPr>
             <a:spLocks noGrp="1"/>
           </p:cNvSpPr>
           <p:nvPr>
-            <p:ph type="body" idx="2"/>
+            <p:ph type="dt" sz="half" idx="10"/>
           </p:nvPr>
         </p:nvSpPr>
-        <p:spPr>
-          <a:xfrm>
-            <a:off x="4832400" y="1152475"/>
-            <a:ext cx="3999900" cy="3416400"/>
-          </a:xfrm>
-          <a:prstGeom prst="rect">
-            <a:avLst/>
-          </a:prstGeom>
-        </p:spPr>
+        <p:spPr/>
         <p:txBody>
-          <a:bodyPr spcFirstLastPara="1" wrap="square" lIns="91425" tIns="91425" rIns="91425" bIns="91425" anchor="t" anchorCtr="0">
-            <a:noAutofit/>
-          </a:bodyPr>
-          <a:lstStyle>
-            <a:lvl1pPr marL="457200" lvl="0" indent="-317500">
-              <a:spcBef>
-                <a:spcPts val="0"/>
-              </a:spcBef>
-              <a:spcAft>
-                <a:spcPts val="0"/>
-              </a:spcAft>
-              <a:buSzPts val="1400"/>
-              <a:buChar char="●"/>
-              <a:defRPr sz="1400"/>
-            </a:lvl1pPr>
-            <a:lvl2pPr marL="914400" lvl="1" indent="-304800">
-              <a:spcBef>
-                <a:spcPts val="1600"/>
-              </a:spcBef>
-              <a:spcAft>
-                <a:spcPts val="0"/>
-              </a:spcAft>
-              <a:buSzPts val="1200"/>
-              <a:buChar char="○"/>
-              <a:defRPr sz="1200"/>
-            </a:lvl2pPr>
-            <a:lvl3pPr marL="1371600" lvl="2" indent="-304800">
-              <a:spcBef>
-                <a:spcPts val="1600"/>
-              </a:spcBef>
-              <a:spcAft>
-                <a:spcPts val="0"/>
-              </a:spcAft>
-              <a:buSzPts val="1200"/>
-              <a:buChar char="■"/>
-              <a:defRPr sz="1200"/>
-            </a:lvl3pPr>
-            <a:lvl4pPr marL="1828800" lvl="3" indent="-304800">
-              <a:spcBef>
-                <a:spcPts val="1600"/>
-              </a:spcBef>
-              <a:spcAft>
-                <a:spcPts val="0"/>
-              </a:spcAft>
-              <a:buSzPts val="1200"/>
-              <a:buChar char="●"/>
-              <a:defRPr sz="1200"/>
-            </a:lvl4pPr>
-            <a:lvl5pPr marL="2286000" lvl="4" indent="-304800">
-              <a:spcBef>
-                <a:spcPts val="1600"/>
-              </a:spcBef>
-              <a:spcAft>
-                <a:spcPts val="0"/>
-              </a:spcAft>
-              <a:buSzPts val="1200"/>
-              <a:buChar char="○"/>
-              <a:defRPr sz="1200"/>
-            </a:lvl5pPr>
-            <a:lvl6pPr marL="2743200" lvl="5" indent="-304800">
-              <a:spcBef>
-                <a:spcPts val="1600"/>
-              </a:spcBef>
-              <a:spcAft>
-                <a:spcPts val="0"/>
-              </a:spcAft>
-              <a:buSzPts val="1200"/>
-              <a:buChar char="■"/>
-              <a:defRPr sz="1200"/>
-            </a:lvl6pPr>
-            <a:lvl7pPr marL="3200400" lvl="6" indent="-304800">
-              <a:spcBef>
-                <a:spcPts val="1600"/>
-              </a:spcBef>
-              <a:spcAft>
-                <a:spcPts val="0"/>
-              </a:spcAft>
-              <a:buSzPts val="1200"/>
-              <a:buChar char="●"/>
-              <a:defRPr sz="1200"/>
-            </a:lvl7pPr>
-            <a:lvl8pPr marL="3657600" lvl="7" indent="-304800">
-              <a:spcBef>
-                <a:spcPts val="1600"/>
-              </a:spcBef>
-              <a:spcAft>
-                <a:spcPts val="0"/>
-              </a:spcAft>
-              <a:buSzPts val="1200"/>
-              <a:buChar char="○"/>
-              <a:defRPr sz="1200"/>
-            </a:lvl8pPr>
-            <a:lvl9pPr marL="4114800" lvl="8" indent="-304800">
-              <a:spcBef>
-                <a:spcPts val="1600"/>
-              </a:spcBef>
-              <a:spcAft>
-                <a:spcPts val="1600"/>
-              </a:spcAft>
-              <a:buSzPts val="1200"/>
-              <a:buChar char="■"/>
-              <a:defRPr sz="1200"/>
-            </a:lvl9pPr>
-          </a:lstStyle>
-          <a:p>
-            <a:endParaRPr/>
+          <a:bodyPr/>
+          <a:lstStyle/>
+          <a:p>
+            <a:fld id="{B61BEF0D-F0BB-DE4B-95CE-6DB70DBA9567}" type="datetimeFigureOut">
+              <a:rPr lang="en-US" smtClean="0"/>
+              <a:pPr/>
+              <a:t>7/17/2019</a:t>
+            </a:fld>
+            <a:endParaRPr lang="en-US" dirty="0"/>
           </a:p>
         </p:txBody>
       </p:sp>
       <p:sp>
         <p:nvSpPr>
-          <p:cNvPr id="24" name="Google Shape;24;p5"/>
-          <p:cNvSpPr txBox="1">
+          <p:cNvPr id="5" name="Footer Placeholder 4"/>
+          <p:cNvSpPr>
             <a:spLocks noGrp="1"/>
           </p:cNvSpPr>
           <p:nvPr>
-            <p:ph type="sldNum" idx="12"/>
+            <p:ph type="ftr" sz="quarter" idx="11"/>
           </p:nvPr>
         </p:nvSpPr>
-        <p:spPr>
-          <a:xfrm>
-            <a:off x="8472458" y="4663217"/>
-            <a:ext cx="548700" cy="393600"/>
-          </a:xfrm>
-          <a:prstGeom prst="rect">
-            <a:avLst/>
-          </a:prstGeom>
-        </p:spPr>
+        <p:spPr/>
         <p:txBody>
-          <a:bodyPr spcFirstLastPara="1" wrap="square" lIns="91425" tIns="91425" rIns="91425" bIns="91425" anchor="ctr" anchorCtr="0">
-            <a:noAutofit/>
-          </a:bodyPr>
-          <a:lstStyle>
-            <a:lvl1pPr lvl="0">
-              <a:buNone/>
-              <a:defRPr/>
-            </a:lvl1pPr>
-            <a:lvl2pPr lvl="1">
-              <a:buNone/>
-              <a:defRPr/>
-            </a:lvl2pPr>
-            <a:lvl3pPr lvl="2">
-              <a:buNone/>
-              <a:defRPr/>
-            </a:lvl3pPr>
-            <a:lvl4pPr lvl="3">
-              <a:buNone/>
-              <a:defRPr/>
-            </a:lvl4pPr>
-            <a:lvl5pPr lvl="4">
-              <a:buNone/>
-              <a:defRPr/>
-            </a:lvl5pPr>
-            <a:lvl6pPr lvl="5">
-              <a:buNone/>
-              <a:defRPr/>
-            </a:lvl6pPr>
-            <a:lvl7pPr lvl="6">
-              <a:buNone/>
-              <a:defRPr/>
-            </a:lvl7pPr>
-            <a:lvl8pPr lvl="7">
-              <a:buNone/>
-              <a:defRPr/>
-            </a:lvl8pPr>
-            <a:lvl9pPr lvl="8">
-              <a:buNone/>
-              <a:defRPr/>
-            </a:lvl9pPr>
-          </a:lstStyle>
+          <a:bodyPr/>
+          <a:lstStyle/>
+          <a:p>
+            <a:endParaRPr lang="en-US" dirty="0"/>
+          </a:p>
+        </p:txBody>
+      </p:sp>
+      <p:sp>
+        <p:nvSpPr>
+          <p:cNvPr id="6" name="Slide Number Placeholder 5"/>
+          <p:cNvSpPr>
+            <a:spLocks noGrp="1"/>
+          </p:cNvSpPr>
+          <p:nvPr>
+            <p:ph type="sldNum" sz="quarter" idx="12"/>
+          </p:nvPr>
+        </p:nvSpPr>
+        <p:spPr/>
+        <p:txBody>
+          <a:bodyPr/>
+          <a:lstStyle/>
           <a:p>
             <a:pPr marL="0" lvl="0" indent="0" algn="r" rtl="0">
               <a:spcBef>
@@ -4103,27 +3154,33 @@
               <a:buNone/>
             </a:pPr>
             <a:fld id="{00000000-1234-1234-1234-123412341234}" type="slidenum">
-              <a:rPr lang="en"/>
+              <a:rPr lang="es-419" smtClean="0"/>
               <a:t>‹Nº›</a:t>
             </a:fld>
-            <a:endParaRPr/>
+            <a:endParaRPr lang="es-419"/>
           </a:p>
         </p:txBody>
       </p:sp>
     </p:spTree>
+    <p:extLst>
+      <p:ext uri="{BB962C8B-B14F-4D97-AF65-F5344CB8AC3E}">
+        <p14:creationId xmlns:p14="http://schemas.microsoft.com/office/powerpoint/2010/main" val="356237215"/>
+      </p:ext>
+    </p:extLst>
   </p:cSld>
   <p:clrMapOvr>
     <a:masterClrMapping/>
   </p:clrMapOvr>
+  <p:hf sldNum="0" hdr="0" ftr="0" dt="0"/>
 </p:sldLayout>
 </file>
 
-<file path=ppt/slideLayouts/slideLayout5.xml><?xml version="1.0" encoding="utf-8"?>
-<p:sldLayout xmlns:a="http://schemas.openxmlformats.org/drawingml/2006/main" xmlns:r="http://schemas.openxmlformats.org/officeDocument/2006/relationships" xmlns:p="http://schemas.openxmlformats.org/presentationml/2006/main" matchingName="Title only" type="titleOnly">
-  <p:cSld name="TITLE_ONLY">
+<file path=ppt/slideLayouts/slideLayout3.xml><?xml version="1.0" encoding="utf-8"?>
+<p:sldLayout xmlns:a="http://schemas.openxmlformats.org/drawingml/2006/main" xmlns:r="http://schemas.openxmlformats.org/officeDocument/2006/relationships" xmlns:p="http://schemas.openxmlformats.org/presentationml/2006/main" type="secHead" preserve="1">
+  <p:cSld name="Encabezado de sección">
     <p:spTree>
       <p:nvGrpSpPr>
-        <p:cNvPr id="1" name="Shape 25"/>
+        <p:cNvPr id="1" name=""/>
         <p:cNvGrpSpPr/>
         <p:nvPr/>
       </p:nvGrpSpPr>
@@ -4137,8 +3194,8 @@
       </p:grpSpPr>
       <p:sp>
         <p:nvSpPr>
-          <p:cNvPr id="26" name="Google Shape;26;p6"/>
-          <p:cNvSpPr txBox="1">
+          <p:cNvPr id="2" name="Title 1"/>
+          <p:cNvSpPr>
             <a:spLocks noGrp="1"/>
           </p:cNvSpPr>
           <p:nvPr>
@@ -4147,184 +3204,202 @@
         </p:nvSpPr>
         <p:spPr>
           <a:xfrm>
-            <a:off x="311700" y="445025"/>
-            <a:ext cx="8520600" cy="572700"/>
+            <a:off x="623888" y="1282304"/>
+            <a:ext cx="7886700" cy="2139553"/>
           </a:xfrm>
-          <a:prstGeom prst="rect">
-            <a:avLst/>
-          </a:prstGeom>
         </p:spPr>
         <p:txBody>
-          <a:bodyPr spcFirstLastPara="1" wrap="square" lIns="91425" tIns="91425" rIns="91425" bIns="91425" anchor="t" anchorCtr="0">
-            <a:noAutofit/>
-          </a:bodyPr>
+          <a:bodyPr anchor="b"/>
           <a:lstStyle>
-            <a:lvl1pPr lvl="0">
-              <a:spcBef>
-                <a:spcPts val="0"/>
-              </a:spcBef>
-              <a:spcAft>
-                <a:spcPts val="0"/>
-              </a:spcAft>
-              <a:buSzPts val="2800"/>
-              <a:buNone/>
-              <a:defRPr/>
+            <a:lvl1pPr>
+              <a:defRPr sz="4500"/>
             </a:lvl1pPr>
-            <a:lvl2pPr lvl="1">
-              <a:spcBef>
-                <a:spcPts val="0"/>
-              </a:spcBef>
-              <a:spcAft>
-                <a:spcPts val="0"/>
-              </a:spcAft>
-              <a:buSzPts val="2800"/>
-              <a:buNone/>
-              <a:defRPr/>
-            </a:lvl2pPr>
-            <a:lvl3pPr lvl="2">
-              <a:spcBef>
-                <a:spcPts val="0"/>
-              </a:spcBef>
-              <a:spcAft>
-                <a:spcPts val="0"/>
-              </a:spcAft>
-              <a:buSzPts val="2800"/>
-              <a:buNone/>
-              <a:defRPr/>
-            </a:lvl3pPr>
-            <a:lvl4pPr lvl="3">
-              <a:spcBef>
-                <a:spcPts val="0"/>
-              </a:spcBef>
-              <a:spcAft>
-                <a:spcPts val="0"/>
-              </a:spcAft>
-              <a:buSzPts val="2800"/>
-              <a:buNone/>
-              <a:defRPr/>
-            </a:lvl4pPr>
-            <a:lvl5pPr lvl="4">
-              <a:spcBef>
-                <a:spcPts val="0"/>
-              </a:spcBef>
-              <a:spcAft>
-                <a:spcPts val="0"/>
-              </a:spcAft>
-              <a:buSzPts val="2800"/>
-              <a:buNone/>
-              <a:defRPr/>
-            </a:lvl5pPr>
-            <a:lvl6pPr lvl="5">
-              <a:spcBef>
-                <a:spcPts val="0"/>
-              </a:spcBef>
-              <a:spcAft>
-                <a:spcPts val="0"/>
-              </a:spcAft>
-              <a:buSzPts val="2800"/>
-              <a:buNone/>
-              <a:defRPr/>
-            </a:lvl6pPr>
-            <a:lvl7pPr lvl="6">
-              <a:spcBef>
-                <a:spcPts val="0"/>
-              </a:spcBef>
-              <a:spcAft>
-                <a:spcPts val="0"/>
-              </a:spcAft>
-              <a:buSzPts val="2800"/>
-              <a:buNone/>
-              <a:defRPr/>
-            </a:lvl7pPr>
-            <a:lvl8pPr lvl="7">
-              <a:spcBef>
-                <a:spcPts val="0"/>
-              </a:spcBef>
-              <a:spcAft>
-                <a:spcPts val="0"/>
-              </a:spcAft>
-              <a:buSzPts val="2800"/>
-              <a:buNone/>
-              <a:defRPr/>
-            </a:lvl8pPr>
-            <a:lvl9pPr lvl="8">
-              <a:spcBef>
-                <a:spcPts val="0"/>
-              </a:spcBef>
-              <a:spcAft>
-                <a:spcPts val="0"/>
-              </a:spcAft>
-              <a:buSzPts val="2800"/>
-              <a:buNone/>
-              <a:defRPr/>
-            </a:lvl9pPr>
           </a:lstStyle>
           <a:p>
-            <a:endParaRPr/>
+            <a:r>
+              <a:rPr lang="es-ES" smtClean="0"/>
+              <a:t>Haga clic para modificar el estilo de título del patrón</a:t>
+            </a:r>
+            <a:endParaRPr lang="en-US" dirty="0"/>
           </a:p>
         </p:txBody>
       </p:sp>
       <p:sp>
         <p:nvSpPr>
-          <p:cNvPr id="27" name="Google Shape;27;p6"/>
-          <p:cNvSpPr txBox="1">
+          <p:cNvPr id="3" name="Text Placeholder 2"/>
+          <p:cNvSpPr>
             <a:spLocks noGrp="1"/>
           </p:cNvSpPr>
           <p:nvPr>
-            <p:ph type="sldNum" idx="12"/>
+            <p:ph type="body" idx="1"/>
           </p:nvPr>
         </p:nvSpPr>
         <p:spPr>
           <a:xfrm>
-            <a:off x="8472458" y="4663217"/>
-            <a:ext cx="548700" cy="393600"/>
+            <a:off x="623888" y="3442098"/>
+            <a:ext cx="7886700" cy="1125140"/>
           </a:xfrm>
-          <a:prstGeom prst="rect">
-            <a:avLst/>
-          </a:prstGeom>
         </p:spPr>
         <p:txBody>
-          <a:bodyPr spcFirstLastPara="1" wrap="square" lIns="91425" tIns="91425" rIns="91425" bIns="91425" anchor="ctr" anchorCtr="0">
-            <a:noAutofit/>
-          </a:bodyPr>
+          <a:bodyPr/>
           <a:lstStyle>
-            <a:lvl1pPr lvl="0">
+            <a:lvl1pPr marL="0" indent="0">
               <a:buNone/>
-              <a:defRPr/>
+              <a:defRPr sz="1800">
+                <a:solidFill>
+                  <a:schemeClr val="tx1">
+                    <a:tint val="75000"/>
+                  </a:schemeClr>
+                </a:solidFill>
+              </a:defRPr>
             </a:lvl1pPr>
-            <a:lvl2pPr lvl="1">
+            <a:lvl2pPr marL="342900" indent="0">
               <a:buNone/>
-              <a:defRPr/>
+              <a:defRPr sz="1500">
+                <a:solidFill>
+                  <a:schemeClr val="tx1">
+                    <a:tint val="75000"/>
+                  </a:schemeClr>
+                </a:solidFill>
+              </a:defRPr>
             </a:lvl2pPr>
-            <a:lvl3pPr lvl="2">
+            <a:lvl3pPr marL="685800" indent="0">
               <a:buNone/>
-              <a:defRPr/>
+              <a:defRPr sz="1350">
+                <a:solidFill>
+                  <a:schemeClr val="tx1">
+                    <a:tint val="75000"/>
+                  </a:schemeClr>
+                </a:solidFill>
+              </a:defRPr>
             </a:lvl3pPr>
-            <a:lvl4pPr lvl="3">
+            <a:lvl4pPr marL="1028700" indent="0">
               <a:buNone/>
-              <a:defRPr/>
+              <a:defRPr sz="1200">
+                <a:solidFill>
+                  <a:schemeClr val="tx1">
+                    <a:tint val="75000"/>
+                  </a:schemeClr>
+                </a:solidFill>
+              </a:defRPr>
             </a:lvl4pPr>
-            <a:lvl5pPr lvl="4">
+            <a:lvl5pPr marL="1371600" indent="0">
               <a:buNone/>
-              <a:defRPr/>
+              <a:defRPr sz="1200">
+                <a:solidFill>
+                  <a:schemeClr val="tx1">
+                    <a:tint val="75000"/>
+                  </a:schemeClr>
+                </a:solidFill>
+              </a:defRPr>
             </a:lvl5pPr>
-            <a:lvl6pPr lvl="5">
+            <a:lvl6pPr marL="1714500" indent="0">
               <a:buNone/>
-              <a:defRPr/>
+              <a:defRPr sz="1200">
+                <a:solidFill>
+                  <a:schemeClr val="tx1">
+                    <a:tint val="75000"/>
+                  </a:schemeClr>
+                </a:solidFill>
+              </a:defRPr>
             </a:lvl6pPr>
-            <a:lvl7pPr lvl="6">
+            <a:lvl7pPr marL="2057400" indent="0">
               <a:buNone/>
-              <a:defRPr/>
+              <a:defRPr sz="1200">
+                <a:solidFill>
+                  <a:schemeClr val="tx1">
+                    <a:tint val="75000"/>
+                  </a:schemeClr>
+                </a:solidFill>
+              </a:defRPr>
             </a:lvl7pPr>
-            <a:lvl8pPr lvl="7">
+            <a:lvl8pPr marL="2400300" indent="0">
               <a:buNone/>
-              <a:defRPr/>
+              <a:defRPr sz="1200">
+                <a:solidFill>
+                  <a:schemeClr val="tx1">
+                    <a:tint val="75000"/>
+                  </a:schemeClr>
+                </a:solidFill>
+              </a:defRPr>
             </a:lvl8pPr>
-            <a:lvl9pPr lvl="8">
+            <a:lvl9pPr marL="2743200" indent="0">
               <a:buNone/>
-              <a:defRPr/>
+              <a:defRPr sz="1200">
+                <a:solidFill>
+                  <a:schemeClr val="tx1">
+                    <a:tint val="75000"/>
+                  </a:schemeClr>
+                </a:solidFill>
+              </a:defRPr>
             </a:lvl9pPr>
           </a:lstStyle>
+          <a:p>
+            <a:pPr lvl="0"/>
+            <a:r>
+              <a:rPr lang="es-ES" smtClean="0"/>
+              <a:t>Editar el estilo de texto del patrón</a:t>
+            </a:r>
+          </a:p>
+        </p:txBody>
+      </p:sp>
+      <p:sp>
+        <p:nvSpPr>
+          <p:cNvPr id="4" name="Date Placeholder 3"/>
+          <p:cNvSpPr>
+            <a:spLocks noGrp="1"/>
+          </p:cNvSpPr>
+          <p:nvPr>
+            <p:ph type="dt" sz="half" idx="10"/>
+          </p:nvPr>
+        </p:nvSpPr>
+        <p:spPr/>
+        <p:txBody>
+          <a:bodyPr/>
+          <a:lstStyle/>
+          <a:p>
+            <a:fld id="{B61BEF0D-F0BB-DE4B-95CE-6DB70DBA9567}" type="datetimeFigureOut">
+              <a:rPr lang="en-US" smtClean="0"/>
+              <a:pPr/>
+              <a:t>7/17/2019</a:t>
+            </a:fld>
+            <a:endParaRPr lang="en-US" dirty="0"/>
+          </a:p>
+        </p:txBody>
+      </p:sp>
+      <p:sp>
+        <p:nvSpPr>
+          <p:cNvPr id="5" name="Footer Placeholder 4"/>
+          <p:cNvSpPr>
+            <a:spLocks noGrp="1"/>
+          </p:cNvSpPr>
+          <p:nvPr>
+            <p:ph type="ftr" sz="quarter" idx="11"/>
+          </p:nvPr>
+        </p:nvSpPr>
+        <p:spPr/>
+        <p:txBody>
+          <a:bodyPr/>
+          <a:lstStyle/>
+          <a:p>
+            <a:endParaRPr lang="en-US" dirty="0"/>
+          </a:p>
+        </p:txBody>
+      </p:sp>
+      <p:sp>
+        <p:nvSpPr>
+          <p:cNvPr id="6" name="Slide Number Placeholder 5"/>
+          <p:cNvSpPr>
+            <a:spLocks noGrp="1"/>
+          </p:cNvSpPr>
+          <p:nvPr>
+            <p:ph type="sldNum" sz="quarter" idx="12"/>
+          </p:nvPr>
+        </p:nvSpPr>
+        <p:spPr/>
+        <p:txBody>
+          <a:bodyPr/>
+          <a:lstStyle/>
           <a:p>
             <a:pPr marL="0" lvl="0" indent="0" algn="r" rtl="0">
               <a:spcBef>
@@ -4336,27 +3411,33 @@
               <a:buNone/>
             </a:pPr>
             <a:fld id="{00000000-1234-1234-1234-123412341234}" type="slidenum">
-              <a:rPr lang="en"/>
+              <a:rPr lang="es-419" smtClean="0"/>
               <a:t>‹Nº›</a:t>
             </a:fld>
-            <a:endParaRPr/>
+            <a:endParaRPr lang="es-419"/>
           </a:p>
         </p:txBody>
       </p:sp>
     </p:spTree>
+    <p:extLst>
+      <p:ext uri="{BB962C8B-B14F-4D97-AF65-F5344CB8AC3E}">
+        <p14:creationId xmlns:p14="http://schemas.microsoft.com/office/powerpoint/2010/main" val="2322324958"/>
+      </p:ext>
+    </p:extLst>
   </p:cSld>
   <p:clrMapOvr>
     <a:masterClrMapping/>
   </p:clrMapOvr>
+  <p:hf sldNum="0" hdr="0" ftr="0" dt="0"/>
 </p:sldLayout>
 </file>
 
-<file path=ppt/slideLayouts/slideLayout6.xml><?xml version="1.0" encoding="utf-8"?>
-<p:sldLayout xmlns:a="http://schemas.openxmlformats.org/drawingml/2006/main" xmlns:r="http://schemas.openxmlformats.org/officeDocument/2006/relationships" xmlns:p="http://schemas.openxmlformats.org/presentationml/2006/main" matchingName="One column text">
-  <p:cSld name="ONE_COLUMN_TEXT">
+<file path=ppt/slideLayouts/slideLayout4.xml><?xml version="1.0" encoding="utf-8"?>
+<p:sldLayout xmlns:a="http://schemas.openxmlformats.org/drawingml/2006/main" xmlns:r="http://schemas.openxmlformats.org/officeDocument/2006/relationships" xmlns:p="http://schemas.openxmlformats.org/presentationml/2006/main" type="twoObj" preserve="1">
+  <p:cSld name="Dos objetos">
     <p:spTree>
       <p:nvGrpSpPr>
-        <p:cNvPr id="1" name="Shape 28"/>
+        <p:cNvPr id="1" name=""/>
         <p:cNvGrpSpPr/>
         <p:nvPr/>
       </p:nvGrpSpPr>
@@ -4370,323 +3451,197 @@
       </p:grpSpPr>
       <p:sp>
         <p:nvSpPr>
-          <p:cNvPr id="29" name="Google Shape;29;p7"/>
-          <p:cNvSpPr txBox="1">
+          <p:cNvPr id="2" name="Title 1"/>
+          <p:cNvSpPr>
             <a:spLocks noGrp="1"/>
           </p:cNvSpPr>
           <p:nvPr>
             <p:ph type="title"/>
           </p:nvPr>
         </p:nvSpPr>
-        <p:spPr>
-          <a:xfrm>
-            <a:off x="311700" y="555600"/>
-            <a:ext cx="2808000" cy="755700"/>
-          </a:xfrm>
-          <a:prstGeom prst="rect">
-            <a:avLst/>
-          </a:prstGeom>
-        </p:spPr>
+        <p:spPr/>
         <p:txBody>
-          <a:bodyPr spcFirstLastPara="1" wrap="square" lIns="91425" tIns="91425" rIns="91425" bIns="91425" anchor="b" anchorCtr="0">
-            <a:noAutofit/>
-          </a:bodyPr>
-          <a:lstStyle>
-            <a:lvl1pPr lvl="0">
-              <a:spcBef>
-                <a:spcPts val="0"/>
-              </a:spcBef>
-              <a:spcAft>
-                <a:spcPts val="0"/>
-              </a:spcAft>
-              <a:buSzPts val="2400"/>
-              <a:buNone/>
-              <a:defRPr sz="2400"/>
-            </a:lvl1pPr>
-            <a:lvl2pPr lvl="1">
-              <a:spcBef>
-                <a:spcPts val="0"/>
-              </a:spcBef>
-              <a:spcAft>
-                <a:spcPts val="0"/>
-              </a:spcAft>
-              <a:buSzPts val="2400"/>
-              <a:buNone/>
-              <a:defRPr sz="2400"/>
-            </a:lvl2pPr>
-            <a:lvl3pPr lvl="2">
-              <a:spcBef>
-                <a:spcPts val="0"/>
-              </a:spcBef>
-              <a:spcAft>
-                <a:spcPts val="0"/>
-              </a:spcAft>
-              <a:buSzPts val="2400"/>
-              <a:buNone/>
-              <a:defRPr sz="2400"/>
-            </a:lvl3pPr>
-            <a:lvl4pPr lvl="3">
-              <a:spcBef>
-                <a:spcPts val="0"/>
-              </a:spcBef>
-              <a:spcAft>
-                <a:spcPts val="0"/>
-              </a:spcAft>
-              <a:buSzPts val="2400"/>
-              <a:buNone/>
-              <a:defRPr sz="2400"/>
-            </a:lvl4pPr>
-            <a:lvl5pPr lvl="4">
-              <a:spcBef>
-                <a:spcPts val="0"/>
-              </a:spcBef>
-              <a:spcAft>
-                <a:spcPts val="0"/>
-              </a:spcAft>
-              <a:buSzPts val="2400"/>
-              <a:buNone/>
-              <a:defRPr sz="2400"/>
-            </a:lvl5pPr>
-            <a:lvl6pPr lvl="5">
-              <a:spcBef>
-                <a:spcPts val="0"/>
-              </a:spcBef>
-              <a:spcAft>
-                <a:spcPts val="0"/>
-              </a:spcAft>
-              <a:buSzPts val="2400"/>
-              <a:buNone/>
-              <a:defRPr sz="2400"/>
-            </a:lvl6pPr>
-            <a:lvl7pPr lvl="6">
-              <a:spcBef>
-                <a:spcPts val="0"/>
-              </a:spcBef>
-              <a:spcAft>
-                <a:spcPts val="0"/>
-              </a:spcAft>
-              <a:buSzPts val="2400"/>
-              <a:buNone/>
-              <a:defRPr sz="2400"/>
-            </a:lvl7pPr>
-            <a:lvl8pPr lvl="7">
-              <a:spcBef>
-                <a:spcPts val="0"/>
-              </a:spcBef>
-              <a:spcAft>
-                <a:spcPts val="0"/>
-              </a:spcAft>
-              <a:buSzPts val="2400"/>
-              <a:buNone/>
-              <a:defRPr sz="2400"/>
-            </a:lvl8pPr>
-            <a:lvl9pPr lvl="8">
-              <a:spcBef>
-                <a:spcPts val="0"/>
-              </a:spcBef>
-              <a:spcAft>
-                <a:spcPts val="0"/>
-              </a:spcAft>
-              <a:buSzPts val="2400"/>
-              <a:buNone/>
-              <a:defRPr sz="2400"/>
-            </a:lvl9pPr>
-          </a:lstStyle>
-          <a:p>
-            <a:endParaRPr/>
+          <a:bodyPr/>
+          <a:lstStyle/>
+          <a:p>
+            <a:r>
+              <a:rPr lang="es-ES" smtClean="0"/>
+              <a:t>Haga clic para modificar el estilo de título del patrón</a:t>
+            </a:r>
+            <a:endParaRPr lang="en-US" dirty="0"/>
           </a:p>
         </p:txBody>
       </p:sp>
       <p:sp>
         <p:nvSpPr>
-          <p:cNvPr id="30" name="Google Shape;30;p7"/>
-          <p:cNvSpPr txBox="1">
+          <p:cNvPr id="3" name="Content Placeholder 2"/>
+          <p:cNvSpPr>
             <a:spLocks noGrp="1"/>
           </p:cNvSpPr>
           <p:nvPr>
-            <p:ph type="body" idx="1"/>
+            <p:ph sz="half" idx="1"/>
           </p:nvPr>
         </p:nvSpPr>
         <p:spPr>
           <a:xfrm>
-            <a:off x="311700" y="1389600"/>
-            <a:ext cx="2808000" cy="3179400"/>
+            <a:off x="628650" y="1369219"/>
+            <a:ext cx="3886200" cy="3263504"/>
           </a:xfrm>
-          <a:prstGeom prst="rect">
-            <a:avLst/>
-          </a:prstGeom>
         </p:spPr>
         <p:txBody>
-          <a:bodyPr spcFirstLastPara="1" wrap="square" lIns="91425" tIns="91425" rIns="91425" bIns="91425" anchor="t" anchorCtr="0">
-            <a:noAutofit/>
-          </a:bodyPr>
-          <a:lstStyle>
-            <a:lvl1pPr marL="457200" lvl="0" indent="-304800">
-              <a:spcBef>
-                <a:spcPts val="0"/>
-              </a:spcBef>
-              <a:spcAft>
-                <a:spcPts val="0"/>
-              </a:spcAft>
-              <a:buSzPts val="1200"/>
-              <a:buChar char="●"/>
-              <a:defRPr sz="1200"/>
-            </a:lvl1pPr>
-            <a:lvl2pPr marL="914400" lvl="1" indent="-304800">
-              <a:spcBef>
-                <a:spcPts val="1600"/>
-              </a:spcBef>
-              <a:spcAft>
-                <a:spcPts val="0"/>
-              </a:spcAft>
-              <a:buSzPts val="1200"/>
-              <a:buChar char="○"/>
-              <a:defRPr sz="1200"/>
-            </a:lvl2pPr>
-            <a:lvl3pPr marL="1371600" lvl="2" indent="-304800">
-              <a:spcBef>
-                <a:spcPts val="1600"/>
-              </a:spcBef>
-              <a:spcAft>
-                <a:spcPts val="0"/>
-              </a:spcAft>
-              <a:buSzPts val="1200"/>
-              <a:buChar char="■"/>
-              <a:defRPr sz="1200"/>
-            </a:lvl3pPr>
-            <a:lvl4pPr marL="1828800" lvl="3" indent="-304800">
-              <a:spcBef>
-                <a:spcPts val="1600"/>
-              </a:spcBef>
-              <a:spcAft>
-                <a:spcPts val="0"/>
-              </a:spcAft>
-              <a:buSzPts val="1200"/>
-              <a:buChar char="●"/>
-              <a:defRPr sz="1200"/>
-            </a:lvl4pPr>
-            <a:lvl5pPr marL="2286000" lvl="4" indent="-304800">
-              <a:spcBef>
-                <a:spcPts val="1600"/>
-              </a:spcBef>
-              <a:spcAft>
-                <a:spcPts val="0"/>
-              </a:spcAft>
-              <a:buSzPts val="1200"/>
-              <a:buChar char="○"/>
-              <a:defRPr sz="1200"/>
-            </a:lvl5pPr>
-            <a:lvl6pPr marL="2743200" lvl="5" indent="-304800">
-              <a:spcBef>
-                <a:spcPts val="1600"/>
-              </a:spcBef>
-              <a:spcAft>
-                <a:spcPts val="0"/>
-              </a:spcAft>
-              <a:buSzPts val="1200"/>
-              <a:buChar char="■"/>
-              <a:defRPr sz="1200"/>
-            </a:lvl6pPr>
-            <a:lvl7pPr marL="3200400" lvl="6" indent="-304800">
-              <a:spcBef>
-                <a:spcPts val="1600"/>
-              </a:spcBef>
-              <a:spcAft>
-                <a:spcPts val="0"/>
-              </a:spcAft>
-              <a:buSzPts val="1200"/>
-              <a:buChar char="●"/>
-              <a:defRPr sz="1200"/>
-            </a:lvl7pPr>
-            <a:lvl8pPr marL="3657600" lvl="7" indent="-304800">
-              <a:spcBef>
-                <a:spcPts val="1600"/>
-              </a:spcBef>
-              <a:spcAft>
-                <a:spcPts val="0"/>
-              </a:spcAft>
-              <a:buSzPts val="1200"/>
-              <a:buChar char="○"/>
-              <a:defRPr sz="1200"/>
-            </a:lvl8pPr>
-            <a:lvl9pPr marL="4114800" lvl="8" indent="-304800">
-              <a:spcBef>
-                <a:spcPts val="1600"/>
-              </a:spcBef>
-              <a:spcAft>
-                <a:spcPts val="1600"/>
-              </a:spcAft>
-              <a:buSzPts val="1200"/>
-              <a:buChar char="■"/>
-              <a:defRPr sz="1200"/>
-            </a:lvl9pPr>
-          </a:lstStyle>
-          <a:p>
-            <a:endParaRPr/>
+          <a:bodyPr/>
+          <a:lstStyle/>
+          <a:p>
+            <a:pPr lvl="0"/>
+            <a:r>
+              <a:rPr lang="es-ES" smtClean="0"/>
+              <a:t>Editar el estilo de texto del patrón</a:t>
+            </a:r>
+          </a:p>
+          <a:p>
+            <a:pPr lvl="1"/>
+            <a:r>
+              <a:rPr lang="es-ES" smtClean="0"/>
+              <a:t>Segundo nivel</a:t>
+            </a:r>
+          </a:p>
+          <a:p>
+            <a:pPr lvl="2"/>
+            <a:r>
+              <a:rPr lang="es-ES" smtClean="0"/>
+              <a:t>Tercer nivel</a:t>
+            </a:r>
+          </a:p>
+          <a:p>
+            <a:pPr lvl="3"/>
+            <a:r>
+              <a:rPr lang="es-ES" smtClean="0"/>
+              <a:t>Cuarto nivel</a:t>
+            </a:r>
+          </a:p>
+          <a:p>
+            <a:pPr lvl="4"/>
+            <a:r>
+              <a:rPr lang="es-ES" smtClean="0"/>
+              <a:t>Quinto nivel</a:t>
+            </a:r>
+            <a:endParaRPr lang="en-US" dirty="0"/>
           </a:p>
         </p:txBody>
       </p:sp>
       <p:sp>
         <p:nvSpPr>
-          <p:cNvPr id="31" name="Google Shape;31;p7"/>
-          <p:cNvSpPr txBox="1">
+          <p:cNvPr id="4" name="Content Placeholder 3"/>
+          <p:cNvSpPr>
             <a:spLocks noGrp="1"/>
           </p:cNvSpPr>
           <p:nvPr>
-            <p:ph type="sldNum" idx="12"/>
+            <p:ph sz="half" idx="2"/>
           </p:nvPr>
         </p:nvSpPr>
         <p:spPr>
           <a:xfrm>
-            <a:off x="8472458" y="4663217"/>
-            <a:ext cx="548700" cy="393600"/>
+            <a:off x="4629150" y="1369219"/>
+            <a:ext cx="3886200" cy="3263504"/>
           </a:xfrm>
-          <a:prstGeom prst="rect">
-            <a:avLst/>
-          </a:prstGeom>
         </p:spPr>
         <p:txBody>
-          <a:bodyPr spcFirstLastPara="1" wrap="square" lIns="91425" tIns="91425" rIns="91425" bIns="91425" anchor="ctr" anchorCtr="0">
-            <a:noAutofit/>
-          </a:bodyPr>
-          <a:lstStyle>
-            <a:lvl1pPr lvl="0">
-              <a:buNone/>
-              <a:defRPr/>
-            </a:lvl1pPr>
-            <a:lvl2pPr lvl="1">
-              <a:buNone/>
-              <a:defRPr/>
-            </a:lvl2pPr>
-            <a:lvl3pPr lvl="2">
-              <a:buNone/>
-              <a:defRPr/>
-            </a:lvl3pPr>
-            <a:lvl4pPr lvl="3">
-              <a:buNone/>
-              <a:defRPr/>
-            </a:lvl4pPr>
-            <a:lvl5pPr lvl="4">
-              <a:buNone/>
-              <a:defRPr/>
-            </a:lvl5pPr>
-            <a:lvl6pPr lvl="5">
-              <a:buNone/>
-              <a:defRPr/>
-            </a:lvl6pPr>
-            <a:lvl7pPr lvl="6">
-              <a:buNone/>
-              <a:defRPr/>
-            </a:lvl7pPr>
-            <a:lvl8pPr lvl="7">
-              <a:buNone/>
-              <a:defRPr/>
-            </a:lvl8pPr>
-            <a:lvl9pPr lvl="8">
-              <a:buNone/>
-              <a:defRPr/>
-            </a:lvl9pPr>
-          </a:lstStyle>
+          <a:bodyPr/>
+          <a:lstStyle/>
+          <a:p>
+            <a:pPr lvl="0"/>
+            <a:r>
+              <a:rPr lang="es-ES" smtClean="0"/>
+              <a:t>Editar el estilo de texto del patrón</a:t>
+            </a:r>
+          </a:p>
+          <a:p>
+            <a:pPr lvl="1"/>
+            <a:r>
+              <a:rPr lang="es-ES" smtClean="0"/>
+              <a:t>Segundo nivel</a:t>
+            </a:r>
+          </a:p>
+          <a:p>
+            <a:pPr lvl="2"/>
+            <a:r>
+              <a:rPr lang="es-ES" smtClean="0"/>
+              <a:t>Tercer nivel</a:t>
+            </a:r>
+          </a:p>
+          <a:p>
+            <a:pPr lvl="3"/>
+            <a:r>
+              <a:rPr lang="es-ES" smtClean="0"/>
+              <a:t>Cuarto nivel</a:t>
+            </a:r>
+          </a:p>
+          <a:p>
+            <a:pPr lvl="4"/>
+            <a:r>
+              <a:rPr lang="es-ES" smtClean="0"/>
+              <a:t>Quinto nivel</a:t>
+            </a:r>
+            <a:endParaRPr lang="en-US" dirty="0"/>
+          </a:p>
+        </p:txBody>
+      </p:sp>
+      <p:sp>
+        <p:nvSpPr>
+          <p:cNvPr id="5" name="Date Placeholder 4"/>
+          <p:cNvSpPr>
+            <a:spLocks noGrp="1"/>
+          </p:cNvSpPr>
+          <p:nvPr>
+            <p:ph type="dt" sz="half" idx="10"/>
+          </p:nvPr>
+        </p:nvSpPr>
+        <p:spPr/>
+        <p:txBody>
+          <a:bodyPr/>
+          <a:lstStyle/>
+          <a:p>
+            <a:fld id="{EB712588-04B1-427B-82EE-E8DB90309F08}" type="datetimeFigureOut">
+              <a:rPr lang="en-US" smtClean="0"/>
+              <a:t>7/17/2019</a:t>
+            </a:fld>
+            <a:endParaRPr lang="en-US" dirty="0"/>
+          </a:p>
+        </p:txBody>
+      </p:sp>
+      <p:sp>
+        <p:nvSpPr>
+          <p:cNvPr id="6" name="Footer Placeholder 5"/>
+          <p:cNvSpPr>
+            <a:spLocks noGrp="1"/>
+          </p:cNvSpPr>
+          <p:nvPr>
+            <p:ph type="ftr" sz="quarter" idx="11"/>
+          </p:nvPr>
+        </p:nvSpPr>
+        <p:spPr/>
+        <p:txBody>
+          <a:bodyPr/>
+          <a:lstStyle/>
+          <a:p>
+            <a:endParaRPr lang="en-US" dirty="0"/>
+          </a:p>
+        </p:txBody>
+      </p:sp>
+      <p:sp>
+        <p:nvSpPr>
+          <p:cNvPr id="7" name="Slide Number Placeholder 6"/>
+          <p:cNvSpPr>
+            <a:spLocks noGrp="1"/>
+          </p:cNvSpPr>
+          <p:nvPr>
+            <p:ph type="sldNum" sz="quarter" idx="12"/>
+          </p:nvPr>
+        </p:nvSpPr>
+        <p:spPr/>
+        <p:txBody>
+          <a:bodyPr/>
+          <a:lstStyle/>
           <a:p>
             <a:pPr marL="0" lvl="0" indent="0" algn="r" rtl="0">
               <a:spcBef>
@@ -4698,27 +3653,33 @@
               <a:buNone/>
             </a:pPr>
             <a:fld id="{00000000-1234-1234-1234-123412341234}" type="slidenum">
-              <a:rPr lang="en"/>
+              <a:rPr lang="es-419" smtClean="0"/>
               <a:t>‹Nº›</a:t>
             </a:fld>
-            <a:endParaRPr/>
+            <a:endParaRPr lang="es-419"/>
           </a:p>
         </p:txBody>
       </p:sp>
     </p:spTree>
+    <p:extLst>
+      <p:ext uri="{BB962C8B-B14F-4D97-AF65-F5344CB8AC3E}">
+        <p14:creationId xmlns:p14="http://schemas.microsoft.com/office/powerpoint/2010/main" val="1715168749"/>
+      </p:ext>
+    </p:extLst>
   </p:cSld>
   <p:clrMapOvr>
     <a:masterClrMapping/>
   </p:clrMapOvr>
+  <p:hf sldNum="0" hdr="0" ftr="0" dt="0"/>
 </p:sldLayout>
 </file>
 
-<file path=ppt/slideLayouts/slideLayout7.xml><?xml version="1.0" encoding="utf-8"?>
-<p:sldLayout xmlns:a="http://schemas.openxmlformats.org/drawingml/2006/main" xmlns:r="http://schemas.openxmlformats.org/officeDocument/2006/relationships" xmlns:p="http://schemas.openxmlformats.org/presentationml/2006/main" matchingName="Main point">
-  <p:cSld name="MAIN_POINT">
+<file path=ppt/slideLayouts/slideLayout5.xml><?xml version="1.0" encoding="utf-8"?>
+<p:sldLayout xmlns:a="http://schemas.openxmlformats.org/drawingml/2006/main" xmlns:r="http://schemas.openxmlformats.org/officeDocument/2006/relationships" xmlns:p="http://schemas.openxmlformats.org/presentationml/2006/main" type="twoTxTwoObj" preserve="1">
+  <p:cSld name="Comparación">
     <p:spTree>
       <p:nvGrpSpPr>
-        <p:cNvPr id="1" name="Shape 32"/>
+        <p:cNvPr id="1" name=""/>
         <p:cNvGrpSpPr/>
         <p:nvPr/>
       </p:nvGrpSpPr>
@@ -4732,8 +3693,8 @@
       </p:grpSpPr>
       <p:sp>
         <p:nvSpPr>
-          <p:cNvPr id="33" name="Google Shape;33;p8"/>
-          <p:cNvSpPr txBox="1">
+          <p:cNvPr id="2" name="Title 1"/>
+          <p:cNvSpPr>
             <a:spLocks noGrp="1"/>
           </p:cNvSpPr>
           <p:nvPr>
@@ -4742,184 +3703,323 @@
         </p:nvSpPr>
         <p:spPr>
           <a:xfrm>
-            <a:off x="490250" y="450150"/>
-            <a:ext cx="6367800" cy="4090800"/>
+            <a:off x="629841" y="273844"/>
+            <a:ext cx="7886700" cy="994172"/>
           </a:xfrm>
-          <a:prstGeom prst="rect">
-            <a:avLst/>
-          </a:prstGeom>
         </p:spPr>
         <p:txBody>
-          <a:bodyPr spcFirstLastPara="1" wrap="square" lIns="91425" tIns="91425" rIns="91425" bIns="91425" anchor="ctr" anchorCtr="0">
-            <a:noAutofit/>
-          </a:bodyPr>
-          <a:lstStyle>
-            <a:lvl1pPr lvl="0">
-              <a:spcBef>
-                <a:spcPts val="0"/>
-              </a:spcBef>
-              <a:spcAft>
-                <a:spcPts val="0"/>
-              </a:spcAft>
-              <a:buSzPts val="4800"/>
-              <a:buNone/>
-              <a:defRPr sz="4800"/>
-            </a:lvl1pPr>
-            <a:lvl2pPr lvl="1">
-              <a:spcBef>
-                <a:spcPts val="0"/>
-              </a:spcBef>
-              <a:spcAft>
-                <a:spcPts val="0"/>
-              </a:spcAft>
-              <a:buSzPts val="4800"/>
-              <a:buNone/>
-              <a:defRPr sz="4800"/>
-            </a:lvl2pPr>
-            <a:lvl3pPr lvl="2">
-              <a:spcBef>
-                <a:spcPts val="0"/>
-              </a:spcBef>
-              <a:spcAft>
-                <a:spcPts val="0"/>
-              </a:spcAft>
-              <a:buSzPts val="4800"/>
-              <a:buNone/>
-              <a:defRPr sz="4800"/>
-            </a:lvl3pPr>
-            <a:lvl4pPr lvl="3">
-              <a:spcBef>
-                <a:spcPts val="0"/>
-              </a:spcBef>
-              <a:spcAft>
-                <a:spcPts val="0"/>
-              </a:spcAft>
-              <a:buSzPts val="4800"/>
-              <a:buNone/>
-              <a:defRPr sz="4800"/>
-            </a:lvl4pPr>
-            <a:lvl5pPr lvl="4">
-              <a:spcBef>
-                <a:spcPts val="0"/>
-              </a:spcBef>
-              <a:spcAft>
-                <a:spcPts val="0"/>
-              </a:spcAft>
-              <a:buSzPts val="4800"/>
-              <a:buNone/>
-              <a:defRPr sz="4800"/>
-            </a:lvl5pPr>
-            <a:lvl6pPr lvl="5">
-              <a:spcBef>
-                <a:spcPts val="0"/>
-              </a:spcBef>
-              <a:spcAft>
-                <a:spcPts val="0"/>
-              </a:spcAft>
-              <a:buSzPts val="4800"/>
-              <a:buNone/>
-              <a:defRPr sz="4800"/>
-            </a:lvl6pPr>
-            <a:lvl7pPr lvl="6">
-              <a:spcBef>
-                <a:spcPts val="0"/>
-              </a:spcBef>
-              <a:spcAft>
-                <a:spcPts val="0"/>
-              </a:spcAft>
-              <a:buSzPts val="4800"/>
-              <a:buNone/>
-              <a:defRPr sz="4800"/>
-            </a:lvl7pPr>
-            <a:lvl8pPr lvl="7">
-              <a:spcBef>
-                <a:spcPts val="0"/>
-              </a:spcBef>
-              <a:spcAft>
-                <a:spcPts val="0"/>
-              </a:spcAft>
-              <a:buSzPts val="4800"/>
-              <a:buNone/>
-              <a:defRPr sz="4800"/>
-            </a:lvl8pPr>
-            <a:lvl9pPr lvl="8">
-              <a:spcBef>
-                <a:spcPts val="0"/>
-              </a:spcBef>
-              <a:spcAft>
-                <a:spcPts val="0"/>
-              </a:spcAft>
-              <a:buSzPts val="4800"/>
-              <a:buNone/>
-              <a:defRPr sz="4800"/>
-            </a:lvl9pPr>
-          </a:lstStyle>
-          <a:p>
-            <a:endParaRPr/>
+          <a:bodyPr/>
+          <a:lstStyle/>
+          <a:p>
+            <a:r>
+              <a:rPr lang="es-ES" smtClean="0"/>
+              <a:t>Haga clic para modificar el estilo de título del patrón</a:t>
+            </a:r>
+            <a:endParaRPr lang="en-US" dirty="0"/>
           </a:p>
         </p:txBody>
       </p:sp>
       <p:sp>
         <p:nvSpPr>
-          <p:cNvPr id="34" name="Google Shape;34;p8"/>
-          <p:cNvSpPr txBox="1">
+          <p:cNvPr id="3" name="Text Placeholder 2"/>
+          <p:cNvSpPr>
             <a:spLocks noGrp="1"/>
           </p:cNvSpPr>
           <p:nvPr>
-            <p:ph type="sldNum" idx="12"/>
+            <p:ph type="body" idx="1"/>
           </p:nvPr>
         </p:nvSpPr>
         <p:spPr>
           <a:xfrm>
-            <a:off x="8472458" y="4663217"/>
-            <a:ext cx="548700" cy="393600"/>
+            <a:off x="629842" y="1260872"/>
+            <a:ext cx="3868340" cy="617934"/>
           </a:xfrm>
-          <a:prstGeom prst="rect">
-            <a:avLst/>
-          </a:prstGeom>
         </p:spPr>
         <p:txBody>
-          <a:bodyPr spcFirstLastPara="1" wrap="square" lIns="91425" tIns="91425" rIns="91425" bIns="91425" anchor="ctr" anchorCtr="0">
-            <a:noAutofit/>
-          </a:bodyPr>
+          <a:bodyPr anchor="b"/>
           <a:lstStyle>
-            <a:lvl1pPr lvl="0">
+            <a:lvl1pPr marL="0" indent="0">
               <a:buNone/>
-              <a:defRPr/>
+              <a:defRPr sz="1800" b="1"/>
             </a:lvl1pPr>
-            <a:lvl2pPr lvl="1">
+            <a:lvl2pPr marL="342900" indent="0">
               <a:buNone/>
-              <a:defRPr/>
+              <a:defRPr sz="1500" b="1"/>
             </a:lvl2pPr>
-            <a:lvl3pPr lvl="2">
+            <a:lvl3pPr marL="685800" indent="0">
               <a:buNone/>
-              <a:defRPr/>
+              <a:defRPr sz="1350" b="1"/>
             </a:lvl3pPr>
-            <a:lvl4pPr lvl="3">
+            <a:lvl4pPr marL="1028700" indent="0">
               <a:buNone/>
-              <a:defRPr/>
+              <a:defRPr sz="1200" b="1"/>
             </a:lvl4pPr>
-            <a:lvl5pPr lvl="4">
+            <a:lvl5pPr marL="1371600" indent="0">
               <a:buNone/>
-              <a:defRPr/>
+              <a:defRPr sz="1200" b="1"/>
             </a:lvl5pPr>
-            <a:lvl6pPr lvl="5">
+            <a:lvl6pPr marL="1714500" indent="0">
               <a:buNone/>
-              <a:defRPr/>
+              <a:defRPr sz="1200" b="1"/>
             </a:lvl6pPr>
-            <a:lvl7pPr lvl="6">
+            <a:lvl7pPr marL="2057400" indent="0">
               <a:buNone/>
-              <a:defRPr/>
+              <a:defRPr sz="1200" b="1"/>
             </a:lvl7pPr>
-            <a:lvl8pPr lvl="7">
+            <a:lvl8pPr marL="2400300" indent="0">
               <a:buNone/>
-              <a:defRPr/>
+              <a:defRPr sz="1200" b="1"/>
             </a:lvl8pPr>
-            <a:lvl9pPr lvl="8">
+            <a:lvl9pPr marL="2743200" indent="0">
               <a:buNone/>
-              <a:defRPr/>
+              <a:defRPr sz="1200" b="1"/>
             </a:lvl9pPr>
           </a:lstStyle>
+          <a:p>
+            <a:pPr lvl="0"/>
+            <a:r>
+              <a:rPr lang="es-ES" smtClean="0"/>
+              <a:t>Editar el estilo de texto del patrón</a:t>
+            </a:r>
+          </a:p>
+        </p:txBody>
+      </p:sp>
+      <p:sp>
+        <p:nvSpPr>
+          <p:cNvPr id="4" name="Content Placeholder 3"/>
+          <p:cNvSpPr>
+            <a:spLocks noGrp="1"/>
+          </p:cNvSpPr>
+          <p:nvPr>
+            <p:ph sz="half" idx="2"/>
+          </p:nvPr>
+        </p:nvSpPr>
+        <p:spPr>
+          <a:xfrm>
+            <a:off x="629842" y="1878806"/>
+            <a:ext cx="3868340" cy="2763441"/>
+          </a:xfrm>
+        </p:spPr>
+        <p:txBody>
+          <a:bodyPr/>
+          <a:lstStyle/>
+          <a:p>
+            <a:pPr lvl="0"/>
+            <a:r>
+              <a:rPr lang="es-ES" smtClean="0"/>
+              <a:t>Editar el estilo de texto del patrón</a:t>
+            </a:r>
+          </a:p>
+          <a:p>
+            <a:pPr lvl="1"/>
+            <a:r>
+              <a:rPr lang="es-ES" smtClean="0"/>
+              <a:t>Segundo nivel</a:t>
+            </a:r>
+          </a:p>
+          <a:p>
+            <a:pPr lvl="2"/>
+            <a:r>
+              <a:rPr lang="es-ES" smtClean="0"/>
+              <a:t>Tercer nivel</a:t>
+            </a:r>
+          </a:p>
+          <a:p>
+            <a:pPr lvl="3"/>
+            <a:r>
+              <a:rPr lang="es-ES" smtClean="0"/>
+              <a:t>Cuarto nivel</a:t>
+            </a:r>
+          </a:p>
+          <a:p>
+            <a:pPr lvl="4"/>
+            <a:r>
+              <a:rPr lang="es-ES" smtClean="0"/>
+              <a:t>Quinto nivel</a:t>
+            </a:r>
+            <a:endParaRPr lang="en-US" dirty="0"/>
+          </a:p>
+        </p:txBody>
+      </p:sp>
+      <p:sp>
+        <p:nvSpPr>
+          <p:cNvPr id="5" name="Text Placeholder 4"/>
+          <p:cNvSpPr>
+            <a:spLocks noGrp="1"/>
+          </p:cNvSpPr>
+          <p:nvPr>
+            <p:ph type="body" sz="quarter" idx="3"/>
+          </p:nvPr>
+        </p:nvSpPr>
+        <p:spPr>
+          <a:xfrm>
+            <a:off x="4629150" y="1260872"/>
+            <a:ext cx="3887391" cy="617934"/>
+          </a:xfrm>
+        </p:spPr>
+        <p:txBody>
+          <a:bodyPr anchor="b"/>
+          <a:lstStyle>
+            <a:lvl1pPr marL="0" indent="0">
+              <a:buNone/>
+              <a:defRPr sz="1800" b="1"/>
+            </a:lvl1pPr>
+            <a:lvl2pPr marL="342900" indent="0">
+              <a:buNone/>
+              <a:defRPr sz="1500" b="1"/>
+            </a:lvl2pPr>
+            <a:lvl3pPr marL="685800" indent="0">
+              <a:buNone/>
+              <a:defRPr sz="1350" b="1"/>
+            </a:lvl3pPr>
+            <a:lvl4pPr marL="1028700" indent="0">
+              <a:buNone/>
+              <a:defRPr sz="1200" b="1"/>
+            </a:lvl4pPr>
+            <a:lvl5pPr marL="1371600" indent="0">
+              <a:buNone/>
+              <a:defRPr sz="1200" b="1"/>
+            </a:lvl5pPr>
+            <a:lvl6pPr marL="1714500" indent="0">
+              <a:buNone/>
+              <a:defRPr sz="1200" b="1"/>
+            </a:lvl6pPr>
+            <a:lvl7pPr marL="2057400" indent="0">
+              <a:buNone/>
+              <a:defRPr sz="1200" b="1"/>
+            </a:lvl7pPr>
+            <a:lvl8pPr marL="2400300" indent="0">
+              <a:buNone/>
+              <a:defRPr sz="1200" b="1"/>
+            </a:lvl8pPr>
+            <a:lvl9pPr marL="2743200" indent="0">
+              <a:buNone/>
+              <a:defRPr sz="1200" b="1"/>
+            </a:lvl9pPr>
+          </a:lstStyle>
+          <a:p>
+            <a:pPr lvl="0"/>
+            <a:r>
+              <a:rPr lang="es-ES" smtClean="0"/>
+              <a:t>Editar el estilo de texto del patrón</a:t>
+            </a:r>
+          </a:p>
+        </p:txBody>
+      </p:sp>
+      <p:sp>
+        <p:nvSpPr>
+          <p:cNvPr id="6" name="Content Placeholder 5"/>
+          <p:cNvSpPr>
+            <a:spLocks noGrp="1"/>
+          </p:cNvSpPr>
+          <p:nvPr>
+            <p:ph sz="quarter" idx="4"/>
+          </p:nvPr>
+        </p:nvSpPr>
+        <p:spPr>
+          <a:xfrm>
+            <a:off x="4629150" y="1878806"/>
+            <a:ext cx="3887391" cy="2763441"/>
+          </a:xfrm>
+        </p:spPr>
+        <p:txBody>
+          <a:bodyPr/>
+          <a:lstStyle/>
+          <a:p>
+            <a:pPr lvl="0"/>
+            <a:r>
+              <a:rPr lang="es-ES" smtClean="0"/>
+              <a:t>Editar el estilo de texto del patrón</a:t>
+            </a:r>
+          </a:p>
+          <a:p>
+            <a:pPr lvl="1"/>
+            <a:r>
+              <a:rPr lang="es-ES" smtClean="0"/>
+              <a:t>Segundo nivel</a:t>
+            </a:r>
+          </a:p>
+          <a:p>
+            <a:pPr lvl="2"/>
+            <a:r>
+              <a:rPr lang="es-ES" smtClean="0"/>
+              <a:t>Tercer nivel</a:t>
+            </a:r>
+          </a:p>
+          <a:p>
+            <a:pPr lvl="3"/>
+            <a:r>
+              <a:rPr lang="es-ES" smtClean="0"/>
+              <a:t>Cuarto nivel</a:t>
+            </a:r>
+          </a:p>
+          <a:p>
+            <a:pPr lvl="4"/>
+            <a:r>
+              <a:rPr lang="es-ES" smtClean="0"/>
+              <a:t>Quinto nivel</a:t>
+            </a:r>
+            <a:endParaRPr lang="en-US" dirty="0"/>
+          </a:p>
+        </p:txBody>
+      </p:sp>
+      <p:sp>
+        <p:nvSpPr>
+          <p:cNvPr id="7" name="Date Placeholder 6"/>
+          <p:cNvSpPr>
+            <a:spLocks noGrp="1"/>
+          </p:cNvSpPr>
+          <p:nvPr>
+            <p:ph type="dt" sz="half" idx="10"/>
+          </p:nvPr>
+        </p:nvSpPr>
+        <p:spPr/>
+        <p:txBody>
+          <a:bodyPr/>
+          <a:lstStyle/>
+          <a:p>
+            <a:fld id="{B61BEF0D-F0BB-DE4B-95CE-6DB70DBA9567}" type="datetimeFigureOut">
+              <a:rPr lang="en-US" smtClean="0"/>
+              <a:pPr/>
+              <a:t>7/17/2019</a:t>
+            </a:fld>
+            <a:endParaRPr lang="en-US" dirty="0"/>
+          </a:p>
+        </p:txBody>
+      </p:sp>
+      <p:sp>
+        <p:nvSpPr>
+          <p:cNvPr id="8" name="Footer Placeholder 7"/>
+          <p:cNvSpPr>
+            <a:spLocks noGrp="1"/>
+          </p:cNvSpPr>
+          <p:nvPr>
+            <p:ph type="ftr" sz="quarter" idx="11"/>
+          </p:nvPr>
+        </p:nvSpPr>
+        <p:spPr/>
+        <p:txBody>
+          <a:bodyPr/>
+          <a:lstStyle/>
+          <a:p>
+            <a:endParaRPr lang="en-US" dirty="0"/>
+          </a:p>
+        </p:txBody>
+      </p:sp>
+      <p:sp>
+        <p:nvSpPr>
+          <p:cNvPr id="9" name="Slide Number Placeholder 8"/>
+          <p:cNvSpPr>
+            <a:spLocks noGrp="1"/>
+          </p:cNvSpPr>
+          <p:nvPr>
+            <p:ph type="sldNum" sz="quarter" idx="12"/>
+          </p:nvPr>
+        </p:nvSpPr>
+        <p:spPr/>
+        <p:txBody>
+          <a:bodyPr/>
+          <a:lstStyle/>
           <a:p>
             <a:pPr marL="0" lvl="0" indent="0" algn="r" rtl="0">
               <a:spcBef>
@@ -4931,27 +4031,33 @@
               <a:buNone/>
             </a:pPr>
             <a:fld id="{00000000-1234-1234-1234-123412341234}" type="slidenum">
-              <a:rPr lang="en"/>
+              <a:rPr lang="es-419" smtClean="0"/>
               <a:t>‹Nº›</a:t>
             </a:fld>
-            <a:endParaRPr/>
+            <a:endParaRPr lang="es-419"/>
           </a:p>
         </p:txBody>
       </p:sp>
     </p:spTree>
+    <p:extLst>
+      <p:ext uri="{BB962C8B-B14F-4D97-AF65-F5344CB8AC3E}">
+        <p14:creationId xmlns:p14="http://schemas.microsoft.com/office/powerpoint/2010/main" val="28667303"/>
+      </p:ext>
+    </p:extLst>
   </p:cSld>
   <p:clrMapOvr>
     <a:masterClrMapping/>
   </p:clrMapOvr>
+  <p:hf sldNum="0" hdr="0" ftr="0" dt="0"/>
 </p:sldLayout>
 </file>
 
-<file path=ppt/slideLayouts/slideLayout8.xml><?xml version="1.0" encoding="utf-8"?>
-<p:sldLayout xmlns:a="http://schemas.openxmlformats.org/drawingml/2006/main" xmlns:r="http://schemas.openxmlformats.org/officeDocument/2006/relationships" xmlns:p="http://schemas.openxmlformats.org/presentationml/2006/main" matchingName="Section title and description">
-  <p:cSld name="SECTION_TITLE_AND_DESCRIPTION">
+<file path=ppt/slideLayouts/slideLayout6.xml><?xml version="1.0" encoding="utf-8"?>
+<p:sldLayout xmlns:a="http://schemas.openxmlformats.org/drawingml/2006/main" xmlns:r="http://schemas.openxmlformats.org/officeDocument/2006/relationships" xmlns:p="http://schemas.openxmlformats.org/presentationml/2006/main" type="titleOnly" preserve="1">
+  <p:cSld name="Solo el título">
     <p:spTree>
       <p:nvGrpSpPr>
-        <p:cNvPr id="1" name="Shape 35"/>
+        <p:cNvPr id="1" name=""/>
         <p:cNvGrpSpPr/>
         <p:nvPr/>
       </p:nvGrpSpPr>
@@ -4965,519 +4071,84 @@
       </p:grpSpPr>
       <p:sp>
         <p:nvSpPr>
-          <p:cNvPr id="36" name="Google Shape;36;p9"/>
-          <p:cNvSpPr/>
-          <p:nvPr/>
-        </p:nvSpPr>
-        <p:spPr>
-          <a:xfrm>
-            <a:off x="4572000" y="-125"/>
-            <a:ext cx="4572000" cy="5143500"/>
-          </a:xfrm>
-          <a:prstGeom prst="rect">
-            <a:avLst/>
-          </a:prstGeom>
-          <a:solidFill>
-            <a:schemeClr val="lt2"/>
-          </a:solidFill>
-          <a:ln>
-            <a:noFill/>
-          </a:ln>
-        </p:spPr>
-        <p:txBody>
-          <a:bodyPr spcFirstLastPara="1" wrap="square" lIns="91425" tIns="91425" rIns="91425" bIns="91425" anchor="ctr" anchorCtr="0">
-            <a:noAutofit/>
-          </a:bodyPr>
-          <a:lstStyle/>
-          <a:p>
-            <a:pPr marL="0" lvl="0" indent="0" algn="l" rtl="0">
-              <a:spcBef>
-                <a:spcPts val="0"/>
-              </a:spcBef>
-              <a:spcAft>
-                <a:spcPts val="0"/>
-              </a:spcAft>
-              <a:buNone/>
-            </a:pPr>
-            <a:endParaRPr/>
-          </a:p>
-        </p:txBody>
-      </p:sp>
-      <p:sp>
-        <p:nvSpPr>
-          <p:cNvPr id="37" name="Google Shape;37;p9"/>
-          <p:cNvSpPr txBox="1">
+          <p:cNvPr id="2" name="Title 1"/>
+          <p:cNvSpPr>
             <a:spLocks noGrp="1"/>
           </p:cNvSpPr>
           <p:nvPr>
             <p:ph type="title"/>
           </p:nvPr>
         </p:nvSpPr>
-        <p:spPr>
-          <a:xfrm>
-            <a:off x="265500" y="1233175"/>
-            <a:ext cx="4045200" cy="1482300"/>
-          </a:xfrm>
-          <a:prstGeom prst="rect">
-            <a:avLst/>
-          </a:prstGeom>
-        </p:spPr>
+        <p:spPr/>
         <p:txBody>
-          <a:bodyPr spcFirstLastPara="1" wrap="square" lIns="91425" tIns="91425" rIns="91425" bIns="91425" anchor="b" anchorCtr="0">
-            <a:noAutofit/>
-          </a:bodyPr>
-          <a:lstStyle>
-            <a:lvl1pPr lvl="0" algn="ctr">
-              <a:spcBef>
-                <a:spcPts val="0"/>
-              </a:spcBef>
-              <a:spcAft>
-                <a:spcPts val="0"/>
-              </a:spcAft>
-              <a:buSzPts val="4200"/>
-              <a:buNone/>
-              <a:defRPr sz="4200"/>
-            </a:lvl1pPr>
-            <a:lvl2pPr lvl="1" algn="ctr">
-              <a:spcBef>
-                <a:spcPts val="0"/>
-              </a:spcBef>
-              <a:spcAft>
-                <a:spcPts val="0"/>
-              </a:spcAft>
-              <a:buSzPts val="4200"/>
-              <a:buNone/>
-              <a:defRPr sz="4200"/>
-            </a:lvl2pPr>
-            <a:lvl3pPr lvl="2" algn="ctr">
-              <a:spcBef>
-                <a:spcPts val="0"/>
-              </a:spcBef>
-              <a:spcAft>
-                <a:spcPts val="0"/>
-              </a:spcAft>
-              <a:buSzPts val="4200"/>
-              <a:buNone/>
-              <a:defRPr sz="4200"/>
-            </a:lvl3pPr>
-            <a:lvl4pPr lvl="3" algn="ctr">
-              <a:spcBef>
-                <a:spcPts val="0"/>
-              </a:spcBef>
-              <a:spcAft>
-                <a:spcPts val="0"/>
-              </a:spcAft>
-              <a:buSzPts val="4200"/>
-              <a:buNone/>
-              <a:defRPr sz="4200"/>
-            </a:lvl4pPr>
-            <a:lvl5pPr lvl="4" algn="ctr">
-              <a:spcBef>
-                <a:spcPts val="0"/>
-              </a:spcBef>
-              <a:spcAft>
-                <a:spcPts val="0"/>
-              </a:spcAft>
-              <a:buSzPts val="4200"/>
-              <a:buNone/>
-              <a:defRPr sz="4200"/>
-            </a:lvl5pPr>
-            <a:lvl6pPr lvl="5" algn="ctr">
-              <a:spcBef>
-                <a:spcPts val="0"/>
-              </a:spcBef>
-              <a:spcAft>
-                <a:spcPts val="0"/>
-              </a:spcAft>
-              <a:buSzPts val="4200"/>
-              <a:buNone/>
-              <a:defRPr sz="4200"/>
-            </a:lvl6pPr>
-            <a:lvl7pPr lvl="6" algn="ctr">
-              <a:spcBef>
-                <a:spcPts val="0"/>
-              </a:spcBef>
-              <a:spcAft>
-                <a:spcPts val="0"/>
-              </a:spcAft>
-              <a:buSzPts val="4200"/>
-              <a:buNone/>
-              <a:defRPr sz="4200"/>
-            </a:lvl7pPr>
-            <a:lvl8pPr lvl="7" algn="ctr">
-              <a:spcBef>
-                <a:spcPts val="0"/>
-              </a:spcBef>
-              <a:spcAft>
-                <a:spcPts val="0"/>
-              </a:spcAft>
-              <a:buSzPts val="4200"/>
-              <a:buNone/>
-              <a:defRPr sz="4200"/>
-            </a:lvl8pPr>
-            <a:lvl9pPr lvl="8" algn="ctr">
-              <a:spcBef>
-                <a:spcPts val="0"/>
-              </a:spcBef>
-              <a:spcAft>
-                <a:spcPts val="0"/>
-              </a:spcAft>
-              <a:buSzPts val="4200"/>
-              <a:buNone/>
-              <a:defRPr sz="4200"/>
-            </a:lvl9pPr>
-          </a:lstStyle>
-          <a:p>
-            <a:endParaRPr/>
+          <a:bodyPr/>
+          <a:lstStyle/>
+          <a:p>
+            <a:r>
+              <a:rPr lang="es-ES" smtClean="0"/>
+              <a:t>Haga clic para modificar el estilo de título del patrón</a:t>
+            </a:r>
+            <a:endParaRPr lang="en-US" dirty="0"/>
           </a:p>
         </p:txBody>
       </p:sp>
       <p:sp>
         <p:nvSpPr>
-          <p:cNvPr id="38" name="Google Shape;38;p9"/>
-          <p:cNvSpPr txBox="1">
+          <p:cNvPr id="3" name="Date Placeholder 2"/>
+          <p:cNvSpPr>
             <a:spLocks noGrp="1"/>
           </p:cNvSpPr>
           <p:nvPr>
-            <p:ph type="subTitle" idx="1"/>
+            <p:ph type="dt" sz="half" idx="10"/>
           </p:nvPr>
         </p:nvSpPr>
-        <p:spPr>
-          <a:xfrm>
-            <a:off x="265500" y="2803075"/>
-            <a:ext cx="4045200" cy="1235100"/>
-          </a:xfrm>
-          <a:prstGeom prst="rect">
-            <a:avLst/>
-          </a:prstGeom>
-        </p:spPr>
+        <p:spPr/>
         <p:txBody>
-          <a:bodyPr spcFirstLastPara="1" wrap="square" lIns="91425" tIns="91425" rIns="91425" bIns="91425" anchor="t" anchorCtr="0">
-            <a:noAutofit/>
-          </a:bodyPr>
-          <a:lstStyle>
-            <a:lvl1pPr lvl="0" algn="ctr">
-              <a:lnSpc>
-                <a:spcPct val="100000"/>
-              </a:lnSpc>
-              <a:spcBef>
-                <a:spcPts val="0"/>
-              </a:spcBef>
-              <a:spcAft>
-                <a:spcPts val="0"/>
-              </a:spcAft>
-              <a:buSzPts val="2100"/>
-              <a:buNone/>
-              <a:defRPr sz="2100"/>
-            </a:lvl1pPr>
-            <a:lvl2pPr lvl="1" algn="ctr">
-              <a:lnSpc>
-                <a:spcPct val="100000"/>
-              </a:lnSpc>
-              <a:spcBef>
-                <a:spcPts val="0"/>
-              </a:spcBef>
-              <a:spcAft>
-                <a:spcPts val="0"/>
-              </a:spcAft>
-              <a:buSzPts val="2100"/>
-              <a:buNone/>
-              <a:defRPr sz="2100"/>
-            </a:lvl2pPr>
-            <a:lvl3pPr lvl="2" algn="ctr">
-              <a:lnSpc>
-                <a:spcPct val="100000"/>
-              </a:lnSpc>
-              <a:spcBef>
-                <a:spcPts val="0"/>
-              </a:spcBef>
-              <a:spcAft>
-                <a:spcPts val="0"/>
-              </a:spcAft>
-              <a:buSzPts val="2100"/>
-              <a:buNone/>
-              <a:defRPr sz="2100"/>
-            </a:lvl3pPr>
-            <a:lvl4pPr lvl="3" algn="ctr">
-              <a:lnSpc>
-                <a:spcPct val="100000"/>
-              </a:lnSpc>
-              <a:spcBef>
-                <a:spcPts val="0"/>
-              </a:spcBef>
-              <a:spcAft>
-                <a:spcPts val="0"/>
-              </a:spcAft>
-              <a:buSzPts val="2100"/>
-              <a:buNone/>
-              <a:defRPr sz="2100"/>
-            </a:lvl4pPr>
-            <a:lvl5pPr lvl="4" algn="ctr">
-              <a:lnSpc>
-                <a:spcPct val="100000"/>
-              </a:lnSpc>
-              <a:spcBef>
-                <a:spcPts val="0"/>
-              </a:spcBef>
-              <a:spcAft>
-                <a:spcPts val="0"/>
-              </a:spcAft>
-              <a:buSzPts val="2100"/>
-              <a:buNone/>
-              <a:defRPr sz="2100"/>
-            </a:lvl5pPr>
-            <a:lvl6pPr lvl="5" algn="ctr">
-              <a:lnSpc>
-                <a:spcPct val="100000"/>
-              </a:lnSpc>
-              <a:spcBef>
-                <a:spcPts val="0"/>
-              </a:spcBef>
-              <a:spcAft>
-                <a:spcPts val="0"/>
-              </a:spcAft>
-              <a:buSzPts val="2100"/>
-              <a:buNone/>
-              <a:defRPr sz="2100"/>
-            </a:lvl6pPr>
-            <a:lvl7pPr lvl="6" algn="ctr">
-              <a:lnSpc>
-                <a:spcPct val="100000"/>
-              </a:lnSpc>
-              <a:spcBef>
-                <a:spcPts val="0"/>
-              </a:spcBef>
-              <a:spcAft>
-                <a:spcPts val="0"/>
-              </a:spcAft>
-              <a:buSzPts val="2100"/>
-              <a:buNone/>
-              <a:defRPr sz="2100"/>
-            </a:lvl7pPr>
-            <a:lvl8pPr lvl="7" algn="ctr">
-              <a:lnSpc>
-                <a:spcPct val="100000"/>
-              </a:lnSpc>
-              <a:spcBef>
-                <a:spcPts val="0"/>
-              </a:spcBef>
-              <a:spcAft>
-                <a:spcPts val="0"/>
-              </a:spcAft>
-              <a:buSzPts val="2100"/>
-              <a:buNone/>
-              <a:defRPr sz="2100"/>
-            </a:lvl8pPr>
-            <a:lvl9pPr lvl="8" algn="ctr">
-              <a:lnSpc>
-                <a:spcPct val="100000"/>
-              </a:lnSpc>
-              <a:spcBef>
-                <a:spcPts val="0"/>
-              </a:spcBef>
-              <a:spcAft>
-                <a:spcPts val="0"/>
-              </a:spcAft>
-              <a:buSzPts val="2100"/>
-              <a:buNone/>
-              <a:defRPr sz="2100"/>
-            </a:lvl9pPr>
-          </a:lstStyle>
-          <a:p>
-            <a:endParaRPr/>
+          <a:bodyPr/>
+          <a:lstStyle/>
+          <a:p>
+            <a:fld id="{B61BEF0D-F0BB-DE4B-95CE-6DB70DBA9567}" type="datetimeFigureOut">
+              <a:rPr lang="en-US" smtClean="0"/>
+              <a:pPr/>
+              <a:t>7/17/2019</a:t>
+            </a:fld>
+            <a:endParaRPr lang="en-US" dirty="0"/>
           </a:p>
         </p:txBody>
       </p:sp>
       <p:sp>
         <p:nvSpPr>
-          <p:cNvPr id="39" name="Google Shape;39;p9"/>
-          <p:cNvSpPr txBox="1">
+          <p:cNvPr id="4" name="Footer Placeholder 3"/>
+          <p:cNvSpPr>
             <a:spLocks noGrp="1"/>
           </p:cNvSpPr>
           <p:nvPr>
-            <p:ph type="body" idx="2"/>
+            <p:ph type="ftr" sz="quarter" idx="11"/>
           </p:nvPr>
         </p:nvSpPr>
-        <p:spPr>
-          <a:xfrm>
-            <a:off x="4939500" y="724075"/>
-            <a:ext cx="3837000" cy="3695100"/>
-          </a:xfrm>
-          <a:prstGeom prst="rect">
-            <a:avLst/>
-          </a:prstGeom>
-        </p:spPr>
+        <p:spPr/>
         <p:txBody>
-          <a:bodyPr spcFirstLastPara="1" wrap="square" lIns="91425" tIns="91425" rIns="91425" bIns="91425" anchor="ctr" anchorCtr="0">
-            <a:noAutofit/>
-          </a:bodyPr>
-          <a:lstStyle>
-            <a:lvl1pPr marL="457200" lvl="0" indent="-342900">
-              <a:spcBef>
-                <a:spcPts val="0"/>
-              </a:spcBef>
-              <a:spcAft>
-                <a:spcPts val="0"/>
-              </a:spcAft>
-              <a:buSzPts val="1800"/>
-              <a:buChar char="●"/>
-              <a:defRPr/>
-            </a:lvl1pPr>
-            <a:lvl2pPr marL="914400" lvl="1" indent="-317500">
-              <a:spcBef>
-                <a:spcPts val="1600"/>
-              </a:spcBef>
-              <a:spcAft>
-                <a:spcPts val="0"/>
-              </a:spcAft>
-              <a:buSzPts val="1400"/>
-              <a:buChar char="○"/>
-              <a:defRPr/>
-            </a:lvl2pPr>
-            <a:lvl3pPr marL="1371600" lvl="2" indent="-317500">
-              <a:spcBef>
-                <a:spcPts val="1600"/>
-              </a:spcBef>
-              <a:spcAft>
-                <a:spcPts val="0"/>
-              </a:spcAft>
-              <a:buSzPts val="1400"/>
-              <a:buChar char="■"/>
-              <a:defRPr/>
-            </a:lvl3pPr>
-            <a:lvl4pPr marL="1828800" lvl="3" indent="-317500">
-              <a:spcBef>
-                <a:spcPts val="1600"/>
-              </a:spcBef>
-              <a:spcAft>
-                <a:spcPts val="0"/>
-              </a:spcAft>
-              <a:buSzPts val="1400"/>
-              <a:buChar char="●"/>
-              <a:defRPr/>
-            </a:lvl4pPr>
-            <a:lvl5pPr marL="2286000" lvl="4" indent="-317500">
-              <a:spcBef>
-                <a:spcPts val="1600"/>
-              </a:spcBef>
-              <a:spcAft>
-                <a:spcPts val="0"/>
-              </a:spcAft>
-              <a:buSzPts val="1400"/>
-              <a:buChar char="○"/>
-              <a:defRPr/>
-            </a:lvl5pPr>
-            <a:lvl6pPr marL="2743200" lvl="5" indent="-317500">
-              <a:spcBef>
-                <a:spcPts val="1600"/>
-              </a:spcBef>
-              <a:spcAft>
-                <a:spcPts val="0"/>
-              </a:spcAft>
-              <a:buSzPts val="1400"/>
-              <a:buChar char="■"/>
-              <a:defRPr/>
-            </a:lvl6pPr>
-            <a:lvl7pPr marL="3200400" lvl="6" indent="-317500">
-              <a:spcBef>
-                <a:spcPts val="1600"/>
-              </a:spcBef>
-              <a:spcAft>
-                <a:spcPts val="0"/>
-              </a:spcAft>
-              <a:buSzPts val="1400"/>
-              <a:buChar char="●"/>
-              <a:defRPr/>
-            </a:lvl7pPr>
-            <a:lvl8pPr marL="3657600" lvl="7" indent="-317500">
-              <a:spcBef>
-                <a:spcPts val="1600"/>
-              </a:spcBef>
-              <a:spcAft>
-                <a:spcPts val="0"/>
-              </a:spcAft>
-              <a:buSzPts val="1400"/>
-              <a:buChar char="○"/>
-              <a:defRPr/>
-            </a:lvl8pPr>
-            <a:lvl9pPr marL="4114800" lvl="8" indent="-317500">
-              <a:spcBef>
-                <a:spcPts val="1600"/>
-              </a:spcBef>
-              <a:spcAft>
-                <a:spcPts val="1600"/>
-              </a:spcAft>
-              <a:buSzPts val="1400"/>
-              <a:buChar char="■"/>
-              <a:defRPr/>
-            </a:lvl9pPr>
-          </a:lstStyle>
-          <a:p>
-            <a:endParaRPr/>
+          <a:bodyPr/>
+          <a:lstStyle/>
+          <a:p>
+            <a:endParaRPr lang="en-US" dirty="0"/>
           </a:p>
         </p:txBody>
       </p:sp>
       <p:sp>
         <p:nvSpPr>
-          <p:cNvPr id="40" name="Google Shape;40;p9"/>
-          <p:cNvSpPr txBox="1">
+          <p:cNvPr id="5" name="Slide Number Placeholder 4"/>
+          <p:cNvSpPr>
             <a:spLocks noGrp="1"/>
           </p:cNvSpPr>
           <p:nvPr>
-            <p:ph type="sldNum" idx="12"/>
+            <p:ph type="sldNum" sz="quarter" idx="12"/>
           </p:nvPr>
         </p:nvSpPr>
-        <p:spPr>
-          <a:xfrm>
-            <a:off x="8472458" y="4663217"/>
-            <a:ext cx="548700" cy="393600"/>
-          </a:xfrm>
-          <a:prstGeom prst="rect">
-            <a:avLst/>
-          </a:prstGeom>
-        </p:spPr>
+        <p:spPr/>
         <p:txBody>
-          <a:bodyPr spcFirstLastPara="1" wrap="square" lIns="91425" tIns="91425" rIns="91425" bIns="91425" anchor="ctr" anchorCtr="0">
-            <a:noAutofit/>
-          </a:bodyPr>
-          <a:lstStyle>
-            <a:lvl1pPr lvl="0">
-              <a:buNone/>
-              <a:defRPr/>
-            </a:lvl1pPr>
-            <a:lvl2pPr lvl="1">
-              <a:buNone/>
-              <a:defRPr/>
-            </a:lvl2pPr>
-            <a:lvl3pPr lvl="2">
-              <a:buNone/>
-              <a:defRPr/>
-            </a:lvl3pPr>
-            <a:lvl4pPr lvl="3">
-              <a:buNone/>
-              <a:defRPr/>
-            </a:lvl4pPr>
-            <a:lvl5pPr lvl="4">
-              <a:buNone/>
-              <a:defRPr/>
-            </a:lvl5pPr>
-            <a:lvl6pPr lvl="5">
-              <a:buNone/>
-              <a:defRPr/>
-            </a:lvl6pPr>
-            <a:lvl7pPr lvl="6">
-              <a:buNone/>
-              <a:defRPr/>
-            </a:lvl7pPr>
-            <a:lvl8pPr lvl="7">
-              <a:buNone/>
-              <a:defRPr/>
-            </a:lvl8pPr>
-            <a:lvl9pPr lvl="8">
-              <a:buNone/>
-              <a:defRPr/>
-            </a:lvl9pPr>
-          </a:lstStyle>
+          <a:bodyPr/>
+          <a:lstStyle/>
           <a:p>
             <a:pPr marL="0" lvl="0" indent="0" algn="r" rtl="0">
               <a:spcBef>
@@ -5489,27 +4160,33 @@
               <a:buNone/>
             </a:pPr>
             <a:fld id="{00000000-1234-1234-1234-123412341234}" type="slidenum">
-              <a:rPr lang="en"/>
+              <a:rPr lang="es-419" smtClean="0"/>
               <a:t>‹Nº›</a:t>
             </a:fld>
-            <a:endParaRPr/>
+            <a:endParaRPr lang="es-419"/>
           </a:p>
         </p:txBody>
       </p:sp>
     </p:spTree>
+    <p:extLst>
+      <p:ext uri="{BB962C8B-B14F-4D97-AF65-F5344CB8AC3E}">
+        <p14:creationId xmlns:p14="http://schemas.microsoft.com/office/powerpoint/2010/main" val="3966750619"/>
+      </p:ext>
+    </p:extLst>
   </p:cSld>
   <p:clrMapOvr>
     <a:masterClrMapping/>
   </p:clrMapOvr>
+  <p:hf sldNum="0" hdr="0" ftr="0" dt="0"/>
 </p:sldLayout>
 </file>
 
-<file path=ppt/slideLayouts/slideLayout9.xml><?xml version="1.0" encoding="utf-8"?>
-<p:sldLayout xmlns:a="http://schemas.openxmlformats.org/drawingml/2006/main" xmlns:r="http://schemas.openxmlformats.org/officeDocument/2006/relationships" xmlns:p="http://schemas.openxmlformats.org/presentationml/2006/main" matchingName="Caption">
-  <p:cSld name="CAPTION_ONLY">
+<file path=ppt/slideLayouts/slideLayout7.xml><?xml version="1.0" encoding="utf-8"?>
+<p:sldLayout xmlns:a="http://schemas.openxmlformats.org/drawingml/2006/main" xmlns:r="http://schemas.openxmlformats.org/officeDocument/2006/relationships" xmlns:p="http://schemas.openxmlformats.org/presentationml/2006/main" type="blank" preserve="1">
+  <p:cSld name="En blanco">
     <p:spTree>
       <p:nvGrpSpPr>
-        <p:cNvPr id="1" name="Shape 41"/>
+        <p:cNvPr id="1" name=""/>
         <p:cNvGrpSpPr/>
         <p:nvPr/>
       </p:nvGrpSpPr>
@@ -5523,109 +4200,61 @@
       </p:grpSpPr>
       <p:sp>
         <p:nvSpPr>
-          <p:cNvPr id="42" name="Google Shape;42;p10"/>
-          <p:cNvSpPr txBox="1">
+          <p:cNvPr id="2" name="Date Placeholder 1"/>
+          <p:cNvSpPr>
             <a:spLocks noGrp="1"/>
           </p:cNvSpPr>
           <p:nvPr>
-            <p:ph type="body" idx="1"/>
+            <p:ph type="dt" sz="half" idx="10"/>
           </p:nvPr>
         </p:nvSpPr>
-        <p:spPr>
-          <a:xfrm>
-            <a:off x="311700" y="4230575"/>
-            <a:ext cx="5998800" cy="605100"/>
-          </a:xfrm>
-          <a:prstGeom prst="rect">
-            <a:avLst/>
-          </a:prstGeom>
-        </p:spPr>
+        <p:spPr/>
         <p:txBody>
-          <a:bodyPr spcFirstLastPara="1" wrap="square" lIns="91425" tIns="91425" rIns="91425" bIns="91425" anchor="ctr" anchorCtr="0">
-            <a:noAutofit/>
-          </a:bodyPr>
-          <a:lstStyle>
-            <a:lvl1pPr marL="457200" lvl="0" indent="-228600">
-              <a:lnSpc>
-                <a:spcPct val="100000"/>
-              </a:lnSpc>
-              <a:spcBef>
-                <a:spcPts val="0"/>
-              </a:spcBef>
-              <a:spcAft>
-                <a:spcPts val="0"/>
-              </a:spcAft>
-              <a:buSzPts val="1800"/>
-              <a:buNone/>
-              <a:defRPr/>
-            </a:lvl1pPr>
-          </a:lstStyle>
-          <a:p>
-            <a:endParaRPr/>
+          <a:bodyPr/>
+          <a:lstStyle/>
+          <a:p>
+            <a:fld id="{B61BEF0D-F0BB-DE4B-95CE-6DB70DBA9567}" type="datetimeFigureOut">
+              <a:rPr lang="en-US" smtClean="0"/>
+              <a:pPr/>
+              <a:t>7/17/2019</a:t>
+            </a:fld>
+            <a:endParaRPr lang="en-US" dirty="0"/>
           </a:p>
         </p:txBody>
       </p:sp>
       <p:sp>
         <p:nvSpPr>
-          <p:cNvPr id="43" name="Google Shape;43;p10"/>
-          <p:cNvSpPr txBox="1">
+          <p:cNvPr id="3" name="Footer Placeholder 2"/>
+          <p:cNvSpPr>
             <a:spLocks noGrp="1"/>
           </p:cNvSpPr>
           <p:nvPr>
-            <p:ph type="sldNum" idx="12"/>
+            <p:ph type="ftr" sz="quarter" idx="11"/>
           </p:nvPr>
         </p:nvSpPr>
-        <p:spPr>
-          <a:xfrm>
-            <a:off x="8472458" y="4663217"/>
-            <a:ext cx="548700" cy="393600"/>
-          </a:xfrm>
-          <a:prstGeom prst="rect">
-            <a:avLst/>
-          </a:prstGeom>
-        </p:spPr>
+        <p:spPr/>
         <p:txBody>
-          <a:bodyPr spcFirstLastPara="1" wrap="square" lIns="91425" tIns="91425" rIns="91425" bIns="91425" anchor="ctr" anchorCtr="0">
-            <a:noAutofit/>
-          </a:bodyPr>
-          <a:lstStyle>
-            <a:lvl1pPr lvl="0">
-              <a:buNone/>
-              <a:defRPr/>
-            </a:lvl1pPr>
-            <a:lvl2pPr lvl="1">
-              <a:buNone/>
-              <a:defRPr/>
-            </a:lvl2pPr>
-            <a:lvl3pPr lvl="2">
-              <a:buNone/>
-              <a:defRPr/>
-            </a:lvl3pPr>
-            <a:lvl4pPr lvl="3">
-              <a:buNone/>
-              <a:defRPr/>
-            </a:lvl4pPr>
-            <a:lvl5pPr lvl="4">
-              <a:buNone/>
-              <a:defRPr/>
-            </a:lvl5pPr>
-            <a:lvl6pPr lvl="5">
-              <a:buNone/>
-              <a:defRPr/>
-            </a:lvl6pPr>
-            <a:lvl7pPr lvl="6">
-              <a:buNone/>
-              <a:defRPr/>
-            </a:lvl7pPr>
-            <a:lvl8pPr lvl="7">
-              <a:buNone/>
-              <a:defRPr/>
-            </a:lvl8pPr>
-            <a:lvl9pPr lvl="8">
-              <a:buNone/>
-              <a:defRPr/>
-            </a:lvl9pPr>
-          </a:lstStyle>
+          <a:bodyPr/>
+          <a:lstStyle/>
+          <a:p>
+            <a:endParaRPr lang="en-US" dirty="0"/>
+          </a:p>
+        </p:txBody>
+      </p:sp>
+      <p:sp>
+        <p:nvSpPr>
+          <p:cNvPr id="4" name="Slide Number Placeholder 3"/>
+          <p:cNvSpPr>
+            <a:spLocks noGrp="1"/>
+          </p:cNvSpPr>
+          <p:nvPr>
+            <p:ph type="sldNum" sz="quarter" idx="12"/>
+          </p:nvPr>
+        </p:nvSpPr>
+        <p:spPr/>
+        <p:txBody>
+          <a:bodyPr/>
+          <a:lstStyle/>
           <a:p>
             <a:pPr marL="0" lvl="0" indent="0" algn="r" rtl="0">
               <a:spcBef>
@@ -5637,35 +4266,33 @@
               <a:buNone/>
             </a:pPr>
             <a:fld id="{00000000-1234-1234-1234-123412341234}" type="slidenum">
-              <a:rPr lang="en"/>
+              <a:rPr lang="es-419" smtClean="0"/>
               <a:t>‹Nº›</a:t>
             </a:fld>
-            <a:endParaRPr/>
+            <a:endParaRPr lang="es-419"/>
           </a:p>
         </p:txBody>
       </p:sp>
     </p:spTree>
+    <p:extLst>
+      <p:ext uri="{BB962C8B-B14F-4D97-AF65-F5344CB8AC3E}">
+        <p14:creationId xmlns:p14="http://schemas.microsoft.com/office/powerpoint/2010/main" val="1446266645"/>
+      </p:ext>
+    </p:extLst>
   </p:cSld>
   <p:clrMapOvr>
     <a:masterClrMapping/>
   </p:clrMapOvr>
+  <p:hf sldNum="0" hdr="0" ftr="0" dt="0"/>
 </p:sldLayout>
 </file>
 
-<file path=ppt/slideMasters/slideMaster1.xml><?xml version="1.0" encoding="utf-8"?>
-<p:sldMaster xmlns:a="http://schemas.openxmlformats.org/drawingml/2006/main" xmlns:r="http://schemas.openxmlformats.org/officeDocument/2006/relationships" xmlns:p="http://schemas.openxmlformats.org/presentationml/2006/main">
-  <p:cSld name="simple-light-2">
-    <p:bg>
-      <p:bgPr>
-        <a:solidFill>
-          <a:schemeClr val="lt1"/>
-        </a:solidFill>
-        <a:effectLst/>
-      </p:bgPr>
-    </p:bg>
+<file path=ppt/slideLayouts/slideLayout8.xml><?xml version="1.0" encoding="utf-8"?>
+<p:sldLayout xmlns:a="http://schemas.openxmlformats.org/drawingml/2006/main" xmlns:r="http://schemas.openxmlformats.org/officeDocument/2006/relationships" xmlns:p="http://schemas.openxmlformats.org/presentationml/2006/main" type="objTx" preserve="1">
+  <p:cSld name="Contenido con título">
     <p:spTree>
       <p:nvGrpSpPr>
-        <p:cNvPr id="1" name="Shape 5"/>
+        <p:cNvPr id="1" name=""/>
         <p:cNvGrpSpPr/>
         <p:nvPr/>
       </p:nvGrpSpPr>
@@ -5679,8 +4306,8 @@
       </p:grpSpPr>
       <p:sp>
         <p:nvSpPr>
-          <p:cNvPr id="6" name="Google Shape;6;p1"/>
-          <p:cNvSpPr txBox="1">
+          <p:cNvPr id="2" name="Title 1"/>
+          <p:cNvSpPr>
             <a:spLocks noGrp="1"/>
           </p:cNvSpPr>
           <p:nvPr>
@@ -5689,194 +4316,591 @@
         </p:nvSpPr>
         <p:spPr>
           <a:xfrm>
-            <a:off x="311700" y="445025"/>
-            <a:ext cx="8520600" cy="572700"/>
+            <a:off x="629841" y="342900"/>
+            <a:ext cx="2949178" cy="1200150"/>
+          </a:xfrm>
+        </p:spPr>
+        <p:txBody>
+          <a:bodyPr anchor="b"/>
+          <a:lstStyle>
+            <a:lvl1pPr>
+              <a:defRPr sz="2400"/>
+            </a:lvl1pPr>
+          </a:lstStyle>
+          <a:p>
+            <a:r>
+              <a:rPr lang="es-ES" smtClean="0"/>
+              <a:t>Haga clic para modificar el estilo de título del patrón</a:t>
+            </a:r>
+            <a:endParaRPr lang="en-US" dirty="0"/>
+          </a:p>
+        </p:txBody>
+      </p:sp>
+      <p:sp>
+        <p:nvSpPr>
+          <p:cNvPr id="3" name="Content Placeholder 2"/>
+          <p:cNvSpPr>
+            <a:spLocks noGrp="1"/>
+          </p:cNvSpPr>
+          <p:nvPr>
+            <p:ph idx="1"/>
+          </p:nvPr>
+        </p:nvSpPr>
+        <p:spPr>
+          <a:xfrm>
+            <a:off x="3887391" y="740569"/>
+            <a:ext cx="4629150" cy="3655219"/>
+          </a:xfrm>
+        </p:spPr>
+        <p:txBody>
+          <a:bodyPr/>
+          <a:lstStyle>
+            <a:lvl1pPr>
+              <a:defRPr sz="2400"/>
+            </a:lvl1pPr>
+            <a:lvl2pPr>
+              <a:defRPr sz="2100"/>
+            </a:lvl2pPr>
+            <a:lvl3pPr>
+              <a:defRPr sz="1800"/>
+            </a:lvl3pPr>
+            <a:lvl4pPr>
+              <a:defRPr sz="1500"/>
+            </a:lvl4pPr>
+            <a:lvl5pPr>
+              <a:defRPr sz="1500"/>
+            </a:lvl5pPr>
+            <a:lvl6pPr>
+              <a:defRPr sz="1500"/>
+            </a:lvl6pPr>
+            <a:lvl7pPr>
+              <a:defRPr sz="1500"/>
+            </a:lvl7pPr>
+            <a:lvl8pPr>
+              <a:defRPr sz="1500"/>
+            </a:lvl8pPr>
+            <a:lvl9pPr>
+              <a:defRPr sz="1500"/>
+            </a:lvl9pPr>
+          </a:lstStyle>
+          <a:p>
+            <a:pPr lvl="0"/>
+            <a:r>
+              <a:rPr lang="es-ES" smtClean="0"/>
+              <a:t>Editar el estilo de texto del patrón</a:t>
+            </a:r>
+          </a:p>
+          <a:p>
+            <a:pPr lvl="1"/>
+            <a:r>
+              <a:rPr lang="es-ES" smtClean="0"/>
+              <a:t>Segundo nivel</a:t>
+            </a:r>
+          </a:p>
+          <a:p>
+            <a:pPr lvl="2"/>
+            <a:r>
+              <a:rPr lang="es-ES" smtClean="0"/>
+              <a:t>Tercer nivel</a:t>
+            </a:r>
+          </a:p>
+          <a:p>
+            <a:pPr lvl="3"/>
+            <a:r>
+              <a:rPr lang="es-ES" smtClean="0"/>
+              <a:t>Cuarto nivel</a:t>
+            </a:r>
+          </a:p>
+          <a:p>
+            <a:pPr lvl="4"/>
+            <a:r>
+              <a:rPr lang="es-ES" smtClean="0"/>
+              <a:t>Quinto nivel</a:t>
+            </a:r>
+            <a:endParaRPr lang="en-US" dirty="0"/>
+          </a:p>
+        </p:txBody>
+      </p:sp>
+      <p:sp>
+        <p:nvSpPr>
+          <p:cNvPr id="4" name="Text Placeholder 3"/>
+          <p:cNvSpPr>
+            <a:spLocks noGrp="1"/>
+          </p:cNvSpPr>
+          <p:nvPr>
+            <p:ph type="body" sz="half" idx="2"/>
+          </p:nvPr>
+        </p:nvSpPr>
+        <p:spPr>
+          <a:xfrm>
+            <a:off x="629841" y="1543050"/>
+            <a:ext cx="2949178" cy="2858691"/>
+          </a:xfrm>
+        </p:spPr>
+        <p:txBody>
+          <a:bodyPr/>
+          <a:lstStyle>
+            <a:lvl1pPr marL="0" indent="0">
+              <a:buNone/>
+              <a:defRPr sz="1200"/>
+            </a:lvl1pPr>
+            <a:lvl2pPr marL="342900" indent="0">
+              <a:buNone/>
+              <a:defRPr sz="1050"/>
+            </a:lvl2pPr>
+            <a:lvl3pPr marL="685800" indent="0">
+              <a:buNone/>
+              <a:defRPr sz="900"/>
+            </a:lvl3pPr>
+            <a:lvl4pPr marL="1028700" indent="0">
+              <a:buNone/>
+              <a:defRPr sz="750"/>
+            </a:lvl4pPr>
+            <a:lvl5pPr marL="1371600" indent="0">
+              <a:buNone/>
+              <a:defRPr sz="750"/>
+            </a:lvl5pPr>
+            <a:lvl6pPr marL="1714500" indent="0">
+              <a:buNone/>
+              <a:defRPr sz="750"/>
+            </a:lvl6pPr>
+            <a:lvl7pPr marL="2057400" indent="0">
+              <a:buNone/>
+              <a:defRPr sz="750"/>
+            </a:lvl7pPr>
+            <a:lvl8pPr marL="2400300" indent="0">
+              <a:buNone/>
+              <a:defRPr sz="750"/>
+            </a:lvl8pPr>
+            <a:lvl9pPr marL="2743200" indent="0">
+              <a:buNone/>
+              <a:defRPr sz="750"/>
+            </a:lvl9pPr>
+          </a:lstStyle>
+          <a:p>
+            <a:pPr lvl="0"/>
+            <a:r>
+              <a:rPr lang="es-ES" smtClean="0"/>
+              <a:t>Editar el estilo de texto del patrón</a:t>
+            </a:r>
+          </a:p>
+        </p:txBody>
+      </p:sp>
+      <p:sp>
+        <p:nvSpPr>
+          <p:cNvPr id="5" name="Date Placeholder 4"/>
+          <p:cNvSpPr>
+            <a:spLocks noGrp="1"/>
+          </p:cNvSpPr>
+          <p:nvPr>
+            <p:ph type="dt" sz="half" idx="10"/>
+          </p:nvPr>
+        </p:nvSpPr>
+        <p:spPr/>
+        <p:txBody>
+          <a:bodyPr/>
+          <a:lstStyle/>
+          <a:p>
+            <a:fld id="{42A54C80-263E-416B-A8E0-580EDEADCBDC}" type="datetimeFigureOut">
+              <a:rPr lang="en-US" smtClean="0"/>
+              <a:t>7/17/2019</a:t>
+            </a:fld>
+            <a:endParaRPr lang="en-US" dirty="0"/>
+          </a:p>
+        </p:txBody>
+      </p:sp>
+      <p:sp>
+        <p:nvSpPr>
+          <p:cNvPr id="6" name="Footer Placeholder 5"/>
+          <p:cNvSpPr>
+            <a:spLocks noGrp="1"/>
+          </p:cNvSpPr>
+          <p:nvPr>
+            <p:ph type="ftr" sz="quarter" idx="11"/>
+          </p:nvPr>
+        </p:nvSpPr>
+        <p:spPr/>
+        <p:txBody>
+          <a:bodyPr/>
+          <a:lstStyle/>
+          <a:p>
+            <a:endParaRPr lang="en-US" dirty="0"/>
+          </a:p>
+        </p:txBody>
+      </p:sp>
+      <p:sp>
+        <p:nvSpPr>
+          <p:cNvPr id="7" name="Slide Number Placeholder 6"/>
+          <p:cNvSpPr>
+            <a:spLocks noGrp="1"/>
+          </p:cNvSpPr>
+          <p:nvPr>
+            <p:ph type="sldNum" sz="quarter" idx="12"/>
+          </p:nvPr>
+        </p:nvSpPr>
+        <p:spPr/>
+        <p:txBody>
+          <a:bodyPr/>
+          <a:lstStyle/>
+          <a:p>
+            <a:pPr marL="0" lvl="0" indent="0" algn="r" rtl="0">
+              <a:spcBef>
+                <a:spcPts val="0"/>
+              </a:spcBef>
+              <a:spcAft>
+                <a:spcPts val="0"/>
+              </a:spcAft>
+              <a:buNone/>
+            </a:pPr>
+            <a:fld id="{00000000-1234-1234-1234-123412341234}" type="slidenum">
+              <a:rPr lang="es-419" smtClean="0"/>
+              <a:t>‹Nº›</a:t>
+            </a:fld>
+            <a:endParaRPr lang="es-419"/>
+          </a:p>
+        </p:txBody>
+      </p:sp>
+    </p:spTree>
+    <p:extLst>
+      <p:ext uri="{BB962C8B-B14F-4D97-AF65-F5344CB8AC3E}">
+        <p14:creationId xmlns:p14="http://schemas.microsoft.com/office/powerpoint/2010/main" val="3388041457"/>
+      </p:ext>
+    </p:extLst>
+  </p:cSld>
+  <p:clrMapOvr>
+    <a:masterClrMapping/>
+  </p:clrMapOvr>
+  <p:hf sldNum="0" hdr="0" ftr="0" dt="0"/>
+</p:sldLayout>
+</file>
+
+<file path=ppt/slideLayouts/slideLayout9.xml><?xml version="1.0" encoding="utf-8"?>
+<p:sldLayout xmlns:a="http://schemas.openxmlformats.org/drawingml/2006/main" xmlns:r="http://schemas.openxmlformats.org/officeDocument/2006/relationships" xmlns:p="http://schemas.openxmlformats.org/presentationml/2006/main" type="picTx" preserve="1">
+  <p:cSld name="Imagen con título">
+    <p:spTree>
+      <p:nvGrpSpPr>
+        <p:cNvPr id="1" name=""/>
+        <p:cNvGrpSpPr/>
+        <p:nvPr/>
+      </p:nvGrpSpPr>
+      <p:grpSpPr>
+        <a:xfrm>
+          <a:off x="0" y="0"/>
+          <a:ext cx="0" cy="0"/>
+          <a:chOff x="0" y="0"/>
+          <a:chExt cx="0" cy="0"/>
+        </a:xfrm>
+      </p:grpSpPr>
+      <p:sp>
+        <p:nvSpPr>
+          <p:cNvPr id="2" name="Title 1"/>
+          <p:cNvSpPr>
+            <a:spLocks noGrp="1"/>
+          </p:cNvSpPr>
+          <p:nvPr>
+            <p:ph type="title"/>
+          </p:nvPr>
+        </p:nvSpPr>
+        <p:spPr>
+          <a:xfrm>
+            <a:off x="629841" y="342900"/>
+            <a:ext cx="2949178" cy="1200150"/>
+          </a:xfrm>
+        </p:spPr>
+        <p:txBody>
+          <a:bodyPr anchor="b"/>
+          <a:lstStyle>
+            <a:lvl1pPr>
+              <a:defRPr sz="2400"/>
+            </a:lvl1pPr>
+          </a:lstStyle>
+          <a:p>
+            <a:r>
+              <a:rPr lang="es-ES" smtClean="0"/>
+              <a:t>Haga clic para modificar el estilo de título del patrón</a:t>
+            </a:r>
+            <a:endParaRPr lang="en-US" dirty="0"/>
+          </a:p>
+        </p:txBody>
+      </p:sp>
+      <p:sp>
+        <p:nvSpPr>
+          <p:cNvPr id="3" name="Picture Placeholder 2"/>
+          <p:cNvSpPr>
+            <a:spLocks noGrp="1" noChangeAspect="1"/>
+          </p:cNvSpPr>
+          <p:nvPr>
+            <p:ph type="pic" idx="1"/>
+          </p:nvPr>
+        </p:nvSpPr>
+        <p:spPr>
+          <a:xfrm>
+            <a:off x="3887391" y="740569"/>
+            <a:ext cx="4629150" cy="3655219"/>
+          </a:xfrm>
+        </p:spPr>
+        <p:txBody>
+          <a:bodyPr anchor="t"/>
+          <a:lstStyle>
+            <a:lvl1pPr marL="0" indent="0">
+              <a:buNone/>
+              <a:defRPr sz="2400"/>
+            </a:lvl1pPr>
+            <a:lvl2pPr marL="342900" indent="0">
+              <a:buNone/>
+              <a:defRPr sz="2100"/>
+            </a:lvl2pPr>
+            <a:lvl3pPr marL="685800" indent="0">
+              <a:buNone/>
+              <a:defRPr sz="1800"/>
+            </a:lvl3pPr>
+            <a:lvl4pPr marL="1028700" indent="0">
+              <a:buNone/>
+              <a:defRPr sz="1500"/>
+            </a:lvl4pPr>
+            <a:lvl5pPr marL="1371600" indent="0">
+              <a:buNone/>
+              <a:defRPr sz="1500"/>
+            </a:lvl5pPr>
+            <a:lvl6pPr marL="1714500" indent="0">
+              <a:buNone/>
+              <a:defRPr sz="1500"/>
+            </a:lvl6pPr>
+            <a:lvl7pPr marL="2057400" indent="0">
+              <a:buNone/>
+              <a:defRPr sz="1500"/>
+            </a:lvl7pPr>
+            <a:lvl8pPr marL="2400300" indent="0">
+              <a:buNone/>
+              <a:defRPr sz="1500"/>
+            </a:lvl8pPr>
+            <a:lvl9pPr marL="2743200" indent="0">
+              <a:buNone/>
+              <a:defRPr sz="1500"/>
+            </a:lvl9pPr>
+          </a:lstStyle>
+          <a:p>
+            <a:r>
+              <a:rPr lang="es-ES" smtClean="0"/>
+              <a:t>Haga clic en el icono para agregar una imagen</a:t>
+            </a:r>
+            <a:endParaRPr lang="en-US" dirty="0"/>
+          </a:p>
+        </p:txBody>
+      </p:sp>
+      <p:sp>
+        <p:nvSpPr>
+          <p:cNvPr id="4" name="Text Placeholder 3"/>
+          <p:cNvSpPr>
+            <a:spLocks noGrp="1"/>
+          </p:cNvSpPr>
+          <p:nvPr>
+            <p:ph type="body" sz="half" idx="2"/>
+          </p:nvPr>
+        </p:nvSpPr>
+        <p:spPr>
+          <a:xfrm>
+            <a:off x="629841" y="1543050"/>
+            <a:ext cx="2949178" cy="2858691"/>
+          </a:xfrm>
+        </p:spPr>
+        <p:txBody>
+          <a:bodyPr/>
+          <a:lstStyle>
+            <a:lvl1pPr marL="0" indent="0">
+              <a:buNone/>
+              <a:defRPr sz="1200"/>
+            </a:lvl1pPr>
+            <a:lvl2pPr marL="342900" indent="0">
+              <a:buNone/>
+              <a:defRPr sz="1050"/>
+            </a:lvl2pPr>
+            <a:lvl3pPr marL="685800" indent="0">
+              <a:buNone/>
+              <a:defRPr sz="900"/>
+            </a:lvl3pPr>
+            <a:lvl4pPr marL="1028700" indent="0">
+              <a:buNone/>
+              <a:defRPr sz="750"/>
+            </a:lvl4pPr>
+            <a:lvl5pPr marL="1371600" indent="0">
+              <a:buNone/>
+              <a:defRPr sz="750"/>
+            </a:lvl5pPr>
+            <a:lvl6pPr marL="1714500" indent="0">
+              <a:buNone/>
+              <a:defRPr sz="750"/>
+            </a:lvl6pPr>
+            <a:lvl7pPr marL="2057400" indent="0">
+              <a:buNone/>
+              <a:defRPr sz="750"/>
+            </a:lvl7pPr>
+            <a:lvl8pPr marL="2400300" indent="0">
+              <a:buNone/>
+              <a:defRPr sz="750"/>
+            </a:lvl8pPr>
+            <a:lvl9pPr marL="2743200" indent="0">
+              <a:buNone/>
+              <a:defRPr sz="750"/>
+            </a:lvl9pPr>
+          </a:lstStyle>
+          <a:p>
+            <a:pPr lvl="0"/>
+            <a:r>
+              <a:rPr lang="es-ES" smtClean="0"/>
+              <a:t>Editar el estilo de texto del patrón</a:t>
+            </a:r>
+          </a:p>
+        </p:txBody>
+      </p:sp>
+      <p:sp>
+        <p:nvSpPr>
+          <p:cNvPr id="5" name="Date Placeholder 4"/>
+          <p:cNvSpPr>
+            <a:spLocks noGrp="1"/>
+          </p:cNvSpPr>
+          <p:nvPr>
+            <p:ph type="dt" sz="half" idx="10"/>
+          </p:nvPr>
+        </p:nvSpPr>
+        <p:spPr/>
+        <p:txBody>
+          <a:bodyPr/>
+          <a:lstStyle/>
+          <a:p>
+            <a:fld id="{B61BEF0D-F0BB-DE4B-95CE-6DB70DBA9567}" type="datetimeFigureOut">
+              <a:rPr lang="en-US" smtClean="0"/>
+              <a:pPr/>
+              <a:t>7/17/2019</a:t>
+            </a:fld>
+            <a:endParaRPr lang="en-US" dirty="0"/>
+          </a:p>
+        </p:txBody>
+      </p:sp>
+      <p:sp>
+        <p:nvSpPr>
+          <p:cNvPr id="6" name="Footer Placeholder 5"/>
+          <p:cNvSpPr>
+            <a:spLocks noGrp="1"/>
+          </p:cNvSpPr>
+          <p:nvPr>
+            <p:ph type="ftr" sz="quarter" idx="11"/>
+          </p:nvPr>
+        </p:nvSpPr>
+        <p:spPr/>
+        <p:txBody>
+          <a:bodyPr/>
+          <a:lstStyle/>
+          <a:p>
+            <a:endParaRPr lang="en-US" dirty="0"/>
+          </a:p>
+        </p:txBody>
+      </p:sp>
+      <p:sp>
+        <p:nvSpPr>
+          <p:cNvPr id="7" name="Slide Number Placeholder 6"/>
+          <p:cNvSpPr>
+            <a:spLocks noGrp="1"/>
+          </p:cNvSpPr>
+          <p:nvPr>
+            <p:ph type="sldNum" sz="quarter" idx="12"/>
+          </p:nvPr>
+        </p:nvSpPr>
+        <p:spPr/>
+        <p:txBody>
+          <a:bodyPr/>
+          <a:lstStyle/>
+          <a:p>
+            <a:pPr marL="0" lvl="0" indent="0" algn="r" rtl="0">
+              <a:spcBef>
+                <a:spcPts val="0"/>
+              </a:spcBef>
+              <a:spcAft>
+                <a:spcPts val="0"/>
+              </a:spcAft>
+              <a:buNone/>
+            </a:pPr>
+            <a:fld id="{00000000-1234-1234-1234-123412341234}" type="slidenum">
+              <a:rPr lang="es-419" smtClean="0"/>
+              <a:t>‹Nº›</a:t>
+            </a:fld>
+            <a:endParaRPr lang="es-419"/>
+          </a:p>
+        </p:txBody>
+      </p:sp>
+    </p:spTree>
+    <p:extLst>
+      <p:ext uri="{BB962C8B-B14F-4D97-AF65-F5344CB8AC3E}">
+        <p14:creationId xmlns:p14="http://schemas.microsoft.com/office/powerpoint/2010/main" val="3085533564"/>
+      </p:ext>
+    </p:extLst>
+  </p:cSld>
+  <p:clrMapOvr>
+    <a:masterClrMapping/>
+  </p:clrMapOvr>
+  <p:hf sldNum="0" hdr="0" ftr="0" dt="0"/>
+</p:sldLayout>
+</file>
+
+<file path=ppt/slideMasters/slideMaster1.xml><?xml version="1.0" encoding="utf-8"?>
+<p:sldMaster xmlns:a="http://schemas.openxmlformats.org/drawingml/2006/main" xmlns:r="http://schemas.openxmlformats.org/officeDocument/2006/relationships" xmlns:p="http://schemas.openxmlformats.org/presentationml/2006/main">
+  <p:cSld>
+    <p:bg>
+      <p:bgRef idx="1001">
+        <a:schemeClr val="bg1"/>
+      </p:bgRef>
+    </p:bg>
+    <p:spTree>
+      <p:nvGrpSpPr>
+        <p:cNvPr id="1" name=""/>
+        <p:cNvGrpSpPr/>
+        <p:nvPr/>
+      </p:nvGrpSpPr>
+      <p:grpSpPr>
+        <a:xfrm>
+          <a:off x="0" y="0"/>
+          <a:ext cx="0" cy="0"/>
+          <a:chOff x="0" y="0"/>
+          <a:chExt cx="0" cy="0"/>
+        </a:xfrm>
+      </p:grpSpPr>
+      <p:sp>
+        <p:nvSpPr>
+          <p:cNvPr id="2" name="Title Placeholder 1"/>
+          <p:cNvSpPr>
+            <a:spLocks noGrp="1"/>
+          </p:cNvSpPr>
+          <p:nvPr>
+            <p:ph type="title"/>
+          </p:nvPr>
+        </p:nvSpPr>
+        <p:spPr>
+          <a:xfrm>
+            <a:off x="628650" y="273844"/>
+            <a:ext cx="7886700" cy="994172"/>
           </a:xfrm>
           <a:prstGeom prst="rect">
             <a:avLst/>
           </a:prstGeom>
-          <a:noFill/>
-          <a:ln>
-            <a:noFill/>
-          </a:ln>
         </p:spPr>
         <p:txBody>
-          <a:bodyPr spcFirstLastPara="1" wrap="square" lIns="91425" tIns="91425" rIns="91425" bIns="91425" anchor="t" anchorCtr="0">
-            <a:noAutofit/>
+          <a:bodyPr vert="horz" lIns="91440" tIns="45720" rIns="91440" bIns="45720" rtlCol="0" anchor="ctr">
+            <a:normAutofit/>
           </a:bodyPr>
-          <a:lstStyle>
-            <a:lvl1pPr lvl="0">
-              <a:spcBef>
-                <a:spcPts val="0"/>
-              </a:spcBef>
-              <a:spcAft>
-                <a:spcPts val="0"/>
-              </a:spcAft>
-              <a:buClr>
-                <a:schemeClr val="dk1"/>
-              </a:buClr>
-              <a:buSzPts val="2800"/>
-              <a:buNone/>
-              <a:defRPr sz="2800">
-                <a:solidFill>
-                  <a:schemeClr val="dk1"/>
-                </a:solidFill>
-              </a:defRPr>
-            </a:lvl1pPr>
-            <a:lvl2pPr lvl="1">
-              <a:spcBef>
-                <a:spcPts val="0"/>
-              </a:spcBef>
-              <a:spcAft>
-                <a:spcPts val="0"/>
-              </a:spcAft>
-              <a:buClr>
-                <a:schemeClr val="dk1"/>
-              </a:buClr>
-              <a:buSzPts val="2800"/>
-              <a:buNone/>
-              <a:defRPr sz="2800">
-                <a:solidFill>
-                  <a:schemeClr val="dk1"/>
-                </a:solidFill>
-              </a:defRPr>
-            </a:lvl2pPr>
-            <a:lvl3pPr lvl="2">
-              <a:spcBef>
-                <a:spcPts val="0"/>
-              </a:spcBef>
-              <a:spcAft>
-                <a:spcPts val="0"/>
-              </a:spcAft>
-              <a:buClr>
-                <a:schemeClr val="dk1"/>
-              </a:buClr>
-              <a:buSzPts val="2800"/>
-              <a:buNone/>
-              <a:defRPr sz="2800">
-                <a:solidFill>
-                  <a:schemeClr val="dk1"/>
-                </a:solidFill>
-              </a:defRPr>
-            </a:lvl3pPr>
-            <a:lvl4pPr lvl="3">
-              <a:spcBef>
-                <a:spcPts val="0"/>
-              </a:spcBef>
-              <a:spcAft>
-                <a:spcPts val="0"/>
-              </a:spcAft>
-              <a:buClr>
-                <a:schemeClr val="dk1"/>
-              </a:buClr>
-              <a:buSzPts val="2800"/>
-              <a:buNone/>
-              <a:defRPr sz="2800">
-                <a:solidFill>
-                  <a:schemeClr val="dk1"/>
-                </a:solidFill>
-              </a:defRPr>
-            </a:lvl4pPr>
-            <a:lvl5pPr lvl="4">
-              <a:spcBef>
-                <a:spcPts val="0"/>
-              </a:spcBef>
-              <a:spcAft>
-                <a:spcPts val="0"/>
-              </a:spcAft>
-              <a:buClr>
-                <a:schemeClr val="dk1"/>
-              </a:buClr>
-              <a:buSzPts val="2800"/>
-              <a:buNone/>
-              <a:defRPr sz="2800">
-                <a:solidFill>
-                  <a:schemeClr val="dk1"/>
-                </a:solidFill>
-              </a:defRPr>
-            </a:lvl5pPr>
-            <a:lvl6pPr lvl="5">
-              <a:spcBef>
-                <a:spcPts val="0"/>
-              </a:spcBef>
-              <a:spcAft>
-                <a:spcPts val="0"/>
-              </a:spcAft>
-              <a:buClr>
-                <a:schemeClr val="dk1"/>
-              </a:buClr>
-              <a:buSzPts val="2800"/>
-              <a:buNone/>
-              <a:defRPr sz="2800">
-                <a:solidFill>
-                  <a:schemeClr val="dk1"/>
-                </a:solidFill>
-              </a:defRPr>
-            </a:lvl6pPr>
-            <a:lvl7pPr lvl="6">
-              <a:spcBef>
-                <a:spcPts val="0"/>
-              </a:spcBef>
-              <a:spcAft>
-                <a:spcPts val="0"/>
-              </a:spcAft>
-              <a:buClr>
-                <a:schemeClr val="dk1"/>
-              </a:buClr>
-              <a:buSzPts val="2800"/>
-              <a:buNone/>
-              <a:defRPr sz="2800">
-                <a:solidFill>
-                  <a:schemeClr val="dk1"/>
-                </a:solidFill>
-              </a:defRPr>
-            </a:lvl7pPr>
-            <a:lvl8pPr lvl="7">
-              <a:spcBef>
-                <a:spcPts val="0"/>
-              </a:spcBef>
-              <a:spcAft>
-                <a:spcPts val="0"/>
-              </a:spcAft>
-              <a:buClr>
-                <a:schemeClr val="dk1"/>
-              </a:buClr>
-              <a:buSzPts val="2800"/>
-              <a:buNone/>
-              <a:defRPr sz="2800">
-                <a:solidFill>
-                  <a:schemeClr val="dk1"/>
-                </a:solidFill>
-              </a:defRPr>
-            </a:lvl8pPr>
-            <a:lvl9pPr lvl="8">
-              <a:spcBef>
-                <a:spcPts val="0"/>
-              </a:spcBef>
-              <a:spcAft>
-                <a:spcPts val="0"/>
-              </a:spcAft>
-              <a:buClr>
-                <a:schemeClr val="dk1"/>
-              </a:buClr>
-              <a:buSzPts val="2800"/>
-              <a:buNone/>
-              <a:defRPr sz="2800">
-                <a:solidFill>
-                  <a:schemeClr val="dk1"/>
-                </a:solidFill>
-              </a:defRPr>
-            </a:lvl9pPr>
-          </a:lstStyle>
-          <a:p>
-            <a:endParaRPr/>
+          <a:lstStyle/>
+          <a:p>
+            <a:r>
+              <a:rPr lang="es-ES" smtClean="0"/>
+              <a:t>Haga clic para modificar el estilo de título del patrón</a:t>
+            </a:r>
+            <a:endParaRPr lang="en-US" dirty="0"/>
           </a:p>
         </p:txBody>
       </p:sp>
       <p:sp>
         <p:nvSpPr>
-          <p:cNvPr id="7" name="Google Shape;7;p1"/>
-          <p:cNvSpPr txBox="1">
+          <p:cNvPr id="3" name="Text Placeholder 2"/>
+          <p:cNvSpPr>
             <a:spLocks noGrp="1"/>
           </p:cNvSpPr>
           <p:nvPr>
@@ -5885,317 +4909,166 @@
         </p:nvSpPr>
         <p:spPr>
           <a:xfrm>
-            <a:off x="311700" y="1152475"/>
-            <a:ext cx="8520600" cy="3416400"/>
+            <a:off x="628650" y="1369219"/>
+            <a:ext cx="7886700" cy="3263504"/>
           </a:xfrm>
           <a:prstGeom prst="rect">
             <a:avLst/>
           </a:prstGeom>
-          <a:noFill/>
-          <a:ln>
-            <a:noFill/>
-          </a:ln>
         </p:spPr>
         <p:txBody>
-          <a:bodyPr spcFirstLastPara="1" wrap="square" lIns="91425" tIns="91425" rIns="91425" bIns="91425" anchor="t" anchorCtr="0">
-            <a:noAutofit/>
+          <a:bodyPr vert="horz" lIns="91440" tIns="45720" rIns="91440" bIns="45720" rtlCol="0">
+            <a:normAutofit/>
           </a:bodyPr>
-          <a:lstStyle>
-            <a:lvl1pPr marL="457200" lvl="0" indent="-342900">
-              <a:lnSpc>
-                <a:spcPct val="115000"/>
-              </a:lnSpc>
-              <a:spcBef>
-                <a:spcPts val="0"/>
-              </a:spcBef>
-              <a:spcAft>
-                <a:spcPts val="0"/>
-              </a:spcAft>
-              <a:buClr>
-                <a:schemeClr val="dk2"/>
-              </a:buClr>
-              <a:buSzPts val="1800"/>
-              <a:buChar char="●"/>
-              <a:defRPr sz="1800">
-                <a:solidFill>
-                  <a:schemeClr val="dk2"/>
-                </a:solidFill>
-              </a:defRPr>
-            </a:lvl1pPr>
-            <a:lvl2pPr marL="914400" lvl="1" indent="-317500">
-              <a:lnSpc>
-                <a:spcPct val="115000"/>
-              </a:lnSpc>
-              <a:spcBef>
-                <a:spcPts val="1600"/>
-              </a:spcBef>
-              <a:spcAft>
-                <a:spcPts val="0"/>
-              </a:spcAft>
-              <a:buClr>
-                <a:schemeClr val="dk2"/>
-              </a:buClr>
-              <a:buSzPts val="1400"/>
-              <a:buChar char="○"/>
-              <a:defRPr>
-                <a:solidFill>
-                  <a:schemeClr val="dk2"/>
-                </a:solidFill>
-              </a:defRPr>
-            </a:lvl2pPr>
-            <a:lvl3pPr marL="1371600" lvl="2" indent="-317500">
-              <a:lnSpc>
-                <a:spcPct val="115000"/>
-              </a:lnSpc>
-              <a:spcBef>
-                <a:spcPts val="1600"/>
-              </a:spcBef>
-              <a:spcAft>
-                <a:spcPts val="0"/>
-              </a:spcAft>
-              <a:buClr>
-                <a:schemeClr val="dk2"/>
-              </a:buClr>
-              <a:buSzPts val="1400"/>
-              <a:buChar char="■"/>
-              <a:defRPr>
-                <a:solidFill>
-                  <a:schemeClr val="dk2"/>
-                </a:solidFill>
-              </a:defRPr>
-            </a:lvl3pPr>
-            <a:lvl4pPr marL="1828800" lvl="3" indent="-317500">
-              <a:lnSpc>
-                <a:spcPct val="115000"/>
-              </a:lnSpc>
-              <a:spcBef>
-                <a:spcPts val="1600"/>
-              </a:spcBef>
-              <a:spcAft>
-                <a:spcPts val="0"/>
-              </a:spcAft>
-              <a:buClr>
-                <a:schemeClr val="dk2"/>
-              </a:buClr>
-              <a:buSzPts val="1400"/>
-              <a:buChar char="●"/>
-              <a:defRPr>
-                <a:solidFill>
-                  <a:schemeClr val="dk2"/>
-                </a:solidFill>
-              </a:defRPr>
-            </a:lvl4pPr>
-            <a:lvl5pPr marL="2286000" lvl="4" indent="-317500">
-              <a:lnSpc>
-                <a:spcPct val="115000"/>
-              </a:lnSpc>
-              <a:spcBef>
-                <a:spcPts val="1600"/>
-              </a:spcBef>
-              <a:spcAft>
-                <a:spcPts val="0"/>
-              </a:spcAft>
-              <a:buClr>
-                <a:schemeClr val="dk2"/>
-              </a:buClr>
-              <a:buSzPts val="1400"/>
-              <a:buChar char="○"/>
-              <a:defRPr>
-                <a:solidFill>
-                  <a:schemeClr val="dk2"/>
-                </a:solidFill>
-              </a:defRPr>
-            </a:lvl5pPr>
-            <a:lvl6pPr marL="2743200" lvl="5" indent="-317500">
-              <a:lnSpc>
-                <a:spcPct val="115000"/>
-              </a:lnSpc>
-              <a:spcBef>
-                <a:spcPts val="1600"/>
-              </a:spcBef>
-              <a:spcAft>
-                <a:spcPts val="0"/>
-              </a:spcAft>
-              <a:buClr>
-                <a:schemeClr val="dk2"/>
-              </a:buClr>
-              <a:buSzPts val="1400"/>
-              <a:buChar char="■"/>
-              <a:defRPr>
-                <a:solidFill>
-                  <a:schemeClr val="dk2"/>
-                </a:solidFill>
-              </a:defRPr>
-            </a:lvl6pPr>
-            <a:lvl7pPr marL="3200400" lvl="6" indent="-317500">
-              <a:lnSpc>
-                <a:spcPct val="115000"/>
-              </a:lnSpc>
-              <a:spcBef>
-                <a:spcPts val="1600"/>
-              </a:spcBef>
-              <a:spcAft>
-                <a:spcPts val="0"/>
-              </a:spcAft>
-              <a:buClr>
-                <a:schemeClr val="dk2"/>
-              </a:buClr>
-              <a:buSzPts val="1400"/>
-              <a:buChar char="●"/>
-              <a:defRPr>
-                <a:solidFill>
-                  <a:schemeClr val="dk2"/>
-                </a:solidFill>
-              </a:defRPr>
-            </a:lvl7pPr>
-            <a:lvl8pPr marL="3657600" lvl="7" indent="-317500">
-              <a:lnSpc>
-                <a:spcPct val="115000"/>
-              </a:lnSpc>
-              <a:spcBef>
-                <a:spcPts val="1600"/>
-              </a:spcBef>
-              <a:spcAft>
-                <a:spcPts val="0"/>
-              </a:spcAft>
-              <a:buClr>
-                <a:schemeClr val="dk2"/>
-              </a:buClr>
-              <a:buSzPts val="1400"/>
-              <a:buChar char="○"/>
-              <a:defRPr>
-                <a:solidFill>
-                  <a:schemeClr val="dk2"/>
-                </a:solidFill>
-              </a:defRPr>
-            </a:lvl8pPr>
-            <a:lvl9pPr marL="4114800" lvl="8" indent="-317500">
-              <a:lnSpc>
-                <a:spcPct val="115000"/>
-              </a:lnSpc>
-              <a:spcBef>
-                <a:spcPts val="1600"/>
-              </a:spcBef>
-              <a:spcAft>
-                <a:spcPts val="1600"/>
-              </a:spcAft>
-              <a:buClr>
-                <a:schemeClr val="dk2"/>
-              </a:buClr>
-              <a:buSzPts val="1400"/>
-              <a:buChar char="■"/>
-              <a:defRPr>
-                <a:solidFill>
-                  <a:schemeClr val="dk2"/>
-                </a:solidFill>
-              </a:defRPr>
-            </a:lvl9pPr>
-          </a:lstStyle>
-          <a:p>
-            <a:endParaRPr/>
+          <a:lstStyle/>
+          <a:p>
+            <a:pPr lvl="0"/>
+            <a:r>
+              <a:rPr lang="es-ES" smtClean="0"/>
+              <a:t>Editar el estilo de texto del patrón</a:t>
+            </a:r>
+          </a:p>
+          <a:p>
+            <a:pPr lvl="1"/>
+            <a:r>
+              <a:rPr lang="es-ES" smtClean="0"/>
+              <a:t>Segundo nivel</a:t>
+            </a:r>
+          </a:p>
+          <a:p>
+            <a:pPr lvl="2"/>
+            <a:r>
+              <a:rPr lang="es-ES" smtClean="0"/>
+              <a:t>Tercer nivel</a:t>
+            </a:r>
+          </a:p>
+          <a:p>
+            <a:pPr lvl="3"/>
+            <a:r>
+              <a:rPr lang="es-ES" smtClean="0"/>
+              <a:t>Cuarto nivel</a:t>
+            </a:r>
+          </a:p>
+          <a:p>
+            <a:pPr lvl="4"/>
+            <a:r>
+              <a:rPr lang="es-ES" smtClean="0"/>
+              <a:t>Quinto nivel</a:t>
+            </a:r>
+            <a:endParaRPr lang="en-US" dirty="0"/>
           </a:p>
         </p:txBody>
       </p:sp>
       <p:sp>
         <p:nvSpPr>
-          <p:cNvPr id="8" name="Google Shape;8;p1"/>
-          <p:cNvSpPr txBox="1">
+          <p:cNvPr id="4" name="Date Placeholder 3"/>
+          <p:cNvSpPr>
             <a:spLocks noGrp="1"/>
           </p:cNvSpPr>
           <p:nvPr>
-            <p:ph type="sldNum" idx="12"/>
+            <p:ph type="dt" sz="half" idx="2"/>
           </p:nvPr>
         </p:nvSpPr>
         <p:spPr>
           <a:xfrm>
-            <a:off x="8472458" y="4663217"/>
-            <a:ext cx="548700" cy="393600"/>
+            <a:off x="628650" y="4767263"/>
+            <a:ext cx="2057400" cy="273844"/>
           </a:xfrm>
           <a:prstGeom prst="rect">
             <a:avLst/>
           </a:prstGeom>
-          <a:noFill/>
-          <a:ln>
-            <a:noFill/>
-          </a:ln>
         </p:spPr>
         <p:txBody>
-          <a:bodyPr spcFirstLastPara="1" wrap="square" lIns="91425" tIns="91425" rIns="91425" bIns="91425" anchor="ctr" anchorCtr="0">
-            <a:noAutofit/>
-          </a:bodyPr>
+          <a:bodyPr vert="horz" lIns="91440" tIns="45720" rIns="91440" bIns="45720" rtlCol="0" anchor="ctr"/>
           <a:lstStyle>
-            <a:lvl1pPr lvl="0" algn="r">
-              <a:buNone/>
-              <a:defRPr sz="1000">
+            <a:lvl1pPr algn="l">
+              <a:defRPr sz="900">
                 <a:solidFill>
-                  <a:schemeClr val="dk2"/>
+                  <a:schemeClr val="tx1">
+                    <a:tint val="75000"/>
+                  </a:schemeClr>
                 </a:solidFill>
               </a:defRPr>
             </a:lvl1pPr>
-            <a:lvl2pPr lvl="1" algn="r">
-              <a:buNone/>
-              <a:defRPr sz="1000">
+          </a:lstStyle>
+          <a:p>
+            <a:fld id="{B61BEF0D-F0BB-DE4B-95CE-6DB70DBA9567}" type="datetimeFigureOut">
+              <a:rPr lang="en-US" smtClean="0"/>
+              <a:pPr/>
+              <a:t>7/17/2019</a:t>
+            </a:fld>
+            <a:endParaRPr lang="en-US" dirty="0"/>
+          </a:p>
+        </p:txBody>
+      </p:sp>
+      <p:sp>
+        <p:nvSpPr>
+          <p:cNvPr id="5" name="Footer Placeholder 4"/>
+          <p:cNvSpPr>
+            <a:spLocks noGrp="1"/>
+          </p:cNvSpPr>
+          <p:nvPr>
+            <p:ph type="ftr" sz="quarter" idx="3"/>
+          </p:nvPr>
+        </p:nvSpPr>
+        <p:spPr>
+          <a:xfrm>
+            <a:off x="3028950" y="4767263"/>
+            <a:ext cx="3086100" cy="273844"/>
+          </a:xfrm>
+          <a:prstGeom prst="rect">
+            <a:avLst/>
+          </a:prstGeom>
+        </p:spPr>
+        <p:txBody>
+          <a:bodyPr vert="horz" lIns="91440" tIns="45720" rIns="91440" bIns="45720" rtlCol="0" anchor="ctr"/>
+          <a:lstStyle>
+            <a:lvl1pPr algn="ctr">
+              <a:defRPr sz="900">
                 <a:solidFill>
-                  <a:schemeClr val="dk2"/>
+                  <a:schemeClr val="tx1">
+                    <a:tint val="75000"/>
+                  </a:schemeClr>
                 </a:solidFill>
               </a:defRPr>
-            </a:lvl2pPr>
-            <a:lvl3pPr lvl="2" algn="r">
-              <a:buNone/>
-              <a:defRPr sz="1000">
+            </a:lvl1pPr>
+          </a:lstStyle>
+          <a:p>
+            <a:endParaRPr lang="en-US" dirty="0"/>
+          </a:p>
+        </p:txBody>
+      </p:sp>
+      <p:sp>
+        <p:nvSpPr>
+          <p:cNvPr id="6" name="Slide Number Placeholder 5"/>
+          <p:cNvSpPr>
+            <a:spLocks noGrp="1"/>
+          </p:cNvSpPr>
+          <p:nvPr>
+            <p:ph type="sldNum" sz="quarter" idx="4"/>
+          </p:nvPr>
+        </p:nvSpPr>
+        <p:spPr>
+          <a:xfrm>
+            <a:off x="6457950" y="4767263"/>
+            <a:ext cx="2057400" cy="273844"/>
+          </a:xfrm>
+          <a:prstGeom prst="rect">
+            <a:avLst/>
+          </a:prstGeom>
+        </p:spPr>
+        <p:txBody>
+          <a:bodyPr vert="horz" lIns="91440" tIns="45720" rIns="91440" bIns="45720" rtlCol="0" anchor="ctr"/>
+          <a:lstStyle>
+            <a:lvl1pPr algn="r">
+              <a:defRPr sz="900">
                 <a:solidFill>
-                  <a:schemeClr val="dk2"/>
+                  <a:schemeClr val="tx1">
+                    <a:tint val="75000"/>
+                  </a:schemeClr>
                 </a:solidFill>
               </a:defRPr>
-            </a:lvl3pPr>
-            <a:lvl4pPr lvl="3" algn="r">
-              <a:buNone/>
-              <a:defRPr sz="1000">
-                <a:solidFill>
-                  <a:schemeClr val="dk2"/>
-                </a:solidFill>
-              </a:defRPr>
-            </a:lvl4pPr>
-            <a:lvl5pPr lvl="4" algn="r">
-              <a:buNone/>
-              <a:defRPr sz="1000">
-                <a:solidFill>
-                  <a:schemeClr val="dk2"/>
-                </a:solidFill>
-              </a:defRPr>
-            </a:lvl5pPr>
-            <a:lvl6pPr lvl="5" algn="r">
-              <a:buNone/>
-              <a:defRPr sz="1000">
-                <a:solidFill>
-                  <a:schemeClr val="dk2"/>
-                </a:solidFill>
-              </a:defRPr>
-            </a:lvl6pPr>
-            <a:lvl7pPr lvl="6" algn="r">
-              <a:buNone/>
-              <a:defRPr sz="1000">
-                <a:solidFill>
-                  <a:schemeClr val="dk2"/>
-                </a:solidFill>
-              </a:defRPr>
-            </a:lvl7pPr>
-            <a:lvl8pPr lvl="7" algn="r">
-              <a:buNone/>
-              <a:defRPr sz="1000">
-                <a:solidFill>
-                  <a:schemeClr val="dk2"/>
-                </a:solidFill>
-              </a:defRPr>
-            </a:lvl8pPr>
-            <a:lvl9pPr lvl="8" algn="r">
-              <a:buNone/>
-              <a:defRPr sz="1000">
-                <a:solidFill>
-                  <a:schemeClr val="dk2"/>
-                </a:solidFill>
-              </a:defRPr>
-            </a:lvl9pPr>
+            </a:lvl1pPr>
           </a:lstStyle>
           <a:p>
             <a:pPr marL="0" lvl="0" indent="0" algn="r" rtl="0">
@@ -6208,715 +5081,312 @@
               <a:buNone/>
             </a:pPr>
             <a:fld id="{00000000-1234-1234-1234-123412341234}" type="slidenum">
-              <a:rPr lang="en"/>
+              <a:rPr lang="es-419" smtClean="0"/>
               <a:t>‹Nº›</a:t>
             </a:fld>
-            <a:endParaRPr/>
+            <a:endParaRPr lang="es-419"/>
           </a:p>
         </p:txBody>
       </p:sp>
     </p:spTree>
+    <p:extLst>
+      <p:ext uri="{BB962C8B-B14F-4D97-AF65-F5344CB8AC3E}">
+        <p14:creationId xmlns:p14="http://schemas.microsoft.com/office/powerpoint/2010/main" val="224893891"/>
+      </p:ext>
+    </p:extLst>
   </p:cSld>
-  <p:clrMap bg1="lt1" tx1="dk1" bg2="dk2" tx2="lt2" accent1="accent1" accent2="accent2" accent3="accent3" accent4="accent4" accent5="accent5" accent6="accent6" hlink="hlink" folHlink="folHlink"/>
+  <p:clrMap bg1="lt1" tx1="dk1" bg2="lt2" tx2="dk2" accent1="accent1" accent2="accent2" accent3="accent3" accent4="accent4" accent5="accent5" accent6="accent6" hlink="hlink" folHlink="folHlink"/>
   <p:sldLayoutIdLst>
-    <p:sldLayoutId id="2147483648" r:id="rId1"/>
-    <p:sldLayoutId id="2147483649" r:id="rId2"/>
-    <p:sldLayoutId id="2147483650" r:id="rId3"/>
-    <p:sldLayoutId id="2147483651" r:id="rId4"/>
-    <p:sldLayoutId id="2147483652" r:id="rId5"/>
-    <p:sldLayoutId id="2147483653" r:id="rId6"/>
-    <p:sldLayoutId id="2147483654" r:id="rId7"/>
-    <p:sldLayoutId id="2147483655" r:id="rId8"/>
-    <p:sldLayoutId id="2147483656" r:id="rId9"/>
-    <p:sldLayoutId id="2147483657" r:id="rId10"/>
-    <p:sldLayoutId id="2147483658" r:id="rId11"/>
+    <p:sldLayoutId id="2147483786" r:id="rId1"/>
+    <p:sldLayoutId id="2147483787" r:id="rId2"/>
+    <p:sldLayoutId id="2147483788" r:id="rId3"/>
+    <p:sldLayoutId id="2147483789" r:id="rId4"/>
+    <p:sldLayoutId id="2147483790" r:id="rId5"/>
+    <p:sldLayoutId id="2147483791" r:id="rId6"/>
+    <p:sldLayoutId id="2147483792" r:id="rId7"/>
+    <p:sldLayoutId id="2147483793" r:id="rId8"/>
+    <p:sldLayoutId id="2147483794" r:id="rId9"/>
+    <p:sldLayoutId id="2147483795" r:id="rId10"/>
+    <p:sldLayoutId id="2147483796" r:id="rId11"/>
+    <p:sldLayoutId id="2147483797" r:id="rId12"/>
   </p:sldLayoutIdLst>
   <p:hf sldNum="0" hdr="0" ftr="0" dt="0"/>
   <p:txStyles>
     <p:titleStyle>
-      <a:defPPr marR="0" lvl="0" algn="l" rtl="0">
+      <a:lvl1pPr algn="l" defTabSz="685800" rtl="0" eaLnBrk="1" latinLnBrk="0" hangingPunct="1">
         <a:lnSpc>
-          <a:spcPct val="100000"/>
+          <a:spcPct val="90000"/>
         </a:lnSpc>
         <a:spcBef>
-          <a:spcPts val="0"/>
+          <a:spcPct val="0"/>
         </a:spcBef>
-        <a:spcAft>
-          <a:spcPts val="0"/>
-        </a:spcAft>
-      </a:defPPr>
-      <a:lvl1pPr marR="0" lvl="0" algn="l" rtl="0">
+        <a:buNone/>
+        <a:defRPr sz="3300" kern="1200">
+          <a:solidFill>
+            <a:schemeClr val="tx1"/>
+          </a:solidFill>
+          <a:latin typeface="+mj-lt"/>
+          <a:ea typeface="+mj-ea"/>
+          <a:cs typeface="+mj-cs"/>
+        </a:defRPr>
+      </a:lvl1pPr>
+    </p:titleStyle>
+    <p:bodyStyle>
+      <a:lvl1pPr marL="171450" indent="-171450" algn="l" defTabSz="685800" rtl="0" eaLnBrk="1" latinLnBrk="0" hangingPunct="1">
         <a:lnSpc>
-          <a:spcPct val="100000"/>
+          <a:spcPct val="90000"/>
         </a:lnSpc>
         <a:spcBef>
-          <a:spcPts val="0"/>
+          <a:spcPts val="750"/>
         </a:spcBef>
-        <a:spcAft>
-          <a:spcPts val="0"/>
-        </a:spcAft>
-        <a:buClr>
-          <a:srgbClr val="000000"/>
-        </a:buClr>
-        <a:buFont typeface="Arial"/>
-        <a:defRPr sz="1400" b="0" i="0" u="none" strike="noStrike" cap="none">
+        <a:buFont typeface="Arial" panose="020B0604020202020204" pitchFamily="34" charset="0"/>
+        <a:buChar char="•"/>
+        <a:defRPr sz="2100" kern="1200">
           <a:solidFill>
-            <a:srgbClr val="000000"/>
+            <a:schemeClr val="tx1"/>
           </a:solidFill>
-          <a:latin typeface="Arial"/>
-          <a:ea typeface="Arial"/>
-          <a:cs typeface="Arial"/>
-          <a:sym typeface="Arial"/>
+          <a:latin typeface="+mn-lt"/>
+          <a:ea typeface="+mn-ea"/>
+          <a:cs typeface="+mn-cs"/>
         </a:defRPr>
       </a:lvl1pPr>
-      <a:lvl2pPr marR="0" lvl="1" algn="l" rtl="0">
+      <a:lvl2pPr marL="514350" indent="-171450" algn="l" defTabSz="685800" rtl="0" eaLnBrk="1" latinLnBrk="0" hangingPunct="1">
         <a:lnSpc>
-          <a:spcPct val="100000"/>
+          <a:spcPct val="90000"/>
         </a:lnSpc>
         <a:spcBef>
-          <a:spcPts val="0"/>
+          <a:spcPts val="375"/>
         </a:spcBef>
-        <a:spcAft>
-          <a:spcPts val="0"/>
-        </a:spcAft>
-        <a:buClr>
-          <a:srgbClr val="000000"/>
-        </a:buClr>
-        <a:buFont typeface="Arial"/>
-        <a:defRPr sz="1400" b="0" i="0" u="none" strike="noStrike" cap="none">
+        <a:buFont typeface="Arial" panose="020B0604020202020204" pitchFamily="34" charset="0"/>
+        <a:buChar char="•"/>
+        <a:defRPr sz="1800" kern="1200">
           <a:solidFill>
-            <a:srgbClr val="000000"/>
+            <a:schemeClr val="tx1"/>
           </a:solidFill>
-          <a:latin typeface="Arial"/>
-          <a:ea typeface="Arial"/>
-          <a:cs typeface="Arial"/>
-          <a:sym typeface="Arial"/>
+          <a:latin typeface="+mn-lt"/>
+          <a:ea typeface="+mn-ea"/>
+          <a:cs typeface="+mn-cs"/>
         </a:defRPr>
       </a:lvl2pPr>
-      <a:lvl3pPr marR="0" lvl="2" algn="l" rtl="0">
+      <a:lvl3pPr marL="857250" indent="-171450" algn="l" defTabSz="685800" rtl="0" eaLnBrk="1" latinLnBrk="0" hangingPunct="1">
         <a:lnSpc>
-          <a:spcPct val="100000"/>
+          <a:spcPct val="90000"/>
         </a:lnSpc>
         <a:spcBef>
-          <a:spcPts val="0"/>
+          <a:spcPts val="375"/>
         </a:spcBef>
-        <a:spcAft>
-          <a:spcPts val="0"/>
-        </a:spcAft>
-        <a:buClr>
-          <a:srgbClr val="000000"/>
-        </a:buClr>
-        <a:buFont typeface="Arial"/>
-        <a:defRPr sz="1400" b="0" i="0" u="none" strike="noStrike" cap="none">
+        <a:buFont typeface="Arial" panose="020B0604020202020204" pitchFamily="34" charset="0"/>
+        <a:buChar char="•"/>
+        <a:defRPr sz="1500" kern="1200">
           <a:solidFill>
-            <a:srgbClr val="000000"/>
+            <a:schemeClr val="tx1"/>
           </a:solidFill>
-          <a:latin typeface="Arial"/>
-          <a:ea typeface="Arial"/>
-          <a:cs typeface="Arial"/>
-          <a:sym typeface="Arial"/>
+          <a:latin typeface="+mn-lt"/>
+          <a:ea typeface="+mn-ea"/>
+          <a:cs typeface="+mn-cs"/>
         </a:defRPr>
       </a:lvl3pPr>
-      <a:lvl4pPr marR="0" lvl="3" algn="l" rtl="0">
+      <a:lvl4pPr marL="1200150" indent="-171450" algn="l" defTabSz="685800" rtl="0" eaLnBrk="1" latinLnBrk="0" hangingPunct="1">
         <a:lnSpc>
-          <a:spcPct val="100000"/>
+          <a:spcPct val="90000"/>
         </a:lnSpc>
         <a:spcBef>
-          <a:spcPts val="0"/>
+          <a:spcPts val="375"/>
         </a:spcBef>
-        <a:spcAft>
-          <a:spcPts val="0"/>
-        </a:spcAft>
-        <a:buClr>
-          <a:srgbClr val="000000"/>
-        </a:buClr>
-        <a:buFont typeface="Arial"/>
-        <a:defRPr sz="1400" b="0" i="0" u="none" strike="noStrike" cap="none">
+        <a:buFont typeface="Arial" panose="020B0604020202020204" pitchFamily="34" charset="0"/>
+        <a:buChar char="•"/>
+        <a:defRPr sz="1350" kern="1200">
           <a:solidFill>
-            <a:srgbClr val="000000"/>
+            <a:schemeClr val="tx1"/>
           </a:solidFill>
-          <a:latin typeface="Arial"/>
-          <a:ea typeface="Arial"/>
-          <a:cs typeface="Arial"/>
-          <a:sym typeface="Arial"/>
+          <a:latin typeface="+mn-lt"/>
+          <a:ea typeface="+mn-ea"/>
+          <a:cs typeface="+mn-cs"/>
         </a:defRPr>
       </a:lvl4pPr>
-      <a:lvl5pPr marR="0" lvl="4" algn="l" rtl="0">
+      <a:lvl5pPr marL="1543050" indent="-171450" algn="l" defTabSz="685800" rtl="0" eaLnBrk="1" latinLnBrk="0" hangingPunct="1">
         <a:lnSpc>
-          <a:spcPct val="100000"/>
+          <a:spcPct val="90000"/>
         </a:lnSpc>
         <a:spcBef>
-          <a:spcPts val="0"/>
+          <a:spcPts val="375"/>
         </a:spcBef>
-        <a:spcAft>
-          <a:spcPts val="0"/>
-        </a:spcAft>
-        <a:buClr>
-          <a:srgbClr val="000000"/>
-        </a:buClr>
-        <a:buFont typeface="Arial"/>
-        <a:defRPr sz="1400" b="0" i="0" u="none" strike="noStrike" cap="none">
+        <a:buFont typeface="Arial" panose="020B0604020202020204" pitchFamily="34" charset="0"/>
+        <a:buChar char="•"/>
+        <a:defRPr sz="1350" kern="1200">
           <a:solidFill>
-            <a:srgbClr val="000000"/>
+            <a:schemeClr val="tx1"/>
           </a:solidFill>
-          <a:latin typeface="Arial"/>
-          <a:ea typeface="Arial"/>
-          <a:cs typeface="Arial"/>
-          <a:sym typeface="Arial"/>
+          <a:latin typeface="+mn-lt"/>
+          <a:ea typeface="+mn-ea"/>
+          <a:cs typeface="+mn-cs"/>
         </a:defRPr>
       </a:lvl5pPr>
-      <a:lvl6pPr marR="0" lvl="5" algn="l" rtl="0">
+      <a:lvl6pPr marL="1885950" indent="-171450" algn="l" defTabSz="685800" rtl="0" eaLnBrk="1" latinLnBrk="0" hangingPunct="1">
         <a:lnSpc>
-          <a:spcPct val="100000"/>
+          <a:spcPct val="90000"/>
         </a:lnSpc>
         <a:spcBef>
-          <a:spcPts val="0"/>
+          <a:spcPts val="375"/>
         </a:spcBef>
-        <a:spcAft>
-          <a:spcPts val="0"/>
-        </a:spcAft>
-        <a:buClr>
-          <a:srgbClr val="000000"/>
-        </a:buClr>
-        <a:buFont typeface="Arial"/>
-        <a:defRPr sz="1400" b="0" i="0" u="none" strike="noStrike" cap="none">
+        <a:buFont typeface="Arial" panose="020B0604020202020204" pitchFamily="34" charset="0"/>
+        <a:buChar char="•"/>
+        <a:defRPr sz="1350" kern="1200">
           <a:solidFill>
-            <a:srgbClr val="000000"/>
+            <a:schemeClr val="tx1"/>
           </a:solidFill>
-          <a:latin typeface="Arial"/>
-          <a:ea typeface="Arial"/>
-          <a:cs typeface="Arial"/>
-          <a:sym typeface="Arial"/>
+          <a:latin typeface="+mn-lt"/>
+          <a:ea typeface="+mn-ea"/>
+          <a:cs typeface="+mn-cs"/>
         </a:defRPr>
       </a:lvl6pPr>
-      <a:lvl7pPr marR="0" lvl="6" algn="l" rtl="0">
+      <a:lvl7pPr marL="2228850" indent="-171450" algn="l" defTabSz="685800" rtl="0" eaLnBrk="1" latinLnBrk="0" hangingPunct="1">
         <a:lnSpc>
-          <a:spcPct val="100000"/>
+          <a:spcPct val="90000"/>
         </a:lnSpc>
         <a:spcBef>
-          <a:spcPts val="0"/>
+          <a:spcPts val="375"/>
         </a:spcBef>
-        <a:spcAft>
-          <a:spcPts val="0"/>
-        </a:spcAft>
-        <a:buClr>
-          <a:srgbClr val="000000"/>
-        </a:buClr>
-        <a:buFont typeface="Arial"/>
-        <a:defRPr sz="1400" b="0" i="0" u="none" strike="noStrike" cap="none">
+        <a:buFont typeface="Arial" panose="020B0604020202020204" pitchFamily="34" charset="0"/>
+        <a:buChar char="•"/>
+        <a:defRPr sz="1350" kern="1200">
           <a:solidFill>
-            <a:srgbClr val="000000"/>
+            <a:schemeClr val="tx1"/>
           </a:solidFill>
-          <a:latin typeface="Arial"/>
-          <a:ea typeface="Arial"/>
-          <a:cs typeface="Arial"/>
-          <a:sym typeface="Arial"/>
+          <a:latin typeface="+mn-lt"/>
+          <a:ea typeface="+mn-ea"/>
+          <a:cs typeface="+mn-cs"/>
         </a:defRPr>
       </a:lvl7pPr>
-      <a:lvl8pPr marR="0" lvl="7" algn="l" rtl="0">
+      <a:lvl8pPr marL="2571750" indent="-171450" algn="l" defTabSz="685800" rtl="0" eaLnBrk="1" latinLnBrk="0" hangingPunct="1">
         <a:lnSpc>
-          <a:spcPct val="100000"/>
+          <a:spcPct val="90000"/>
         </a:lnSpc>
         <a:spcBef>
-          <a:spcPts val="0"/>
+          <a:spcPts val="375"/>
         </a:spcBef>
-        <a:spcAft>
-          <a:spcPts val="0"/>
-        </a:spcAft>
-        <a:buClr>
-          <a:srgbClr val="000000"/>
-        </a:buClr>
-        <a:buFont typeface="Arial"/>
-        <a:defRPr sz="1400" b="0" i="0" u="none" strike="noStrike" cap="none">
+        <a:buFont typeface="Arial" panose="020B0604020202020204" pitchFamily="34" charset="0"/>
+        <a:buChar char="•"/>
+        <a:defRPr sz="1350" kern="1200">
           <a:solidFill>
-            <a:srgbClr val="000000"/>
+            <a:schemeClr val="tx1"/>
           </a:solidFill>
-          <a:latin typeface="Arial"/>
-          <a:ea typeface="Arial"/>
-          <a:cs typeface="Arial"/>
-          <a:sym typeface="Arial"/>
+          <a:latin typeface="+mn-lt"/>
+          <a:ea typeface="+mn-ea"/>
+          <a:cs typeface="+mn-cs"/>
         </a:defRPr>
       </a:lvl8pPr>
-      <a:lvl9pPr marR="0" lvl="8" algn="l" rtl="0">
+      <a:lvl9pPr marL="2914650" indent="-171450" algn="l" defTabSz="685800" rtl="0" eaLnBrk="1" latinLnBrk="0" hangingPunct="1">
         <a:lnSpc>
-          <a:spcPct val="100000"/>
+          <a:spcPct val="90000"/>
         </a:lnSpc>
         <a:spcBef>
-          <a:spcPts val="0"/>
+          <a:spcPts val="375"/>
         </a:spcBef>
-        <a:spcAft>
-          <a:spcPts val="0"/>
-        </a:spcAft>
-        <a:buClr>
-          <a:srgbClr val="000000"/>
-        </a:buClr>
-        <a:buFont typeface="Arial"/>
-        <a:defRPr sz="1400" b="0" i="0" u="none" strike="noStrike" cap="none">
+        <a:buFont typeface="Arial" panose="020B0604020202020204" pitchFamily="34" charset="0"/>
+        <a:buChar char="•"/>
+        <a:defRPr sz="1350" kern="1200">
           <a:solidFill>
-            <a:srgbClr val="000000"/>
+            <a:schemeClr val="tx1"/>
           </a:solidFill>
-          <a:latin typeface="Arial"/>
-          <a:ea typeface="Arial"/>
-          <a:cs typeface="Arial"/>
-          <a:sym typeface="Arial"/>
-        </a:defRPr>
-      </a:lvl9pPr>
-    </p:titleStyle>
-    <p:bodyStyle>
-      <a:defPPr marR="0" lvl="0" algn="l" rtl="0">
-        <a:lnSpc>
-          <a:spcPct val="100000"/>
-        </a:lnSpc>
-        <a:spcBef>
-          <a:spcPts val="0"/>
-        </a:spcBef>
-        <a:spcAft>
-          <a:spcPts val="0"/>
-        </a:spcAft>
-      </a:defPPr>
-      <a:lvl1pPr marR="0" lvl="0" algn="l" rtl="0">
-        <a:lnSpc>
-          <a:spcPct val="100000"/>
-        </a:lnSpc>
-        <a:spcBef>
-          <a:spcPts val="0"/>
-        </a:spcBef>
-        <a:spcAft>
-          <a:spcPts val="0"/>
-        </a:spcAft>
-        <a:buClr>
-          <a:srgbClr val="000000"/>
-        </a:buClr>
-        <a:buFont typeface="Arial"/>
-        <a:defRPr sz="1400" b="0" i="0" u="none" strike="noStrike" cap="none">
-          <a:solidFill>
-            <a:srgbClr val="000000"/>
-          </a:solidFill>
-          <a:latin typeface="Arial"/>
-          <a:ea typeface="Arial"/>
-          <a:cs typeface="Arial"/>
-          <a:sym typeface="Arial"/>
-        </a:defRPr>
-      </a:lvl1pPr>
-      <a:lvl2pPr marR="0" lvl="1" algn="l" rtl="0">
-        <a:lnSpc>
-          <a:spcPct val="100000"/>
-        </a:lnSpc>
-        <a:spcBef>
-          <a:spcPts val="0"/>
-        </a:spcBef>
-        <a:spcAft>
-          <a:spcPts val="0"/>
-        </a:spcAft>
-        <a:buClr>
-          <a:srgbClr val="000000"/>
-        </a:buClr>
-        <a:buFont typeface="Arial"/>
-        <a:defRPr sz="1400" b="0" i="0" u="none" strike="noStrike" cap="none">
-          <a:solidFill>
-            <a:srgbClr val="000000"/>
-          </a:solidFill>
-          <a:latin typeface="Arial"/>
-          <a:ea typeface="Arial"/>
-          <a:cs typeface="Arial"/>
-          <a:sym typeface="Arial"/>
-        </a:defRPr>
-      </a:lvl2pPr>
-      <a:lvl3pPr marR="0" lvl="2" algn="l" rtl="0">
-        <a:lnSpc>
-          <a:spcPct val="100000"/>
-        </a:lnSpc>
-        <a:spcBef>
-          <a:spcPts val="0"/>
-        </a:spcBef>
-        <a:spcAft>
-          <a:spcPts val="0"/>
-        </a:spcAft>
-        <a:buClr>
-          <a:srgbClr val="000000"/>
-        </a:buClr>
-        <a:buFont typeface="Arial"/>
-        <a:defRPr sz="1400" b="0" i="0" u="none" strike="noStrike" cap="none">
-          <a:solidFill>
-            <a:srgbClr val="000000"/>
-          </a:solidFill>
-          <a:latin typeface="Arial"/>
-          <a:ea typeface="Arial"/>
-          <a:cs typeface="Arial"/>
-          <a:sym typeface="Arial"/>
-        </a:defRPr>
-      </a:lvl3pPr>
-      <a:lvl4pPr marR="0" lvl="3" algn="l" rtl="0">
-        <a:lnSpc>
-          <a:spcPct val="100000"/>
-        </a:lnSpc>
-        <a:spcBef>
-          <a:spcPts val="0"/>
-        </a:spcBef>
-        <a:spcAft>
-          <a:spcPts val="0"/>
-        </a:spcAft>
-        <a:buClr>
-          <a:srgbClr val="000000"/>
-        </a:buClr>
-        <a:buFont typeface="Arial"/>
-        <a:defRPr sz="1400" b="0" i="0" u="none" strike="noStrike" cap="none">
-          <a:solidFill>
-            <a:srgbClr val="000000"/>
-          </a:solidFill>
-          <a:latin typeface="Arial"/>
-          <a:ea typeface="Arial"/>
-          <a:cs typeface="Arial"/>
-          <a:sym typeface="Arial"/>
-        </a:defRPr>
-      </a:lvl4pPr>
-      <a:lvl5pPr marR="0" lvl="4" algn="l" rtl="0">
-        <a:lnSpc>
-          <a:spcPct val="100000"/>
-        </a:lnSpc>
-        <a:spcBef>
-          <a:spcPts val="0"/>
-        </a:spcBef>
-        <a:spcAft>
-          <a:spcPts val="0"/>
-        </a:spcAft>
-        <a:buClr>
-          <a:srgbClr val="000000"/>
-        </a:buClr>
-        <a:buFont typeface="Arial"/>
-        <a:defRPr sz="1400" b="0" i="0" u="none" strike="noStrike" cap="none">
-          <a:solidFill>
-            <a:srgbClr val="000000"/>
-          </a:solidFill>
-          <a:latin typeface="Arial"/>
-          <a:ea typeface="Arial"/>
-          <a:cs typeface="Arial"/>
-          <a:sym typeface="Arial"/>
-        </a:defRPr>
-      </a:lvl5pPr>
-      <a:lvl6pPr marR="0" lvl="5" algn="l" rtl="0">
-        <a:lnSpc>
-          <a:spcPct val="100000"/>
-        </a:lnSpc>
-        <a:spcBef>
-          <a:spcPts val="0"/>
-        </a:spcBef>
-        <a:spcAft>
-          <a:spcPts val="0"/>
-        </a:spcAft>
-        <a:buClr>
-          <a:srgbClr val="000000"/>
-        </a:buClr>
-        <a:buFont typeface="Arial"/>
-        <a:defRPr sz="1400" b="0" i="0" u="none" strike="noStrike" cap="none">
-          <a:solidFill>
-            <a:srgbClr val="000000"/>
-          </a:solidFill>
-          <a:latin typeface="Arial"/>
-          <a:ea typeface="Arial"/>
-          <a:cs typeface="Arial"/>
-          <a:sym typeface="Arial"/>
-        </a:defRPr>
-      </a:lvl6pPr>
-      <a:lvl7pPr marR="0" lvl="6" algn="l" rtl="0">
-        <a:lnSpc>
-          <a:spcPct val="100000"/>
-        </a:lnSpc>
-        <a:spcBef>
-          <a:spcPts val="0"/>
-        </a:spcBef>
-        <a:spcAft>
-          <a:spcPts val="0"/>
-        </a:spcAft>
-        <a:buClr>
-          <a:srgbClr val="000000"/>
-        </a:buClr>
-        <a:buFont typeface="Arial"/>
-        <a:defRPr sz="1400" b="0" i="0" u="none" strike="noStrike" cap="none">
-          <a:solidFill>
-            <a:srgbClr val="000000"/>
-          </a:solidFill>
-          <a:latin typeface="Arial"/>
-          <a:ea typeface="Arial"/>
-          <a:cs typeface="Arial"/>
-          <a:sym typeface="Arial"/>
-        </a:defRPr>
-      </a:lvl7pPr>
-      <a:lvl8pPr marR="0" lvl="7" algn="l" rtl="0">
-        <a:lnSpc>
-          <a:spcPct val="100000"/>
-        </a:lnSpc>
-        <a:spcBef>
-          <a:spcPts val="0"/>
-        </a:spcBef>
-        <a:spcAft>
-          <a:spcPts val="0"/>
-        </a:spcAft>
-        <a:buClr>
-          <a:srgbClr val="000000"/>
-        </a:buClr>
-        <a:buFont typeface="Arial"/>
-        <a:defRPr sz="1400" b="0" i="0" u="none" strike="noStrike" cap="none">
-          <a:solidFill>
-            <a:srgbClr val="000000"/>
-          </a:solidFill>
-          <a:latin typeface="Arial"/>
-          <a:ea typeface="Arial"/>
-          <a:cs typeface="Arial"/>
-          <a:sym typeface="Arial"/>
-        </a:defRPr>
-      </a:lvl8pPr>
-      <a:lvl9pPr marR="0" lvl="8" algn="l" rtl="0">
-        <a:lnSpc>
-          <a:spcPct val="100000"/>
-        </a:lnSpc>
-        <a:spcBef>
-          <a:spcPts val="0"/>
-        </a:spcBef>
-        <a:spcAft>
-          <a:spcPts val="0"/>
-        </a:spcAft>
-        <a:buClr>
-          <a:srgbClr val="000000"/>
-        </a:buClr>
-        <a:buFont typeface="Arial"/>
-        <a:defRPr sz="1400" b="0" i="0" u="none" strike="noStrike" cap="none">
-          <a:solidFill>
-            <a:srgbClr val="000000"/>
-          </a:solidFill>
-          <a:latin typeface="Arial"/>
-          <a:ea typeface="Arial"/>
-          <a:cs typeface="Arial"/>
-          <a:sym typeface="Arial"/>
+          <a:latin typeface="+mn-lt"/>
+          <a:ea typeface="+mn-ea"/>
+          <a:cs typeface="+mn-cs"/>
         </a:defRPr>
       </a:lvl9pPr>
     </p:bodyStyle>
     <p:otherStyle>
-      <a:defPPr marR="0" lvl="0" algn="l" rtl="0">
-        <a:lnSpc>
-          <a:spcPct val="100000"/>
-        </a:lnSpc>
-        <a:spcBef>
-          <a:spcPts val="0"/>
-        </a:spcBef>
-        <a:spcAft>
-          <a:spcPts val="0"/>
-        </a:spcAft>
+      <a:defPPr>
+        <a:defRPr lang="en-US"/>
       </a:defPPr>
-      <a:lvl1pPr marR="0" lvl="0" algn="l" rtl="0">
-        <a:lnSpc>
-          <a:spcPct val="100000"/>
-        </a:lnSpc>
-        <a:spcBef>
-          <a:spcPts val="0"/>
-        </a:spcBef>
-        <a:spcAft>
-          <a:spcPts val="0"/>
-        </a:spcAft>
-        <a:buClr>
-          <a:srgbClr val="000000"/>
-        </a:buClr>
-        <a:buFont typeface="Arial"/>
-        <a:defRPr sz="1400" b="0" i="0" u="none" strike="noStrike" cap="none">
+      <a:lvl1pPr marL="0" algn="l" defTabSz="685800" rtl="0" eaLnBrk="1" latinLnBrk="0" hangingPunct="1">
+        <a:defRPr sz="1350" kern="1200">
           <a:solidFill>
-            <a:srgbClr val="000000"/>
+            <a:schemeClr val="tx1"/>
           </a:solidFill>
-          <a:latin typeface="Arial"/>
-          <a:ea typeface="Arial"/>
-          <a:cs typeface="Arial"/>
-          <a:sym typeface="Arial"/>
+          <a:latin typeface="+mn-lt"/>
+          <a:ea typeface="+mn-ea"/>
+          <a:cs typeface="+mn-cs"/>
         </a:defRPr>
       </a:lvl1pPr>
-      <a:lvl2pPr marR="0" lvl="1" algn="l" rtl="0">
-        <a:lnSpc>
-          <a:spcPct val="100000"/>
-        </a:lnSpc>
-        <a:spcBef>
-          <a:spcPts val="0"/>
-        </a:spcBef>
-        <a:spcAft>
-          <a:spcPts val="0"/>
-        </a:spcAft>
-        <a:buClr>
-          <a:srgbClr val="000000"/>
-        </a:buClr>
-        <a:buFont typeface="Arial"/>
-        <a:defRPr sz="1400" b="0" i="0" u="none" strike="noStrike" cap="none">
+      <a:lvl2pPr marL="342900" algn="l" defTabSz="685800" rtl="0" eaLnBrk="1" latinLnBrk="0" hangingPunct="1">
+        <a:defRPr sz="1350" kern="1200">
           <a:solidFill>
-            <a:srgbClr val="000000"/>
+            <a:schemeClr val="tx1"/>
           </a:solidFill>
-          <a:latin typeface="Arial"/>
-          <a:ea typeface="Arial"/>
-          <a:cs typeface="Arial"/>
-          <a:sym typeface="Arial"/>
+          <a:latin typeface="+mn-lt"/>
+          <a:ea typeface="+mn-ea"/>
+          <a:cs typeface="+mn-cs"/>
         </a:defRPr>
       </a:lvl2pPr>
-      <a:lvl3pPr marR="0" lvl="2" algn="l" rtl="0">
-        <a:lnSpc>
-          <a:spcPct val="100000"/>
-        </a:lnSpc>
-        <a:spcBef>
-          <a:spcPts val="0"/>
-        </a:spcBef>
-        <a:spcAft>
-          <a:spcPts val="0"/>
-        </a:spcAft>
-        <a:buClr>
-          <a:srgbClr val="000000"/>
-        </a:buClr>
-        <a:buFont typeface="Arial"/>
-        <a:defRPr sz="1400" b="0" i="0" u="none" strike="noStrike" cap="none">
+      <a:lvl3pPr marL="685800" algn="l" defTabSz="685800" rtl="0" eaLnBrk="1" latinLnBrk="0" hangingPunct="1">
+        <a:defRPr sz="1350" kern="1200">
           <a:solidFill>
-            <a:srgbClr val="000000"/>
+            <a:schemeClr val="tx1"/>
           </a:solidFill>
-          <a:latin typeface="Arial"/>
-          <a:ea typeface="Arial"/>
-          <a:cs typeface="Arial"/>
-          <a:sym typeface="Arial"/>
+          <a:latin typeface="+mn-lt"/>
+          <a:ea typeface="+mn-ea"/>
+          <a:cs typeface="+mn-cs"/>
         </a:defRPr>
       </a:lvl3pPr>
-      <a:lvl4pPr marR="0" lvl="3" algn="l" rtl="0">
-        <a:lnSpc>
-          <a:spcPct val="100000"/>
-        </a:lnSpc>
-        <a:spcBef>
-          <a:spcPts val="0"/>
-        </a:spcBef>
-        <a:spcAft>
-          <a:spcPts val="0"/>
-        </a:spcAft>
-        <a:buClr>
-          <a:srgbClr val="000000"/>
-        </a:buClr>
-        <a:buFont typeface="Arial"/>
-        <a:defRPr sz="1400" b="0" i="0" u="none" strike="noStrike" cap="none">
+      <a:lvl4pPr marL="1028700" algn="l" defTabSz="685800" rtl="0" eaLnBrk="1" latinLnBrk="0" hangingPunct="1">
+        <a:defRPr sz="1350" kern="1200">
           <a:solidFill>
-            <a:srgbClr val="000000"/>
+            <a:schemeClr val="tx1"/>
           </a:solidFill>
-          <a:latin typeface="Arial"/>
-          <a:ea typeface="Arial"/>
-          <a:cs typeface="Arial"/>
-          <a:sym typeface="Arial"/>
+          <a:latin typeface="+mn-lt"/>
+          <a:ea typeface="+mn-ea"/>
+          <a:cs typeface="+mn-cs"/>
         </a:defRPr>
       </a:lvl4pPr>
-      <a:lvl5pPr marR="0" lvl="4" algn="l" rtl="0">
-        <a:lnSpc>
-          <a:spcPct val="100000"/>
-        </a:lnSpc>
-        <a:spcBef>
-          <a:spcPts val="0"/>
-        </a:spcBef>
-        <a:spcAft>
-          <a:spcPts val="0"/>
-        </a:spcAft>
-        <a:buClr>
-          <a:srgbClr val="000000"/>
-        </a:buClr>
-        <a:buFont typeface="Arial"/>
-        <a:defRPr sz="1400" b="0" i="0" u="none" strike="noStrike" cap="none">
+      <a:lvl5pPr marL="1371600" algn="l" defTabSz="685800" rtl="0" eaLnBrk="1" latinLnBrk="0" hangingPunct="1">
+        <a:defRPr sz="1350" kern="1200">
           <a:solidFill>
-            <a:srgbClr val="000000"/>
+            <a:schemeClr val="tx1"/>
           </a:solidFill>
-          <a:latin typeface="Arial"/>
-          <a:ea typeface="Arial"/>
-          <a:cs typeface="Arial"/>
-          <a:sym typeface="Arial"/>
+          <a:latin typeface="+mn-lt"/>
+          <a:ea typeface="+mn-ea"/>
+          <a:cs typeface="+mn-cs"/>
         </a:defRPr>
       </a:lvl5pPr>
-      <a:lvl6pPr marR="0" lvl="5" algn="l" rtl="0">
-        <a:lnSpc>
-          <a:spcPct val="100000"/>
-        </a:lnSpc>
-        <a:spcBef>
-          <a:spcPts val="0"/>
-        </a:spcBef>
-        <a:spcAft>
-          <a:spcPts val="0"/>
-        </a:spcAft>
-        <a:buClr>
-          <a:srgbClr val="000000"/>
-        </a:buClr>
-        <a:buFont typeface="Arial"/>
-        <a:defRPr sz="1400" b="0" i="0" u="none" strike="noStrike" cap="none">
+      <a:lvl6pPr marL="1714500" algn="l" defTabSz="685800" rtl="0" eaLnBrk="1" latinLnBrk="0" hangingPunct="1">
+        <a:defRPr sz="1350" kern="1200">
           <a:solidFill>
-            <a:srgbClr val="000000"/>
+            <a:schemeClr val="tx1"/>
           </a:solidFill>
-          <a:latin typeface="Arial"/>
-          <a:ea typeface="Arial"/>
-          <a:cs typeface="Arial"/>
-          <a:sym typeface="Arial"/>
+          <a:latin typeface="+mn-lt"/>
+          <a:ea typeface="+mn-ea"/>
+          <a:cs typeface="+mn-cs"/>
         </a:defRPr>
       </a:lvl6pPr>
-      <a:lvl7pPr marR="0" lvl="6" algn="l" rtl="0">
-        <a:lnSpc>
-          <a:spcPct val="100000"/>
-        </a:lnSpc>
-        <a:spcBef>
-          <a:spcPts val="0"/>
-        </a:spcBef>
-        <a:spcAft>
-          <a:spcPts val="0"/>
-        </a:spcAft>
-        <a:buClr>
-          <a:srgbClr val="000000"/>
-        </a:buClr>
-        <a:buFont typeface="Arial"/>
-        <a:defRPr sz="1400" b="0" i="0" u="none" strike="noStrike" cap="none">
+      <a:lvl7pPr marL="2057400" algn="l" defTabSz="685800" rtl="0" eaLnBrk="1" latinLnBrk="0" hangingPunct="1">
+        <a:defRPr sz="1350" kern="1200">
           <a:solidFill>
-            <a:srgbClr val="000000"/>
+            <a:schemeClr val="tx1"/>
           </a:solidFill>
-          <a:latin typeface="Arial"/>
-          <a:ea typeface="Arial"/>
-          <a:cs typeface="Arial"/>
-          <a:sym typeface="Arial"/>
+          <a:latin typeface="+mn-lt"/>
+          <a:ea typeface="+mn-ea"/>
+          <a:cs typeface="+mn-cs"/>
         </a:defRPr>
       </a:lvl7pPr>
-      <a:lvl8pPr marR="0" lvl="7" algn="l" rtl="0">
-        <a:lnSpc>
-          <a:spcPct val="100000"/>
-        </a:lnSpc>
-        <a:spcBef>
-          <a:spcPts val="0"/>
-        </a:spcBef>
-        <a:spcAft>
-          <a:spcPts val="0"/>
-        </a:spcAft>
-        <a:buClr>
-          <a:srgbClr val="000000"/>
-        </a:buClr>
-        <a:buFont typeface="Arial"/>
-        <a:defRPr sz="1400" b="0" i="0" u="none" strike="noStrike" cap="none">
+      <a:lvl8pPr marL="2400300" algn="l" defTabSz="685800" rtl="0" eaLnBrk="1" latinLnBrk="0" hangingPunct="1">
+        <a:defRPr sz="1350" kern="1200">
           <a:solidFill>
-            <a:srgbClr val="000000"/>
+            <a:schemeClr val="tx1"/>
           </a:solidFill>
-          <a:latin typeface="Arial"/>
-          <a:ea typeface="Arial"/>
-          <a:cs typeface="Arial"/>
-          <a:sym typeface="Arial"/>
+          <a:latin typeface="+mn-lt"/>
+          <a:ea typeface="+mn-ea"/>
+          <a:cs typeface="+mn-cs"/>
         </a:defRPr>
       </a:lvl8pPr>
-      <a:lvl9pPr marR="0" lvl="8" algn="l" rtl="0">
-        <a:lnSpc>
-          <a:spcPct val="100000"/>
-        </a:lnSpc>
-        <a:spcBef>
-          <a:spcPts val="0"/>
-        </a:spcBef>
-        <a:spcAft>
-          <a:spcPts val="0"/>
-        </a:spcAft>
-        <a:buClr>
-          <a:srgbClr val="000000"/>
-        </a:buClr>
-        <a:buFont typeface="Arial"/>
-        <a:defRPr sz="1400" b="0" i="0" u="none" strike="noStrike" cap="none">
+      <a:lvl9pPr marL="2743200" algn="l" defTabSz="685800" rtl="0" eaLnBrk="1" latinLnBrk="0" hangingPunct="1">
+        <a:defRPr sz="1350" kern="1200">
           <a:solidFill>
-            <a:srgbClr val="000000"/>
+            <a:schemeClr val="tx1"/>
           </a:solidFill>
-          <a:latin typeface="Arial"/>
-          <a:ea typeface="Arial"/>
-          <a:cs typeface="Arial"/>
-          <a:sym typeface="Arial"/>
+          <a:latin typeface="+mn-lt"/>
+          <a:ea typeface="+mn-ea"/>
+          <a:cs typeface="+mn-cs"/>
         </a:defRPr>
       </a:lvl9pPr>
     </p:otherStyle>
@@ -7004,7 +5474,7 @@
             <a:spLocks noGrp="1"/>
           </p:cNvSpPr>
           <p:nvPr>
-            <p:ph type="ctrTitle" idx="4294967295"/>
+            <p:ph type="ctrTitle"/>
           </p:nvPr>
         </p:nvSpPr>
         <p:spPr>
@@ -7175,8 +5645,8 @@
         </p:nvSpPr>
         <p:spPr>
           <a:xfrm>
-            <a:off x="144775" y="3609225"/>
-            <a:ext cx="2322300" cy="403200"/>
+            <a:off x="0" y="3609975"/>
+            <a:ext cx="2322513" cy="403225"/>
           </a:xfrm>
           <a:prstGeom prst="rect">
             <a:avLst/>
@@ -7843,6 +6313,66 @@
   <p:cSld>
     <p:spTree>
       <p:nvGrpSpPr>
+        <p:cNvPr id="1" name="Shape 213"/>
+        <p:cNvGrpSpPr/>
+        <p:nvPr/>
+      </p:nvGrpSpPr>
+      <p:grpSpPr>
+        <a:xfrm>
+          <a:off x="0" y="0"/>
+          <a:ext cx="0" cy="0"/>
+          <a:chOff x="0" y="0"/>
+          <a:chExt cx="0" cy="0"/>
+        </a:xfrm>
+      </p:grpSpPr>
+      <p:pic>
+        <p:nvPicPr>
+          <p:cNvPr id="214" name="Google Shape;214;p39"/>
+          <p:cNvPicPr preferRelativeResize="0"/>
+          <p:nvPr/>
+        </p:nvPicPr>
+        <p:blipFill>
+          <a:blip r:embed="rId3">
+            <a:alphaModFix/>
+          </a:blip>
+          <a:stretch>
+            <a:fillRect/>
+          </a:stretch>
+        </p:blipFill>
+        <p:spPr>
+          <a:xfrm>
+            <a:off x="2159526" y="2252451"/>
+            <a:ext cx="4824950" cy="638600"/>
+          </a:xfrm>
+          <a:prstGeom prst="rect">
+            <a:avLst/>
+          </a:prstGeom>
+          <a:noFill/>
+          <a:ln>
+            <a:noFill/>
+          </a:ln>
+        </p:spPr>
+      </p:pic>
+    </p:spTree>
+  </p:cSld>
+  <p:clrMapOvr>
+    <a:masterClrMapping/>
+  </p:clrMapOvr>
+  <p:timing>
+    <p:tnLst>
+      <p:par>
+        <p:cTn id="1" dur="indefinite" restart="never" nodeType="tmRoot"/>
+      </p:par>
+    </p:tnLst>
+  </p:timing>
+</p:sld>
+</file>
+
+<file path=ppt/slides/slide13.xml><?xml version="1.0" encoding="utf-8"?>
+<p:sld xmlns:a="http://schemas.openxmlformats.org/drawingml/2006/main" xmlns:r="http://schemas.openxmlformats.org/officeDocument/2006/relationships" xmlns:p="http://schemas.openxmlformats.org/presentationml/2006/main">
+  <p:cSld>
+    <p:spTree>
+      <p:nvGrpSpPr>
         <p:cNvPr id="1" name="Shape 600"/>
         <p:cNvGrpSpPr/>
         <p:nvPr/>
@@ -8597,66 +7127,6 @@
 </p:sld>
 </file>
 
-<file path=ppt/slides/slide13.xml><?xml version="1.0" encoding="utf-8"?>
-<p:sld xmlns:a="http://schemas.openxmlformats.org/drawingml/2006/main" xmlns:r="http://schemas.openxmlformats.org/officeDocument/2006/relationships" xmlns:p="http://schemas.openxmlformats.org/presentationml/2006/main">
-  <p:cSld>
-    <p:spTree>
-      <p:nvGrpSpPr>
-        <p:cNvPr id="1" name="Shape 213"/>
-        <p:cNvGrpSpPr/>
-        <p:nvPr/>
-      </p:nvGrpSpPr>
-      <p:grpSpPr>
-        <a:xfrm>
-          <a:off x="0" y="0"/>
-          <a:ext cx="0" cy="0"/>
-          <a:chOff x="0" y="0"/>
-          <a:chExt cx="0" cy="0"/>
-        </a:xfrm>
-      </p:grpSpPr>
-      <p:pic>
-        <p:nvPicPr>
-          <p:cNvPr id="214" name="Google Shape;214;p39"/>
-          <p:cNvPicPr preferRelativeResize="0"/>
-          <p:nvPr/>
-        </p:nvPicPr>
-        <p:blipFill>
-          <a:blip r:embed="rId3">
-            <a:alphaModFix/>
-          </a:blip>
-          <a:stretch>
-            <a:fillRect/>
-          </a:stretch>
-        </p:blipFill>
-        <p:spPr>
-          <a:xfrm>
-            <a:off x="2159526" y="2252451"/>
-            <a:ext cx="4824950" cy="638600"/>
-          </a:xfrm>
-          <a:prstGeom prst="rect">
-            <a:avLst/>
-          </a:prstGeom>
-          <a:noFill/>
-          <a:ln>
-            <a:noFill/>
-          </a:ln>
-        </p:spPr>
-      </p:pic>
-    </p:spTree>
-  </p:cSld>
-  <p:clrMapOvr>
-    <a:masterClrMapping/>
-  </p:clrMapOvr>
-  <p:timing>
-    <p:tnLst>
-      <p:par>
-        <p:cTn id="1" dur="indefinite" restart="never" nodeType="tmRoot"/>
-      </p:par>
-    </p:tnLst>
-  </p:timing>
-</p:sld>
-</file>
-
 <file path=ppt/slides/slide2.xml><?xml version="1.0" encoding="utf-8"?>
 <p:sld xmlns:a="http://schemas.openxmlformats.org/drawingml/2006/main" xmlns:r="http://schemas.openxmlformats.org/officeDocument/2006/relationships" xmlns:p="http://schemas.openxmlformats.org/presentationml/2006/main">
   <p:cSld>
@@ -8750,7 +7220,7 @@
         </p:nvSpPr>
         <p:spPr>
           <a:xfrm>
-            <a:off x="5716436" y="2628151"/>
+            <a:off x="5788918" y="3706751"/>
             <a:ext cx="3355082" cy="450000"/>
           </a:xfrm>
           <a:prstGeom prst="rect">
@@ -8767,7 +7237,7 @@
           </a:bodyPr>
           <a:lstStyle/>
           <a:p>
-            <a:pPr marL="0" lvl="0" indent="0" algn="ctr" rtl="0">
+            <a:pPr marL="0" lvl="0" indent="0" rtl="0">
               <a:spcBef>
                 <a:spcPts val="0"/>
               </a:spcBef>
@@ -8825,7 +7295,7 @@
         </p:blipFill>
         <p:spPr>
           <a:xfrm>
-            <a:off x="6706377" y="626476"/>
+            <a:off x="6706377" y="1344803"/>
             <a:ext cx="1375200" cy="1375200"/>
           </a:xfrm>
           <a:prstGeom prst="ellipse">
@@ -9006,7 +7476,7 @@
         </p:nvSpPr>
         <p:spPr>
           <a:xfrm>
-            <a:off x="5716436" y="2628151"/>
+            <a:off x="5788918" y="3706751"/>
             <a:ext cx="3355082" cy="450000"/>
           </a:xfrm>
           <a:prstGeom prst="rect">
@@ -9023,7 +7493,7 @@
           </a:bodyPr>
           <a:lstStyle/>
           <a:p>
-            <a:pPr marL="0" lvl="0" indent="0" algn="ctr" rtl="0">
+            <a:pPr marL="0" lvl="0" indent="0" rtl="0">
               <a:spcBef>
                 <a:spcPts val="0"/>
               </a:spcBef>
@@ -9081,7 +7551,7 @@
         </p:blipFill>
         <p:spPr>
           <a:xfrm>
-            <a:off x="6706377" y="626476"/>
+            <a:off x="6706377" y="1344803"/>
             <a:ext cx="1375200" cy="1375200"/>
           </a:xfrm>
           <a:prstGeom prst="ellipse">
@@ -9152,7 +7622,7 @@
     </p:spTree>
     <p:extLst>
       <p:ext uri="{BB962C8B-B14F-4D97-AF65-F5344CB8AC3E}">
-        <p14:creationId xmlns:p14="http://schemas.microsoft.com/office/powerpoint/2010/main" val="1238324469"/>
+        <p14:creationId xmlns:p14="http://schemas.microsoft.com/office/powerpoint/2010/main" val="951463387"/>
       </p:ext>
     </p:extLst>
   </p:cSld>
@@ -9951,7 +8421,7 @@
         </p:nvSpPr>
         <p:spPr>
           <a:xfrm>
-            <a:off x="6353537" y="2276830"/>
+            <a:off x="6272782" y="2676224"/>
             <a:ext cx="2379126" cy="583800"/>
           </a:xfrm>
           <a:prstGeom prst="rect">
@@ -16922,54 +15392,54 @@
 </file>
 
 <file path=ppt/theme/theme1.xml><?xml version="1.0" encoding="utf-8"?>
-<a:theme xmlns:a="http://schemas.openxmlformats.org/drawingml/2006/main" name="Simple Light">
+<a:theme xmlns:a="http://schemas.openxmlformats.org/drawingml/2006/main" name="Office Theme">
   <a:themeElements>
-    <a:clrScheme name="Simple Light">
+    <a:clrScheme name="Tema de Office">
       <a:dk1>
-        <a:srgbClr val="000000"/>
+        <a:sysClr val="windowText" lastClr="000000"/>
       </a:dk1>
       <a:lt1>
-        <a:srgbClr val="FFFFFF"/>
+        <a:sysClr val="window" lastClr="FFFFFF"/>
       </a:lt1>
       <a:dk2>
-        <a:srgbClr val="595959"/>
+        <a:srgbClr val="44546A"/>
       </a:dk2>
       <a:lt2>
-        <a:srgbClr val="EEEEEE"/>
+        <a:srgbClr val="E7E6E6"/>
       </a:lt2>
       <a:accent1>
-        <a:srgbClr val="FFAB40"/>
+        <a:srgbClr val="5B9BD5"/>
       </a:accent1>
       <a:accent2>
-        <a:srgbClr val="212121"/>
+        <a:srgbClr val="ED7D31"/>
       </a:accent2>
       <a:accent3>
-        <a:srgbClr val="78909C"/>
+        <a:srgbClr val="A5A5A5"/>
       </a:accent3>
       <a:accent4>
-        <a:srgbClr val="FFAB40"/>
+        <a:srgbClr val="FFC000"/>
       </a:accent4>
       <a:accent5>
-        <a:srgbClr val="0097A7"/>
+        <a:srgbClr val="4472C4"/>
       </a:accent5>
       <a:accent6>
-        <a:srgbClr val="EEFF41"/>
+        <a:srgbClr val="70AD47"/>
       </a:accent6>
       <a:hlink>
-        <a:srgbClr val="CC0000"/>
+        <a:srgbClr val="0563C1"/>
       </a:hlink>
       <a:folHlink>
-        <a:srgbClr val="0097A7"/>
+        <a:srgbClr val="954F72"/>
       </a:folHlink>
     </a:clrScheme>
-    <a:fontScheme name="Office">
+    <a:fontScheme name="Tema de Office">
       <a:majorFont>
-        <a:latin typeface="Arial"/>
+        <a:latin typeface="Calibri Light" panose="020F0302020204030204"/>
         <a:ea typeface=""/>
         <a:cs typeface=""/>
-        <a:font script="Jpan" typeface="ＭＳ Ｐゴシック"/>
+        <a:font script="Jpan" typeface="游ゴシック Light"/>
         <a:font script="Hang" typeface="맑은 고딕"/>
-        <a:font script="Hans" typeface="宋体"/>
+        <a:font script="Hans" typeface="等线 Light"/>
         <a:font script="Hant" typeface="新細明體"/>
         <a:font script="Arab" typeface="Times New Roman"/>
         <a:font script="Hebr" typeface="Times New Roman"/>
@@ -16999,12 +15469,12 @@
         <a:font script="Geor" typeface="Sylfaen"/>
       </a:majorFont>
       <a:minorFont>
-        <a:latin typeface="Arial"/>
+        <a:latin typeface="Calibri" panose="020F0502020204030204"/>
         <a:ea typeface=""/>
         <a:cs typeface=""/>
-        <a:font script="Jpan" typeface="ＭＳ Ｐゴシック"/>
+        <a:font script="Jpan" typeface="游ゴシック"/>
         <a:font script="Hang" typeface="맑은 고딕"/>
-        <a:font script="Hans" typeface="宋体"/>
+        <a:font script="Hans" typeface="等线"/>
         <a:font script="Hant" typeface="新細明體"/>
         <a:font script="Arab" typeface="Arial"/>
         <a:font script="Hebr" typeface="Arial"/>
@@ -17034,7 +15504,7 @@
         <a:font script="Geor" typeface="Sylfaen"/>
       </a:minorFont>
     </a:fontScheme>
-    <a:fmtScheme name="Office">
+    <a:fmtScheme name="Tema de Office">
       <a:fillStyleLst>
         <a:solidFill>
           <a:schemeClr val="phClr"/>
@@ -17043,162 +15513,142 @@
           <a:gsLst>
             <a:gs pos="0">
               <a:schemeClr val="phClr">
-                <a:tint val="50000"/>
-                <a:satMod val="300000"/>
+                <a:lumMod val="110000"/>
+                <a:satMod val="105000"/>
+                <a:tint val="67000"/>
               </a:schemeClr>
             </a:gs>
-            <a:gs pos="35000">
+            <a:gs pos="50000">
               <a:schemeClr val="phClr">
-                <a:tint val="37000"/>
-                <a:satMod val="300000"/>
+                <a:lumMod val="105000"/>
+                <a:satMod val="103000"/>
+                <a:tint val="73000"/>
               </a:schemeClr>
             </a:gs>
             <a:gs pos="100000">
               <a:schemeClr val="phClr">
-                <a:tint val="15000"/>
-                <a:satMod val="350000"/>
+                <a:lumMod val="105000"/>
+                <a:satMod val="109000"/>
+                <a:tint val="81000"/>
               </a:schemeClr>
             </a:gs>
           </a:gsLst>
-          <a:lin ang="16200000" scaled="1"/>
+          <a:lin ang="5400000" scaled="0"/>
         </a:gradFill>
         <a:gradFill rotWithShape="1">
           <a:gsLst>
             <a:gs pos="0">
               <a:schemeClr val="phClr">
-                <a:tint val="100000"/>
+                <a:satMod val="103000"/>
+                <a:lumMod val="102000"/>
+                <a:tint val="94000"/>
+              </a:schemeClr>
+            </a:gs>
+            <a:gs pos="50000">
+              <a:schemeClr val="phClr">
+                <a:satMod val="110000"/>
+                <a:lumMod val="100000"/>
                 <a:shade val="100000"/>
-                <a:satMod val="130000"/>
               </a:schemeClr>
             </a:gs>
             <a:gs pos="100000">
               <a:schemeClr val="phClr">
-                <a:tint val="50000"/>
-                <a:shade val="100000"/>
-                <a:satMod val="350000"/>
+                <a:lumMod val="99000"/>
+                <a:satMod val="120000"/>
+                <a:shade val="78000"/>
               </a:schemeClr>
             </a:gs>
           </a:gsLst>
-          <a:lin ang="16200000" scaled="0"/>
+          <a:lin ang="5400000" scaled="0"/>
         </a:gradFill>
       </a:fillStyleLst>
       <a:lnStyleLst>
-        <a:ln w="9525" cap="flat" cmpd="sng" algn="ctr">
-          <a:solidFill>
-            <a:schemeClr val="phClr">
-              <a:shade val="95000"/>
-              <a:satMod val="105000"/>
-            </a:schemeClr>
-          </a:solidFill>
-          <a:prstDash val="solid"/>
-        </a:ln>
-        <a:ln w="25400" cap="flat" cmpd="sng" algn="ctr">
+        <a:ln w="6350" cap="flat" cmpd="sng" algn="ctr">
           <a:solidFill>
             <a:schemeClr val="phClr"/>
           </a:solidFill>
           <a:prstDash val="solid"/>
+          <a:miter lim="800000"/>
         </a:ln>
-        <a:ln w="38100" cap="flat" cmpd="sng" algn="ctr">
+        <a:ln w="12700" cap="flat" cmpd="sng" algn="ctr">
           <a:solidFill>
             <a:schemeClr val="phClr"/>
           </a:solidFill>
           <a:prstDash val="solid"/>
+          <a:miter lim="800000"/>
+        </a:ln>
+        <a:ln w="19050" cap="flat" cmpd="sng" algn="ctr">
+          <a:solidFill>
+            <a:schemeClr val="phClr"/>
+          </a:solidFill>
+          <a:prstDash val="solid"/>
+          <a:miter lim="800000"/>
         </a:ln>
       </a:lnStyleLst>
       <a:effectStyleLst>
         <a:effectStyle>
+          <a:effectLst/>
+        </a:effectStyle>
+        <a:effectStyle>
+          <a:effectLst/>
+        </a:effectStyle>
+        <a:effectStyle>
           <a:effectLst>
-            <a:outerShdw blurRad="40000" dist="20000" dir="5400000" rotWithShape="0">
+            <a:outerShdw blurRad="57150" dist="19050" dir="5400000" algn="ctr" rotWithShape="0">
               <a:srgbClr val="000000">
-                <a:alpha val="38000"/>
+                <a:alpha val="63000"/>
               </a:srgbClr>
             </a:outerShdw>
           </a:effectLst>
-        </a:effectStyle>
-        <a:effectStyle>
-          <a:effectLst>
-            <a:outerShdw blurRad="40000" dist="23000" dir="5400000" rotWithShape="0">
-              <a:srgbClr val="000000">
-                <a:alpha val="35000"/>
-              </a:srgbClr>
-            </a:outerShdw>
-          </a:effectLst>
-        </a:effectStyle>
-        <a:effectStyle>
-          <a:effectLst>
-            <a:outerShdw blurRad="40000" dist="23000" dir="5400000" rotWithShape="0">
-              <a:srgbClr val="000000">
-                <a:alpha val="35000"/>
-              </a:srgbClr>
-            </a:outerShdw>
-          </a:effectLst>
-          <a:scene3d>
-            <a:camera prst="orthographicFront">
-              <a:rot lat="0" lon="0" rev="0"/>
-            </a:camera>
-            <a:lightRig rig="threePt" dir="t">
-              <a:rot lat="0" lon="0" rev="1200000"/>
-            </a:lightRig>
-          </a:scene3d>
-          <a:sp3d>
-            <a:bevelT w="63500" h="25400"/>
-          </a:sp3d>
         </a:effectStyle>
       </a:effectStyleLst>
       <a:bgFillStyleLst>
         <a:solidFill>
           <a:schemeClr val="phClr"/>
         </a:solidFill>
+        <a:solidFill>
+          <a:schemeClr val="phClr">
+            <a:tint val="95000"/>
+            <a:satMod val="170000"/>
+          </a:schemeClr>
+        </a:solidFill>
         <a:gradFill rotWithShape="1">
           <a:gsLst>
             <a:gs pos="0">
               <a:schemeClr val="phClr">
-                <a:tint val="40000"/>
-                <a:satMod val="350000"/>
+                <a:tint val="93000"/>
+                <a:satMod val="150000"/>
+                <a:shade val="98000"/>
+                <a:lumMod val="102000"/>
               </a:schemeClr>
             </a:gs>
-            <a:gs pos="40000">
+            <a:gs pos="50000">
               <a:schemeClr val="phClr">
-                <a:tint val="45000"/>
-                <a:shade val="99000"/>
-                <a:satMod val="350000"/>
+                <a:tint val="98000"/>
+                <a:satMod val="130000"/>
+                <a:shade val="90000"/>
+                <a:lumMod val="103000"/>
               </a:schemeClr>
             </a:gs>
             <a:gs pos="100000">
               <a:schemeClr val="phClr">
-                <a:shade val="20000"/>
-                <a:satMod val="255000"/>
+                <a:shade val="63000"/>
+                <a:satMod val="120000"/>
               </a:schemeClr>
             </a:gs>
           </a:gsLst>
-          <a:path path="circle">
-            <a:fillToRect l="50000" t="-80000" r="50000" b="180000"/>
-          </a:path>
-        </a:gradFill>
-        <a:gradFill rotWithShape="1">
-          <a:gsLst>
-            <a:gs pos="0">
-              <a:schemeClr val="phClr">
-                <a:tint val="80000"/>
-                <a:satMod val="300000"/>
-              </a:schemeClr>
-            </a:gs>
-            <a:gs pos="100000">
-              <a:schemeClr val="phClr">
-                <a:shade val="30000"/>
-                <a:satMod val="200000"/>
-              </a:schemeClr>
-            </a:gs>
-          </a:gsLst>
-          <a:path path="circle">
-            <a:fillToRect l="50000" t="50000" r="50000" b="50000"/>
-          </a:path>
+          <a:lin ang="5400000" scaled="0"/>
         </a:gradFill>
       </a:bgFillStyleLst>
     </a:fmtScheme>
   </a:themeElements>
   <a:objectDefaults/>
   <a:extraClrSchemeLst/>
+  <a:extLst>
+    <a:ext uri="{05A4C25C-085E-4340-85A3-A5531E510DB2}">
+      <thm15:themeFamily xmlns:thm15="http://schemas.microsoft.com/office/thememl/2012/main" name="Office Theme" id="{62F939B6-93AF-4DB8-9C6B-D6C7DFDC589F}" vid="{4A3C46E8-61CC-4603-A589-7422A47A8E4A}"/>
+    </a:ext>
+  </a:extLst>
 </a:theme>
 </file>
 

--- a/template_report.pptx
+++ b/template_report.pptx
@@ -5,48 +5,51 @@
     <p:sldMasterId id="2147483785" r:id="rId1"/>
   </p:sldMasterIdLst>
   <p:notesMasterIdLst>
-    <p:notesMasterId r:id="rId15"/>
+    <p:notesMasterId r:id="rId18"/>
   </p:notesMasterIdLst>
   <p:sldIdLst>
     <p:sldId id="353" r:id="rId2"/>
-    <p:sldId id="368" r:id="rId3"/>
-    <p:sldId id="372" r:id="rId4"/>
+    <p:sldId id="376" r:id="rId3"/>
+    <p:sldId id="375" r:id="rId4"/>
     <p:sldId id="366" r:id="rId5"/>
-    <p:sldId id="355" r:id="rId6"/>
-    <p:sldId id="358" r:id="rId7"/>
-    <p:sldId id="361" r:id="rId8"/>
-    <p:sldId id="362" r:id="rId9"/>
-    <p:sldId id="369" r:id="rId10"/>
-    <p:sldId id="370" r:id="rId11"/>
-    <p:sldId id="363" r:id="rId12"/>
-    <p:sldId id="256" r:id="rId13"/>
-    <p:sldId id="371" r:id="rId14"/>
+    <p:sldId id="377" r:id="rId6"/>
+    <p:sldId id="378" r:id="rId7"/>
+    <p:sldId id="380" r:id="rId8"/>
+    <p:sldId id="355" r:id="rId9"/>
+    <p:sldId id="358" r:id="rId10"/>
+    <p:sldId id="361" r:id="rId11"/>
+    <p:sldId id="362" r:id="rId12"/>
+    <p:sldId id="369" r:id="rId13"/>
+    <p:sldId id="381" r:id="rId14"/>
+    <p:sldId id="370" r:id="rId15"/>
+    <p:sldId id="363" r:id="rId16"/>
+    <p:sldId id="256" r:id="rId17"/>
   </p:sldIdLst>
   <p:sldSz cx="9144000" cy="5143500" type="screen16x9"/>
   <p:notesSz cx="6858000" cy="9144000"/>
   <p:embeddedFontLst>
     <p:embeddedFont>
-      <p:font typeface="Proxima Nova" panose="020B0604020202020204" charset="0"/>
-      <p:regular r:id="rId16"/>
-      <p:bold r:id="rId17"/>
-      <p:italic r:id="rId18"/>
-      <p:boldItalic r:id="rId19"/>
-    </p:embeddedFont>
-    <p:embeddedFont>
       <p:font typeface="Calibri" panose="020F0502020204030204" pitchFamily="34" charset="0"/>
-      <p:regular r:id="rId20"/>
-      <p:bold r:id="rId21"/>
-      <p:italic r:id="rId22"/>
-      <p:boldItalic r:id="rId23"/>
+      <p:regular r:id="rId19"/>
+      <p:bold r:id="rId20"/>
+      <p:italic r:id="rId21"/>
+      <p:boldItalic r:id="rId22"/>
     </p:embeddedFont>
     <p:embeddedFont>
       <p:font typeface="Calibri Light" panose="020F0302020204030204" pitchFamily="34" charset="0"/>
-      <p:regular r:id="rId24"/>
-      <p:italic r:id="rId25"/>
+      <p:regular r:id="rId23"/>
+      <p:italic r:id="rId24"/>
+    </p:embeddedFont>
+    <p:embeddedFont>
+      <p:font typeface="Proxima Nova" panose="020B0604020202020204" charset="0"/>
+      <p:regular r:id="rId25"/>
+      <p:bold r:id="rId26"/>
+      <p:italic r:id="rId27"/>
+      <p:boldItalic r:id="rId28"/>
     </p:embeddedFont>
   </p:embeddedFontLst>
   <p:custDataLst>
-    <p:tags r:id="rId26"/>
+    <p:tags r:id="rId29"/>
   </p:custDataLst>
   <p:defaultTextStyle>
     <a:defPPr>
@@ -730,6 +733,128 @@
   <p:cSld>
     <p:spTree>
       <p:nvGrpSpPr>
+        <p:cNvPr id="1" name="Shape 292"/>
+        <p:cNvGrpSpPr/>
+        <p:nvPr/>
+      </p:nvGrpSpPr>
+      <p:grpSpPr>
+        <a:xfrm>
+          <a:off x="0" y="0"/>
+          <a:ext cx="0" cy="0"/>
+          <a:chOff x="0" y="0"/>
+          <a:chExt cx="0" cy="0"/>
+        </a:xfrm>
+      </p:grpSpPr>
+      <p:sp>
+        <p:nvSpPr>
+          <p:cNvPr id="293" name="Google Shape;293;g5788f89953_2_130:notes"/>
+          <p:cNvSpPr>
+            <a:spLocks noGrp="1" noRot="1" noChangeAspect="1"/>
+          </p:cNvSpPr>
+          <p:nvPr>
+            <p:ph type="sldImg" idx="2"/>
+          </p:nvPr>
+        </p:nvSpPr>
+        <p:spPr>
+          <a:xfrm>
+            <a:off x="381000" y="685800"/>
+            <a:ext cx="6096000" cy="3429000"/>
+          </a:xfrm>
+          <a:custGeom>
+            <a:avLst/>
+            <a:gdLst/>
+            <a:ahLst/>
+            <a:cxnLst/>
+            <a:rect l="l" t="t" r="r" b="b"/>
+            <a:pathLst>
+              <a:path w="120000" h="120000" extrusionOk="0">
+                <a:moveTo>
+                  <a:pt x="0" y="0"/>
+                </a:moveTo>
+                <a:lnTo>
+                  <a:pt x="120000" y="0"/>
+                </a:lnTo>
+                <a:lnTo>
+                  <a:pt x="120000" y="120000"/>
+                </a:lnTo>
+                <a:lnTo>
+                  <a:pt x="0" y="120000"/>
+                </a:lnTo>
+                <a:close/>
+              </a:path>
+            </a:pathLst>
+          </a:custGeom>
+        </p:spPr>
+      </p:sp>
+      <p:sp>
+        <p:nvSpPr>
+          <p:cNvPr id="294" name="Google Shape;294;g5788f89953_2_130:notes"/>
+          <p:cNvSpPr txBox="1">
+            <a:spLocks noGrp="1"/>
+          </p:cNvSpPr>
+          <p:nvPr>
+            <p:ph type="body" idx="1"/>
+          </p:nvPr>
+        </p:nvSpPr>
+        <p:spPr>
+          <a:xfrm>
+            <a:off x="685800" y="4343400"/>
+            <a:ext cx="5486400" cy="4114800"/>
+          </a:xfrm>
+          <a:prstGeom prst="rect">
+            <a:avLst/>
+          </a:prstGeom>
+        </p:spPr>
+        <p:txBody>
+          <a:bodyPr spcFirstLastPara="1" wrap="square" lIns="91425" tIns="91425" rIns="91425" bIns="91425" anchor="t" anchorCtr="0">
+            <a:noAutofit/>
+          </a:bodyPr>
+          <a:lstStyle/>
+          <a:p>
+            <a:pPr marL="0" lvl="0" indent="0" algn="l" rtl="0">
+              <a:spcBef>
+                <a:spcPts val="0"/>
+              </a:spcBef>
+              <a:spcAft>
+                <a:spcPts val="0"/>
+              </a:spcAft>
+              <a:buClr>
+                <a:schemeClr val="dk1"/>
+              </a:buClr>
+              <a:buSzPts val="1100"/>
+              <a:buFont typeface="Arial"/>
+              <a:buNone/>
+            </a:pPr>
+            <a:r>
+              <a:rPr lang="es-419" dirty="0" err="1" smtClean="0"/>
+              <a:t>Saccar</a:t>
+            </a:r>
+            <a:r>
+              <a:rPr lang="es-419" baseline="0" dirty="0" smtClean="0"/>
+              <a:t> cuadrado</a:t>
+            </a:r>
+            <a:endParaRPr dirty="0"/>
+          </a:p>
+        </p:txBody>
+      </p:sp>
+    </p:spTree>
+    <p:extLst>
+      <p:ext uri="{BB962C8B-B14F-4D97-AF65-F5344CB8AC3E}">
+        <p14:creationId xmlns:p14="http://schemas.microsoft.com/office/powerpoint/2010/main" val="3655870818"/>
+      </p:ext>
+    </p:extLst>
+  </p:cSld>
+  <p:clrMapOvr>
+    <a:masterClrMapping/>
+  </p:clrMapOvr>
+</p:notes>
+</file>
+
+<file path=ppt/notesSlides/notesSlide11.xml><?xml version="1.0" encoding="utf-8"?>
+<p:notes xmlns:a="http://schemas.openxmlformats.org/drawingml/2006/main" xmlns:r="http://schemas.openxmlformats.org/officeDocument/2006/relationships" xmlns:p="http://schemas.openxmlformats.org/presentationml/2006/main" showMasterSp="0" showMasterPhAnim="0">
+  <p:cSld>
+    <p:spTree>
+      <p:nvGrpSpPr>
         <p:cNvPr id="1" name="Shape 597"/>
         <p:cNvGrpSpPr/>
         <p:nvPr/>
@@ -824,7 +949,7 @@
     </p:spTree>
     <p:extLst>
       <p:ext uri="{BB962C8B-B14F-4D97-AF65-F5344CB8AC3E}">
-        <p14:creationId xmlns:p14="http://schemas.microsoft.com/office/powerpoint/2010/main" val="180334054"/>
+        <p14:creationId xmlns:p14="http://schemas.microsoft.com/office/powerpoint/2010/main" val="992392008"/>
       </p:ext>
     </p:extLst>
   </p:cSld>
@@ -834,12 +959,12 @@
 </p:notes>
 </file>
 
-<file path=ppt/notesSlides/notesSlide11.xml><?xml version="1.0" encoding="utf-8"?>
+<file path=ppt/notesSlides/notesSlide12.xml><?xml version="1.0" encoding="utf-8"?>
 <p:notes xmlns:a="http://schemas.openxmlformats.org/drawingml/2006/main" xmlns:r="http://schemas.openxmlformats.org/officeDocument/2006/relationships" xmlns:p="http://schemas.openxmlformats.org/presentationml/2006/main" showMasterSp="0" showMasterPhAnim="0">
   <p:cSld>
     <p:spTree>
       <p:nvGrpSpPr>
-        <p:cNvPr id="1" name="Shape 335"/>
+        <p:cNvPr id="1" name="Shape 597"/>
         <p:cNvGrpSpPr/>
         <p:nvPr/>
       </p:nvGrpSpPr>
@@ -853,7 +978,7 @@
       </p:grpSpPr>
       <p:sp>
         <p:nvSpPr>
-          <p:cNvPr id="336" name="Google Shape;336;g583b2e4435_10_9:notes"/>
+          <p:cNvPr id="598" name="Google Shape;598;g5c4c3b3151_0_61:notes"/>
           <p:cNvSpPr>
             <a:spLocks noGrp="1" noRot="1" noChangeAspect="1"/>
           </p:cNvSpPr>
@@ -894,7 +1019,7 @@
       </p:sp>
       <p:sp>
         <p:nvSpPr>
-          <p:cNvPr id="337" name="Google Shape;337;g583b2e4435_10_9:notes"/>
+          <p:cNvPr id="599" name="Google Shape;599;g5c4c3b3151_0_61:notes"/>
           <p:cNvSpPr txBox="1">
             <a:spLocks noGrp="1"/>
           </p:cNvSpPr>
@@ -926,124 +1051,16 @@
               </a:spcAft>
               <a:buNone/>
             </a:pPr>
-            <a:endParaRPr dirty="0">
-              <a:highlight>
-                <a:srgbClr val="FFE600"/>
-              </a:highlight>
-            </a:endParaRPr>
+            <a:endParaRPr i="1" dirty="0"/>
           </a:p>
         </p:txBody>
       </p:sp>
     </p:spTree>
     <p:extLst>
       <p:ext uri="{BB962C8B-B14F-4D97-AF65-F5344CB8AC3E}">
-        <p14:creationId xmlns:p14="http://schemas.microsoft.com/office/powerpoint/2010/main" val="2873595971"/>
+        <p14:creationId xmlns:p14="http://schemas.microsoft.com/office/powerpoint/2010/main" val="2735222449"/>
       </p:ext>
     </p:extLst>
-  </p:cSld>
-  <p:clrMapOvr>
-    <a:masterClrMapping/>
-  </p:clrMapOvr>
-</p:notes>
-</file>
-
-<file path=ppt/notesSlides/notesSlide12.xml><?xml version="1.0" encoding="utf-8"?>
-<p:notes xmlns:a="http://schemas.openxmlformats.org/drawingml/2006/main" xmlns:r="http://schemas.openxmlformats.org/officeDocument/2006/relationships" xmlns:p="http://schemas.openxmlformats.org/presentationml/2006/main" showMasterSp="0" showMasterPhAnim="0">
-  <p:cSld>
-    <p:spTree>
-      <p:nvGrpSpPr>
-        <p:cNvPr id="1" name="Shape 210"/>
-        <p:cNvGrpSpPr/>
-        <p:nvPr/>
-      </p:nvGrpSpPr>
-      <p:grpSpPr>
-        <a:xfrm>
-          <a:off x="0" y="0"/>
-          <a:ext cx="0" cy="0"/>
-          <a:chOff x="0" y="0"/>
-          <a:chExt cx="0" cy="0"/>
-        </a:xfrm>
-      </p:grpSpPr>
-      <p:sp>
-        <p:nvSpPr>
-          <p:cNvPr id="211" name="Google Shape;211;g5ada77b396_3_1210:notes"/>
-          <p:cNvSpPr>
-            <a:spLocks noGrp="1" noRot="1" noChangeAspect="1"/>
-          </p:cNvSpPr>
-          <p:nvPr>
-            <p:ph type="sldImg" idx="2"/>
-          </p:nvPr>
-        </p:nvSpPr>
-        <p:spPr>
-          <a:xfrm>
-            <a:off x="381000" y="685800"/>
-            <a:ext cx="6096000" cy="3429000"/>
-          </a:xfrm>
-          <a:custGeom>
-            <a:avLst/>
-            <a:gdLst/>
-            <a:ahLst/>
-            <a:cxnLst/>
-            <a:rect l="l" t="t" r="r" b="b"/>
-            <a:pathLst>
-              <a:path w="120000" h="120000" extrusionOk="0">
-                <a:moveTo>
-                  <a:pt x="0" y="0"/>
-                </a:moveTo>
-                <a:lnTo>
-                  <a:pt x="120000" y="0"/>
-                </a:lnTo>
-                <a:lnTo>
-                  <a:pt x="120000" y="120000"/>
-                </a:lnTo>
-                <a:lnTo>
-                  <a:pt x="0" y="120000"/>
-                </a:lnTo>
-                <a:close/>
-              </a:path>
-            </a:pathLst>
-          </a:custGeom>
-        </p:spPr>
-      </p:sp>
-      <p:sp>
-        <p:nvSpPr>
-          <p:cNvPr id="212" name="Google Shape;212;g5ada77b396_3_1210:notes"/>
-          <p:cNvSpPr txBox="1">
-            <a:spLocks noGrp="1"/>
-          </p:cNvSpPr>
-          <p:nvPr>
-            <p:ph type="body" idx="1"/>
-          </p:nvPr>
-        </p:nvSpPr>
-        <p:spPr>
-          <a:xfrm>
-            <a:off x="685800" y="4343400"/>
-            <a:ext cx="5486400" cy="4114800"/>
-          </a:xfrm>
-          <a:prstGeom prst="rect">
-            <a:avLst/>
-          </a:prstGeom>
-        </p:spPr>
-        <p:txBody>
-          <a:bodyPr spcFirstLastPara="1" wrap="square" lIns="91425" tIns="91425" rIns="91425" bIns="91425" anchor="t" anchorCtr="0">
-            <a:noAutofit/>
-          </a:bodyPr>
-          <a:lstStyle/>
-          <a:p>
-            <a:pPr marL="0" lvl="0" indent="0" algn="l" rtl="0">
-              <a:spcBef>
-                <a:spcPts val="0"/>
-              </a:spcBef>
-              <a:spcAft>
-                <a:spcPts val="0"/>
-              </a:spcAft>
-              <a:buNone/>
-            </a:pPr>
-            <a:endParaRPr/>
-          </a:p>
-        </p:txBody>
-      </p:sp>
-    </p:spTree>
   </p:cSld>
   <p:clrMapOvr>
     <a:masterClrMapping/>
@@ -1150,7 +1167,7 @@
     </p:spTree>
     <p:extLst>
       <p:ext uri="{BB962C8B-B14F-4D97-AF65-F5344CB8AC3E}">
-        <p14:creationId xmlns:p14="http://schemas.microsoft.com/office/powerpoint/2010/main" val="4058784416"/>
+        <p14:creationId xmlns:p14="http://schemas.microsoft.com/office/powerpoint/2010/main" val="3064737313"/>
       </p:ext>
     </p:extLst>
   </p:cSld>
@@ -1160,12 +1177,12 @@
 </p:notes>
 </file>
 
-<file path=ppt/notesSlides/notesSlide2.xml><?xml version="1.0" encoding="utf-8"?>
+<file path=ppt/notesSlides/notesSlide14.xml><?xml version="1.0" encoding="utf-8"?>
 <p:notes xmlns:a="http://schemas.openxmlformats.org/drawingml/2006/main" xmlns:r="http://schemas.openxmlformats.org/officeDocument/2006/relationships" xmlns:p="http://schemas.openxmlformats.org/presentationml/2006/main" showMasterSp="0" showMasterPhAnim="0">
   <p:cSld>
     <p:spTree>
       <p:nvGrpSpPr>
-        <p:cNvPr id="1" name="Shape 254"/>
+        <p:cNvPr id="1" name="Shape 597"/>
         <p:cNvGrpSpPr/>
         <p:nvPr/>
       </p:nvGrpSpPr>
@@ -1179,7 +1196,7 @@
       </p:grpSpPr>
       <p:sp>
         <p:nvSpPr>
-          <p:cNvPr id="255" name="Google Shape;255;g598cd8bd5e_4_275:notes"/>
+          <p:cNvPr id="598" name="Google Shape;598;g5c4c3b3151_0_61:notes"/>
           <p:cNvSpPr>
             <a:spLocks noGrp="1" noRot="1" noChangeAspect="1"/>
           </p:cNvSpPr>
@@ -1220,7 +1237,7 @@
       </p:sp>
       <p:sp>
         <p:nvSpPr>
-          <p:cNvPr id="256" name="Google Shape;256;g598cd8bd5e_4_275:notes"/>
+          <p:cNvPr id="599" name="Google Shape;599;g5c4c3b3151_0_61:notes"/>
           <p:cNvSpPr txBox="1">
             <a:spLocks noGrp="1"/>
           </p:cNvSpPr>
@@ -1252,18 +1269,14 @@
               </a:spcAft>
               <a:buNone/>
             </a:pPr>
-            <a:endParaRPr dirty="0">
-              <a:highlight>
-                <a:srgbClr val="FFFF00"/>
-              </a:highlight>
-            </a:endParaRPr>
+            <a:endParaRPr i="1" dirty="0"/>
           </a:p>
         </p:txBody>
       </p:sp>
     </p:spTree>
     <p:extLst>
       <p:ext uri="{BB962C8B-B14F-4D97-AF65-F5344CB8AC3E}">
-        <p14:creationId xmlns:p14="http://schemas.microsoft.com/office/powerpoint/2010/main" val="3875546302"/>
+        <p14:creationId xmlns:p14="http://schemas.microsoft.com/office/powerpoint/2010/main" val="180334054"/>
       </p:ext>
     </p:extLst>
   </p:cSld>
@@ -1273,12 +1286,12 @@
 </p:notes>
 </file>
 
-<file path=ppt/notesSlides/notesSlide3.xml><?xml version="1.0" encoding="utf-8"?>
+<file path=ppt/notesSlides/notesSlide15.xml><?xml version="1.0" encoding="utf-8"?>
 <p:notes xmlns:a="http://schemas.openxmlformats.org/drawingml/2006/main" xmlns:r="http://schemas.openxmlformats.org/officeDocument/2006/relationships" xmlns:p="http://schemas.openxmlformats.org/presentationml/2006/main" showMasterSp="0" showMasterPhAnim="0">
   <p:cSld>
     <p:spTree>
       <p:nvGrpSpPr>
-        <p:cNvPr id="1" name="Shape 254"/>
+        <p:cNvPr id="1" name="Shape 335"/>
         <p:cNvGrpSpPr/>
         <p:nvPr/>
       </p:nvGrpSpPr>
@@ -1292,7 +1305,7 @@
       </p:grpSpPr>
       <p:sp>
         <p:nvSpPr>
-          <p:cNvPr id="255" name="Google Shape;255;g598cd8bd5e_4_275:notes"/>
+          <p:cNvPr id="336" name="Google Shape;336;g583b2e4435_10_9:notes"/>
           <p:cNvSpPr>
             <a:spLocks noGrp="1" noRot="1" noChangeAspect="1"/>
           </p:cNvSpPr>
@@ -1333,7 +1346,7 @@
       </p:sp>
       <p:sp>
         <p:nvSpPr>
-          <p:cNvPr id="256" name="Google Shape;256;g598cd8bd5e_4_275:notes"/>
+          <p:cNvPr id="337" name="Google Shape;337;g583b2e4435_10_9:notes"/>
           <p:cNvSpPr txBox="1">
             <a:spLocks noGrp="1"/>
           </p:cNvSpPr>
@@ -1367,7 +1380,7 @@
             </a:pPr>
             <a:endParaRPr dirty="0">
               <a:highlight>
-                <a:srgbClr val="FFFF00"/>
+                <a:srgbClr val="FFE600"/>
               </a:highlight>
             </a:endParaRPr>
           </a:p>
@@ -1376,7 +1389,389 @@
     </p:spTree>
     <p:extLst>
       <p:ext uri="{BB962C8B-B14F-4D97-AF65-F5344CB8AC3E}">
-        <p14:creationId xmlns:p14="http://schemas.microsoft.com/office/powerpoint/2010/main" val="1659732323"/>
+        <p14:creationId xmlns:p14="http://schemas.microsoft.com/office/powerpoint/2010/main" val="2873595971"/>
+      </p:ext>
+    </p:extLst>
+  </p:cSld>
+  <p:clrMapOvr>
+    <a:masterClrMapping/>
+  </p:clrMapOvr>
+</p:notes>
+</file>
+
+<file path=ppt/notesSlides/notesSlide16.xml><?xml version="1.0" encoding="utf-8"?>
+<p:notes xmlns:a="http://schemas.openxmlformats.org/drawingml/2006/main" xmlns:r="http://schemas.openxmlformats.org/officeDocument/2006/relationships" xmlns:p="http://schemas.openxmlformats.org/presentationml/2006/main" showMasterSp="0" showMasterPhAnim="0">
+  <p:cSld>
+    <p:spTree>
+      <p:nvGrpSpPr>
+        <p:cNvPr id="1" name="Shape 210"/>
+        <p:cNvGrpSpPr/>
+        <p:nvPr/>
+      </p:nvGrpSpPr>
+      <p:grpSpPr>
+        <a:xfrm>
+          <a:off x="0" y="0"/>
+          <a:ext cx="0" cy="0"/>
+          <a:chOff x="0" y="0"/>
+          <a:chExt cx="0" cy="0"/>
+        </a:xfrm>
+      </p:grpSpPr>
+      <p:sp>
+        <p:nvSpPr>
+          <p:cNvPr id="211" name="Google Shape;211;g5ada77b396_3_1210:notes"/>
+          <p:cNvSpPr>
+            <a:spLocks noGrp="1" noRot="1" noChangeAspect="1"/>
+          </p:cNvSpPr>
+          <p:nvPr>
+            <p:ph type="sldImg" idx="2"/>
+          </p:nvPr>
+        </p:nvSpPr>
+        <p:spPr>
+          <a:xfrm>
+            <a:off x="381000" y="685800"/>
+            <a:ext cx="6096000" cy="3429000"/>
+          </a:xfrm>
+          <a:custGeom>
+            <a:avLst/>
+            <a:gdLst/>
+            <a:ahLst/>
+            <a:cxnLst/>
+            <a:rect l="l" t="t" r="r" b="b"/>
+            <a:pathLst>
+              <a:path w="120000" h="120000" extrusionOk="0">
+                <a:moveTo>
+                  <a:pt x="0" y="0"/>
+                </a:moveTo>
+                <a:lnTo>
+                  <a:pt x="120000" y="0"/>
+                </a:lnTo>
+                <a:lnTo>
+                  <a:pt x="120000" y="120000"/>
+                </a:lnTo>
+                <a:lnTo>
+                  <a:pt x="0" y="120000"/>
+                </a:lnTo>
+                <a:close/>
+              </a:path>
+            </a:pathLst>
+          </a:custGeom>
+        </p:spPr>
+      </p:sp>
+      <p:sp>
+        <p:nvSpPr>
+          <p:cNvPr id="212" name="Google Shape;212;g5ada77b396_3_1210:notes"/>
+          <p:cNvSpPr txBox="1">
+            <a:spLocks noGrp="1"/>
+          </p:cNvSpPr>
+          <p:nvPr>
+            <p:ph type="body" idx="1"/>
+          </p:nvPr>
+        </p:nvSpPr>
+        <p:spPr>
+          <a:xfrm>
+            <a:off x="685800" y="4343400"/>
+            <a:ext cx="5486400" cy="4114800"/>
+          </a:xfrm>
+          <a:prstGeom prst="rect">
+            <a:avLst/>
+          </a:prstGeom>
+        </p:spPr>
+        <p:txBody>
+          <a:bodyPr spcFirstLastPara="1" wrap="square" lIns="91425" tIns="91425" rIns="91425" bIns="91425" anchor="t" anchorCtr="0">
+            <a:noAutofit/>
+          </a:bodyPr>
+          <a:lstStyle/>
+          <a:p>
+            <a:pPr marL="0" lvl="0" indent="0" algn="l" rtl="0">
+              <a:spcBef>
+                <a:spcPts val="0"/>
+              </a:spcBef>
+              <a:spcAft>
+                <a:spcPts val="0"/>
+              </a:spcAft>
+              <a:buNone/>
+            </a:pPr>
+            <a:r>
+              <a:rPr lang="es-419" dirty="0" smtClean="0"/>
+              <a:t>Agregar tipo de dispositivo</a:t>
+            </a:r>
+            <a:r>
+              <a:rPr lang="es-419" baseline="0" dirty="0" smtClean="0"/>
+              <a:t> , Tablet desktop x</a:t>
+            </a:r>
+          </a:p>
+          <a:p>
+            <a:pPr marL="0" lvl="0" indent="0" algn="l" rtl="0">
+              <a:spcBef>
+                <a:spcPts val="0"/>
+              </a:spcBef>
+              <a:spcAft>
+                <a:spcPts val="0"/>
+              </a:spcAft>
+              <a:buNone/>
+            </a:pPr>
+            <a:r>
+              <a:rPr lang="es-419" baseline="0" dirty="0" smtClean="0"/>
+              <a:t>Trafico durante la campaña por días del mes x</a:t>
+            </a:r>
+          </a:p>
+          <a:p>
+            <a:pPr marL="0" lvl="0" indent="0" algn="l" rtl="0">
+              <a:spcBef>
+                <a:spcPts val="0"/>
+              </a:spcBef>
+              <a:spcAft>
+                <a:spcPts val="0"/>
+              </a:spcAft>
+              <a:buNone/>
+            </a:pPr>
+            <a:r>
+              <a:rPr lang="es-419" baseline="0" dirty="0" smtClean="0"/>
+              <a:t>Alcance, frecuencia, visitante únicos del sitio vs </a:t>
+            </a:r>
+            <a:r>
+              <a:rPr lang="es-419" baseline="0" dirty="0" err="1" smtClean="0"/>
+              <a:t>landing</a:t>
+            </a:r>
+            <a:r>
+              <a:rPr lang="es-419" baseline="0" dirty="0" smtClean="0"/>
+              <a:t>  x</a:t>
+            </a:r>
+            <a:endParaRPr dirty="0"/>
+          </a:p>
+        </p:txBody>
+      </p:sp>
+    </p:spTree>
+  </p:cSld>
+  <p:clrMapOvr>
+    <a:masterClrMapping/>
+  </p:clrMapOvr>
+</p:notes>
+</file>
+
+<file path=ppt/notesSlides/notesSlide2.xml><?xml version="1.0" encoding="utf-8"?>
+<p:notes xmlns:a="http://schemas.openxmlformats.org/drawingml/2006/main" xmlns:r="http://schemas.openxmlformats.org/officeDocument/2006/relationships" xmlns:p="http://schemas.openxmlformats.org/presentationml/2006/main" showMasterSp="0" showMasterPhAnim="0">
+  <p:cSld>
+    <p:spTree>
+      <p:nvGrpSpPr>
+        <p:cNvPr id="1" name="Shape 292"/>
+        <p:cNvGrpSpPr/>
+        <p:nvPr/>
+      </p:nvGrpSpPr>
+      <p:grpSpPr>
+        <a:xfrm>
+          <a:off x="0" y="0"/>
+          <a:ext cx="0" cy="0"/>
+          <a:chOff x="0" y="0"/>
+          <a:chExt cx="0" cy="0"/>
+        </a:xfrm>
+      </p:grpSpPr>
+      <p:sp>
+        <p:nvSpPr>
+          <p:cNvPr id="293" name="Google Shape;293;g5788f89953_2_130:notes"/>
+          <p:cNvSpPr>
+            <a:spLocks noGrp="1" noRot="1" noChangeAspect="1"/>
+          </p:cNvSpPr>
+          <p:nvPr>
+            <p:ph type="sldImg" idx="2"/>
+          </p:nvPr>
+        </p:nvSpPr>
+        <p:spPr>
+          <a:xfrm>
+            <a:off x="381000" y="685800"/>
+            <a:ext cx="6096000" cy="3429000"/>
+          </a:xfrm>
+          <a:custGeom>
+            <a:avLst/>
+            <a:gdLst/>
+            <a:ahLst/>
+            <a:cxnLst/>
+            <a:rect l="l" t="t" r="r" b="b"/>
+            <a:pathLst>
+              <a:path w="120000" h="120000" extrusionOk="0">
+                <a:moveTo>
+                  <a:pt x="0" y="0"/>
+                </a:moveTo>
+                <a:lnTo>
+                  <a:pt x="120000" y="0"/>
+                </a:lnTo>
+                <a:lnTo>
+                  <a:pt x="120000" y="120000"/>
+                </a:lnTo>
+                <a:lnTo>
+                  <a:pt x="0" y="120000"/>
+                </a:lnTo>
+                <a:close/>
+              </a:path>
+            </a:pathLst>
+          </a:custGeom>
+        </p:spPr>
+      </p:sp>
+      <p:sp>
+        <p:nvSpPr>
+          <p:cNvPr id="294" name="Google Shape;294;g5788f89953_2_130:notes"/>
+          <p:cNvSpPr txBox="1">
+            <a:spLocks noGrp="1"/>
+          </p:cNvSpPr>
+          <p:nvPr>
+            <p:ph type="body" idx="1"/>
+          </p:nvPr>
+        </p:nvSpPr>
+        <p:spPr>
+          <a:xfrm>
+            <a:off x="685800" y="4343400"/>
+            <a:ext cx="5486400" cy="4114800"/>
+          </a:xfrm>
+          <a:prstGeom prst="rect">
+            <a:avLst/>
+          </a:prstGeom>
+        </p:spPr>
+        <p:txBody>
+          <a:bodyPr spcFirstLastPara="1" wrap="square" lIns="91425" tIns="91425" rIns="91425" bIns="91425" anchor="t" anchorCtr="0">
+            <a:noAutofit/>
+          </a:bodyPr>
+          <a:lstStyle/>
+          <a:p>
+            <a:pPr marL="0" lvl="0" indent="0" algn="l" rtl="0">
+              <a:spcBef>
+                <a:spcPts val="0"/>
+              </a:spcBef>
+              <a:spcAft>
+                <a:spcPts val="0"/>
+              </a:spcAft>
+              <a:buClr>
+                <a:schemeClr val="dk1"/>
+              </a:buClr>
+              <a:buSzPts val="1100"/>
+              <a:buFont typeface="Arial"/>
+              <a:buNone/>
+            </a:pPr>
+            <a:endParaRPr dirty="0"/>
+          </a:p>
+        </p:txBody>
+      </p:sp>
+    </p:spTree>
+    <p:extLst>
+      <p:ext uri="{BB962C8B-B14F-4D97-AF65-F5344CB8AC3E}">
+        <p14:creationId xmlns:p14="http://schemas.microsoft.com/office/powerpoint/2010/main" val="372467544"/>
+      </p:ext>
+    </p:extLst>
+  </p:cSld>
+  <p:clrMapOvr>
+    <a:masterClrMapping/>
+  </p:clrMapOvr>
+</p:notes>
+</file>
+
+<file path=ppt/notesSlides/notesSlide3.xml><?xml version="1.0" encoding="utf-8"?>
+<p:notes xmlns:a="http://schemas.openxmlformats.org/drawingml/2006/main" xmlns:r="http://schemas.openxmlformats.org/officeDocument/2006/relationships" xmlns:p="http://schemas.openxmlformats.org/presentationml/2006/main" showMasterSp="0" showMasterPhAnim="0">
+  <p:cSld>
+    <p:spTree>
+      <p:nvGrpSpPr>
+        <p:cNvPr id="1" name="Shape 292"/>
+        <p:cNvGrpSpPr/>
+        <p:nvPr/>
+      </p:nvGrpSpPr>
+      <p:grpSpPr>
+        <a:xfrm>
+          <a:off x="0" y="0"/>
+          <a:ext cx="0" cy="0"/>
+          <a:chOff x="0" y="0"/>
+          <a:chExt cx="0" cy="0"/>
+        </a:xfrm>
+      </p:grpSpPr>
+      <p:sp>
+        <p:nvSpPr>
+          <p:cNvPr id="293" name="Google Shape;293;g5788f89953_2_130:notes"/>
+          <p:cNvSpPr>
+            <a:spLocks noGrp="1" noRot="1" noChangeAspect="1"/>
+          </p:cNvSpPr>
+          <p:nvPr>
+            <p:ph type="sldImg" idx="2"/>
+          </p:nvPr>
+        </p:nvSpPr>
+        <p:spPr>
+          <a:xfrm>
+            <a:off x="381000" y="685800"/>
+            <a:ext cx="6096000" cy="3429000"/>
+          </a:xfrm>
+          <a:custGeom>
+            <a:avLst/>
+            <a:gdLst/>
+            <a:ahLst/>
+            <a:cxnLst/>
+            <a:rect l="l" t="t" r="r" b="b"/>
+            <a:pathLst>
+              <a:path w="120000" h="120000" extrusionOk="0">
+                <a:moveTo>
+                  <a:pt x="0" y="0"/>
+                </a:moveTo>
+                <a:lnTo>
+                  <a:pt x="120000" y="0"/>
+                </a:lnTo>
+                <a:lnTo>
+                  <a:pt x="120000" y="120000"/>
+                </a:lnTo>
+                <a:lnTo>
+                  <a:pt x="0" y="120000"/>
+                </a:lnTo>
+                <a:close/>
+              </a:path>
+            </a:pathLst>
+          </a:custGeom>
+        </p:spPr>
+      </p:sp>
+      <p:sp>
+        <p:nvSpPr>
+          <p:cNvPr id="294" name="Google Shape;294;g5788f89953_2_130:notes"/>
+          <p:cNvSpPr txBox="1">
+            <a:spLocks noGrp="1"/>
+          </p:cNvSpPr>
+          <p:nvPr>
+            <p:ph type="body" idx="1"/>
+          </p:nvPr>
+        </p:nvSpPr>
+        <p:spPr>
+          <a:xfrm>
+            <a:off x="685800" y="4343400"/>
+            <a:ext cx="5486400" cy="4114800"/>
+          </a:xfrm>
+          <a:prstGeom prst="rect">
+            <a:avLst/>
+          </a:prstGeom>
+        </p:spPr>
+        <p:txBody>
+          <a:bodyPr spcFirstLastPara="1" wrap="square" lIns="91425" tIns="91425" rIns="91425" bIns="91425" anchor="t" anchorCtr="0">
+            <a:noAutofit/>
+          </a:bodyPr>
+          <a:lstStyle/>
+          <a:p>
+            <a:pPr marL="0" lvl="0" indent="0" algn="l" rtl="0">
+              <a:spcBef>
+                <a:spcPts val="0"/>
+              </a:spcBef>
+              <a:spcAft>
+                <a:spcPts val="0"/>
+              </a:spcAft>
+              <a:buClr>
+                <a:schemeClr val="dk1"/>
+              </a:buClr>
+              <a:buSzPts val="1100"/>
+              <a:buFont typeface="Arial"/>
+              <a:buNone/>
+            </a:pPr>
+            <a:r>
+              <a:rPr lang="es-419" dirty="0" smtClean="0"/>
+              <a:t>Últimos 30 días</a:t>
+            </a:r>
+            <a:endParaRPr dirty="0"/>
+          </a:p>
+        </p:txBody>
+      </p:sp>
+    </p:spTree>
+    <p:extLst>
+      <p:ext uri="{BB962C8B-B14F-4D97-AF65-F5344CB8AC3E}">
+        <p14:creationId xmlns:p14="http://schemas.microsoft.com/office/powerpoint/2010/main" val="991899760"/>
       </p:ext>
     </p:extLst>
   </p:cSld>
@@ -1499,7 +1894,7 @@
   <p:cSld>
     <p:spTree>
       <p:nvGrpSpPr>
-        <p:cNvPr id="1" name="Shape 292"/>
+        <p:cNvPr id="1" name="Shape 326"/>
         <p:cNvGrpSpPr/>
         <p:nvPr/>
       </p:nvGrpSpPr>
@@ -1513,7 +1908,7 @@
       </p:grpSpPr>
       <p:sp>
         <p:nvSpPr>
-          <p:cNvPr id="293" name="Google Shape;293;g5788f89953_2_130:notes"/>
+          <p:cNvPr id="327" name="Google Shape;327;g5759f287de_1_77:notes"/>
           <p:cNvSpPr>
             <a:spLocks noGrp="1" noRot="1" noChangeAspect="1"/>
           </p:cNvSpPr>
@@ -1554,7 +1949,7 @@
       </p:sp>
       <p:sp>
         <p:nvSpPr>
-          <p:cNvPr id="294" name="Google Shape;294;g5788f89953_2_130:notes"/>
+          <p:cNvPr id="328" name="Google Shape;328;g5759f287de_1_77:notes"/>
           <p:cNvSpPr txBox="1">
             <a:spLocks noGrp="1"/>
           </p:cNvSpPr>
@@ -1584,21 +1979,20 @@
               <a:spcAft>
                 <a:spcPts val="0"/>
               </a:spcAft>
-              <a:buClr>
-                <a:schemeClr val="dk1"/>
-              </a:buClr>
-              <a:buSzPts val="1100"/>
-              <a:buFont typeface="Arial"/>
               <a:buNone/>
             </a:pPr>
-            <a:endParaRPr dirty="0"/>
+            <a:endParaRPr dirty="0">
+              <a:highlight>
+                <a:srgbClr val="FFFFFF"/>
+              </a:highlight>
+            </a:endParaRPr>
           </a:p>
         </p:txBody>
       </p:sp>
     </p:spTree>
     <p:extLst>
       <p:ext uri="{BB962C8B-B14F-4D97-AF65-F5344CB8AC3E}">
-        <p14:creationId xmlns:p14="http://schemas.microsoft.com/office/powerpoint/2010/main" val="2578088435"/>
+        <p14:creationId xmlns:p14="http://schemas.microsoft.com/office/powerpoint/2010/main" val="3231073071"/>
       </p:ext>
     </p:extLst>
   </p:cSld>
@@ -1613,7 +2007,7 @@
   <p:cSld>
     <p:spTree>
       <p:nvGrpSpPr>
-        <p:cNvPr id="1" name="Shape 398"/>
+        <p:cNvPr id="1" name="Shape 326"/>
         <p:cNvGrpSpPr/>
         <p:nvPr/>
       </p:nvGrpSpPr>
@@ -1627,7 +2021,7 @@
       </p:grpSpPr>
       <p:sp>
         <p:nvSpPr>
-          <p:cNvPr id="399" name="Google Shape;399;g59d534ae5a_0_245:notes"/>
+          <p:cNvPr id="327" name="Google Shape;327;g5759f287de_1_77:notes"/>
           <p:cNvSpPr>
             <a:spLocks noGrp="1" noRot="1" noChangeAspect="1"/>
           </p:cNvSpPr>
@@ -1668,7 +2062,7 @@
       </p:sp>
       <p:sp>
         <p:nvSpPr>
-          <p:cNvPr id="400" name="Google Shape;400;g59d534ae5a_0_245:notes"/>
+          <p:cNvPr id="328" name="Google Shape;328;g5759f287de_1_77:notes"/>
           <p:cNvSpPr txBox="1">
             <a:spLocks noGrp="1"/>
           </p:cNvSpPr>
@@ -1702,7 +2096,7 @@
             </a:pPr>
             <a:endParaRPr dirty="0">
               <a:highlight>
-                <a:srgbClr val="FFFF00"/>
+                <a:srgbClr val="FFFFFF"/>
               </a:highlight>
             </a:endParaRPr>
           </a:p>
@@ -1711,7 +2105,7 @@
     </p:spTree>
     <p:extLst>
       <p:ext uri="{BB962C8B-B14F-4D97-AF65-F5344CB8AC3E}">
-        <p14:creationId xmlns:p14="http://schemas.microsoft.com/office/powerpoint/2010/main" val="821263099"/>
+        <p14:creationId xmlns:p14="http://schemas.microsoft.com/office/powerpoint/2010/main" val="4107484166"/>
       </p:ext>
     </p:extLst>
   </p:cSld>
@@ -1825,7 +2219,7 @@
     </p:spTree>
     <p:extLst>
       <p:ext uri="{BB962C8B-B14F-4D97-AF65-F5344CB8AC3E}">
-        <p14:creationId xmlns:p14="http://schemas.microsoft.com/office/powerpoint/2010/main" val="3655870818"/>
+        <p14:creationId xmlns:p14="http://schemas.microsoft.com/office/powerpoint/2010/main" val="3761122992"/>
       </p:ext>
     </p:extLst>
   </p:cSld>
@@ -1840,7 +2234,7 @@
   <p:cSld>
     <p:spTree>
       <p:nvGrpSpPr>
-        <p:cNvPr id="1" name="Shape 597"/>
+        <p:cNvPr id="1" name="Shape 292"/>
         <p:cNvGrpSpPr/>
         <p:nvPr/>
       </p:nvGrpSpPr>
@@ -1854,7 +2248,7 @@
       </p:grpSpPr>
       <p:sp>
         <p:nvSpPr>
-          <p:cNvPr id="598" name="Google Shape;598;g5c4c3b3151_0_61:notes"/>
+          <p:cNvPr id="293" name="Google Shape;293;g5788f89953_2_130:notes"/>
           <p:cNvSpPr>
             <a:spLocks noGrp="1" noRot="1" noChangeAspect="1"/>
           </p:cNvSpPr>
@@ -1895,7 +2289,7 @@
       </p:sp>
       <p:sp>
         <p:nvSpPr>
-          <p:cNvPr id="599" name="Google Shape;599;g5c4c3b3151_0_61:notes"/>
+          <p:cNvPr id="294" name="Google Shape;294;g5788f89953_2_130:notes"/>
           <p:cNvSpPr txBox="1">
             <a:spLocks noGrp="1"/>
           </p:cNvSpPr>
@@ -1925,16 +2319,21 @@
               <a:spcAft>
                 <a:spcPts val="0"/>
               </a:spcAft>
+              <a:buClr>
+                <a:schemeClr val="dk1"/>
+              </a:buClr>
+              <a:buSzPts val="1100"/>
+              <a:buFont typeface="Arial"/>
               <a:buNone/>
             </a:pPr>
-            <a:endParaRPr i="1" dirty="0"/>
+            <a:endParaRPr dirty="0"/>
           </a:p>
         </p:txBody>
       </p:sp>
     </p:spTree>
     <p:extLst>
       <p:ext uri="{BB962C8B-B14F-4D97-AF65-F5344CB8AC3E}">
-        <p14:creationId xmlns:p14="http://schemas.microsoft.com/office/powerpoint/2010/main" val="992392008"/>
+        <p14:creationId xmlns:p14="http://schemas.microsoft.com/office/powerpoint/2010/main" val="2578088435"/>
       </p:ext>
     </p:extLst>
   </p:cSld>
@@ -1949,7 +2348,7 @@
   <p:cSld>
     <p:spTree>
       <p:nvGrpSpPr>
-        <p:cNvPr id="1" name="Shape 597"/>
+        <p:cNvPr id="1" name="Shape 398"/>
         <p:cNvGrpSpPr/>
         <p:nvPr/>
       </p:nvGrpSpPr>
@@ -1963,7 +2362,7 @@
       </p:grpSpPr>
       <p:sp>
         <p:nvSpPr>
-          <p:cNvPr id="598" name="Google Shape;598;g5c4c3b3151_0_61:notes"/>
+          <p:cNvPr id="399" name="Google Shape;399;g59d534ae5a_0_245:notes"/>
           <p:cNvSpPr>
             <a:spLocks noGrp="1" noRot="1" noChangeAspect="1"/>
           </p:cNvSpPr>
@@ -2004,7 +2403,7 @@
       </p:sp>
       <p:sp>
         <p:nvSpPr>
-          <p:cNvPr id="599" name="Google Shape;599;g5c4c3b3151_0_61:notes"/>
+          <p:cNvPr id="400" name="Google Shape;400;g59d534ae5a_0_245:notes"/>
           <p:cNvSpPr txBox="1">
             <a:spLocks noGrp="1"/>
           </p:cNvSpPr>
@@ -2036,14 +2435,53 @@
               </a:spcAft>
               <a:buNone/>
             </a:pPr>
-            <a:endParaRPr i="1" dirty="0"/>
+            <a:r>
+              <a:rPr lang="es-419" dirty="0" smtClean="0">
+                <a:highlight>
+                  <a:srgbClr val="FFFF00"/>
+                </a:highlight>
+              </a:rPr>
+              <a:t>Sacar la leyenda cuadrado </a:t>
+            </a:r>
+          </a:p>
+          <a:p>
+            <a:pPr marL="0" lvl="0" indent="0" algn="l" rtl="0">
+              <a:spcBef>
+                <a:spcPts val="0"/>
+              </a:spcBef>
+              <a:spcAft>
+                <a:spcPts val="0"/>
+              </a:spcAft>
+              <a:buNone/>
+            </a:pPr>
+            <a:r>
+              <a:rPr lang="es-419" dirty="0" smtClean="0">
+                <a:highlight>
+                  <a:srgbClr val="FFFF00"/>
+                </a:highlight>
+              </a:rPr>
+              <a:t>Poner porcentaje / ordenar</a:t>
+            </a:r>
+            <a:r>
+              <a:rPr lang="es-419" baseline="0" dirty="0" smtClean="0">
+                <a:highlight>
+                  <a:srgbClr val="FFFF00"/>
+                </a:highlight>
+              </a:rPr>
+              <a:t> por edad </a:t>
+            </a:r>
+            <a:endParaRPr dirty="0">
+              <a:highlight>
+                <a:srgbClr val="FFFF00"/>
+              </a:highlight>
+            </a:endParaRPr>
           </a:p>
         </p:txBody>
       </p:sp>
     </p:spTree>
     <p:extLst>
       <p:ext uri="{BB962C8B-B14F-4D97-AF65-F5344CB8AC3E}">
-        <p14:creationId xmlns:p14="http://schemas.microsoft.com/office/powerpoint/2010/main" val="2735222449"/>
+        <p14:creationId xmlns:p14="http://schemas.microsoft.com/office/powerpoint/2010/main" val="821263099"/>
       </p:ext>
     </p:extLst>
   </p:cSld>
@@ -2185,7 +2623,7 @@
             <a:fld id="{B61BEF0D-F0BB-DE4B-95CE-6DB70DBA9567}" type="datetimeFigureOut">
               <a:rPr lang="en-US" smtClean="0"/>
               <a:pPr/>
-              <a:t>7/17/2019</a:t>
+              <a:t>8/2/2019</a:t>
             </a:fld>
             <a:endParaRPr lang="en-US" dirty="0"/>
           </a:p>
@@ -2365,7 +2803,7 @@
           <a:p>
             <a:fld id="{55C6B4A9-1611-4792-9094-5F34BCA07E0B}" type="datetimeFigureOut">
               <a:rPr lang="en-US" smtClean="0"/>
-              <a:t>7/17/2019</a:t>
+              <a:t>8/2/2019</a:t>
             </a:fld>
             <a:endParaRPr lang="en-US" dirty="0"/>
           </a:p>
@@ -2556,7 +2994,7 @@
             <a:fld id="{B61BEF0D-F0BB-DE4B-95CE-6DB70DBA9567}" type="datetimeFigureOut">
               <a:rPr lang="en-US" smtClean="0"/>
               <a:pPr/>
-              <a:t>7/17/2019</a:t>
+              <a:t>8/2/2019</a:t>
             </a:fld>
             <a:endParaRPr lang="en-US" dirty="0"/>
           </a:p>
@@ -3104,7 +3542,7 @@
             <a:fld id="{B61BEF0D-F0BB-DE4B-95CE-6DB70DBA9567}" type="datetimeFigureOut">
               <a:rPr lang="en-US" smtClean="0"/>
               <a:pPr/>
-              <a:t>7/17/2019</a:t>
+              <a:t>8/2/2019</a:t>
             </a:fld>
             <a:endParaRPr lang="en-US" dirty="0"/>
           </a:p>
@@ -3361,7 +3799,7 @@
             <a:fld id="{B61BEF0D-F0BB-DE4B-95CE-6DB70DBA9567}" type="datetimeFigureOut">
               <a:rPr lang="en-US" smtClean="0"/>
               <a:pPr/>
-              <a:t>7/17/2019</a:t>
+              <a:t>8/2/2019</a:t>
             </a:fld>
             <a:endParaRPr lang="en-US" dirty="0"/>
           </a:p>
@@ -3603,7 +4041,7 @@
           <a:p>
             <a:fld id="{EB712588-04B1-427B-82EE-E8DB90309F08}" type="datetimeFigureOut">
               <a:rPr lang="en-US" smtClean="0"/>
-              <a:t>7/17/2019</a:t>
+              <a:t>8/2/2019</a:t>
             </a:fld>
             <a:endParaRPr lang="en-US" dirty="0"/>
           </a:p>
@@ -3981,7 +4419,7 @@
             <a:fld id="{B61BEF0D-F0BB-DE4B-95CE-6DB70DBA9567}" type="datetimeFigureOut">
               <a:rPr lang="en-US" smtClean="0"/>
               <a:pPr/>
-              <a:t>7/17/2019</a:t>
+              <a:t>8/2/2019</a:t>
             </a:fld>
             <a:endParaRPr lang="en-US" dirty="0"/>
           </a:p>
@@ -4110,7 +4548,7 @@
             <a:fld id="{B61BEF0D-F0BB-DE4B-95CE-6DB70DBA9567}" type="datetimeFigureOut">
               <a:rPr lang="en-US" smtClean="0"/>
               <a:pPr/>
-              <a:t>7/17/2019</a:t>
+              <a:t>8/2/2019</a:t>
             </a:fld>
             <a:endParaRPr lang="en-US" dirty="0"/>
           </a:p>
@@ -4216,7 +4654,7 @@
             <a:fld id="{B61BEF0D-F0BB-DE4B-95CE-6DB70DBA9567}" type="datetimeFigureOut">
               <a:rPr lang="en-US" smtClean="0"/>
               <a:pPr/>
-              <a:t>7/17/2019</a:t>
+              <a:t>8/2/2019</a:t>
             </a:fld>
             <a:endParaRPr lang="en-US" dirty="0"/>
           </a:p>
@@ -4503,7 +4941,7 @@
           <a:p>
             <a:fld id="{42A54C80-263E-416B-A8E0-580EDEADCBDC}" type="datetimeFigureOut">
               <a:rPr lang="en-US" smtClean="0"/>
-              <a:t>7/17/2019</a:t>
+              <a:t>8/2/2019</a:t>
             </a:fld>
             <a:endParaRPr lang="en-US" dirty="0"/>
           </a:p>
@@ -4771,7 +5209,7 @@
             <a:fld id="{B61BEF0D-F0BB-DE4B-95CE-6DB70DBA9567}" type="datetimeFigureOut">
               <a:rPr lang="en-US" smtClean="0"/>
               <a:pPr/>
-              <a:t>7/17/2019</a:t>
+              <a:t>8/2/2019</a:t>
             </a:fld>
             <a:endParaRPr lang="en-US" dirty="0"/>
           </a:p>
@@ -4995,7 +5433,7 @@
             <a:fld id="{B61BEF0D-F0BB-DE4B-95CE-6DB70DBA9567}" type="datetimeFigureOut">
               <a:rPr lang="en-US" smtClean="0"/>
               <a:pPr/>
-              <a:t>7/17/2019</a:t>
+              <a:t>8/2/2019</a:t>
             </a:fld>
             <a:endParaRPr lang="en-US" dirty="0"/>
           </a:p>
@@ -5680,6 +6118,18 @@
               <a:buNone/>
             </a:pPr>
             <a:r>
+              <a:rPr lang="en-US" sz="1400" b="0" i="0" u="none" strike="noStrike" cap="none" dirty="0" smtClean="0">
+                <a:solidFill>
+                  <a:schemeClr val="lt1"/>
+                </a:solidFill>
+                <a:latin typeface="Proxima Nova"/>
+                <a:ea typeface="Proxima Nova"/>
+                <a:cs typeface="Proxima Nova"/>
+                <a:sym typeface="Proxima Nova"/>
+              </a:rPr>
+              <a:t>Julio </a:t>
+            </a:r>
+            <a:r>
               <a:rPr lang="en-US" sz="1400" b="0" i="0" u="none" strike="noStrike" cap="none" dirty="0">
                 <a:solidFill>
                   <a:schemeClr val="lt1"/>
@@ -5689,7 +6139,7 @@
                 <a:cs typeface="Proxima Nova"/>
                 <a:sym typeface="Proxima Nova"/>
               </a:rPr>
-              <a:t>Junio 2019</a:t>
+              <a:t>2019</a:t>
             </a:r>
             <a:endParaRPr sz="4800" b="1" i="0" u="none" strike="noStrike" cap="none" dirty="0">
               <a:solidFill>
@@ -5783,2751 +6233,6 @@
 </file>
 
 <file path=ppt/slides/slide10.xml><?xml version="1.0" encoding="utf-8"?>
-<p:sld xmlns:a="http://schemas.openxmlformats.org/drawingml/2006/main" xmlns:r="http://schemas.openxmlformats.org/officeDocument/2006/relationships" xmlns:p="http://schemas.openxmlformats.org/presentationml/2006/main">
-  <p:cSld>
-    <p:spTree>
-      <p:nvGrpSpPr>
-        <p:cNvPr id="1" name="Shape 600"/>
-        <p:cNvGrpSpPr/>
-        <p:nvPr/>
-      </p:nvGrpSpPr>
-      <p:grpSpPr>
-        <a:xfrm>
-          <a:off x="0" y="0"/>
-          <a:ext cx="0" cy="0"/>
-          <a:chOff x="0" y="0"/>
-          <a:chExt cx="0" cy="0"/>
-        </a:xfrm>
-      </p:grpSpPr>
-      <p:sp>
-        <p:nvSpPr>
-          <p:cNvPr id="606" name="Google Shape;606;p78"/>
-          <p:cNvSpPr txBox="1"/>
-          <p:nvPr/>
-        </p:nvSpPr>
-        <p:spPr>
-          <a:xfrm>
-            <a:off x="6471328" y="1842405"/>
-            <a:ext cx="2217000" cy="1303500"/>
-          </a:xfrm>
-          <a:prstGeom prst="rect">
-            <a:avLst/>
-          </a:prstGeom>
-          <a:noFill/>
-          <a:ln>
-            <a:noFill/>
-          </a:ln>
-        </p:spPr>
-        <p:txBody>
-          <a:bodyPr spcFirstLastPara="1" wrap="square" lIns="91425" tIns="91425" rIns="91425" bIns="91425" anchor="t" anchorCtr="0">
-            <a:noAutofit/>
-          </a:bodyPr>
-          <a:lstStyle/>
-          <a:p>
-            <a:pPr marL="0" lvl="0" indent="0" algn="l" rtl="0">
-              <a:spcBef>
-                <a:spcPts val="0"/>
-              </a:spcBef>
-              <a:spcAft>
-                <a:spcPts val="0"/>
-              </a:spcAft>
-              <a:buNone/>
-            </a:pPr>
-            <a:r>
-              <a:rPr lang="en" sz="3000" b="1" dirty="0" smtClean="0">
-                <a:solidFill>
-                  <a:srgbClr val="3D8EFF"/>
-                </a:solidFill>
-                <a:latin typeface="Proxima Nova"/>
-                <a:ea typeface="Proxima Nova"/>
-                <a:cs typeface="Proxima Nova"/>
-                <a:sym typeface="Proxima Nova"/>
-              </a:rPr>
-              <a:t>X%</a:t>
-            </a:r>
-            <a:endParaRPr lang="en" sz="3000" b="1" dirty="0">
-              <a:solidFill>
-                <a:srgbClr val="3D8EFF"/>
-              </a:solidFill>
-              <a:latin typeface="Proxima Nova"/>
-              <a:ea typeface="Proxima Nova"/>
-              <a:cs typeface="Proxima Nova"/>
-              <a:sym typeface="Proxima Nova"/>
-            </a:endParaRPr>
-          </a:p>
-          <a:p>
-            <a:pPr marL="0" lvl="0" indent="0" algn="l" rtl="0">
-              <a:spcBef>
-                <a:spcPts val="0"/>
-              </a:spcBef>
-              <a:spcAft>
-                <a:spcPts val="0"/>
-              </a:spcAft>
-              <a:buNone/>
-            </a:pPr>
-            <a:r>
-              <a:rPr lang="es-CL" sz="1800" dirty="0">
-                <a:solidFill>
-                  <a:srgbClr val="222222"/>
-                </a:solidFill>
-                <a:latin typeface="Proxima Nova"/>
-                <a:ea typeface="Proxima Nova"/>
-                <a:cs typeface="Proxima Nova"/>
-                <a:sym typeface="Proxima Nova"/>
-              </a:rPr>
-              <a:t>fueron visitantes </a:t>
-            </a:r>
-            <a:r>
-              <a:rPr lang="es-CL" sz="1800" b="1" dirty="0">
-                <a:solidFill>
-                  <a:srgbClr val="222222"/>
-                </a:solidFill>
-                <a:latin typeface="Proxima Nova"/>
-                <a:ea typeface="Proxima Nova"/>
-                <a:cs typeface="Proxima Nova"/>
-                <a:sym typeface="Proxima Nova"/>
-              </a:rPr>
-              <a:t>nuevos</a:t>
-            </a:r>
-            <a:r>
-              <a:rPr lang="es-CL" sz="1800" dirty="0">
-                <a:solidFill>
-                  <a:srgbClr val="222222"/>
-                </a:solidFill>
-                <a:latin typeface="Proxima Nova"/>
-                <a:ea typeface="Proxima Nova"/>
-                <a:cs typeface="Proxima Nova"/>
-                <a:sym typeface="Proxima Nova"/>
-              </a:rPr>
-              <a:t>. </a:t>
-            </a:r>
-            <a:r>
-              <a:rPr lang="es-CL" dirty="0">
-                <a:solidFill>
-                  <a:srgbClr val="222222"/>
-                </a:solidFill>
-                <a:latin typeface="Proxima Nova"/>
-                <a:ea typeface="Proxima Nova"/>
-                <a:cs typeface="Proxima Nova"/>
-                <a:sym typeface="Proxima Nova"/>
-              </a:rPr>
-              <a:t>En el sitio, </a:t>
-            </a:r>
-            <a:r>
-              <a:rPr lang="es-CL" b="1" dirty="0">
-                <a:solidFill>
-                  <a:srgbClr val="222222"/>
-                </a:solidFill>
-                <a:latin typeface="Proxima Nova"/>
-                <a:ea typeface="Proxima Nova"/>
-                <a:cs typeface="Proxima Nova"/>
-                <a:sym typeface="Proxima Nova"/>
-              </a:rPr>
-              <a:t>solamente </a:t>
-            </a:r>
-            <a:r>
-              <a:rPr lang="es-CL" b="1" dirty="0" smtClean="0">
-                <a:solidFill>
-                  <a:srgbClr val="222222"/>
-                </a:solidFill>
-                <a:latin typeface="Proxima Nova"/>
-                <a:ea typeface="Proxima Nova"/>
-                <a:cs typeface="Proxima Nova"/>
-                <a:sym typeface="Proxima Nova"/>
-              </a:rPr>
-              <a:t>X% </a:t>
-            </a:r>
-            <a:r>
-              <a:rPr lang="es-CL" dirty="0">
-                <a:solidFill>
-                  <a:srgbClr val="222222"/>
-                </a:solidFill>
-                <a:latin typeface="Proxima Nova"/>
-                <a:ea typeface="Proxima Nova"/>
-                <a:cs typeface="Proxima Nova"/>
-                <a:sym typeface="Proxima Nova"/>
-              </a:rPr>
-              <a:t>de los visitantes fueron nuevos.</a:t>
-            </a:r>
-            <a:endParaRPr sz="1800" b="1" dirty="0">
-              <a:solidFill>
-                <a:srgbClr val="222222"/>
-              </a:solidFill>
-              <a:latin typeface="Proxima Nova"/>
-              <a:ea typeface="Proxima Nova"/>
-              <a:cs typeface="Proxima Nova"/>
-              <a:sym typeface="Proxima Nova"/>
-            </a:endParaRPr>
-          </a:p>
-        </p:txBody>
-      </p:sp>
-      <p:sp>
-        <p:nvSpPr>
-          <p:cNvPr id="9" name="Google Shape;298;p47">
-            <a:extLst>
-              <a:ext uri="{FF2B5EF4-FFF2-40B4-BE49-F238E27FC236}">
-                <a16:creationId xmlns:a16="http://schemas.microsoft.com/office/drawing/2014/main" id="{D2332C4B-71BB-441D-A28B-FFA3D43E22AC}"/>
-              </a:ext>
-            </a:extLst>
-          </p:cNvPr>
-          <p:cNvSpPr txBox="1"/>
-          <p:nvPr/>
-        </p:nvSpPr>
-        <p:spPr>
-          <a:xfrm>
-            <a:off x="120374" y="97525"/>
-            <a:ext cx="2614875" cy="384000"/>
-          </a:xfrm>
-          <a:prstGeom prst="rect">
-            <a:avLst/>
-          </a:prstGeom>
-          <a:noFill/>
-          <a:ln>
-            <a:noFill/>
-          </a:ln>
-        </p:spPr>
-        <p:txBody>
-          <a:bodyPr spcFirstLastPara="1" wrap="square" lIns="91425" tIns="91425" rIns="91425" bIns="91425" anchor="t" anchorCtr="0">
-            <a:noAutofit/>
-          </a:bodyPr>
-          <a:lstStyle/>
-          <a:p>
-            <a:pPr marL="0" lvl="0" indent="0" algn="l" rtl="0">
-              <a:spcBef>
-                <a:spcPts val="0"/>
-              </a:spcBef>
-              <a:spcAft>
-                <a:spcPts val="0"/>
-              </a:spcAft>
-              <a:buNone/>
-            </a:pPr>
-            <a:r>
-              <a:rPr lang="es-CL" dirty="0" smtClean="0">
-                <a:solidFill>
-                  <a:srgbClr val="AAAAAA"/>
-                </a:solidFill>
-                <a:latin typeface="Proxima Nova"/>
-                <a:ea typeface="Proxima Nova"/>
-                <a:cs typeface="Proxima Nova"/>
-                <a:sym typeface="Proxima Nova"/>
-              </a:rPr>
-              <a:t>Tipo de usuario</a:t>
-            </a:r>
-            <a:endParaRPr dirty="0">
-              <a:solidFill>
-                <a:srgbClr val="AAAAAA"/>
-              </a:solidFill>
-              <a:latin typeface="Proxima Nova"/>
-              <a:ea typeface="Proxima Nova"/>
-              <a:cs typeface="Proxima Nova"/>
-              <a:sym typeface="Proxima Nova"/>
-            </a:endParaRPr>
-          </a:p>
-        </p:txBody>
-      </p:sp>
-    </p:spTree>
-    <p:extLst>
-      <p:ext uri="{BB962C8B-B14F-4D97-AF65-F5344CB8AC3E}">
-        <p14:creationId xmlns:p14="http://schemas.microsoft.com/office/powerpoint/2010/main" val="2426433194"/>
-      </p:ext>
-    </p:extLst>
-  </p:cSld>
-  <p:clrMapOvr>
-    <a:masterClrMapping/>
-  </p:clrMapOvr>
-  <p:timing>
-    <p:tnLst>
-      <p:par>
-        <p:cTn id="1" dur="indefinite" restart="never" nodeType="tmRoot"/>
-      </p:par>
-    </p:tnLst>
-  </p:timing>
-</p:sld>
-</file>
-
-<file path=ppt/slides/slide11.xml><?xml version="1.0" encoding="utf-8"?>
-<p:sld xmlns:a="http://schemas.openxmlformats.org/drawingml/2006/main" xmlns:r="http://schemas.openxmlformats.org/officeDocument/2006/relationships" xmlns:p="http://schemas.openxmlformats.org/presentationml/2006/main">
-  <p:cSld>
-    <p:spTree>
-      <p:nvGrpSpPr>
-        <p:cNvPr id="1" name="Shape 338"/>
-        <p:cNvGrpSpPr/>
-        <p:nvPr/>
-      </p:nvGrpSpPr>
-      <p:grpSpPr>
-        <a:xfrm>
-          <a:off x="0" y="0"/>
-          <a:ext cx="0" cy="0"/>
-          <a:chOff x="0" y="0"/>
-          <a:chExt cx="0" cy="0"/>
-        </a:xfrm>
-      </p:grpSpPr>
-      <p:sp>
-        <p:nvSpPr>
-          <p:cNvPr id="10" name="Rectángulo 9">
-            <a:extLst>
-              <a:ext uri="{FF2B5EF4-FFF2-40B4-BE49-F238E27FC236}">
-                <a16:creationId xmlns:a16="http://schemas.microsoft.com/office/drawing/2014/main" id="{CF692691-0324-4977-AC07-5F98AA5EA506}"/>
-              </a:ext>
-            </a:extLst>
-          </p:cNvPr>
-          <p:cNvSpPr/>
-          <p:nvPr/>
-        </p:nvSpPr>
-        <p:spPr>
-          <a:xfrm>
-            <a:off x="-2435" y="-3020"/>
-            <a:ext cx="3050435" cy="5143500"/>
-          </a:xfrm>
-          <a:prstGeom prst="rect">
-            <a:avLst/>
-          </a:prstGeom>
-          <a:solidFill>
-            <a:srgbClr val="EEEEEE"/>
-          </a:solidFill>
-          <a:ln>
-            <a:noFill/>
-          </a:ln>
-        </p:spPr>
-        <p:style>
-          <a:lnRef idx="2">
-            <a:schemeClr val="accent1">
-              <a:shade val="50000"/>
-            </a:schemeClr>
-          </a:lnRef>
-          <a:fillRef idx="1">
-            <a:schemeClr val="accent1"/>
-          </a:fillRef>
-          <a:effectRef idx="0">
-            <a:schemeClr val="accent1"/>
-          </a:effectRef>
-          <a:fontRef idx="minor">
-            <a:schemeClr val="lt1"/>
-          </a:fontRef>
-        </p:style>
-        <p:txBody>
-          <a:bodyPr rtlCol="0" anchor="ctr"/>
-          <a:lstStyle/>
-          <a:p>
-            <a:pPr algn="ctr"/>
-            <a:endParaRPr lang="es-CL"/>
-          </a:p>
-        </p:txBody>
-      </p:sp>
-      <p:sp>
-        <p:nvSpPr>
-          <p:cNvPr id="340" name="Google Shape;340;p51"/>
-          <p:cNvSpPr txBox="1"/>
-          <p:nvPr/>
-        </p:nvSpPr>
-        <p:spPr>
-          <a:xfrm>
-            <a:off x="120375" y="97525"/>
-            <a:ext cx="1771800" cy="384000"/>
-          </a:xfrm>
-          <a:prstGeom prst="rect">
-            <a:avLst/>
-          </a:prstGeom>
-          <a:noFill/>
-          <a:ln>
-            <a:noFill/>
-          </a:ln>
-        </p:spPr>
-        <p:txBody>
-          <a:bodyPr spcFirstLastPara="1" wrap="square" lIns="91425" tIns="91425" rIns="91425" bIns="91425" anchor="t" anchorCtr="0">
-            <a:noAutofit/>
-          </a:bodyPr>
-          <a:lstStyle/>
-          <a:p>
-            <a:pPr marL="0" lvl="0" indent="0" algn="l" rtl="0">
-              <a:spcBef>
-                <a:spcPts val="0"/>
-              </a:spcBef>
-              <a:spcAft>
-                <a:spcPts val="0"/>
-              </a:spcAft>
-              <a:buNone/>
-            </a:pPr>
-            <a:r>
-              <a:rPr lang="es-CL" dirty="0">
-                <a:solidFill>
-                  <a:srgbClr val="AAAAAA"/>
-                </a:solidFill>
-                <a:latin typeface="Proxima Nova"/>
-                <a:ea typeface="Proxima Nova"/>
-                <a:cs typeface="Proxima Nova"/>
-                <a:sym typeface="Proxima Nova"/>
-              </a:rPr>
-              <a:t>Audiencia - Afinidad</a:t>
-            </a:r>
-            <a:endParaRPr dirty="0">
-              <a:solidFill>
-                <a:srgbClr val="AAAAAA"/>
-              </a:solidFill>
-              <a:latin typeface="Proxima Nova"/>
-              <a:ea typeface="Proxima Nova"/>
-              <a:cs typeface="Proxima Nova"/>
-              <a:sym typeface="Proxima Nova"/>
-            </a:endParaRPr>
-          </a:p>
-        </p:txBody>
-      </p:sp>
-      <p:sp>
-        <p:nvSpPr>
-          <p:cNvPr id="12" name="Google Shape;339;p51">
-            <a:extLst>
-              <a:ext uri="{FF2B5EF4-FFF2-40B4-BE49-F238E27FC236}">
-                <a16:creationId xmlns:a16="http://schemas.microsoft.com/office/drawing/2014/main" id="{93F590E9-8111-4178-A95D-46D7C2468D7C}"/>
-              </a:ext>
-            </a:extLst>
-          </p:cNvPr>
-          <p:cNvSpPr txBox="1"/>
-          <p:nvPr/>
-        </p:nvSpPr>
-        <p:spPr>
-          <a:xfrm>
-            <a:off x="279257" y="673858"/>
-            <a:ext cx="2568172" cy="1981964"/>
-          </a:xfrm>
-          <a:prstGeom prst="rect">
-            <a:avLst/>
-          </a:prstGeom>
-          <a:noFill/>
-          <a:ln>
-            <a:noFill/>
-          </a:ln>
-        </p:spPr>
-        <p:txBody>
-          <a:bodyPr spcFirstLastPara="1" wrap="square" lIns="91425" tIns="91425" rIns="91425" bIns="91425" anchor="t" anchorCtr="0">
-            <a:noAutofit/>
-          </a:bodyPr>
-          <a:lstStyle/>
-          <a:p>
-            <a:pPr marL="0" lvl="0" indent="0" algn="l" rtl="0">
-              <a:spcBef>
-                <a:spcPts val="0"/>
-              </a:spcBef>
-              <a:spcAft>
-                <a:spcPts val="0"/>
-              </a:spcAft>
-              <a:buNone/>
-            </a:pPr>
-            <a:r>
-              <a:rPr lang="es-CL" sz="2400" dirty="0">
-                <a:solidFill>
-                  <a:srgbClr val="333333"/>
-                </a:solidFill>
-                <a:latin typeface="Proxima Nova"/>
-                <a:ea typeface="Proxima Nova"/>
-                <a:cs typeface="Proxima Nova"/>
-                <a:sym typeface="Proxima Nova"/>
-              </a:rPr>
-              <a:t>Segmentos donde los usuarios tienen </a:t>
-            </a:r>
-            <a:r>
-              <a:rPr lang="es-CL" sz="2400" b="1" dirty="0">
-                <a:solidFill>
-                  <a:srgbClr val="333333"/>
-                </a:solidFill>
-                <a:latin typeface="Proxima Nova"/>
-                <a:ea typeface="Proxima Nova"/>
-                <a:cs typeface="Proxima Nova"/>
-                <a:sym typeface="Proxima Nova"/>
-              </a:rPr>
-              <a:t>más predisposición a comprar </a:t>
-            </a:r>
-            <a:r>
-              <a:rPr lang="es-CL" sz="2400" dirty="0">
-                <a:solidFill>
-                  <a:srgbClr val="333333"/>
-                </a:solidFill>
-                <a:latin typeface="Proxima Nova"/>
-                <a:ea typeface="Proxima Nova"/>
-                <a:cs typeface="Proxima Nova"/>
-                <a:sym typeface="Proxima Nova"/>
-              </a:rPr>
-              <a:t>productos o servicios de la categoría especificada.</a:t>
-            </a:r>
-            <a:endParaRPr sz="2400" dirty="0">
-              <a:solidFill>
-                <a:srgbClr val="333333"/>
-              </a:solidFill>
-              <a:latin typeface="Proxima Nova"/>
-              <a:ea typeface="Proxima Nova"/>
-              <a:cs typeface="Proxima Nova"/>
-              <a:sym typeface="Proxima Nova"/>
-            </a:endParaRPr>
-          </a:p>
-        </p:txBody>
-      </p:sp>
-      <p:pic>
-        <p:nvPicPr>
-          <p:cNvPr id="343" name="Google Shape;343;p51"/>
-          <p:cNvPicPr preferRelativeResize="0"/>
-          <p:nvPr/>
-        </p:nvPicPr>
-        <p:blipFill>
-          <a:blip r:embed="rId3">
-            <a:alphaModFix/>
-          </a:blip>
-          <a:stretch>
-            <a:fillRect/>
-          </a:stretch>
-        </p:blipFill>
-        <p:spPr>
-          <a:xfrm>
-            <a:off x="8622600" y="4713448"/>
-            <a:ext cx="415100" cy="288100"/>
-          </a:xfrm>
-          <a:prstGeom prst="rect">
-            <a:avLst/>
-          </a:prstGeom>
-          <a:noFill/>
-          <a:ln>
-            <a:noFill/>
-          </a:ln>
-        </p:spPr>
-      </p:pic>
-    </p:spTree>
-    <p:extLst>
-      <p:ext uri="{BB962C8B-B14F-4D97-AF65-F5344CB8AC3E}">
-        <p14:creationId xmlns:p14="http://schemas.microsoft.com/office/powerpoint/2010/main" val="2759605628"/>
-      </p:ext>
-    </p:extLst>
-  </p:cSld>
-  <p:clrMapOvr>
-    <a:masterClrMapping/>
-  </p:clrMapOvr>
-  <p:timing>
-    <p:tnLst>
-      <p:par>
-        <p:cTn id="1" dur="indefinite" restart="never" nodeType="tmRoot"/>
-      </p:par>
-    </p:tnLst>
-  </p:timing>
-</p:sld>
-</file>
-
-<file path=ppt/slides/slide12.xml><?xml version="1.0" encoding="utf-8"?>
-<p:sld xmlns:a="http://schemas.openxmlformats.org/drawingml/2006/main" xmlns:r="http://schemas.openxmlformats.org/officeDocument/2006/relationships" xmlns:p="http://schemas.openxmlformats.org/presentationml/2006/main">
-  <p:cSld>
-    <p:spTree>
-      <p:nvGrpSpPr>
-        <p:cNvPr id="1" name="Shape 213"/>
-        <p:cNvGrpSpPr/>
-        <p:nvPr/>
-      </p:nvGrpSpPr>
-      <p:grpSpPr>
-        <a:xfrm>
-          <a:off x="0" y="0"/>
-          <a:ext cx="0" cy="0"/>
-          <a:chOff x="0" y="0"/>
-          <a:chExt cx="0" cy="0"/>
-        </a:xfrm>
-      </p:grpSpPr>
-      <p:pic>
-        <p:nvPicPr>
-          <p:cNvPr id="214" name="Google Shape;214;p39"/>
-          <p:cNvPicPr preferRelativeResize="0"/>
-          <p:nvPr/>
-        </p:nvPicPr>
-        <p:blipFill>
-          <a:blip r:embed="rId3">
-            <a:alphaModFix/>
-          </a:blip>
-          <a:stretch>
-            <a:fillRect/>
-          </a:stretch>
-        </p:blipFill>
-        <p:spPr>
-          <a:xfrm>
-            <a:off x="2159526" y="2252451"/>
-            <a:ext cx="4824950" cy="638600"/>
-          </a:xfrm>
-          <a:prstGeom prst="rect">
-            <a:avLst/>
-          </a:prstGeom>
-          <a:noFill/>
-          <a:ln>
-            <a:noFill/>
-          </a:ln>
-        </p:spPr>
-      </p:pic>
-    </p:spTree>
-  </p:cSld>
-  <p:clrMapOvr>
-    <a:masterClrMapping/>
-  </p:clrMapOvr>
-  <p:timing>
-    <p:tnLst>
-      <p:par>
-        <p:cTn id="1" dur="indefinite" restart="never" nodeType="tmRoot"/>
-      </p:par>
-    </p:tnLst>
-  </p:timing>
-</p:sld>
-</file>
-
-<file path=ppt/slides/slide13.xml><?xml version="1.0" encoding="utf-8"?>
-<p:sld xmlns:a="http://schemas.openxmlformats.org/drawingml/2006/main" xmlns:r="http://schemas.openxmlformats.org/officeDocument/2006/relationships" xmlns:p="http://schemas.openxmlformats.org/presentationml/2006/main">
-  <p:cSld>
-    <p:spTree>
-      <p:nvGrpSpPr>
-        <p:cNvPr id="1" name="Shape 600"/>
-        <p:cNvGrpSpPr/>
-        <p:nvPr/>
-      </p:nvGrpSpPr>
-      <p:grpSpPr>
-        <a:xfrm>
-          <a:off x="0" y="0"/>
-          <a:ext cx="0" cy="0"/>
-          <a:chOff x="0" y="0"/>
-          <a:chExt cx="0" cy="0"/>
-        </a:xfrm>
-      </p:grpSpPr>
-      <p:sp>
-        <p:nvSpPr>
-          <p:cNvPr id="604" name="Google Shape;604;p78"/>
-          <p:cNvSpPr txBox="1"/>
-          <p:nvPr/>
-        </p:nvSpPr>
-        <p:spPr>
-          <a:xfrm>
-            <a:off x="382635" y="3117840"/>
-            <a:ext cx="2428596" cy="1764951"/>
-          </a:xfrm>
-          <a:prstGeom prst="rect">
-            <a:avLst/>
-          </a:prstGeom>
-          <a:noFill/>
-          <a:ln>
-            <a:noFill/>
-          </a:ln>
-        </p:spPr>
-        <p:txBody>
-          <a:bodyPr spcFirstLastPara="1" wrap="square" lIns="91425" tIns="91425" rIns="91425" bIns="91425" anchor="t" anchorCtr="0">
-            <a:noAutofit/>
-          </a:bodyPr>
-          <a:lstStyle/>
-          <a:p>
-            <a:pPr marL="0" lvl="0" indent="0" algn="l" rtl="0">
-              <a:spcBef>
-                <a:spcPts val="0"/>
-              </a:spcBef>
-              <a:spcAft>
-                <a:spcPts val="0"/>
-              </a:spcAft>
-              <a:buNone/>
-            </a:pPr>
-            <a:r>
-              <a:rPr lang="es-419" sz="2400" b="1" dirty="0" smtClean="0">
-                <a:solidFill>
-                  <a:srgbClr val="3D8EFF"/>
-                </a:solidFill>
-                <a:latin typeface="Proxima Nova"/>
-                <a:ea typeface="Proxima Nova"/>
-                <a:cs typeface="Proxima Nova"/>
-                <a:sym typeface="Proxima Nova"/>
-              </a:rPr>
-              <a:t>Lunes</a:t>
-            </a:r>
-            <a:endParaRPr sz="2400" b="1" dirty="0">
-              <a:solidFill>
-                <a:srgbClr val="3D8EFF"/>
-              </a:solidFill>
-              <a:latin typeface="Proxima Nova"/>
-              <a:ea typeface="Proxima Nova"/>
-              <a:cs typeface="Proxima Nova"/>
-              <a:sym typeface="Proxima Nova"/>
-            </a:endParaRPr>
-          </a:p>
-          <a:p>
-            <a:pPr lvl="0"/>
-            <a:r>
-              <a:rPr lang="es-CL" sz="1800" dirty="0" smtClean="0">
-                <a:solidFill>
-                  <a:srgbClr val="222222"/>
-                </a:solidFill>
-                <a:latin typeface="Proxima Nova"/>
-                <a:sym typeface="Proxima Nova"/>
-              </a:rPr>
-              <a:t>El día donde </a:t>
-            </a:r>
-            <a:r>
-              <a:rPr lang="es-CL" sz="1800" b="1" dirty="0" smtClean="0">
-                <a:solidFill>
-                  <a:srgbClr val="222222"/>
-                </a:solidFill>
-                <a:latin typeface="Proxima Nova"/>
-                <a:sym typeface="Proxima Nova"/>
-              </a:rPr>
-              <a:t>más</a:t>
-            </a:r>
-            <a:r>
-              <a:rPr lang="es-CL" sz="1800" dirty="0" smtClean="0">
-                <a:solidFill>
-                  <a:srgbClr val="222222"/>
-                </a:solidFill>
-                <a:latin typeface="Proxima Nova"/>
-                <a:sym typeface="Proxima Nova"/>
-              </a:rPr>
-              <a:t> tráfico tuvo la página.</a:t>
-            </a:r>
-            <a:endParaRPr b="1" dirty="0">
-              <a:solidFill>
-                <a:srgbClr val="222222"/>
-              </a:solidFill>
-              <a:latin typeface="Proxima Nova"/>
-              <a:ea typeface="Proxima Nova"/>
-              <a:cs typeface="Proxima Nova"/>
-              <a:sym typeface="Proxima Nova"/>
-            </a:endParaRPr>
-          </a:p>
-        </p:txBody>
-      </p:sp>
-      <p:sp>
-        <p:nvSpPr>
-          <p:cNvPr id="605" name="Google Shape;605;p78"/>
-          <p:cNvSpPr txBox="1"/>
-          <p:nvPr/>
-        </p:nvSpPr>
-        <p:spPr>
-          <a:xfrm>
-            <a:off x="3274712" y="3053834"/>
-            <a:ext cx="2596500" cy="1303500"/>
-          </a:xfrm>
-          <a:prstGeom prst="rect">
-            <a:avLst/>
-          </a:prstGeom>
-          <a:noFill/>
-          <a:ln>
-            <a:noFill/>
-          </a:ln>
-        </p:spPr>
-        <p:txBody>
-          <a:bodyPr spcFirstLastPara="1" wrap="square" lIns="91425" tIns="91425" rIns="91425" bIns="91425" anchor="t" anchorCtr="0">
-            <a:noAutofit/>
-          </a:bodyPr>
-          <a:lstStyle/>
-          <a:p>
-            <a:pPr marL="0" lvl="0" indent="0" algn="l" rtl="0">
-              <a:spcBef>
-                <a:spcPts val="0"/>
-              </a:spcBef>
-              <a:spcAft>
-                <a:spcPts val="0"/>
-              </a:spcAft>
-              <a:buNone/>
-            </a:pPr>
-            <a:r>
-              <a:rPr lang="es-CL" sz="2400" b="1" dirty="0">
-                <a:solidFill>
-                  <a:srgbClr val="3D8EFF"/>
-                </a:solidFill>
-                <a:latin typeface="Proxima Nova"/>
-                <a:ea typeface="Proxima Nova"/>
-                <a:cs typeface="Proxima Nova"/>
-                <a:sym typeface="Proxima Nova"/>
-              </a:rPr>
-              <a:t>Samsung</a:t>
-            </a:r>
-            <a:endParaRPr sz="2400" b="1" dirty="0">
-              <a:solidFill>
-                <a:srgbClr val="3D8EFF"/>
-              </a:solidFill>
-              <a:latin typeface="Proxima Nova"/>
-              <a:ea typeface="Proxima Nova"/>
-              <a:cs typeface="Proxima Nova"/>
-              <a:sym typeface="Proxima Nova"/>
-            </a:endParaRPr>
-          </a:p>
-          <a:p>
-            <a:pPr marL="0" lvl="0" indent="0" algn="l" rtl="0">
-              <a:spcBef>
-                <a:spcPts val="0"/>
-              </a:spcBef>
-              <a:spcAft>
-                <a:spcPts val="0"/>
-              </a:spcAft>
-              <a:buNone/>
-            </a:pPr>
-            <a:r>
-              <a:rPr lang="es-CL" sz="1800" dirty="0">
-                <a:solidFill>
-                  <a:srgbClr val="222222"/>
-                </a:solidFill>
-                <a:latin typeface="Proxima Nova"/>
-                <a:ea typeface="Proxima Nova"/>
-                <a:cs typeface="Proxima Nova"/>
-                <a:sym typeface="Proxima Nova"/>
-              </a:rPr>
-              <a:t>Es la </a:t>
-            </a:r>
-            <a:r>
-              <a:rPr lang="es-CL" sz="1800" b="1" dirty="0">
-                <a:solidFill>
-                  <a:srgbClr val="222222"/>
-                </a:solidFill>
-                <a:latin typeface="Proxima Nova"/>
-                <a:ea typeface="Proxima Nova"/>
-                <a:cs typeface="Proxima Nova"/>
-                <a:sym typeface="Proxima Nova"/>
-              </a:rPr>
-              <a:t>marca principal de celular </a:t>
-            </a:r>
-            <a:r>
-              <a:rPr lang="es-CL" sz="1800" dirty="0">
-                <a:solidFill>
-                  <a:srgbClr val="222222"/>
-                </a:solidFill>
-                <a:latin typeface="Proxima Nova"/>
-                <a:ea typeface="Proxima Nova"/>
-                <a:cs typeface="Proxima Nova"/>
-                <a:sym typeface="Proxima Nova"/>
-              </a:rPr>
-              <a:t>con la que los usuarios entraron a la campaña.</a:t>
-            </a:r>
-            <a:endParaRPr sz="1800" b="1" dirty="0">
-              <a:solidFill>
-                <a:srgbClr val="222222"/>
-              </a:solidFill>
-              <a:latin typeface="Proxima Nova"/>
-              <a:ea typeface="Proxima Nova"/>
-              <a:cs typeface="Proxima Nova"/>
-              <a:sym typeface="Proxima Nova"/>
-            </a:endParaRPr>
-          </a:p>
-        </p:txBody>
-      </p:sp>
-      <p:sp>
-        <p:nvSpPr>
-          <p:cNvPr id="606" name="Google Shape;606;p78"/>
-          <p:cNvSpPr txBox="1"/>
-          <p:nvPr/>
-        </p:nvSpPr>
-        <p:spPr>
-          <a:xfrm>
-            <a:off x="6334693" y="3030073"/>
-            <a:ext cx="2217000" cy="1303500"/>
-          </a:xfrm>
-          <a:prstGeom prst="rect">
-            <a:avLst/>
-          </a:prstGeom>
-          <a:noFill/>
-          <a:ln>
-            <a:noFill/>
-          </a:ln>
-        </p:spPr>
-        <p:txBody>
-          <a:bodyPr spcFirstLastPara="1" wrap="square" lIns="91425" tIns="91425" rIns="91425" bIns="91425" anchor="t" anchorCtr="0">
-            <a:noAutofit/>
-          </a:bodyPr>
-          <a:lstStyle/>
-          <a:p>
-            <a:pPr marL="0" lvl="0" indent="0" algn="l" rtl="0">
-              <a:spcBef>
-                <a:spcPts val="0"/>
-              </a:spcBef>
-              <a:spcAft>
-                <a:spcPts val="0"/>
-              </a:spcAft>
-              <a:buNone/>
-            </a:pPr>
-            <a:r>
-              <a:rPr lang="en" sz="3000" b="1" dirty="0" smtClean="0">
-                <a:solidFill>
-                  <a:srgbClr val="3D8EFF"/>
-                </a:solidFill>
-                <a:latin typeface="Proxima Nova"/>
-                <a:ea typeface="Proxima Nova"/>
-                <a:cs typeface="Proxima Nova"/>
-                <a:sym typeface="Proxima Nova"/>
-              </a:rPr>
-              <a:t>X%</a:t>
-            </a:r>
-            <a:endParaRPr lang="en" sz="3000" b="1" dirty="0">
-              <a:solidFill>
-                <a:srgbClr val="3D8EFF"/>
-              </a:solidFill>
-              <a:latin typeface="Proxima Nova"/>
-              <a:ea typeface="Proxima Nova"/>
-              <a:cs typeface="Proxima Nova"/>
-              <a:sym typeface="Proxima Nova"/>
-            </a:endParaRPr>
-          </a:p>
-          <a:p>
-            <a:pPr marL="0" lvl="0" indent="0" algn="l" rtl="0">
-              <a:spcBef>
-                <a:spcPts val="0"/>
-              </a:spcBef>
-              <a:spcAft>
-                <a:spcPts val="0"/>
-              </a:spcAft>
-              <a:buNone/>
-            </a:pPr>
-            <a:r>
-              <a:rPr lang="es-CL" sz="1800" dirty="0">
-                <a:solidFill>
-                  <a:srgbClr val="222222"/>
-                </a:solidFill>
-                <a:latin typeface="Proxima Nova"/>
-                <a:ea typeface="Proxima Nova"/>
-                <a:cs typeface="Proxima Nova"/>
-                <a:sym typeface="Proxima Nova"/>
-              </a:rPr>
-              <a:t>fueron visitantes </a:t>
-            </a:r>
-            <a:r>
-              <a:rPr lang="es-CL" sz="1800" b="1" dirty="0">
-                <a:solidFill>
-                  <a:srgbClr val="222222"/>
-                </a:solidFill>
-                <a:latin typeface="Proxima Nova"/>
-                <a:ea typeface="Proxima Nova"/>
-                <a:cs typeface="Proxima Nova"/>
-                <a:sym typeface="Proxima Nova"/>
-              </a:rPr>
-              <a:t>nuevos</a:t>
-            </a:r>
-            <a:r>
-              <a:rPr lang="es-CL" sz="1800" dirty="0">
-                <a:solidFill>
-                  <a:srgbClr val="222222"/>
-                </a:solidFill>
-                <a:latin typeface="Proxima Nova"/>
-                <a:ea typeface="Proxima Nova"/>
-                <a:cs typeface="Proxima Nova"/>
-                <a:sym typeface="Proxima Nova"/>
-              </a:rPr>
-              <a:t>. </a:t>
-            </a:r>
-            <a:r>
-              <a:rPr lang="es-CL" dirty="0">
-                <a:solidFill>
-                  <a:srgbClr val="222222"/>
-                </a:solidFill>
-                <a:latin typeface="Proxima Nova"/>
-                <a:ea typeface="Proxima Nova"/>
-                <a:cs typeface="Proxima Nova"/>
-                <a:sym typeface="Proxima Nova"/>
-              </a:rPr>
-              <a:t>En el sitio, </a:t>
-            </a:r>
-            <a:r>
-              <a:rPr lang="es-CL" b="1" dirty="0">
-                <a:solidFill>
-                  <a:srgbClr val="222222"/>
-                </a:solidFill>
-                <a:latin typeface="Proxima Nova"/>
-                <a:ea typeface="Proxima Nova"/>
-                <a:cs typeface="Proxima Nova"/>
-                <a:sym typeface="Proxima Nova"/>
-              </a:rPr>
-              <a:t>solamente </a:t>
-            </a:r>
-            <a:r>
-              <a:rPr lang="es-CL" b="1" dirty="0" smtClean="0">
-                <a:solidFill>
-                  <a:srgbClr val="222222"/>
-                </a:solidFill>
-                <a:latin typeface="Proxima Nova"/>
-                <a:ea typeface="Proxima Nova"/>
-                <a:cs typeface="Proxima Nova"/>
-                <a:sym typeface="Proxima Nova"/>
-              </a:rPr>
-              <a:t>X% </a:t>
-            </a:r>
-            <a:r>
-              <a:rPr lang="es-CL" dirty="0">
-                <a:solidFill>
-                  <a:srgbClr val="222222"/>
-                </a:solidFill>
-                <a:latin typeface="Proxima Nova"/>
-                <a:ea typeface="Proxima Nova"/>
-                <a:cs typeface="Proxima Nova"/>
-                <a:sym typeface="Proxima Nova"/>
-              </a:rPr>
-              <a:t>de los visitantes fueron nuevos.</a:t>
-            </a:r>
-            <a:endParaRPr sz="1800" b="1" dirty="0">
-              <a:solidFill>
-                <a:srgbClr val="222222"/>
-              </a:solidFill>
-              <a:latin typeface="Proxima Nova"/>
-              <a:ea typeface="Proxima Nova"/>
-              <a:cs typeface="Proxima Nova"/>
-              <a:sym typeface="Proxima Nova"/>
-            </a:endParaRPr>
-          </a:p>
-        </p:txBody>
-      </p:sp>
-      <p:sp>
-        <p:nvSpPr>
-          <p:cNvPr id="9" name="Google Shape;298;p47">
-            <a:extLst>
-              <a:ext uri="{FF2B5EF4-FFF2-40B4-BE49-F238E27FC236}">
-                <a16:creationId xmlns:a16="http://schemas.microsoft.com/office/drawing/2014/main" id="{D2332C4B-71BB-441D-A28B-FFA3D43E22AC}"/>
-              </a:ext>
-            </a:extLst>
-          </p:cNvPr>
-          <p:cNvSpPr txBox="1"/>
-          <p:nvPr/>
-        </p:nvSpPr>
-        <p:spPr>
-          <a:xfrm>
-            <a:off x="120374" y="97525"/>
-            <a:ext cx="2614875" cy="384000"/>
-          </a:xfrm>
-          <a:prstGeom prst="rect">
-            <a:avLst/>
-          </a:prstGeom>
-          <a:noFill/>
-          <a:ln>
-            <a:noFill/>
-          </a:ln>
-        </p:spPr>
-        <p:txBody>
-          <a:bodyPr spcFirstLastPara="1" wrap="square" lIns="91425" tIns="91425" rIns="91425" bIns="91425" anchor="t" anchorCtr="0">
-            <a:noAutofit/>
-          </a:bodyPr>
-          <a:lstStyle/>
-          <a:p>
-            <a:pPr marL="0" lvl="0" indent="0" algn="l" rtl="0">
-              <a:spcBef>
-                <a:spcPts val="0"/>
-              </a:spcBef>
-              <a:spcAft>
-                <a:spcPts val="0"/>
-              </a:spcAft>
-              <a:buNone/>
-            </a:pPr>
-            <a:r>
-              <a:rPr lang="es-CL" dirty="0">
-                <a:solidFill>
-                  <a:srgbClr val="AAAAAA"/>
-                </a:solidFill>
-                <a:latin typeface="Proxima Nova"/>
-                <a:ea typeface="Proxima Nova"/>
-                <a:cs typeface="Proxima Nova"/>
-                <a:sym typeface="Proxima Nova"/>
-              </a:rPr>
-              <a:t>Audiencia - Comportamiento</a:t>
-            </a:r>
-            <a:endParaRPr dirty="0">
-              <a:solidFill>
-                <a:srgbClr val="AAAAAA"/>
-              </a:solidFill>
-              <a:latin typeface="Proxima Nova"/>
-              <a:ea typeface="Proxima Nova"/>
-              <a:cs typeface="Proxima Nova"/>
-              <a:sym typeface="Proxima Nova"/>
-            </a:endParaRPr>
-          </a:p>
-        </p:txBody>
-      </p:sp>
-      <p:sp>
-        <p:nvSpPr>
-          <p:cNvPr id="13" name="Google Shape;298;p47">
-            <a:extLst>
-              <a:ext uri="{FF2B5EF4-FFF2-40B4-BE49-F238E27FC236}">
-                <a16:creationId xmlns:a16="http://schemas.microsoft.com/office/drawing/2014/main" id="{473F0383-D28B-43FA-AB46-58298FF929BE}"/>
-              </a:ext>
-            </a:extLst>
-          </p:cNvPr>
-          <p:cNvSpPr txBox="1"/>
-          <p:nvPr/>
-        </p:nvSpPr>
-        <p:spPr>
-          <a:xfrm>
-            <a:off x="630845" y="630054"/>
-            <a:ext cx="1658625" cy="384000"/>
-          </a:xfrm>
-          <a:prstGeom prst="rect">
-            <a:avLst/>
-          </a:prstGeom>
-          <a:noFill/>
-          <a:ln>
-            <a:noFill/>
-          </a:ln>
-        </p:spPr>
-        <p:txBody>
-          <a:bodyPr spcFirstLastPara="1" wrap="square" lIns="91425" tIns="91425" rIns="91425" bIns="91425" anchor="t" anchorCtr="0">
-            <a:noAutofit/>
-          </a:bodyPr>
-          <a:lstStyle/>
-          <a:p>
-            <a:pPr marL="0" lvl="0" indent="0" algn="l" rtl="0">
-              <a:spcBef>
-                <a:spcPts val="0"/>
-              </a:spcBef>
-              <a:spcAft>
-                <a:spcPts val="0"/>
-              </a:spcAft>
-              <a:buNone/>
-            </a:pPr>
-            <a:r>
-              <a:rPr lang="es-CL" sz="1200" b="1" dirty="0" smtClean="0">
-                <a:solidFill>
-                  <a:schemeClr val="tx1">
-                    <a:lumMod val="85000"/>
-                    <a:lumOff val="15000"/>
-                  </a:schemeClr>
-                </a:solidFill>
-                <a:latin typeface="Proxima Nova"/>
-                <a:ea typeface="Proxima Nova"/>
-                <a:cs typeface="Proxima Nova"/>
-                <a:sym typeface="Proxima Nova"/>
-              </a:rPr>
-              <a:t>Día de la semana</a:t>
-            </a:r>
-            <a:endParaRPr sz="1200" b="1" dirty="0">
-              <a:solidFill>
-                <a:schemeClr val="tx1">
-                  <a:lumMod val="85000"/>
-                  <a:lumOff val="15000"/>
-                </a:schemeClr>
-              </a:solidFill>
-              <a:latin typeface="Proxima Nova"/>
-              <a:ea typeface="Proxima Nova"/>
-              <a:cs typeface="Proxima Nova"/>
-              <a:sym typeface="Proxima Nova"/>
-            </a:endParaRPr>
-          </a:p>
-        </p:txBody>
-      </p:sp>
-      <p:sp>
-        <p:nvSpPr>
-          <p:cNvPr id="15" name="Google Shape;298;p47">
-            <a:extLst>
-              <a:ext uri="{FF2B5EF4-FFF2-40B4-BE49-F238E27FC236}">
-                <a16:creationId xmlns:a16="http://schemas.microsoft.com/office/drawing/2014/main" id="{0D6E66A5-5F5D-417E-86DD-E6B321F50829}"/>
-              </a:ext>
-            </a:extLst>
-          </p:cNvPr>
-          <p:cNvSpPr txBox="1"/>
-          <p:nvPr/>
-        </p:nvSpPr>
-        <p:spPr>
-          <a:xfrm>
-            <a:off x="3377564" y="642214"/>
-            <a:ext cx="1777608" cy="384000"/>
-          </a:xfrm>
-          <a:prstGeom prst="rect">
-            <a:avLst/>
-          </a:prstGeom>
-          <a:noFill/>
-          <a:ln>
-            <a:noFill/>
-          </a:ln>
-        </p:spPr>
-        <p:txBody>
-          <a:bodyPr spcFirstLastPara="1" wrap="square" lIns="91425" tIns="91425" rIns="91425" bIns="91425" anchor="t" anchorCtr="0">
-            <a:noAutofit/>
-          </a:bodyPr>
-          <a:lstStyle/>
-          <a:p>
-            <a:pPr marL="0" lvl="0" indent="0" algn="l" rtl="0">
-              <a:spcBef>
-                <a:spcPts val="0"/>
-              </a:spcBef>
-              <a:spcAft>
-                <a:spcPts val="0"/>
-              </a:spcAft>
-              <a:buNone/>
-            </a:pPr>
-            <a:r>
-              <a:rPr lang="es-CL" sz="1200" b="1" dirty="0">
-                <a:solidFill>
-                  <a:schemeClr val="tx1">
-                    <a:lumMod val="85000"/>
-                    <a:lumOff val="15000"/>
-                  </a:schemeClr>
-                </a:solidFill>
-                <a:latin typeface="Proxima Nova"/>
-                <a:ea typeface="Proxima Nova"/>
-                <a:cs typeface="Proxima Nova"/>
-                <a:sym typeface="Proxima Nova"/>
-              </a:rPr>
-              <a:t>Marca de dispositivo</a:t>
-            </a:r>
-            <a:endParaRPr sz="1200" b="1" dirty="0">
-              <a:solidFill>
-                <a:schemeClr val="tx1">
-                  <a:lumMod val="85000"/>
-                  <a:lumOff val="15000"/>
-                </a:schemeClr>
-              </a:solidFill>
-              <a:latin typeface="Proxima Nova"/>
-              <a:ea typeface="Proxima Nova"/>
-              <a:cs typeface="Proxima Nova"/>
-              <a:sym typeface="Proxima Nova"/>
-            </a:endParaRPr>
-          </a:p>
-        </p:txBody>
-      </p:sp>
-      <p:sp>
-        <p:nvSpPr>
-          <p:cNvPr id="20" name="Google Shape;298;p47">
-            <a:extLst>
-              <a:ext uri="{FF2B5EF4-FFF2-40B4-BE49-F238E27FC236}">
-                <a16:creationId xmlns:a16="http://schemas.microsoft.com/office/drawing/2014/main" id="{1D5096BC-A329-4554-AD67-7F808223AB40}"/>
-              </a:ext>
-            </a:extLst>
-          </p:cNvPr>
-          <p:cNvSpPr txBox="1"/>
-          <p:nvPr/>
-        </p:nvSpPr>
-        <p:spPr>
-          <a:xfrm>
-            <a:off x="6334693" y="630054"/>
-            <a:ext cx="1443265" cy="384000"/>
-          </a:xfrm>
-          <a:prstGeom prst="rect">
-            <a:avLst/>
-          </a:prstGeom>
-          <a:noFill/>
-          <a:ln>
-            <a:noFill/>
-          </a:ln>
-        </p:spPr>
-        <p:txBody>
-          <a:bodyPr spcFirstLastPara="1" wrap="square" lIns="91425" tIns="91425" rIns="91425" bIns="91425" anchor="t" anchorCtr="0">
-            <a:noAutofit/>
-          </a:bodyPr>
-          <a:lstStyle/>
-          <a:p>
-            <a:pPr marL="0" lvl="0" indent="0" algn="l" rtl="0">
-              <a:spcBef>
-                <a:spcPts val="0"/>
-              </a:spcBef>
-              <a:spcAft>
-                <a:spcPts val="0"/>
-              </a:spcAft>
-              <a:buNone/>
-            </a:pPr>
-            <a:r>
-              <a:rPr lang="es-CL" sz="1200" b="1" dirty="0">
-                <a:solidFill>
-                  <a:schemeClr val="tx1">
-                    <a:lumMod val="85000"/>
-                    <a:lumOff val="15000"/>
-                  </a:schemeClr>
-                </a:solidFill>
-                <a:latin typeface="Proxima Nova"/>
-                <a:ea typeface="Proxima Nova"/>
-                <a:cs typeface="Proxima Nova"/>
-                <a:sym typeface="Proxima Nova"/>
-              </a:rPr>
-              <a:t>Tipo de usuario</a:t>
-            </a:r>
-            <a:endParaRPr sz="1200" b="1" dirty="0">
-              <a:solidFill>
-                <a:schemeClr val="tx1">
-                  <a:lumMod val="85000"/>
-                  <a:lumOff val="15000"/>
-                </a:schemeClr>
-              </a:solidFill>
-              <a:latin typeface="Proxima Nova"/>
-              <a:ea typeface="Proxima Nova"/>
-              <a:cs typeface="Proxima Nova"/>
-              <a:sym typeface="Proxima Nova"/>
-            </a:endParaRPr>
-          </a:p>
-        </p:txBody>
-      </p:sp>
-      <p:pic>
-        <p:nvPicPr>
-          <p:cNvPr id="3" name="Imagen 2"/>
-          <p:cNvPicPr>
-            <a:picLocks noChangeAspect="1"/>
-          </p:cNvPicPr>
-          <p:nvPr/>
-        </p:nvPicPr>
-        <p:blipFill>
-          <a:blip r:embed="rId3"/>
-          <a:stretch>
-            <a:fillRect/>
-          </a:stretch>
-        </p:blipFill>
-        <p:spPr>
-          <a:xfrm>
-            <a:off x="6096402" y="1026214"/>
-            <a:ext cx="2831842" cy="2003859"/>
-          </a:xfrm>
-          <a:prstGeom prst="rect">
-            <a:avLst/>
-          </a:prstGeom>
-        </p:spPr>
-      </p:pic>
-      <p:pic>
-        <p:nvPicPr>
-          <p:cNvPr id="4" name="Imagen 3"/>
-          <p:cNvPicPr>
-            <a:picLocks noChangeAspect="1"/>
-          </p:cNvPicPr>
-          <p:nvPr/>
-        </p:nvPicPr>
-        <p:blipFill>
-          <a:blip r:embed="rId4"/>
-          <a:stretch>
-            <a:fillRect/>
-          </a:stretch>
-        </p:blipFill>
-        <p:spPr>
-          <a:xfrm>
-            <a:off x="3042607" y="1212744"/>
-            <a:ext cx="2677401" cy="1848507"/>
-          </a:xfrm>
-          <a:prstGeom prst="rect">
-            <a:avLst/>
-          </a:prstGeom>
-        </p:spPr>
-      </p:pic>
-      <p:pic>
-        <p:nvPicPr>
-          <p:cNvPr id="5" name="Imagen 4"/>
-          <p:cNvPicPr>
-            <a:picLocks noChangeAspect="1"/>
-          </p:cNvPicPr>
-          <p:nvPr/>
-        </p:nvPicPr>
-        <p:blipFill>
-          <a:blip r:embed="rId5"/>
-          <a:stretch>
-            <a:fillRect/>
-          </a:stretch>
-        </p:blipFill>
-        <p:spPr>
-          <a:xfrm>
-            <a:off x="133016" y="1150684"/>
-            <a:ext cx="2612241" cy="1967156"/>
-          </a:xfrm>
-          <a:prstGeom prst="rect">
-            <a:avLst/>
-          </a:prstGeom>
-        </p:spPr>
-      </p:pic>
-    </p:spTree>
-    <p:extLst>
-      <p:ext uri="{BB962C8B-B14F-4D97-AF65-F5344CB8AC3E}">
-        <p14:creationId xmlns:p14="http://schemas.microsoft.com/office/powerpoint/2010/main" val="3995761676"/>
-      </p:ext>
-    </p:extLst>
-  </p:cSld>
-  <p:clrMapOvr>
-    <a:masterClrMapping/>
-  </p:clrMapOvr>
-  <p:timing>
-    <p:tnLst>
-      <p:par>
-        <p:cTn id="1" dur="indefinite" restart="never" nodeType="tmRoot"/>
-      </p:par>
-    </p:tnLst>
-  </p:timing>
-</p:sld>
-</file>
-
-<file path=ppt/slides/slide2.xml><?xml version="1.0" encoding="utf-8"?>
-<p:sld xmlns:a="http://schemas.openxmlformats.org/drawingml/2006/main" xmlns:r="http://schemas.openxmlformats.org/officeDocument/2006/relationships" xmlns:p="http://schemas.openxmlformats.org/presentationml/2006/main">
-  <p:cSld>
-    <p:spTree>
-      <p:nvGrpSpPr>
-        <p:cNvPr id="1" name="Shape 257"/>
-        <p:cNvGrpSpPr/>
-        <p:nvPr/>
-      </p:nvGrpSpPr>
-      <p:grpSpPr>
-        <a:xfrm>
-          <a:off x="0" y="0"/>
-          <a:ext cx="0" cy="0"/>
-          <a:chOff x="0" y="0"/>
-          <a:chExt cx="0" cy="0"/>
-        </a:xfrm>
-      </p:grpSpPr>
-      <p:sp>
-        <p:nvSpPr>
-          <p:cNvPr id="258" name="Google Shape;258;p44"/>
-          <p:cNvSpPr/>
-          <p:nvPr/>
-        </p:nvSpPr>
-        <p:spPr>
-          <a:xfrm>
-            <a:off x="5644055" y="0"/>
-            <a:ext cx="3499844" cy="5143500"/>
-          </a:xfrm>
-          <a:prstGeom prst="rect">
-            <a:avLst/>
-          </a:prstGeom>
-          <a:solidFill>
-            <a:srgbClr val="3D8EFF"/>
-          </a:solidFill>
-          <a:ln>
-            <a:noFill/>
-          </a:ln>
-        </p:spPr>
-        <p:txBody>
-          <a:bodyPr spcFirstLastPara="1" wrap="square" lIns="91425" tIns="91425" rIns="91425" bIns="91425" anchor="ctr" anchorCtr="0">
-            <a:noAutofit/>
-          </a:bodyPr>
-          <a:lstStyle/>
-          <a:p>
-            <a:pPr marL="0" lvl="0" indent="0" algn="l" rtl="0">
-              <a:spcBef>
-                <a:spcPts val="0"/>
-              </a:spcBef>
-              <a:spcAft>
-                <a:spcPts val="0"/>
-              </a:spcAft>
-              <a:buNone/>
-            </a:pPr>
-            <a:endParaRPr/>
-          </a:p>
-        </p:txBody>
-      </p:sp>
-      <p:pic>
-        <p:nvPicPr>
-          <p:cNvPr id="265" name="Google Shape;265;p44"/>
-          <p:cNvPicPr preferRelativeResize="0"/>
-          <p:nvPr/>
-        </p:nvPicPr>
-        <p:blipFill>
-          <a:blip r:embed="rId3">
-            <a:alphaModFix/>
-          </a:blip>
-          <a:stretch>
-            <a:fillRect/>
-          </a:stretch>
-        </p:blipFill>
-        <p:spPr>
-          <a:xfrm>
-            <a:off x="8622600" y="4713448"/>
-            <a:ext cx="415100" cy="288100"/>
-          </a:xfrm>
-          <a:prstGeom prst="rect">
-            <a:avLst/>
-          </a:prstGeom>
-          <a:noFill/>
-          <a:ln>
-            <a:noFill/>
-          </a:ln>
-        </p:spPr>
-      </p:pic>
-      <p:sp>
-        <p:nvSpPr>
-          <p:cNvPr id="271" name="Google Shape;271;p44"/>
-          <p:cNvSpPr txBox="1"/>
-          <p:nvPr/>
-        </p:nvSpPr>
-        <p:spPr>
-          <a:xfrm>
-            <a:off x="5788918" y="3706751"/>
-            <a:ext cx="3355082" cy="450000"/>
-          </a:xfrm>
-          <a:prstGeom prst="rect">
-            <a:avLst/>
-          </a:prstGeom>
-          <a:noFill/>
-          <a:ln>
-            <a:noFill/>
-          </a:ln>
-        </p:spPr>
-        <p:txBody>
-          <a:bodyPr spcFirstLastPara="1" wrap="square" lIns="91425" tIns="91425" rIns="91425" bIns="91425" anchor="ctr" anchorCtr="0">
-            <a:noAutofit/>
-          </a:bodyPr>
-          <a:lstStyle/>
-          <a:p>
-            <a:pPr marL="0" lvl="0" indent="0" rtl="0">
-              <a:spcBef>
-                <a:spcPts val="0"/>
-              </a:spcBef>
-              <a:spcAft>
-                <a:spcPts val="0"/>
-              </a:spcAft>
-              <a:buNone/>
-            </a:pPr>
-            <a:r>
-              <a:rPr lang="es-419" sz="4000" b="1" dirty="0" err="1" smtClean="0">
-                <a:solidFill>
-                  <a:schemeClr val="bg1"/>
-                </a:solidFill>
-                <a:latin typeface="Proxima Nova"/>
-                <a:sym typeface="Proxima Nova"/>
-              </a:rPr>
-              <a:t>Monthly</a:t>
-            </a:r>
-            <a:r>
-              <a:rPr lang="es-419" sz="4000" b="1" dirty="0" smtClean="0">
-                <a:solidFill>
-                  <a:schemeClr val="bg1"/>
-                </a:solidFill>
-                <a:latin typeface="Proxima Nova"/>
-                <a:sym typeface="Proxima Nova"/>
-              </a:rPr>
-              <a:t> performance</a:t>
-            </a:r>
-            <a:endParaRPr sz="4000" dirty="0">
-              <a:solidFill>
-                <a:schemeClr val="bg1"/>
-              </a:solidFill>
-            </a:endParaRPr>
-          </a:p>
-        </p:txBody>
-      </p:sp>
-      <p:pic>
-        <p:nvPicPr>
-          <p:cNvPr id="3" name="Imagen 2">
-            <a:extLst>
-              <a:ext uri="{FF2B5EF4-FFF2-40B4-BE49-F238E27FC236}">
-                <a16:creationId xmlns:a16="http://schemas.microsoft.com/office/drawing/2014/main" id="{98AEF7DB-C09F-4CDF-A790-87FD5B9F33B5}"/>
-              </a:ext>
-            </a:extLst>
-          </p:cNvPr>
-          <p:cNvPicPr>
-            <a:picLocks noChangeAspect="1"/>
-          </p:cNvPicPr>
-          <p:nvPr/>
-        </p:nvPicPr>
-        <p:blipFill rotWithShape="1">
-          <a:blip r:embed="rId4"/>
-          <a:srcRect t="1351" b="1351"/>
-          <a:stretch/>
-        </p:blipFill>
-        <p:spPr>
-          <a:xfrm>
-            <a:off x="6706377" y="1344803"/>
-            <a:ext cx="1375200" cy="1375200"/>
-          </a:xfrm>
-          <a:prstGeom prst="ellipse">
-            <a:avLst/>
-          </a:prstGeom>
-        </p:spPr>
-      </p:pic>
-      <p:sp>
-        <p:nvSpPr>
-          <p:cNvPr id="23" name="Google Shape;271;p44">
-            <a:extLst>
-              <a:ext uri="{FF2B5EF4-FFF2-40B4-BE49-F238E27FC236}">
-                <a16:creationId xmlns:a16="http://schemas.microsoft.com/office/drawing/2014/main" id="{82BB06D3-5EF7-41E3-8582-5972C21A3BC7}"/>
-              </a:ext>
-            </a:extLst>
-          </p:cNvPr>
-          <p:cNvSpPr txBox="1"/>
-          <p:nvPr/>
-        </p:nvSpPr>
-        <p:spPr>
-          <a:xfrm>
-            <a:off x="3074408" y="2770103"/>
-            <a:ext cx="2973339" cy="450000"/>
-          </a:xfrm>
-          <a:prstGeom prst="rect">
-            <a:avLst/>
-          </a:prstGeom>
-          <a:noFill/>
-          <a:ln>
-            <a:noFill/>
-          </a:ln>
-        </p:spPr>
-        <p:txBody>
-          <a:bodyPr spcFirstLastPara="1" wrap="square" lIns="91425" tIns="91425" rIns="91425" bIns="91425" anchor="ctr" anchorCtr="0">
-            <a:noAutofit/>
-          </a:bodyPr>
-          <a:lstStyle/>
-          <a:p>
-            <a:pPr marL="0" lvl="0" indent="0" algn="ctr" rtl="0">
-              <a:spcBef>
-                <a:spcPts val="0"/>
-              </a:spcBef>
-              <a:spcAft>
-                <a:spcPts val="0"/>
-              </a:spcAft>
-              <a:buNone/>
-            </a:pPr>
-            <a:r>
-              <a:rPr lang="es-CL" sz="4000" b="1" dirty="0">
-                <a:solidFill>
-                  <a:schemeClr val="bg1"/>
-                </a:solidFill>
-                <a:latin typeface="Proxima Nova"/>
-                <a:ea typeface="Proxima Nova"/>
-                <a:cs typeface="Proxima Nova"/>
-                <a:sym typeface="Proxima Nova"/>
-              </a:rPr>
-              <a:t>125</a:t>
-            </a:r>
-            <a:endParaRPr sz="4000" dirty="0">
-              <a:solidFill>
-                <a:schemeClr val="bg1"/>
-              </a:solidFill>
-            </a:endParaRPr>
-          </a:p>
-        </p:txBody>
-      </p:sp>
-    </p:spTree>
-    <p:extLst>
-      <p:ext uri="{BB962C8B-B14F-4D97-AF65-F5344CB8AC3E}">
-        <p14:creationId xmlns:p14="http://schemas.microsoft.com/office/powerpoint/2010/main" val="4038626358"/>
-      </p:ext>
-    </p:extLst>
-  </p:cSld>
-  <p:clrMapOvr>
-    <a:masterClrMapping/>
-  </p:clrMapOvr>
-  <p:timing>
-    <p:tnLst>
-      <p:par>
-        <p:cTn id="1" dur="indefinite" restart="never" nodeType="tmRoot"/>
-      </p:par>
-    </p:tnLst>
-  </p:timing>
-</p:sld>
-</file>
-
-<file path=ppt/slides/slide3.xml><?xml version="1.0" encoding="utf-8"?>
-<p:sld xmlns:a="http://schemas.openxmlformats.org/drawingml/2006/main" xmlns:r="http://schemas.openxmlformats.org/officeDocument/2006/relationships" xmlns:p="http://schemas.openxmlformats.org/presentationml/2006/main">
-  <p:cSld>
-    <p:spTree>
-      <p:nvGrpSpPr>
-        <p:cNvPr id="1" name="Shape 257"/>
-        <p:cNvGrpSpPr/>
-        <p:nvPr/>
-      </p:nvGrpSpPr>
-      <p:grpSpPr>
-        <a:xfrm>
-          <a:off x="0" y="0"/>
-          <a:ext cx="0" cy="0"/>
-          <a:chOff x="0" y="0"/>
-          <a:chExt cx="0" cy="0"/>
-        </a:xfrm>
-      </p:grpSpPr>
-      <p:sp>
-        <p:nvSpPr>
-          <p:cNvPr id="258" name="Google Shape;258;p44"/>
-          <p:cNvSpPr/>
-          <p:nvPr/>
-        </p:nvSpPr>
-        <p:spPr>
-          <a:xfrm>
-            <a:off x="5644055" y="0"/>
-            <a:ext cx="3499844" cy="5143500"/>
-          </a:xfrm>
-          <a:prstGeom prst="rect">
-            <a:avLst/>
-          </a:prstGeom>
-          <a:solidFill>
-            <a:srgbClr val="3D8EFF"/>
-          </a:solidFill>
-          <a:ln>
-            <a:noFill/>
-          </a:ln>
-        </p:spPr>
-        <p:txBody>
-          <a:bodyPr spcFirstLastPara="1" wrap="square" lIns="91425" tIns="91425" rIns="91425" bIns="91425" anchor="ctr" anchorCtr="0">
-            <a:noAutofit/>
-          </a:bodyPr>
-          <a:lstStyle/>
-          <a:p>
-            <a:pPr marL="0" lvl="0" indent="0" algn="l" rtl="0">
-              <a:spcBef>
-                <a:spcPts val="0"/>
-              </a:spcBef>
-              <a:spcAft>
-                <a:spcPts val="0"/>
-              </a:spcAft>
-              <a:buNone/>
-            </a:pPr>
-            <a:endParaRPr/>
-          </a:p>
-        </p:txBody>
-      </p:sp>
-      <p:pic>
-        <p:nvPicPr>
-          <p:cNvPr id="265" name="Google Shape;265;p44"/>
-          <p:cNvPicPr preferRelativeResize="0"/>
-          <p:nvPr/>
-        </p:nvPicPr>
-        <p:blipFill>
-          <a:blip r:embed="rId3">
-            <a:alphaModFix/>
-          </a:blip>
-          <a:stretch>
-            <a:fillRect/>
-          </a:stretch>
-        </p:blipFill>
-        <p:spPr>
-          <a:xfrm>
-            <a:off x="8622600" y="4713448"/>
-            <a:ext cx="415100" cy="288100"/>
-          </a:xfrm>
-          <a:prstGeom prst="rect">
-            <a:avLst/>
-          </a:prstGeom>
-          <a:noFill/>
-          <a:ln>
-            <a:noFill/>
-          </a:ln>
-        </p:spPr>
-      </p:pic>
-      <p:sp>
-        <p:nvSpPr>
-          <p:cNvPr id="271" name="Google Shape;271;p44"/>
-          <p:cNvSpPr txBox="1"/>
-          <p:nvPr/>
-        </p:nvSpPr>
-        <p:spPr>
-          <a:xfrm>
-            <a:off x="5788918" y="3706751"/>
-            <a:ext cx="3355082" cy="450000"/>
-          </a:xfrm>
-          <a:prstGeom prst="rect">
-            <a:avLst/>
-          </a:prstGeom>
-          <a:noFill/>
-          <a:ln>
-            <a:noFill/>
-          </a:ln>
-        </p:spPr>
-        <p:txBody>
-          <a:bodyPr spcFirstLastPara="1" wrap="square" lIns="91425" tIns="91425" rIns="91425" bIns="91425" anchor="ctr" anchorCtr="0">
-            <a:noAutofit/>
-          </a:bodyPr>
-          <a:lstStyle/>
-          <a:p>
-            <a:pPr marL="0" lvl="0" indent="0" rtl="0">
-              <a:spcBef>
-                <a:spcPts val="0"/>
-              </a:spcBef>
-              <a:spcAft>
-                <a:spcPts val="0"/>
-              </a:spcAft>
-              <a:buNone/>
-            </a:pPr>
-            <a:r>
-              <a:rPr lang="es-419" sz="4000" b="1" dirty="0" err="1" smtClean="0">
-                <a:solidFill>
-                  <a:schemeClr val="bg1"/>
-                </a:solidFill>
-                <a:latin typeface="Proxima Nova"/>
-                <a:sym typeface="Proxima Nova"/>
-              </a:rPr>
-              <a:t>Daily</a:t>
-            </a:r>
-            <a:r>
-              <a:rPr lang="es-419" sz="4000" b="1" dirty="0" smtClean="0">
-                <a:solidFill>
-                  <a:schemeClr val="bg1"/>
-                </a:solidFill>
-                <a:latin typeface="Proxima Nova"/>
-                <a:sym typeface="Proxima Nova"/>
-              </a:rPr>
-              <a:t> performance</a:t>
-            </a:r>
-            <a:endParaRPr sz="4000" dirty="0">
-              <a:solidFill>
-                <a:schemeClr val="bg1"/>
-              </a:solidFill>
-            </a:endParaRPr>
-          </a:p>
-        </p:txBody>
-      </p:sp>
-      <p:pic>
-        <p:nvPicPr>
-          <p:cNvPr id="3" name="Imagen 2">
-            <a:extLst>
-              <a:ext uri="{FF2B5EF4-FFF2-40B4-BE49-F238E27FC236}">
-                <a16:creationId xmlns:a16="http://schemas.microsoft.com/office/drawing/2014/main" id="{98AEF7DB-C09F-4CDF-A790-87FD5B9F33B5}"/>
-              </a:ext>
-            </a:extLst>
-          </p:cNvPr>
-          <p:cNvPicPr>
-            <a:picLocks noChangeAspect="1"/>
-          </p:cNvPicPr>
-          <p:nvPr/>
-        </p:nvPicPr>
-        <p:blipFill rotWithShape="1">
-          <a:blip r:embed="rId4"/>
-          <a:srcRect t="1351" b="1351"/>
-          <a:stretch/>
-        </p:blipFill>
-        <p:spPr>
-          <a:xfrm>
-            <a:off x="6706377" y="1344803"/>
-            <a:ext cx="1375200" cy="1375200"/>
-          </a:xfrm>
-          <a:prstGeom prst="ellipse">
-            <a:avLst/>
-          </a:prstGeom>
-        </p:spPr>
-      </p:pic>
-      <p:sp>
-        <p:nvSpPr>
-          <p:cNvPr id="23" name="Google Shape;271;p44">
-            <a:extLst>
-              <a:ext uri="{FF2B5EF4-FFF2-40B4-BE49-F238E27FC236}">
-                <a16:creationId xmlns:a16="http://schemas.microsoft.com/office/drawing/2014/main" id="{82BB06D3-5EF7-41E3-8582-5972C21A3BC7}"/>
-              </a:ext>
-            </a:extLst>
-          </p:cNvPr>
-          <p:cNvSpPr txBox="1"/>
-          <p:nvPr/>
-        </p:nvSpPr>
-        <p:spPr>
-          <a:xfrm>
-            <a:off x="3074408" y="2770103"/>
-            <a:ext cx="2973339" cy="450000"/>
-          </a:xfrm>
-          <a:prstGeom prst="rect">
-            <a:avLst/>
-          </a:prstGeom>
-          <a:noFill/>
-          <a:ln>
-            <a:noFill/>
-          </a:ln>
-        </p:spPr>
-        <p:txBody>
-          <a:bodyPr spcFirstLastPara="1" wrap="square" lIns="91425" tIns="91425" rIns="91425" bIns="91425" anchor="ctr" anchorCtr="0">
-            <a:noAutofit/>
-          </a:bodyPr>
-          <a:lstStyle/>
-          <a:p>
-            <a:pPr marL="0" lvl="0" indent="0" algn="ctr" rtl="0">
-              <a:spcBef>
-                <a:spcPts val="0"/>
-              </a:spcBef>
-              <a:spcAft>
-                <a:spcPts val="0"/>
-              </a:spcAft>
-              <a:buNone/>
-            </a:pPr>
-            <a:r>
-              <a:rPr lang="es-CL" sz="4000" b="1" dirty="0">
-                <a:solidFill>
-                  <a:schemeClr val="bg1"/>
-                </a:solidFill>
-                <a:latin typeface="Proxima Nova"/>
-                <a:ea typeface="Proxima Nova"/>
-                <a:cs typeface="Proxima Nova"/>
-                <a:sym typeface="Proxima Nova"/>
-              </a:rPr>
-              <a:t>125</a:t>
-            </a:r>
-            <a:endParaRPr sz="4000" dirty="0">
-              <a:solidFill>
-                <a:schemeClr val="bg1"/>
-              </a:solidFill>
-            </a:endParaRPr>
-          </a:p>
-        </p:txBody>
-      </p:sp>
-    </p:spTree>
-    <p:extLst>
-      <p:ext uri="{BB962C8B-B14F-4D97-AF65-F5344CB8AC3E}">
-        <p14:creationId xmlns:p14="http://schemas.microsoft.com/office/powerpoint/2010/main" val="951463387"/>
-      </p:ext>
-    </p:extLst>
-  </p:cSld>
-  <p:clrMapOvr>
-    <a:masterClrMapping/>
-  </p:clrMapOvr>
-  <p:timing>
-    <p:tnLst>
-      <p:par>
-        <p:cTn id="1" dur="indefinite" restart="never" nodeType="tmRoot"/>
-      </p:par>
-    </p:tnLst>
-  </p:timing>
-</p:sld>
-</file>
-
-<file path=ppt/slides/slide4.xml><?xml version="1.0" encoding="utf-8"?>
-<p:sld xmlns:a="http://schemas.openxmlformats.org/drawingml/2006/main" xmlns:r="http://schemas.openxmlformats.org/officeDocument/2006/relationships" xmlns:p="http://schemas.openxmlformats.org/presentationml/2006/main">
-  <p:cSld>
-    <p:spTree>
-      <p:nvGrpSpPr>
-        <p:cNvPr id="1" name="Shape 329"/>
-        <p:cNvGrpSpPr/>
-        <p:nvPr/>
-      </p:nvGrpSpPr>
-      <p:grpSpPr>
-        <a:xfrm>
-          <a:off x="0" y="0"/>
-          <a:ext cx="0" cy="0"/>
-          <a:chOff x="0" y="0"/>
-          <a:chExt cx="0" cy="0"/>
-        </a:xfrm>
-      </p:grpSpPr>
-      <p:sp>
-        <p:nvSpPr>
-          <p:cNvPr id="331" name="Google Shape;331;p50"/>
-          <p:cNvSpPr txBox="1"/>
-          <p:nvPr/>
-        </p:nvSpPr>
-        <p:spPr>
-          <a:xfrm>
-            <a:off x="120375" y="97525"/>
-            <a:ext cx="2543312" cy="384000"/>
-          </a:xfrm>
-          <a:prstGeom prst="rect">
-            <a:avLst/>
-          </a:prstGeom>
-          <a:noFill/>
-          <a:ln>
-            <a:noFill/>
-          </a:ln>
-        </p:spPr>
-        <p:txBody>
-          <a:bodyPr spcFirstLastPara="1" wrap="square" lIns="91425" tIns="91425" rIns="91425" bIns="91425" anchor="t" anchorCtr="0">
-            <a:noAutofit/>
-          </a:bodyPr>
-          <a:lstStyle/>
-          <a:p>
-            <a:pPr marL="0" lvl="0" indent="0" algn="l" rtl="0">
-              <a:spcBef>
-                <a:spcPts val="0"/>
-              </a:spcBef>
-              <a:spcAft>
-                <a:spcPts val="0"/>
-              </a:spcAft>
-              <a:buNone/>
-            </a:pPr>
-            <a:r>
-              <a:rPr lang="es-CL" dirty="0">
-                <a:solidFill>
-                  <a:srgbClr val="AAAAAA"/>
-                </a:solidFill>
-                <a:latin typeface="Proxima Nova"/>
-                <a:ea typeface="Proxima Nova"/>
-                <a:cs typeface="Proxima Nova"/>
-                <a:sym typeface="Proxima Nova"/>
-              </a:rPr>
-              <a:t>Performance por formato</a:t>
-            </a:r>
-            <a:endParaRPr dirty="0">
-              <a:solidFill>
-                <a:srgbClr val="AAAAAA"/>
-              </a:solidFill>
-              <a:latin typeface="Proxima Nova"/>
-              <a:ea typeface="Proxima Nova"/>
-              <a:cs typeface="Proxima Nova"/>
-              <a:sym typeface="Proxima Nova"/>
-            </a:endParaRPr>
-          </a:p>
-        </p:txBody>
-      </p:sp>
-      <p:sp>
-        <p:nvSpPr>
-          <p:cNvPr id="332" name="Google Shape;332;p50"/>
-          <p:cNvSpPr txBox="1"/>
-          <p:nvPr/>
-        </p:nvSpPr>
-        <p:spPr>
-          <a:xfrm>
-            <a:off x="120375" y="564850"/>
-            <a:ext cx="7701900" cy="1130700"/>
-          </a:xfrm>
-          <a:prstGeom prst="rect">
-            <a:avLst/>
-          </a:prstGeom>
-          <a:noFill/>
-          <a:ln>
-            <a:noFill/>
-          </a:ln>
-        </p:spPr>
-        <p:txBody>
-          <a:bodyPr spcFirstLastPara="1" wrap="square" lIns="91425" tIns="91425" rIns="91425" bIns="91425" anchor="t" anchorCtr="0">
-            <a:noAutofit/>
-          </a:bodyPr>
-          <a:lstStyle/>
-          <a:p>
-            <a:pPr marL="0" lvl="0" indent="0" algn="l" rtl="0">
-              <a:spcBef>
-                <a:spcPts val="0"/>
-              </a:spcBef>
-              <a:spcAft>
-                <a:spcPts val="0"/>
-              </a:spcAft>
-              <a:buNone/>
-            </a:pPr>
-            <a:endParaRPr sz="2400" b="1" dirty="0">
-              <a:solidFill>
-                <a:srgbClr val="333333"/>
-              </a:solidFill>
-              <a:latin typeface="Proxima Nova"/>
-              <a:ea typeface="Proxima Nova"/>
-              <a:cs typeface="Proxima Nova"/>
-              <a:sym typeface="Proxima Nova"/>
-            </a:endParaRPr>
-          </a:p>
-        </p:txBody>
-      </p:sp>
-      <p:sp>
-        <p:nvSpPr>
-          <p:cNvPr id="7" name="Rectángulo 6">
-            <a:extLst>
-              <a:ext uri="{FF2B5EF4-FFF2-40B4-BE49-F238E27FC236}">
-                <a16:creationId xmlns:a16="http://schemas.microsoft.com/office/drawing/2014/main" id="{25FE02A9-F4BA-47EE-969F-6D653E0A6409}"/>
-              </a:ext>
-            </a:extLst>
-          </p:cNvPr>
-          <p:cNvSpPr/>
-          <p:nvPr/>
-        </p:nvSpPr>
-        <p:spPr>
-          <a:xfrm>
-            <a:off x="0" y="693682"/>
-            <a:ext cx="9144000" cy="4449817"/>
-          </a:xfrm>
-          <a:prstGeom prst="rect">
-            <a:avLst/>
-          </a:prstGeom>
-          <a:solidFill>
-            <a:srgbClr val="EEEEEE"/>
-          </a:solidFill>
-          <a:ln>
-            <a:noFill/>
-          </a:ln>
-        </p:spPr>
-        <p:style>
-          <a:lnRef idx="2">
-            <a:schemeClr val="accent1">
-              <a:shade val="50000"/>
-            </a:schemeClr>
-          </a:lnRef>
-          <a:fillRef idx="1">
-            <a:schemeClr val="accent1"/>
-          </a:fillRef>
-          <a:effectRef idx="0">
-            <a:schemeClr val="accent1"/>
-          </a:effectRef>
-          <a:fontRef idx="minor">
-            <a:schemeClr val="lt1"/>
-          </a:fontRef>
-        </p:style>
-        <p:txBody>
-          <a:bodyPr rtlCol="0" anchor="ctr"/>
-          <a:lstStyle/>
-          <a:p>
-            <a:pPr algn="ctr"/>
-            <a:endParaRPr lang="es-CL"/>
-          </a:p>
-        </p:txBody>
-      </p:sp>
-      <p:pic>
-        <p:nvPicPr>
-          <p:cNvPr id="333" name="Google Shape;333;p50"/>
-          <p:cNvPicPr preferRelativeResize="0"/>
-          <p:nvPr/>
-        </p:nvPicPr>
-        <p:blipFill>
-          <a:blip r:embed="rId3">
-            <a:alphaModFix/>
-          </a:blip>
-          <a:stretch>
-            <a:fillRect/>
-          </a:stretch>
-        </p:blipFill>
-        <p:spPr>
-          <a:xfrm>
-            <a:off x="8622600" y="4713448"/>
-            <a:ext cx="415100" cy="288100"/>
-          </a:xfrm>
-          <a:prstGeom prst="rect">
-            <a:avLst/>
-          </a:prstGeom>
-          <a:noFill/>
-          <a:ln>
-            <a:noFill/>
-          </a:ln>
-        </p:spPr>
-      </p:pic>
-    </p:spTree>
-  </p:cSld>
-  <p:clrMapOvr>
-    <a:masterClrMapping/>
-  </p:clrMapOvr>
-  <p:timing>
-    <p:tnLst>
-      <p:par>
-        <p:cTn id="1" dur="indefinite" restart="never" nodeType="tmRoot"/>
-      </p:par>
-    </p:tnLst>
-  </p:timing>
-</p:sld>
-</file>
-
-<file path=ppt/slides/slide5.xml><?xml version="1.0" encoding="utf-8"?>
-<p:sld xmlns:a="http://schemas.openxmlformats.org/drawingml/2006/main" xmlns:r="http://schemas.openxmlformats.org/officeDocument/2006/relationships" xmlns:p="http://schemas.openxmlformats.org/presentationml/2006/main">
-  <p:cSld>
-    <p:spTree>
-      <p:nvGrpSpPr>
-        <p:cNvPr id="1" name="Shape 295"/>
-        <p:cNvGrpSpPr/>
-        <p:nvPr/>
-      </p:nvGrpSpPr>
-      <p:grpSpPr>
-        <a:xfrm>
-          <a:off x="0" y="0"/>
-          <a:ext cx="0" cy="0"/>
-          <a:chOff x="0" y="0"/>
-          <a:chExt cx="0" cy="0"/>
-        </a:xfrm>
-      </p:grpSpPr>
-      <p:sp>
-        <p:nvSpPr>
-          <p:cNvPr id="5" name="Rectángulo 4">
-            <a:extLst>
-              <a:ext uri="{FF2B5EF4-FFF2-40B4-BE49-F238E27FC236}">
-                <a16:creationId xmlns:a16="http://schemas.microsoft.com/office/drawing/2014/main" id="{25FE02A9-F4BA-47EE-969F-6D653E0A6409}"/>
-              </a:ext>
-            </a:extLst>
-          </p:cNvPr>
-          <p:cNvSpPr/>
-          <p:nvPr/>
-        </p:nvSpPr>
-        <p:spPr>
-          <a:xfrm>
-            <a:off x="5100949" y="-3020"/>
-            <a:ext cx="4043051" cy="5143500"/>
-          </a:xfrm>
-          <a:prstGeom prst="rect">
-            <a:avLst/>
-          </a:prstGeom>
-          <a:solidFill>
-            <a:srgbClr val="EEEEEE"/>
-          </a:solidFill>
-          <a:ln>
-            <a:noFill/>
-          </a:ln>
-        </p:spPr>
-        <p:style>
-          <a:lnRef idx="2">
-            <a:schemeClr val="accent1">
-              <a:shade val="50000"/>
-            </a:schemeClr>
-          </a:lnRef>
-          <a:fillRef idx="1">
-            <a:schemeClr val="accent1"/>
-          </a:fillRef>
-          <a:effectRef idx="0">
-            <a:schemeClr val="accent1"/>
-          </a:effectRef>
-          <a:fontRef idx="minor">
-            <a:schemeClr val="lt1"/>
-          </a:fontRef>
-        </p:style>
-        <p:txBody>
-          <a:bodyPr rtlCol="0" anchor="ctr"/>
-          <a:lstStyle/>
-          <a:p>
-            <a:pPr algn="ctr"/>
-            <a:endParaRPr lang="es-CL"/>
-          </a:p>
-        </p:txBody>
-      </p:sp>
-      <p:sp>
-        <p:nvSpPr>
-          <p:cNvPr id="297" name="Google Shape;297;p47"/>
-          <p:cNvSpPr txBox="1"/>
-          <p:nvPr/>
-        </p:nvSpPr>
-        <p:spPr>
-          <a:xfrm>
-            <a:off x="6348342" y="1269137"/>
-            <a:ext cx="1548259" cy="1677600"/>
-          </a:xfrm>
-          <a:prstGeom prst="rect">
-            <a:avLst/>
-          </a:prstGeom>
-          <a:noFill/>
-          <a:ln>
-            <a:noFill/>
-          </a:ln>
-        </p:spPr>
-        <p:txBody>
-          <a:bodyPr spcFirstLastPara="1" wrap="square" lIns="91425" tIns="91425" rIns="91425" bIns="91425" anchor="t" anchorCtr="0">
-            <a:noAutofit/>
-          </a:bodyPr>
-          <a:lstStyle/>
-          <a:p>
-            <a:pPr marL="0" lvl="0" indent="0" algn="l" rtl="0">
-              <a:spcBef>
-                <a:spcPts val="0"/>
-              </a:spcBef>
-              <a:spcAft>
-                <a:spcPts val="0"/>
-              </a:spcAft>
-              <a:buNone/>
-            </a:pPr>
-            <a:r>
-              <a:rPr lang="en" sz="9600" b="1" dirty="0" smtClean="0">
-                <a:solidFill>
-                  <a:srgbClr val="3982F2"/>
-                </a:solidFill>
-                <a:latin typeface="Proxima Nova"/>
-                <a:ea typeface="Proxima Nova"/>
-                <a:cs typeface="Proxima Nova"/>
-                <a:sym typeface="Proxima Nova"/>
-              </a:rPr>
-              <a:t>X</a:t>
-            </a:r>
-            <a:r>
-              <a:rPr lang="en" sz="4800" b="1" dirty="0" smtClean="0">
-                <a:solidFill>
-                  <a:srgbClr val="3982F2"/>
-                </a:solidFill>
-                <a:latin typeface="Proxima Nova"/>
-                <a:ea typeface="Proxima Nova"/>
-                <a:cs typeface="Proxima Nova"/>
-                <a:sym typeface="Proxima Nova"/>
-              </a:rPr>
-              <a:t>%</a:t>
-            </a:r>
-            <a:endParaRPr sz="9600" dirty="0">
-              <a:solidFill>
-                <a:srgbClr val="666666"/>
-              </a:solidFill>
-              <a:latin typeface="Proxima Nova"/>
-              <a:ea typeface="Proxima Nova"/>
-              <a:cs typeface="Proxima Nova"/>
-              <a:sym typeface="Proxima Nova"/>
-            </a:endParaRPr>
-          </a:p>
-        </p:txBody>
-      </p:sp>
-      <p:sp>
-        <p:nvSpPr>
-          <p:cNvPr id="298" name="Google Shape;298;p47"/>
-          <p:cNvSpPr txBox="1"/>
-          <p:nvPr/>
-        </p:nvSpPr>
-        <p:spPr>
-          <a:xfrm>
-            <a:off x="120375" y="97525"/>
-            <a:ext cx="1771800" cy="384000"/>
-          </a:xfrm>
-          <a:prstGeom prst="rect">
-            <a:avLst/>
-          </a:prstGeom>
-          <a:noFill/>
-          <a:ln>
-            <a:noFill/>
-          </a:ln>
-        </p:spPr>
-        <p:txBody>
-          <a:bodyPr spcFirstLastPara="1" wrap="square" lIns="91425" tIns="91425" rIns="91425" bIns="91425" anchor="t" anchorCtr="0">
-            <a:noAutofit/>
-          </a:bodyPr>
-          <a:lstStyle/>
-          <a:p>
-            <a:pPr marL="0" lvl="0" indent="0" algn="l" rtl="0">
-              <a:spcBef>
-                <a:spcPts val="0"/>
-              </a:spcBef>
-              <a:spcAft>
-                <a:spcPts val="0"/>
-              </a:spcAft>
-              <a:buNone/>
-            </a:pPr>
-            <a:r>
-              <a:rPr lang="es-CL" dirty="0">
-                <a:solidFill>
-                  <a:schemeClr val="bg1">
-                    <a:lumMod val="65000"/>
-                  </a:schemeClr>
-                </a:solidFill>
-                <a:latin typeface="Proxima Nova"/>
-                <a:ea typeface="Proxima Nova"/>
-                <a:cs typeface="Proxima Nova"/>
-                <a:sym typeface="Proxima Nova"/>
-              </a:rPr>
-              <a:t>Audiencia - Sexo</a:t>
-            </a:r>
-            <a:endParaRPr dirty="0">
-              <a:solidFill>
-                <a:schemeClr val="bg1">
-                  <a:lumMod val="65000"/>
-                </a:schemeClr>
-              </a:solidFill>
-              <a:latin typeface="Proxima Nova"/>
-              <a:ea typeface="Proxima Nova"/>
-              <a:cs typeface="Proxima Nova"/>
-              <a:sym typeface="Proxima Nova"/>
-            </a:endParaRPr>
-          </a:p>
-        </p:txBody>
-      </p:sp>
-      <p:pic>
-        <p:nvPicPr>
-          <p:cNvPr id="301" name="Google Shape;301;p47"/>
-          <p:cNvPicPr preferRelativeResize="0"/>
-          <p:nvPr/>
-        </p:nvPicPr>
-        <p:blipFill>
-          <a:blip r:embed="rId3">
-            <a:alphaModFix/>
-          </a:blip>
-          <a:stretch>
-            <a:fillRect/>
-          </a:stretch>
-        </p:blipFill>
-        <p:spPr>
-          <a:xfrm>
-            <a:off x="8622600" y="4713448"/>
-            <a:ext cx="415100" cy="288100"/>
-          </a:xfrm>
-          <a:prstGeom prst="rect">
-            <a:avLst/>
-          </a:prstGeom>
-          <a:noFill/>
-          <a:ln>
-            <a:noFill/>
-          </a:ln>
-        </p:spPr>
-      </p:pic>
-      <p:sp>
-        <p:nvSpPr>
-          <p:cNvPr id="302" name="Google Shape;302;p47"/>
-          <p:cNvSpPr txBox="1"/>
-          <p:nvPr/>
-        </p:nvSpPr>
-        <p:spPr>
-          <a:xfrm>
-            <a:off x="5646753" y="2632203"/>
-            <a:ext cx="2951435" cy="384000"/>
-          </a:xfrm>
-          <a:prstGeom prst="rect">
-            <a:avLst/>
-          </a:prstGeom>
-          <a:noFill/>
-          <a:ln>
-            <a:noFill/>
-          </a:ln>
-        </p:spPr>
-        <p:txBody>
-          <a:bodyPr spcFirstLastPara="1" wrap="square" lIns="91425" tIns="91425" rIns="91425" bIns="91425" anchor="t" anchorCtr="0">
-            <a:noAutofit/>
-          </a:bodyPr>
-          <a:lstStyle/>
-          <a:p>
-            <a:pPr marL="0" lvl="0" indent="0" algn="l" rtl="0">
-              <a:spcBef>
-                <a:spcPts val="0"/>
-              </a:spcBef>
-              <a:spcAft>
-                <a:spcPts val="0"/>
-              </a:spcAft>
-              <a:buNone/>
-            </a:pPr>
-            <a:r>
-              <a:rPr lang="es-CL" dirty="0">
-                <a:solidFill>
-                  <a:srgbClr val="333333"/>
-                </a:solidFill>
-                <a:latin typeface="Proxima Nova"/>
-                <a:ea typeface="Proxima Nova"/>
-                <a:cs typeface="Proxima Nova"/>
-                <a:sym typeface="Proxima Nova"/>
-              </a:rPr>
-              <a:t>De las visitas únicas a la campaña fueron</a:t>
-            </a:r>
-            <a:r>
-              <a:rPr lang="en" dirty="0">
-                <a:solidFill>
-                  <a:srgbClr val="333333"/>
-                </a:solidFill>
-                <a:latin typeface="Proxima Nova"/>
-                <a:ea typeface="Proxima Nova"/>
-                <a:cs typeface="Proxima Nova"/>
-                <a:sym typeface="Proxima Nova"/>
-              </a:rPr>
-              <a:t> </a:t>
-            </a:r>
-            <a:r>
-              <a:rPr lang="es-CL" b="1" dirty="0">
-                <a:solidFill>
-                  <a:srgbClr val="333333"/>
-                </a:solidFill>
-                <a:latin typeface="Proxima Nova"/>
-                <a:ea typeface="Proxima Nova"/>
-                <a:cs typeface="Proxima Nova"/>
-                <a:sym typeface="Proxima Nova"/>
-              </a:rPr>
-              <a:t>hombres</a:t>
-            </a:r>
-            <a:r>
-              <a:rPr lang="en" dirty="0" smtClean="0">
-                <a:solidFill>
-                  <a:srgbClr val="333333"/>
-                </a:solidFill>
-                <a:latin typeface="Proxima Nova"/>
-                <a:ea typeface="Proxima Nova"/>
-                <a:cs typeface="Proxima Nova"/>
-                <a:sym typeface="Proxima Nova"/>
-              </a:rPr>
-              <a:t>.</a:t>
-            </a:r>
-            <a:endParaRPr lang="en" dirty="0">
-              <a:solidFill>
-                <a:srgbClr val="333333"/>
-              </a:solidFill>
-              <a:latin typeface="Proxima Nova"/>
-              <a:ea typeface="Proxima Nova"/>
-              <a:cs typeface="Proxima Nova"/>
-              <a:sym typeface="Proxima Nova"/>
-            </a:endParaRPr>
-          </a:p>
-        </p:txBody>
-      </p:sp>
-    </p:spTree>
-    <p:extLst>
-      <p:ext uri="{BB962C8B-B14F-4D97-AF65-F5344CB8AC3E}">
-        <p14:creationId xmlns:p14="http://schemas.microsoft.com/office/powerpoint/2010/main" val="3253844440"/>
-      </p:ext>
-    </p:extLst>
-  </p:cSld>
-  <p:clrMapOvr>
-    <a:masterClrMapping/>
-  </p:clrMapOvr>
-  <p:timing>
-    <p:tnLst>
-      <p:par>
-        <p:cTn id="1" dur="indefinite" restart="never" nodeType="tmRoot"/>
-      </p:par>
-    </p:tnLst>
-  </p:timing>
-</p:sld>
-</file>
-
-<file path=ppt/slides/slide6.xml><?xml version="1.0" encoding="utf-8"?>
-<p:sld xmlns:a="http://schemas.openxmlformats.org/drawingml/2006/main" xmlns:r="http://schemas.openxmlformats.org/officeDocument/2006/relationships" xmlns:p="http://schemas.openxmlformats.org/presentationml/2006/main">
-  <p:cSld>
-    <p:spTree>
-      <p:nvGrpSpPr>
-        <p:cNvPr id="1" name="Shape 401"/>
-        <p:cNvGrpSpPr/>
-        <p:nvPr/>
-      </p:nvGrpSpPr>
-      <p:grpSpPr>
-        <a:xfrm>
-          <a:off x="0" y="0"/>
-          <a:ext cx="0" cy="0"/>
-          <a:chOff x="0" y="0"/>
-          <a:chExt cx="0" cy="0"/>
-        </a:xfrm>
-      </p:grpSpPr>
-      <p:sp>
-        <p:nvSpPr>
-          <p:cNvPr id="7" name="Rectángulo 6">
-            <a:extLst>
-              <a:ext uri="{FF2B5EF4-FFF2-40B4-BE49-F238E27FC236}">
-                <a16:creationId xmlns:a16="http://schemas.microsoft.com/office/drawing/2014/main" id="{2C1E0629-43CD-4C7D-94D0-743A4AECDDDD}"/>
-              </a:ext>
-            </a:extLst>
-          </p:cNvPr>
-          <p:cNvSpPr/>
-          <p:nvPr/>
-        </p:nvSpPr>
-        <p:spPr>
-          <a:xfrm>
-            <a:off x="5780690" y="-3020"/>
-            <a:ext cx="3363310" cy="5143500"/>
-          </a:xfrm>
-          <a:prstGeom prst="rect">
-            <a:avLst/>
-          </a:prstGeom>
-          <a:solidFill>
-            <a:srgbClr val="EEEEEE"/>
-          </a:solidFill>
-          <a:ln>
-            <a:noFill/>
-          </a:ln>
-        </p:spPr>
-        <p:style>
-          <a:lnRef idx="2">
-            <a:schemeClr val="accent1">
-              <a:shade val="50000"/>
-            </a:schemeClr>
-          </a:lnRef>
-          <a:fillRef idx="1">
-            <a:schemeClr val="accent1"/>
-          </a:fillRef>
-          <a:effectRef idx="0">
-            <a:schemeClr val="accent1"/>
-          </a:effectRef>
-          <a:fontRef idx="minor">
-            <a:schemeClr val="lt1"/>
-          </a:fontRef>
-        </p:style>
-        <p:txBody>
-          <a:bodyPr rtlCol="0" anchor="ctr"/>
-          <a:lstStyle/>
-          <a:p>
-            <a:pPr algn="ctr"/>
-            <a:endParaRPr lang="es-CL"/>
-          </a:p>
-        </p:txBody>
-      </p:sp>
-      <p:pic>
-        <p:nvPicPr>
-          <p:cNvPr id="404" name="Google Shape;404;p57"/>
-          <p:cNvPicPr preferRelativeResize="0"/>
-          <p:nvPr/>
-        </p:nvPicPr>
-        <p:blipFill>
-          <a:blip r:embed="rId3">
-            <a:alphaModFix/>
-          </a:blip>
-          <a:stretch>
-            <a:fillRect/>
-          </a:stretch>
-        </p:blipFill>
-        <p:spPr>
-          <a:xfrm>
-            <a:off x="8622600" y="4713448"/>
-            <a:ext cx="415100" cy="288100"/>
-          </a:xfrm>
-          <a:prstGeom prst="rect">
-            <a:avLst/>
-          </a:prstGeom>
-          <a:noFill/>
-          <a:ln>
-            <a:noFill/>
-          </a:ln>
-        </p:spPr>
-      </p:pic>
-      <p:sp>
-        <p:nvSpPr>
-          <p:cNvPr id="405" name="Google Shape;405;p57"/>
-          <p:cNvSpPr txBox="1"/>
-          <p:nvPr/>
-        </p:nvSpPr>
-        <p:spPr>
-          <a:xfrm>
-            <a:off x="120375" y="97525"/>
-            <a:ext cx="2538300" cy="384000"/>
-          </a:xfrm>
-          <a:prstGeom prst="rect">
-            <a:avLst/>
-          </a:prstGeom>
-          <a:noFill/>
-          <a:ln>
-            <a:noFill/>
-          </a:ln>
-        </p:spPr>
-        <p:txBody>
-          <a:bodyPr spcFirstLastPara="1" wrap="square" lIns="91425" tIns="91425" rIns="91425" bIns="91425" anchor="t" anchorCtr="0">
-            <a:noAutofit/>
-          </a:bodyPr>
-          <a:lstStyle/>
-          <a:p>
-            <a:pPr marL="0" lvl="0" indent="0" algn="l" rtl="0">
-              <a:spcBef>
-                <a:spcPts val="0"/>
-              </a:spcBef>
-              <a:spcAft>
-                <a:spcPts val="0"/>
-              </a:spcAft>
-              <a:buNone/>
-            </a:pPr>
-            <a:r>
-              <a:rPr lang="es-CL" dirty="0">
-                <a:solidFill>
-                  <a:schemeClr val="bg1">
-                    <a:lumMod val="65000"/>
-                  </a:schemeClr>
-                </a:solidFill>
-                <a:latin typeface="Proxima Nova"/>
-                <a:ea typeface="Proxima Nova"/>
-                <a:cs typeface="Proxima Nova"/>
-                <a:sym typeface="Proxima Nova"/>
-              </a:rPr>
-              <a:t>Audiencia - Edad</a:t>
-            </a:r>
-            <a:endParaRPr dirty="0">
-              <a:solidFill>
-                <a:schemeClr val="bg1">
-                  <a:lumMod val="65000"/>
-                </a:schemeClr>
-              </a:solidFill>
-              <a:latin typeface="Proxima Nova"/>
-              <a:ea typeface="Proxima Nova"/>
-              <a:cs typeface="Proxima Nova"/>
-              <a:sym typeface="Proxima Nova"/>
-            </a:endParaRPr>
-          </a:p>
-        </p:txBody>
-      </p:sp>
-      <p:sp>
-        <p:nvSpPr>
-          <p:cNvPr id="406" name="Google Shape;406;p57"/>
-          <p:cNvSpPr txBox="1"/>
-          <p:nvPr/>
-        </p:nvSpPr>
-        <p:spPr>
-          <a:xfrm>
-            <a:off x="6048500" y="1620932"/>
-            <a:ext cx="2989200" cy="606900"/>
-          </a:xfrm>
-          <a:prstGeom prst="rect">
-            <a:avLst/>
-          </a:prstGeom>
-          <a:noFill/>
-          <a:ln>
-            <a:noFill/>
-          </a:ln>
-        </p:spPr>
-        <p:txBody>
-          <a:bodyPr spcFirstLastPara="1" wrap="square" lIns="91425" tIns="91425" rIns="91425" bIns="91425" anchor="t" anchorCtr="0">
-            <a:noAutofit/>
-          </a:bodyPr>
-          <a:lstStyle/>
-          <a:p>
-            <a:pPr marL="0" lvl="0" indent="0" algn="l" rtl="0">
-              <a:spcBef>
-                <a:spcPts val="0"/>
-              </a:spcBef>
-              <a:spcAft>
-                <a:spcPts val="0"/>
-              </a:spcAft>
-              <a:buNone/>
-            </a:pPr>
-            <a:r>
-              <a:rPr lang="es-CL" dirty="0">
-                <a:solidFill>
-                  <a:srgbClr val="333333"/>
-                </a:solidFill>
-                <a:latin typeface="Proxima Nova"/>
-                <a:ea typeface="Proxima Nova"/>
-                <a:cs typeface="Proxima Nova"/>
-                <a:sym typeface="Proxima Nova"/>
-              </a:rPr>
-              <a:t>El perfil de la campaña corresponde a personas entre</a:t>
-            </a:r>
-            <a:endParaRPr dirty="0"/>
-          </a:p>
-        </p:txBody>
-      </p:sp>
-      <p:sp>
-        <p:nvSpPr>
-          <p:cNvPr id="11" name="Google Shape;535;p71">
-            <a:extLst>
-              <a:ext uri="{FF2B5EF4-FFF2-40B4-BE49-F238E27FC236}">
-                <a16:creationId xmlns:a16="http://schemas.microsoft.com/office/drawing/2014/main" id="{3858A8D1-F2A6-45D2-A9A8-C40F1A9B2BF2}"/>
-              </a:ext>
-            </a:extLst>
-          </p:cNvPr>
-          <p:cNvSpPr txBox="1"/>
-          <p:nvPr/>
-        </p:nvSpPr>
-        <p:spPr>
-          <a:xfrm>
-            <a:off x="6272782" y="2676224"/>
-            <a:ext cx="2379126" cy="583800"/>
-          </a:xfrm>
-          <a:prstGeom prst="rect">
-            <a:avLst/>
-          </a:prstGeom>
-          <a:noFill/>
-          <a:ln>
-            <a:noFill/>
-          </a:ln>
-        </p:spPr>
-        <p:txBody>
-          <a:bodyPr spcFirstLastPara="1" wrap="square" lIns="91425" tIns="91425" rIns="91425" bIns="91425" anchor="t" anchorCtr="0">
-            <a:noAutofit/>
-          </a:bodyPr>
-          <a:lstStyle/>
-          <a:p>
-            <a:pPr marL="0" lvl="0" indent="0" algn="l" rtl="0">
-              <a:spcBef>
-                <a:spcPts val="0"/>
-              </a:spcBef>
-              <a:spcAft>
-                <a:spcPts val="0"/>
-              </a:spcAft>
-              <a:buNone/>
-            </a:pPr>
-            <a:r>
-              <a:rPr lang="en" sz="3600" b="1" dirty="0" smtClean="0">
-                <a:solidFill>
-                  <a:srgbClr val="3982F1"/>
-                </a:solidFill>
-                <a:latin typeface="Proxima Nova"/>
-                <a:ea typeface="Proxima Nova"/>
-                <a:cs typeface="Proxima Nova"/>
-                <a:sym typeface="Proxima Nova"/>
-              </a:rPr>
-              <a:t>X </a:t>
-            </a:r>
-            <a:r>
-              <a:rPr lang="es-CL" sz="3600" b="1" dirty="0">
-                <a:solidFill>
-                  <a:srgbClr val="3982F1"/>
-                </a:solidFill>
-                <a:latin typeface="Proxima Nova"/>
-                <a:ea typeface="Proxima Nova"/>
-                <a:cs typeface="Proxima Nova"/>
-                <a:sym typeface="Proxima Nova"/>
-              </a:rPr>
-              <a:t>y </a:t>
-            </a:r>
-            <a:r>
-              <a:rPr lang="es-CL" sz="3600" b="1" dirty="0" smtClean="0">
-                <a:solidFill>
-                  <a:srgbClr val="3982F1"/>
-                </a:solidFill>
-                <a:latin typeface="Proxima Nova"/>
-                <a:ea typeface="Proxima Nova"/>
-                <a:cs typeface="Proxima Nova"/>
-                <a:sym typeface="Proxima Nova"/>
-              </a:rPr>
-              <a:t>X </a:t>
-            </a:r>
-            <a:r>
-              <a:rPr lang="es-CL" sz="3600" b="1" dirty="0">
-                <a:solidFill>
-                  <a:srgbClr val="3982F1"/>
-                </a:solidFill>
-                <a:latin typeface="Proxima Nova"/>
-                <a:ea typeface="Proxima Nova"/>
-                <a:cs typeface="Proxima Nova"/>
-                <a:sym typeface="Proxima Nova"/>
-              </a:rPr>
-              <a:t>años</a:t>
-            </a:r>
-            <a:endParaRPr sz="3600" b="1" dirty="0">
-              <a:solidFill>
-                <a:srgbClr val="3982F1"/>
-              </a:solidFill>
-              <a:latin typeface="Proxima Nova"/>
-              <a:ea typeface="Proxima Nova"/>
-              <a:cs typeface="Proxima Nova"/>
-              <a:sym typeface="Proxima Nova"/>
-            </a:endParaRPr>
-          </a:p>
-        </p:txBody>
-      </p:sp>
-    </p:spTree>
-    <p:extLst>
-      <p:ext uri="{BB962C8B-B14F-4D97-AF65-F5344CB8AC3E}">
-        <p14:creationId xmlns:p14="http://schemas.microsoft.com/office/powerpoint/2010/main" val="939450318"/>
-      </p:ext>
-    </p:extLst>
-  </p:cSld>
-  <p:clrMapOvr>
-    <a:masterClrMapping/>
-  </p:clrMapOvr>
-  <p:timing>
-    <p:tnLst>
-      <p:par>
-        <p:cTn id="1" dur="indefinite" restart="never" nodeType="tmRoot"/>
-      </p:par>
-    </p:tnLst>
-  </p:timing>
-</p:sld>
-</file>
-
-<file path=ppt/slides/slide7.xml><?xml version="1.0" encoding="utf-8"?>
 <p:sld xmlns:a="http://schemas.openxmlformats.org/drawingml/2006/main" xmlns:r="http://schemas.openxmlformats.org/officeDocument/2006/relationships" xmlns:p="http://schemas.openxmlformats.org/presentationml/2006/main">
   <p:cSld>
     <p:spTree>
@@ -14871,8 +12576,8 @@
         </p:nvSpPr>
         <p:spPr>
           <a:xfrm>
-            <a:off x="112828" y="78253"/>
-            <a:ext cx="2068707" cy="384000"/>
+            <a:off x="39258" y="46723"/>
+            <a:ext cx="2630372" cy="384000"/>
           </a:xfrm>
           <a:prstGeom prst="rect">
             <a:avLst/>
@@ -14949,6 +12654,103 @@
           </a:ln>
         </p:spPr>
       </p:pic>
+      <p:sp>
+        <p:nvSpPr>
+          <p:cNvPr id="55" name="Google Shape;406;p57"/>
+          <p:cNvSpPr txBox="1"/>
+          <p:nvPr/>
+        </p:nvSpPr>
+        <p:spPr>
+          <a:xfrm>
+            <a:off x="6541221" y="3984290"/>
+            <a:ext cx="2989200" cy="606900"/>
+          </a:xfrm>
+          <a:prstGeom prst="rect">
+            <a:avLst/>
+          </a:prstGeom>
+          <a:noFill/>
+          <a:ln>
+            <a:noFill/>
+          </a:ln>
+        </p:spPr>
+        <p:txBody>
+          <a:bodyPr spcFirstLastPara="1" wrap="square" lIns="91425" tIns="91425" rIns="91425" bIns="91425" anchor="t" anchorCtr="0">
+            <a:noAutofit/>
+          </a:bodyPr>
+          <a:lstStyle/>
+          <a:p>
+            <a:pPr marL="0" lvl="0" indent="0" algn="l" rtl="0">
+              <a:spcBef>
+                <a:spcPts val="0"/>
+              </a:spcBef>
+              <a:spcAft>
+                <a:spcPts val="0"/>
+              </a:spcAft>
+              <a:buNone/>
+            </a:pPr>
+            <a:r>
+              <a:rPr lang="es-CL" dirty="0" smtClean="0">
+                <a:solidFill>
+                  <a:srgbClr val="333333"/>
+                </a:solidFill>
+                <a:latin typeface="Proxima Nova"/>
+                <a:ea typeface="Proxima Nova"/>
+                <a:cs typeface="Proxima Nova"/>
+                <a:sym typeface="Proxima Nova"/>
+              </a:rPr>
+              <a:t>Número de visitas al </a:t>
+            </a:r>
+            <a:r>
+              <a:rPr lang="es-CL" dirty="0" err="1" smtClean="0">
+                <a:solidFill>
+                  <a:srgbClr val="333333"/>
+                </a:solidFill>
+                <a:latin typeface="Proxima Nova"/>
+                <a:ea typeface="Proxima Nova"/>
+                <a:cs typeface="Proxima Nova"/>
+                <a:sym typeface="Proxima Nova"/>
+              </a:rPr>
+              <a:t>landing</a:t>
+            </a:r>
+            <a:r>
+              <a:rPr lang="es-CL" dirty="0" smtClean="0">
+                <a:solidFill>
+                  <a:srgbClr val="333333"/>
+                </a:solidFill>
+                <a:latin typeface="Proxima Nova"/>
+                <a:ea typeface="Proxima Nova"/>
+                <a:cs typeface="Proxima Nova"/>
+                <a:sym typeface="Proxima Nova"/>
+              </a:rPr>
+              <a:t> de campaña/ </a:t>
+            </a:r>
+          </a:p>
+          <a:p>
+            <a:pPr marL="0" lvl="0" indent="0" algn="l" rtl="0">
+              <a:spcBef>
+                <a:spcPts val="0"/>
+              </a:spcBef>
+              <a:spcAft>
+                <a:spcPts val="0"/>
+              </a:spcAft>
+              <a:buNone/>
+            </a:pPr>
+            <a:r>
+              <a:rPr lang="es-CL" dirty="0" smtClean="0">
+                <a:solidFill>
+                  <a:srgbClr val="333333"/>
+                </a:solidFill>
+                <a:latin typeface="Proxima Nova"/>
+                <a:ea typeface="Proxima Nova"/>
+                <a:cs typeface="Proxima Nova"/>
+                <a:sym typeface="Proxima Nova"/>
+              </a:rPr>
+              <a:t>tienda oficial</a:t>
+            </a:r>
+            <a:endParaRPr dirty="0"/>
+          </a:p>
+        </p:txBody>
+      </p:sp>
     </p:spTree>
     <p:extLst>
       <p:ext uri="{BB962C8B-B14F-4D97-AF65-F5344CB8AC3E}">
@@ -14969,7 +12771,7 @@
 </p:sld>
 </file>
 
-<file path=ppt/slides/slide8.xml><?xml version="1.0" encoding="utf-8"?>
+<file path=ppt/slides/slide11.xml><?xml version="1.0" encoding="utf-8"?>
 <p:sld xmlns:a="http://schemas.openxmlformats.org/drawingml/2006/main" xmlns:r="http://schemas.openxmlformats.org/officeDocument/2006/relationships" xmlns:p="http://schemas.openxmlformats.org/presentationml/2006/main">
   <p:cSld>
     <p:spTree>
@@ -14994,7 +12796,7 @@
         </p:nvSpPr>
         <p:spPr>
           <a:xfrm>
-            <a:off x="6562717" y="3580295"/>
+            <a:off x="6715404" y="3378549"/>
             <a:ext cx="2428596" cy="1764951"/>
           </a:xfrm>
           <a:prstGeom prst="rect">
@@ -15072,7 +12874,47 @@
                 <a:latin typeface="Proxima Nova"/>
                 <a:sym typeface="Proxima Nova"/>
               </a:rPr>
-              <a:t> tráfico tuvo la página.</a:t>
+              <a:t> tráfico tuvo </a:t>
+            </a:r>
+            <a:r>
+              <a:rPr lang="es-CL" dirty="0" smtClean="0">
+                <a:solidFill>
+                  <a:srgbClr val="222222"/>
+                </a:solidFill>
+                <a:latin typeface="Proxima Nova"/>
+                <a:sym typeface="Proxima Nova"/>
+              </a:rPr>
+              <a:t>el </a:t>
+            </a:r>
+            <a:r>
+              <a:rPr lang="es-CL" dirty="0" err="1" smtClean="0">
+                <a:solidFill>
+                  <a:srgbClr val="222222"/>
+                </a:solidFill>
+                <a:latin typeface="Proxima Nova"/>
+                <a:sym typeface="Proxima Nova"/>
+              </a:rPr>
+              <a:t>landing</a:t>
+            </a:r>
+            <a:r>
+              <a:rPr lang="es-CL" dirty="0" smtClean="0">
+                <a:solidFill>
+                  <a:srgbClr val="222222"/>
+                </a:solidFill>
+                <a:latin typeface="Proxima Nova"/>
+                <a:sym typeface="Proxima Nova"/>
+              </a:rPr>
+              <a:t> de campaña/tienda oficial</a:t>
+            </a:r>
+            <a:r>
+              <a:rPr lang="es-CL" sz="1800" dirty="0" smtClean="0">
+                <a:solidFill>
+                  <a:srgbClr val="222222"/>
+                </a:solidFill>
+                <a:latin typeface="Proxima Nova"/>
+                <a:sym typeface="Proxima Nova"/>
+              </a:rPr>
+              <a:t>.</a:t>
             </a:r>
             <a:endParaRPr b="1" dirty="0">
               <a:solidFill>
@@ -15150,6 +12992,34 @@
           </a:p>
         </p:txBody>
       </p:sp>
+      <p:pic>
+        <p:nvPicPr>
+          <p:cNvPr id="4" name="Google Shape;301;p47"/>
+          <p:cNvPicPr preferRelativeResize="0"/>
+          <p:nvPr/>
+        </p:nvPicPr>
+        <p:blipFill>
+          <a:blip r:embed="rId3">
+            <a:alphaModFix/>
+          </a:blip>
+          <a:stretch>
+            <a:fillRect/>
+          </a:stretch>
+        </p:blipFill>
+        <p:spPr>
+          <a:xfrm>
+            <a:off x="8622600" y="4713448"/>
+            <a:ext cx="415100" cy="288100"/>
+          </a:xfrm>
+          <a:prstGeom prst="rect">
+            <a:avLst/>
+          </a:prstGeom>
+          <a:noFill/>
+          <a:ln>
+            <a:noFill/>
+          </a:ln>
+        </p:spPr>
+      </p:pic>
     </p:spTree>
     <p:extLst>
       <p:ext uri="{BB962C8B-B14F-4D97-AF65-F5344CB8AC3E}">
@@ -15170,7 +13040,310 @@
 </p:sld>
 </file>
 
-<file path=ppt/slides/slide9.xml><?xml version="1.0" encoding="utf-8"?>
+<file path=ppt/slides/slide12.xml><?xml version="1.0" encoding="utf-8"?>
+<p:sld xmlns:a="http://schemas.openxmlformats.org/drawingml/2006/main" xmlns:r="http://schemas.openxmlformats.org/officeDocument/2006/relationships" xmlns:p="http://schemas.openxmlformats.org/presentationml/2006/main">
+  <p:cSld>
+    <p:spTree>
+      <p:nvGrpSpPr>
+        <p:cNvPr id="1" name="Shape 600"/>
+        <p:cNvGrpSpPr/>
+        <p:nvPr/>
+      </p:nvGrpSpPr>
+      <p:grpSpPr>
+        <a:xfrm>
+          <a:off x="0" y="0"/>
+          <a:ext cx="0" cy="0"/>
+          <a:chOff x="0" y="0"/>
+          <a:chExt cx="0" cy="0"/>
+        </a:xfrm>
+      </p:grpSpPr>
+      <p:sp>
+        <p:nvSpPr>
+          <p:cNvPr id="605" name="Google Shape;605;p78"/>
+          <p:cNvSpPr txBox="1"/>
+          <p:nvPr/>
+        </p:nvSpPr>
+        <p:spPr>
+          <a:xfrm>
+            <a:off x="6233650" y="2875158"/>
+            <a:ext cx="2596500" cy="1303500"/>
+          </a:xfrm>
+          <a:prstGeom prst="rect">
+            <a:avLst/>
+          </a:prstGeom>
+          <a:noFill/>
+          <a:ln>
+            <a:noFill/>
+          </a:ln>
+        </p:spPr>
+        <p:txBody>
+          <a:bodyPr spcFirstLastPara="1" wrap="square" lIns="91425" tIns="91425" rIns="91425" bIns="91425" anchor="t" anchorCtr="0">
+            <a:noAutofit/>
+          </a:bodyPr>
+          <a:lstStyle/>
+          <a:p>
+            <a:pPr marL="0" lvl="0" indent="0" algn="l" rtl="0">
+              <a:spcBef>
+                <a:spcPts val="0"/>
+              </a:spcBef>
+              <a:spcAft>
+                <a:spcPts val="0"/>
+              </a:spcAft>
+              <a:buNone/>
+            </a:pPr>
+            <a:r>
+              <a:rPr lang="es-CL" sz="2400" b="1" dirty="0" smtClean="0">
+                <a:solidFill>
+                  <a:srgbClr val="3D8EFF"/>
+                </a:solidFill>
+                <a:latin typeface="Proxima Nova"/>
+                <a:ea typeface="Proxima Nova"/>
+                <a:cs typeface="Proxima Nova"/>
+                <a:sym typeface="Proxima Nova"/>
+              </a:rPr>
+              <a:t>Mobile</a:t>
+            </a:r>
+            <a:endParaRPr sz="2400" b="1" dirty="0">
+              <a:solidFill>
+                <a:srgbClr val="3D8EFF"/>
+              </a:solidFill>
+              <a:latin typeface="Proxima Nova"/>
+              <a:ea typeface="Proxima Nova"/>
+              <a:cs typeface="Proxima Nova"/>
+              <a:sym typeface="Proxima Nova"/>
+            </a:endParaRPr>
+          </a:p>
+          <a:p>
+            <a:pPr marL="0" lvl="0" indent="0" algn="l" rtl="0">
+              <a:spcBef>
+                <a:spcPts val="0"/>
+              </a:spcBef>
+              <a:spcAft>
+                <a:spcPts val="0"/>
+              </a:spcAft>
+              <a:buNone/>
+            </a:pPr>
+            <a:r>
+              <a:rPr lang="es-CL" sz="1800" dirty="0">
+                <a:solidFill>
+                  <a:srgbClr val="222222"/>
+                </a:solidFill>
+                <a:latin typeface="Proxima Nova"/>
+                <a:ea typeface="Proxima Nova"/>
+                <a:cs typeface="Proxima Nova"/>
+                <a:sym typeface="Proxima Nova"/>
+              </a:rPr>
+              <a:t>Es la </a:t>
+            </a:r>
+            <a:r>
+              <a:rPr lang="es-CL" sz="1800" b="1" dirty="0" smtClean="0">
+                <a:solidFill>
+                  <a:srgbClr val="222222"/>
+                </a:solidFill>
+                <a:latin typeface="Proxima Nova"/>
+                <a:ea typeface="Proxima Nova"/>
+                <a:cs typeface="Proxima Nova"/>
+                <a:sym typeface="Proxima Nova"/>
+              </a:rPr>
+              <a:t>categoría de dispositivo </a:t>
+            </a:r>
+            <a:r>
+              <a:rPr lang="es-CL" sz="1800" dirty="0">
+                <a:solidFill>
+                  <a:srgbClr val="222222"/>
+                </a:solidFill>
+                <a:latin typeface="Proxima Nova"/>
+                <a:ea typeface="Proxima Nova"/>
+                <a:cs typeface="Proxima Nova"/>
+                <a:sym typeface="Proxima Nova"/>
+              </a:rPr>
+              <a:t>con la </a:t>
+            </a:r>
+            <a:r>
+              <a:rPr lang="es-CL" sz="1800" dirty="0" smtClean="0">
+                <a:solidFill>
+                  <a:srgbClr val="222222"/>
+                </a:solidFill>
+                <a:latin typeface="Proxima Nova"/>
+                <a:ea typeface="Proxima Nova"/>
+                <a:cs typeface="Proxima Nova"/>
+                <a:sym typeface="Proxima Nova"/>
+              </a:rPr>
+              <a:t>que los </a:t>
+            </a:r>
+            <a:r>
+              <a:rPr lang="es-CL" sz="1800" dirty="0">
+                <a:solidFill>
+                  <a:srgbClr val="222222"/>
+                </a:solidFill>
+                <a:latin typeface="Proxima Nova"/>
+                <a:ea typeface="Proxima Nova"/>
+                <a:cs typeface="Proxima Nova"/>
+                <a:sym typeface="Proxima Nova"/>
+              </a:rPr>
+              <a:t>usuarios entraron </a:t>
+            </a:r>
+            <a:r>
+              <a:rPr lang="es-CL" sz="1800" dirty="0" smtClean="0">
+                <a:solidFill>
+                  <a:srgbClr val="222222"/>
+                </a:solidFill>
+                <a:latin typeface="Proxima Nova"/>
+                <a:ea typeface="Proxima Nova"/>
+                <a:cs typeface="Proxima Nova"/>
+                <a:sym typeface="Proxima Nova"/>
+              </a:rPr>
+              <a:t>más a </a:t>
+            </a:r>
+            <a:r>
+              <a:rPr lang="es-CL" sz="1800" dirty="0">
+                <a:solidFill>
+                  <a:srgbClr val="222222"/>
+                </a:solidFill>
+                <a:latin typeface="Proxima Nova"/>
+                <a:ea typeface="Proxima Nova"/>
+                <a:cs typeface="Proxima Nova"/>
+                <a:sym typeface="Proxima Nova"/>
+              </a:rPr>
+              <a:t>la </a:t>
+            </a:r>
+            <a:r>
+              <a:rPr lang="es-CL" sz="1800" dirty="0" smtClean="0">
+                <a:solidFill>
+                  <a:srgbClr val="222222"/>
+                </a:solidFill>
+                <a:latin typeface="Proxima Nova"/>
+                <a:ea typeface="Proxima Nova"/>
+                <a:cs typeface="Proxima Nova"/>
+                <a:sym typeface="Proxima Nova"/>
+              </a:rPr>
+              <a:t>campaña/ tienda oficial.</a:t>
+            </a:r>
+            <a:endParaRPr sz="1800" b="1" dirty="0">
+              <a:solidFill>
+                <a:srgbClr val="222222"/>
+              </a:solidFill>
+              <a:latin typeface="Proxima Nova"/>
+              <a:ea typeface="Proxima Nova"/>
+              <a:cs typeface="Proxima Nova"/>
+              <a:sym typeface="Proxima Nova"/>
+            </a:endParaRPr>
+          </a:p>
+        </p:txBody>
+      </p:sp>
+      <p:sp>
+        <p:nvSpPr>
+          <p:cNvPr id="9" name="Google Shape;298;p47">
+            <a:extLst>
+              <a:ext uri="{FF2B5EF4-FFF2-40B4-BE49-F238E27FC236}">
+                <a16:creationId xmlns:a16="http://schemas.microsoft.com/office/drawing/2014/main" id="{D2332C4B-71BB-441D-A28B-FFA3D43E22AC}"/>
+              </a:ext>
+            </a:extLst>
+          </p:cNvPr>
+          <p:cNvSpPr txBox="1"/>
+          <p:nvPr/>
+        </p:nvSpPr>
+        <p:spPr>
+          <a:xfrm>
+            <a:off x="120374" y="97525"/>
+            <a:ext cx="2614875" cy="384000"/>
+          </a:xfrm>
+          <a:prstGeom prst="rect">
+            <a:avLst/>
+          </a:prstGeom>
+          <a:noFill/>
+          <a:ln>
+            <a:noFill/>
+          </a:ln>
+        </p:spPr>
+        <p:txBody>
+          <a:bodyPr spcFirstLastPara="1" wrap="square" lIns="91425" tIns="91425" rIns="91425" bIns="91425" anchor="t" anchorCtr="0">
+            <a:noAutofit/>
+          </a:bodyPr>
+          <a:lstStyle/>
+          <a:p>
+            <a:pPr marL="0" lvl="0" indent="0" algn="l" rtl="0">
+              <a:spcBef>
+                <a:spcPts val="0"/>
+              </a:spcBef>
+              <a:spcAft>
+                <a:spcPts val="0"/>
+              </a:spcAft>
+              <a:buNone/>
+            </a:pPr>
+            <a:r>
+              <a:rPr lang="es-CL" dirty="0" smtClean="0">
+                <a:solidFill>
+                  <a:srgbClr val="AAAAAA"/>
+                </a:solidFill>
+                <a:latin typeface="Proxima Nova"/>
+                <a:ea typeface="Proxima Nova"/>
+                <a:cs typeface="Proxima Nova"/>
+                <a:sym typeface="Proxima Nova"/>
+              </a:rPr>
+              <a:t>Categoría de dispositivo</a:t>
+            </a:r>
+            <a:endParaRPr dirty="0">
+              <a:solidFill>
+                <a:srgbClr val="AAAAAA"/>
+              </a:solidFill>
+              <a:latin typeface="Proxima Nova"/>
+              <a:ea typeface="Proxima Nova"/>
+              <a:cs typeface="Proxima Nova"/>
+              <a:sym typeface="Proxima Nova"/>
+            </a:endParaRPr>
+          </a:p>
+        </p:txBody>
+      </p:sp>
+      <p:pic>
+        <p:nvPicPr>
+          <p:cNvPr id="4" name="Google Shape;301;p47"/>
+          <p:cNvPicPr preferRelativeResize="0"/>
+          <p:nvPr/>
+        </p:nvPicPr>
+        <p:blipFill>
+          <a:blip r:embed="rId3">
+            <a:alphaModFix/>
+          </a:blip>
+          <a:stretch>
+            <a:fillRect/>
+          </a:stretch>
+        </p:blipFill>
+        <p:spPr>
+          <a:xfrm>
+            <a:off x="8622600" y="4713448"/>
+            <a:ext cx="415100" cy="288100"/>
+          </a:xfrm>
+          <a:prstGeom prst="rect">
+            <a:avLst/>
+          </a:prstGeom>
+          <a:noFill/>
+          <a:ln>
+            <a:noFill/>
+          </a:ln>
+        </p:spPr>
+      </p:pic>
+    </p:spTree>
+    <p:extLst>
+      <p:ext uri="{BB962C8B-B14F-4D97-AF65-F5344CB8AC3E}">
+        <p14:creationId xmlns:p14="http://schemas.microsoft.com/office/powerpoint/2010/main" val="3546678203"/>
+      </p:ext>
+    </p:extLst>
+  </p:cSld>
+  <p:clrMapOvr>
+    <a:masterClrMapping/>
+  </p:clrMapOvr>
+  <p:timing>
+    <p:tnLst>
+      <p:par>
+        <p:cTn id="1" dur="indefinite" restart="never" nodeType="tmRoot"/>
+      </p:par>
+    </p:tnLst>
+  </p:timing>
+</p:sld>
+</file>
+
+<file path=ppt/slides/slide13.xml><?xml version="1.0" encoding="utf-8"?>
 <p:sld xmlns:a="http://schemas.openxmlformats.org/drawingml/2006/main" xmlns:r="http://schemas.openxmlformats.org/officeDocument/2006/relationships" xmlns:p="http://schemas.openxmlformats.org/presentationml/2006/main">
   <p:cSld>
     <p:spTree>
@@ -15365,10 +13538,2821 @@
           </a:p>
         </p:txBody>
       </p:sp>
+      <p:pic>
+        <p:nvPicPr>
+          <p:cNvPr id="4" name="Google Shape;343;p51"/>
+          <p:cNvPicPr preferRelativeResize="0"/>
+          <p:nvPr/>
+        </p:nvPicPr>
+        <p:blipFill>
+          <a:blip r:embed="rId3">
+            <a:alphaModFix/>
+          </a:blip>
+          <a:stretch>
+            <a:fillRect/>
+          </a:stretch>
+        </p:blipFill>
+        <p:spPr>
+          <a:xfrm>
+            <a:off x="8622600" y="4713448"/>
+            <a:ext cx="415100" cy="288100"/>
+          </a:xfrm>
+          <a:prstGeom prst="rect">
+            <a:avLst/>
+          </a:prstGeom>
+          <a:noFill/>
+          <a:ln>
+            <a:noFill/>
+          </a:ln>
+        </p:spPr>
+      </p:pic>
     </p:spTree>
     <p:extLst>
       <p:ext uri="{BB962C8B-B14F-4D97-AF65-F5344CB8AC3E}">
-        <p14:creationId xmlns:p14="http://schemas.microsoft.com/office/powerpoint/2010/main" val="3546678203"/>
+        <p14:creationId xmlns:p14="http://schemas.microsoft.com/office/powerpoint/2010/main" val="926715521"/>
+      </p:ext>
+    </p:extLst>
+  </p:cSld>
+  <p:clrMapOvr>
+    <a:masterClrMapping/>
+  </p:clrMapOvr>
+  <p:timing>
+    <p:tnLst>
+      <p:par>
+        <p:cTn id="1" dur="indefinite" restart="never" nodeType="tmRoot"/>
+      </p:par>
+    </p:tnLst>
+  </p:timing>
+</p:sld>
+</file>
+
+<file path=ppt/slides/slide14.xml><?xml version="1.0" encoding="utf-8"?>
+<p:sld xmlns:a="http://schemas.openxmlformats.org/drawingml/2006/main" xmlns:r="http://schemas.openxmlformats.org/officeDocument/2006/relationships" xmlns:p="http://schemas.openxmlformats.org/presentationml/2006/main">
+  <p:cSld>
+    <p:spTree>
+      <p:nvGrpSpPr>
+        <p:cNvPr id="1" name="Shape 600"/>
+        <p:cNvGrpSpPr/>
+        <p:nvPr/>
+      </p:nvGrpSpPr>
+      <p:grpSpPr>
+        <a:xfrm>
+          <a:off x="0" y="0"/>
+          <a:ext cx="0" cy="0"/>
+          <a:chOff x="0" y="0"/>
+          <a:chExt cx="0" cy="0"/>
+        </a:xfrm>
+      </p:grpSpPr>
+      <p:sp>
+        <p:nvSpPr>
+          <p:cNvPr id="606" name="Google Shape;606;p78"/>
+          <p:cNvSpPr txBox="1"/>
+          <p:nvPr/>
+        </p:nvSpPr>
+        <p:spPr>
+          <a:xfrm>
+            <a:off x="6471328" y="1842405"/>
+            <a:ext cx="2217000" cy="1303500"/>
+          </a:xfrm>
+          <a:prstGeom prst="rect">
+            <a:avLst/>
+          </a:prstGeom>
+          <a:noFill/>
+          <a:ln>
+            <a:noFill/>
+          </a:ln>
+        </p:spPr>
+        <p:txBody>
+          <a:bodyPr spcFirstLastPara="1" wrap="square" lIns="91425" tIns="91425" rIns="91425" bIns="91425" anchor="t" anchorCtr="0">
+            <a:noAutofit/>
+          </a:bodyPr>
+          <a:lstStyle/>
+          <a:p>
+            <a:pPr marL="0" lvl="0" indent="0" algn="l" rtl="0">
+              <a:spcBef>
+                <a:spcPts val="0"/>
+              </a:spcBef>
+              <a:spcAft>
+                <a:spcPts val="0"/>
+              </a:spcAft>
+              <a:buNone/>
+            </a:pPr>
+            <a:r>
+              <a:rPr lang="en" sz="3000" b="1" dirty="0" smtClean="0">
+                <a:solidFill>
+                  <a:srgbClr val="3D8EFF"/>
+                </a:solidFill>
+                <a:latin typeface="Proxima Nova"/>
+                <a:ea typeface="Proxima Nova"/>
+                <a:cs typeface="Proxima Nova"/>
+                <a:sym typeface="Proxima Nova"/>
+              </a:rPr>
+              <a:t>X%</a:t>
+            </a:r>
+            <a:endParaRPr lang="en" sz="3000" b="1" dirty="0">
+              <a:solidFill>
+                <a:srgbClr val="3D8EFF"/>
+              </a:solidFill>
+              <a:latin typeface="Proxima Nova"/>
+              <a:ea typeface="Proxima Nova"/>
+              <a:cs typeface="Proxima Nova"/>
+              <a:sym typeface="Proxima Nova"/>
+            </a:endParaRPr>
+          </a:p>
+          <a:p>
+            <a:pPr marL="0" lvl="0" indent="0" algn="l" rtl="0">
+              <a:spcBef>
+                <a:spcPts val="0"/>
+              </a:spcBef>
+              <a:spcAft>
+                <a:spcPts val="0"/>
+              </a:spcAft>
+              <a:buNone/>
+            </a:pPr>
+            <a:r>
+              <a:rPr lang="es-CL" sz="1800" dirty="0">
+                <a:solidFill>
+                  <a:srgbClr val="222222"/>
+                </a:solidFill>
+                <a:latin typeface="Proxima Nova"/>
+                <a:ea typeface="Proxima Nova"/>
+                <a:cs typeface="Proxima Nova"/>
+                <a:sym typeface="Proxima Nova"/>
+              </a:rPr>
+              <a:t>fueron visitantes </a:t>
+            </a:r>
+            <a:r>
+              <a:rPr lang="es-CL" sz="1800" b="1" dirty="0" smtClean="0">
+                <a:solidFill>
+                  <a:srgbClr val="222222"/>
+                </a:solidFill>
+                <a:latin typeface="Proxima Nova"/>
+                <a:ea typeface="Proxima Nova"/>
+                <a:cs typeface="Proxima Nova"/>
+                <a:sym typeface="Proxima Nova"/>
+              </a:rPr>
+              <a:t>recurrentes</a:t>
+            </a:r>
+            <a:r>
+              <a:rPr lang="es-CL" sz="1800" dirty="0" smtClean="0">
+                <a:solidFill>
+                  <a:srgbClr val="222222"/>
+                </a:solidFill>
+                <a:latin typeface="Proxima Nova"/>
+                <a:ea typeface="Proxima Nova"/>
+                <a:cs typeface="Proxima Nova"/>
+                <a:sym typeface="Proxima Nova"/>
+              </a:rPr>
+              <a:t>. </a:t>
+            </a:r>
+            <a:r>
+              <a:rPr lang="es-CL" dirty="0">
+                <a:solidFill>
+                  <a:srgbClr val="222222"/>
+                </a:solidFill>
+                <a:latin typeface="Proxima Nova"/>
+                <a:ea typeface="Proxima Nova"/>
+                <a:cs typeface="Proxima Nova"/>
+                <a:sym typeface="Proxima Nova"/>
+              </a:rPr>
+              <a:t>En el sitio, </a:t>
+            </a:r>
+            <a:r>
+              <a:rPr lang="es-CL" b="1" dirty="0">
+                <a:solidFill>
+                  <a:srgbClr val="222222"/>
+                </a:solidFill>
+                <a:latin typeface="Proxima Nova"/>
+                <a:ea typeface="Proxima Nova"/>
+                <a:cs typeface="Proxima Nova"/>
+                <a:sym typeface="Proxima Nova"/>
+              </a:rPr>
+              <a:t>solamente </a:t>
+            </a:r>
+            <a:r>
+              <a:rPr lang="es-CL" b="1" dirty="0" smtClean="0">
+                <a:solidFill>
+                  <a:srgbClr val="222222"/>
+                </a:solidFill>
+                <a:latin typeface="Proxima Nova"/>
+                <a:ea typeface="Proxima Nova"/>
+                <a:cs typeface="Proxima Nova"/>
+                <a:sym typeface="Proxima Nova"/>
+              </a:rPr>
+              <a:t>X% </a:t>
+            </a:r>
+            <a:r>
+              <a:rPr lang="es-CL" dirty="0">
+                <a:solidFill>
+                  <a:srgbClr val="222222"/>
+                </a:solidFill>
+                <a:latin typeface="Proxima Nova"/>
+                <a:ea typeface="Proxima Nova"/>
+                <a:cs typeface="Proxima Nova"/>
+                <a:sym typeface="Proxima Nova"/>
+              </a:rPr>
+              <a:t>de los visitantes fueron nuevos.</a:t>
+            </a:r>
+            <a:endParaRPr sz="1800" b="1" dirty="0">
+              <a:solidFill>
+                <a:srgbClr val="222222"/>
+              </a:solidFill>
+              <a:latin typeface="Proxima Nova"/>
+              <a:ea typeface="Proxima Nova"/>
+              <a:cs typeface="Proxima Nova"/>
+              <a:sym typeface="Proxima Nova"/>
+            </a:endParaRPr>
+          </a:p>
+        </p:txBody>
+      </p:sp>
+      <p:sp>
+        <p:nvSpPr>
+          <p:cNvPr id="9" name="Google Shape;298;p47">
+            <a:extLst>
+              <a:ext uri="{FF2B5EF4-FFF2-40B4-BE49-F238E27FC236}">
+                <a16:creationId xmlns:a16="http://schemas.microsoft.com/office/drawing/2014/main" id="{D2332C4B-71BB-441D-A28B-FFA3D43E22AC}"/>
+              </a:ext>
+            </a:extLst>
+          </p:cNvPr>
+          <p:cNvSpPr txBox="1"/>
+          <p:nvPr/>
+        </p:nvSpPr>
+        <p:spPr>
+          <a:xfrm>
+            <a:off x="120374" y="97525"/>
+            <a:ext cx="2614875" cy="384000"/>
+          </a:xfrm>
+          <a:prstGeom prst="rect">
+            <a:avLst/>
+          </a:prstGeom>
+          <a:noFill/>
+          <a:ln>
+            <a:noFill/>
+          </a:ln>
+        </p:spPr>
+        <p:txBody>
+          <a:bodyPr spcFirstLastPara="1" wrap="square" lIns="91425" tIns="91425" rIns="91425" bIns="91425" anchor="t" anchorCtr="0">
+            <a:noAutofit/>
+          </a:bodyPr>
+          <a:lstStyle/>
+          <a:p>
+            <a:pPr marL="0" lvl="0" indent="0" algn="l" rtl="0">
+              <a:spcBef>
+                <a:spcPts val="0"/>
+              </a:spcBef>
+              <a:spcAft>
+                <a:spcPts val="0"/>
+              </a:spcAft>
+              <a:buNone/>
+            </a:pPr>
+            <a:r>
+              <a:rPr lang="es-CL" dirty="0" smtClean="0">
+                <a:solidFill>
+                  <a:srgbClr val="AAAAAA"/>
+                </a:solidFill>
+                <a:latin typeface="Proxima Nova"/>
+                <a:ea typeface="Proxima Nova"/>
+                <a:cs typeface="Proxima Nova"/>
+                <a:sym typeface="Proxima Nova"/>
+              </a:rPr>
+              <a:t>Tipo de usuario</a:t>
+            </a:r>
+            <a:endParaRPr dirty="0">
+              <a:solidFill>
+                <a:srgbClr val="AAAAAA"/>
+              </a:solidFill>
+              <a:latin typeface="Proxima Nova"/>
+              <a:ea typeface="Proxima Nova"/>
+              <a:cs typeface="Proxima Nova"/>
+              <a:sym typeface="Proxima Nova"/>
+            </a:endParaRPr>
+          </a:p>
+        </p:txBody>
+      </p:sp>
+      <p:pic>
+        <p:nvPicPr>
+          <p:cNvPr id="4" name="Google Shape;343;p51"/>
+          <p:cNvPicPr preferRelativeResize="0"/>
+          <p:nvPr/>
+        </p:nvPicPr>
+        <p:blipFill>
+          <a:blip r:embed="rId3">
+            <a:alphaModFix/>
+          </a:blip>
+          <a:stretch>
+            <a:fillRect/>
+          </a:stretch>
+        </p:blipFill>
+        <p:spPr>
+          <a:xfrm>
+            <a:off x="8622600" y="4713448"/>
+            <a:ext cx="415100" cy="288100"/>
+          </a:xfrm>
+          <a:prstGeom prst="rect">
+            <a:avLst/>
+          </a:prstGeom>
+          <a:noFill/>
+          <a:ln>
+            <a:noFill/>
+          </a:ln>
+        </p:spPr>
+      </p:pic>
+    </p:spTree>
+    <p:extLst>
+      <p:ext uri="{BB962C8B-B14F-4D97-AF65-F5344CB8AC3E}">
+        <p14:creationId xmlns:p14="http://schemas.microsoft.com/office/powerpoint/2010/main" val="2426433194"/>
+      </p:ext>
+    </p:extLst>
+  </p:cSld>
+  <p:clrMapOvr>
+    <a:masterClrMapping/>
+  </p:clrMapOvr>
+  <p:timing>
+    <p:tnLst>
+      <p:par>
+        <p:cTn id="1" dur="indefinite" restart="never" nodeType="tmRoot"/>
+      </p:par>
+    </p:tnLst>
+  </p:timing>
+</p:sld>
+</file>
+
+<file path=ppt/slides/slide15.xml><?xml version="1.0" encoding="utf-8"?>
+<p:sld xmlns:a="http://schemas.openxmlformats.org/drawingml/2006/main" xmlns:r="http://schemas.openxmlformats.org/officeDocument/2006/relationships" xmlns:p="http://schemas.openxmlformats.org/presentationml/2006/main">
+  <p:cSld>
+    <p:spTree>
+      <p:nvGrpSpPr>
+        <p:cNvPr id="1" name="Shape 338"/>
+        <p:cNvGrpSpPr/>
+        <p:nvPr/>
+      </p:nvGrpSpPr>
+      <p:grpSpPr>
+        <a:xfrm>
+          <a:off x="0" y="0"/>
+          <a:ext cx="0" cy="0"/>
+          <a:chOff x="0" y="0"/>
+          <a:chExt cx="0" cy="0"/>
+        </a:xfrm>
+      </p:grpSpPr>
+      <p:sp>
+        <p:nvSpPr>
+          <p:cNvPr id="10" name="Rectángulo 9">
+            <a:extLst>
+              <a:ext uri="{FF2B5EF4-FFF2-40B4-BE49-F238E27FC236}">
+                <a16:creationId xmlns:a16="http://schemas.microsoft.com/office/drawing/2014/main" id="{CF692691-0324-4977-AC07-5F98AA5EA506}"/>
+              </a:ext>
+            </a:extLst>
+          </p:cNvPr>
+          <p:cNvSpPr/>
+          <p:nvPr/>
+        </p:nvSpPr>
+        <p:spPr>
+          <a:xfrm>
+            <a:off x="-2435" y="-3020"/>
+            <a:ext cx="3050435" cy="5143500"/>
+          </a:xfrm>
+          <a:prstGeom prst="rect">
+            <a:avLst/>
+          </a:prstGeom>
+          <a:solidFill>
+            <a:srgbClr val="EEEEEE"/>
+          </a:solidFill>
+          <a:ln>
+            <a:noFill/>
+          </a:ln>
+        </p:spPr>
+        <p:style>
+          <a:lnRef idx="2">
+            <a:schemeClr val="accent1">
+              <a:shade val="50000"/>
+            </a:schemeClr>
+          </a:lnRef>
+          <a:fillRef idx="1">
+            <a:schemeClr val="accent1"/>
+          </a:fillRef>
+          <a:effectRef idx="0">
+            <a:schemeClr val="accent1"/>
+          </a:effectRef>
+          <a:fontRef idx="minor">
+            <a:schemeClr val="lt1"/>
+          </a:fontRef>
+        </p:style>
+        <p:txBody>
+          <a:bodyPr rtlCol="0" anchor="ctr"/>
+          <a:lstStyle/>
+          <a:p>
+            <a:pPr algn="ctr"/>
+            <a:endParaRPr lang="es-CL"/>
+          </a:p>
+        </p:txBody>
+      </p:sp>
+      <p:sp>
+        <p:nvSpPr>
+          <p:cNvPr id="340" name="Google Shape;340;p51"/>
+          <p:cNvSpPr txBox="1"/>
+          <p:nvPr/>
+        </p:nvSpPr>
+        <p:spPr>
+          <a:xfrm>
+            <a:off x="120375" y="97525"/>
+            <a:ext cx="2580784" cy="384000"/>
+          </a:xfrm>
+          <a:prstGeom prst="rect">
+            <a:avLst/>
+          </a:prstGeom>
+          <a:noFill/>
+          <a:ln>
+            <a:noFill/>
+          </a:ln>
+        </p:spPr>
+        <p:txBody>
+          <a:bodyPr spcFirstLastPara="1" wrap="square" lIns="91425" tIns="91425" rIns="91425" bIns="91425" anchor="t" anchorCtr="0">
+            <a:noAutofit/>
+          </a:bodyPr>
+          <a:lstStyle/>
+          <a:p>
+            <a:pPr marL="0" lvl="0" indent="0" algn="l" rtl="0">
+              <a:spcBef>
+                <a:spcPts val="0"/>
+              </a:spcBef>
+              <a:spcAft>
+                <a:spcPts val="0"/>
+              </a:spcAft>
+              <a:buNone/>
+            </a:pPr>
+            <a:r>
+              <a:rPr lang="es-CL" dirty="0">
+                <a:solidFill>
+                  <a:srgbClr val="AAAAAA"/>
+                </a:solidFill>
+                <a:latin typeface="Proxima Nova"/>
+                <a:ea typeface="Proxima Nova"/>
+                <a:cs typeface="Proxima Nova"/>
+                <a:sym typeface="Proxima Nova"/>
+              </a:rPr>
+              <a:t>Audiencia - Afinidad</a:t>
+            </a:r>
+            <a:endParaRPr dirty="0">
+              <a:solidFill>
+                <a:srgbClr val="AAAAAA"/>
+              </a:solidFill>
+              <a:latin typeface="Proxima Nova"/>
+              <a:ea typeface="Proxima Nova"/>
+              <a:cs typeface="Proxima Nova"/>
+              <a:sym typeface="Proxima Nova"/>
+            </a:endParaRPr>
+          </a:p>
+        </p:txBody>
+      </p:sp>
+      <p:sp>
+        <p:nvSpPr>
+          <p:cNvPr id="12" name="Google Shape;339;p51">
+            <a:extLst>
+              <a:ext uri="{FF2B5EF4-FFF2-40B4-BE49-F238E27FC236}">
+                <a16:creationId xmlns:a16="http://schemas.microsoft.com/office/drawing/2014/main" id="{93F590E9-8111-4178-A95D-46D7C2468D7C}"/>
+              </a:ext>
+            </a:extLst>
+          </p:cNvPr>
+          <p:cNvSpPr txBox="1"/>
+          <p:nvPr/>
+        </p:nvSpPr>
+        <p:spPr>
+          <a:xfrm>
+            <a:off x="279257" y="673858"/>
+            <a:ext cx="2568172" cy="1981964"/>
+          </a:xfrm>
+          <a:prstGeom prst="rect">
+            <a:avLst/>
+          </a:prstGeom>
+          <a:noFill/>
+          <a:ln>
+            <a:noFill/>
+          </a:ln>
+        </p:spPr>
+        <p:txBody>
+          <a:bodyPr spcFirstLastPara="1" wrap="square" lIns="91425" tIns="91425" rIns="91425" bIns="91425" anchor="t" anchorCtr="0">
+            <a:noAutofit/>
+          </a:bodyPr>
+          <a:lstStyle/>
+          <a:p>
+            <a:pPr marL="0" lvl="0" indent="0" algn="l" rtl="0">
+              <a:spcBef>
+                <a:spcPts val="0"/>
+              </a:spcBef>
+              <a:spcAft>
+                <a:spcPts val="0"/>
+              </a:spcAft>
+              <a:buNone/>
+            </a:pPr>
+            <a:r>
+              <a:rPr lang="es-CL" sz="2400" dirty="0">
+                <a:solidFill>
+                  <a:srgbClr val="333333"/>
+                </a:solidFill>
+                <a:latin typeface="Proxima Nova"/>
+                <a:ea typeface="Proxima Nova"/>
+                <a:cs typeface="Proxima Nova"/>
+                <a:sym typeface="Proxima Nova"/>
+              </a:rPr>
+              <a:t>Segmentos donde los usuarios tienen </a:t>
+            </a:r>
+            <a:r>
+              <a:rPr lang="es-CL" sz="2400" b="1" dirty="0">
+                <a:solidFill>
+                  <a:srgbClr val="333333"/>
+                </a:solidFill>
+                <a:latin typeface="Proxima Nova"/>
+                <a:ea typeface="Proxima Nova"/>
+                <a:cs typeface="Proxima Nova"/>
+                <a:sym typeface="Proxima Nova"/>
+              </a:rPr>
+              <a:t>más predisposición a comprar </a:t>
+            </a:r>
+            <a:r>
+              <a:rPr lang="es-CL" sz="2400" dirty="0">
+                <a:solidFill>
+                  <a:srgbClr val="333333"/>
+                </a:solidFill>
+                <a:latin typeface="Proxima Nova"/>
+                <a:ea typeface="Proxima Nova"/>
+                <a:cs typeface="Proxima Nova"/>
+                <a:sym typeface="Proxima Nova"/>
+              </a:rPr>
+              <a:t>productos o servicios de la categoría especificada.</a:t>
+            </a:r>
+            <a:endParaRPr sz="2400" dirty="0">
+              <a:solidFill>
+                <a:srgbClr val="333333"/>
+              </a:solidFill>
+              <a:latin typeface="Proxima Nova"/>
+              <a:ea typeface="Proxima Nova"/>
+              <a:cs typeface="Proxima Nova"/>
+              <a:sym typeface="Proxima Nova"/>
+            </a:endParaRPr>
+          </a:p>
+        </p:txBody>
+      </p:sp>
+      <p:pic>
+        <p:nvPicPr>
+          <p:cNvPr id="343" name="Google Shape;343;p51"/>
+          <p:cNvPicPr preferRelativeResize="0"/>
+          <p:nvPr/>
+        </p:nvPicPr>
+        <p:blipFill>
+          <a:blip r:embed="rId3">
+            <a:alphaModFix/>
+          </a:blip>
+          <a:stretch>
+            <a:fillRect/>
+          </a:stretch>
+        </p:blipFill>
+        <p:spPr>
+          <a:xfrm>
+            <a:off x="8622600" y="4713448"/>
+            <a:ext cx="415100" cy="288100"/>
+          </a:xfrm>
+          <a:prstGeom prst="rect">
+            <a:avLst/>
+          </a:prstGeom>
+          <a:noFill/>
+          <a:ln>
+            <a:noFill/>
+          </a:ln>
+        </p:spPr>
+      </p:pic>
+    </p:spTree>
+    <p:extLst>
+      <p:ext uri="{BB962C8B-B14F-4D97-AF65-F5344CB8AC3E}">
+        <p14:creationId xmlns:p14="http://schemas.microsoft.com/office/powerpoint/2010/main" val="2759605628"/>
+      </p:ext>
+    </p:extLst>
+  </p:cSld>
+  <p:clrMapOvr>
+    <a:masterClrMapping/>
+  </p:clrMapOvr>
+  <p:timing>
+    <p:tnLst>
+      <p:par>
+        <p:cTn id="1" dur="indefinite" restart="never" nodeType="tmRoot"/>
+      </p:par>
+    </p:tnLst>
+  </p:timing>
+</p:sld>
+</file>
+
+<file path=ppt/slides/slide16.xml><?xml version="1.0" encoding="utf-8"?>
+<p:sld xmlns:a="http://schemas.openxmlformats.org/drawingml/2006/main" xmlns:r="http://schemas.openxmlformats.org/officeDocument/2006/relationships" xmlns:p="http://schemas.openxmlformats.org/presentationml/2006/main">
+  <p:cSld>
+    <p:spTree>
+      <p:nvGrpSpPr>
+        <p:cNvPr id="1" name="Shape 213"/>
+        <p:cNvGrpSpPr/>
+        <p:nvPr/>
+      </p:nvGrpSpPr>
+      <p:grpSpPr>
+        <a:xfrm>
+          <a:off x="0" y="0"/>
+          <a:ext cx="0" cy="0"/>
+          <a:chOff x="0" y="0"/>
+          <a:chExt cx="0" cy="0"/>
+        </a:xfrm>
+      </p:grpSpPr>
+      <p:pic>
+        <p:nvPicPr>
+          <p:cNvPr id="214" name="Google Shape;214;p39"/>
+          <p:cNvPicPr preferRelativeResize="0"/>
+          <p:nvPr/>
+        </p:nvPicPr>
+        <p:blipFill>
+          <a:blip r:embed="rId3">
+            <a:alphaModFix/>
+          </a:blip>
+          <a:stretch>
+            <a:fillRect/>
+          </a:stretch>
+        </p:blipFill>
+        <p:spPr>
+          <a:xfrm>
+            <a:off x="2159526" y="2252451"/>
+            <a:ext cx="4824950" cy="638600"/>
+          </a:xfrm>
+          <a:prstGeom prst="rect">
+            <a:avLst/>
+          </a:prstGeom>
+          <a:noFill/>
+          <a:ln>
+            <a:noFill/>
+          </a:ln>
+        </p:spPr>
+      </p:pic>
+    </p:spTree>
+  </p:cSld>
+  <p:clrMapOvr>
+    <a:masterClrMapping/>
+  </p:clrMapOvr>
+  <p:timing>
+    <p:tnLst>
+      <p:par>
+        <p:cTn id="1" dur="indefinite" restart="never" nodeType="tmRoot"/>
+      </p:par>
+    </p:tnLst>
+  </p:timing>
+</p:sld>
+</file>
+
+<file path=ppt/slides/slide2.xml><?xml version="1.0" encoding="utf-8"?>
+<p:sld xmlns:a="http://schemas.openxmlformats.org/drawingml/2006/main" xmlns:r="http://schemas.openxmlformats.org/officeDocument/2006/relationships" xmlns:p="http://schemas.openxmlformats.org/presentationml/2006/main">
+  <p:cSld>
+    <p:spTree>
+      <p:nvGrpSpPr>
+        <p:cNvPr id="1" name="Shape 295"/>
+        <p:cNvGrpSpPr/>
+        <p:nvPr/>
+      </p:nvGrpSpPr>
+      <p:grpSpPr>
+        <a:xfrm>
+          <a:off x="0" y="0"/>
+          <a:ext cx="0" cy="0"/>
+          <a:chOff x="0" y="0"/>
+          <a:chExt cx="0" cy="0"/>
+        </a:xfrm>
+      </p:grpSpPr>
+      <p:sp>
+        <p:nvSpPr>
+          <p:cNvPr id="5" name="Rectángulo 4">
+            <a:extLst>
+              <a:ext uri="{FF2B5EF4-FFF2-40B4-BE49-F238E27FC236}">
+                <a16:creationId xmlns:a16="http://schemas.microsoft.com/office/drawing/2014/main" id="{25FE02A9-F4BA-47EE-969F-6D653E0A6409}"/>
+              </a:ext>
+            </a:extLst>
+          </p:cNvPr>
+          <p:cNvSpPr/>
+          <p:nvPr/>
+        </p:nvSpPr>
+        <p:spPr>
+          <a:xfrm>
+            <a:off x="5769968" y="0"/>
+            <a:ext cx="3584028" cy="5143500"/>
+          </a:xfrm>
+          <a:prstGeom prst="rect">
+            <a:avLst/>
+          </a:prstGeom>
+          <a:solidFill>
+            <a:srgbClr val="EEEEEE"/>
+          </a:solidFill>
+          <a:ln>
+            <a:noFill/>
+          </a:ln>
+        </p:spPr>
+        <p:style>
+          <a:lnRef idx="2">
+            <a:schemeClr val="accent1">
+              <a:shade val="50000"/>
+            </a:schemeClr>
+          </a:lnRef>
+          <a:fillRef idx="1">
+            <a:schemeClr val="accent1"/>
+          </a:fillRef>
+          <a:effectRef idx="0">
+            <a:schemeClr val="accent1"/>
+          </a:effectRef>
+          <a:fontRef idx="minor">
+            <a:schemeClr val="lt1"/>
+          </a:fontRef>
+        </p:style>
+        <p:txBody>
+          <a:bodyPr rtlCol="0" anchor="ctr"/>
+          <a:lstStyle/>
+          <a:p>
+            <a:pPr algn="ctr"/>
+            <a:endParaRPr lang="es-CL"/>
+          </a:p>
+        </p:txBody>
+      </p:sp>
+      <p:sp>
+        <p:nvSpPr>
+          <p:cNvPr id="297" name="Google Shape;297;p47"/>
+          <p:cNvSpPr txBox="1"/>
+          <p:nvPr/>
+        </p:nvSpPr>
+        <p:spPr>
+          <a:xfrm>
+            <a:off x="5917500" y="2012092"/>
+            <a:ext cx="3288964" cy="651642"/>
+          </a:xfrm>
+          <a:prstGeom prst="rect">
+            <a:avLst/>
+          </a:prstGeom>
+          <a:noFill/>
+          <a:ln>
+            <a:noFill/>
+          </a:ln>
+        </p:spPr>
+        <p:txBody>
+          <a:bodyPr spcFirstLastPara="1" wrap="square" lIns="91425" tIns="91425" rIns="91425" bIns="91425" anchor="t" anchorCtr="0">
+            <a:noAutofit/>
+          </a:bodyPr>
+          <a:lstStyle/>
+          <a:p>
+            <a:pPr marL="0" lvl="0" indent="0" algn="l" rtl="0">
+              <a:spcBef>
+                <a:spcPts val="0"/>
+              </a:spcBef>
+              <a:spcAft>
+                <a:spcPts val="0"/>
+              </a:spcAft>
+              <a:buNone/>
+            </a:pPr>
+            <a:r>
+              <a:rPr lang="en" sz="3200" b="1" dirty="0" smtClean="0">
+                <a:solidFill>
+                  <a:srgbClr val="3982F2"/>
+                </a:solidFill>
+                <a:latin typeface="Proxima Nova"/>
+                <a:ea typeface="Proxima Nova"/>
+                <a:cs typeface="Proxima Nova"/>
+                <a:sym typeface="Proxima Nova"/>
+              </a:rPr>
+              <a:t>Monthly </a:t>
+            </a:r>
+          </a:p>
+          <a:p>
+            <a:pPr marL="0" lvl="0" indent="0" algn="l" rtl="0">
+              <a:spcBef>
+                <a:spcPts val="0"/>
+              </a:spcBef>
+              <a:spcAft>
+                <a:spcPts val="0"/>
+              </a:spcAft>
+              <a:buNone/>
+            </a:pPr>
+            <a:r>
+              <a:rPr lang="en" sz="3200" b="1" dirty="0" smtClean="0">
+                <a:solidFill>
+                  <a:srgbClr val="3982F2"/>
+                </a:solidFill>
+                <a:latin typeface="Proxima Nova"/>
+                <a:ea typeface="Proxima Nova"/>
+                <a:cs typeface="Proxima Nova"/>
+                <a:sym typeface="Proxima Nova"/>
+              </a:rPr>
+              <a:t>Perfomance</a:t>
+            </a:r>
+            <a:endParaRPr sz="3200" dirty="0">
+              <a:solidFill>
+                <a:srgbClr val="666666"/>
+              </a:solidFill>
+              <a:latin typeface="Proxima Nova"/>
+              <a:ea typeface="Proxima Nova"/>
+              <a:cs typeface="Proxima Nova"/>
+              <a:sym typeface="Proxima Nova"/>
+            </a:endParaRPr>
+          </a:p>
+        </p:txBody>
+      </p:sp>
+      <p:sp>
+        <p:nvSpPr>
+          <p:cNvPr id="298" name="Google Shape;298;p47"/>
+          <p:cNvSpPr txBox="1"/>
+          <p:nvPr/>
+        </p:nvSpPr>
+        <p:spPr>
+          <a:xfrm>
+            <a:off x="7908540" y="73829"/>
+            <a:ext cx="1235460" cy="384000"/>
+          </a:xfrm>
+          <a:prstGeom prst="rect">
+            <a:avLst/>
+          </a:prstGeom>
+          <a:noFill/>
+          <a:ln>
+            <a:noFill/>
+          </a:ln>
+        </p:spPr>
+        <p:txBody>
+          <a:bodyPr spcFirstLastPara="1" wrap="square" lIns="91425" tIns="91425" rIns="91425" bIns="91425" anchor="t" anchorCtr="0">
+            <a:noAutofit/>
+          </a:bodyPr>
+          <a:lstStyle/>
+          <a:p>
+            <a:pPr marL="0" lvl="0" indent="0" algn="l" rtl="0">
+              <a:spcBef>
+                <a:spcPts val="0"/>
+              </a:spcBef>
+              <a:spcAft>
+                <a:spcPts val="0"/>
+              </a:spcAft>
+              <a:buNone/>
+            </a:pPr>
+            <a:r>
+              <a:rPr lang="es-CL" dirty="0" err="1" smtClean="0">
+                <a:solidFill>
+                  <a:schemeClr val="bg1">
+                    <a:lumMod val="65000"/>
+                  </a:schemeClr>
+                </a:solidFill>
+                <a:latin typeface="Proxima Nova"/>
+                <a:ea typeface="Proxima Nova"/>
+                <a:cs typeface="Proxima Nova"/>
+                <a:sym typeface="Proxima Nova"/>
+              </a:rPr>
+              <a:t>Purchase</a:t>
+            </a:r>
+            <a:endParaRPr dirty="0">
+              <a:solidFill>
+                <a:schemeClr val="bg1">
+                  <a:lumMod val="65000"/>
+                </a:schemeClr>
+              </a:solidFill>
+              <a:latin typeface="Proxima Nova"/>
+              <a:ea typeface="Proxima Nova"/>
+              <a:cs typeface="Proxima Nova"/>
+              <a:sym typeface="Proxima Nova"/>
+            </a:endParaRPr>
+          </a:p>
+        </p:txBody>
+      </p:sp>
+      <p:pic>
+        <p:nvPicPr>
+          <p:cNvPr id="301" name="Google Shape;301;p47"/>
+          <p:cNvPicPr preferRelativeResize="0"/>
+          <p:nvPr/>
+        </p:nvPicPr>
+        <p:blipFill>
+          <a:blip r:embed="rId3">
+            <a:alphaModFix/>
+          </a:blip>
+          <a:stretch>
+            <a:fillRect/>
+          </a:stretch>
+        </p:blipFill>
+        <p:spPr>
+          <a:xfrm>
+            <a:off x="8622600" y="4713448"/>
+            <a:ext cx="415100" cy="288100"/>
+          </a:xfrm>
+          <a:prstGeom prst="rect">
+            <a:avLst/>
+          </a:prstGeom>
+          <a:noFill/>
+          <a:ln>
+            <a:noFill/>
+          </a:ln>
+        </p:spPr>
+      </p:pic>
+      <p:pic>
+        <p:nvPicPr>
+          <p:cNvPr id="6" name="Imagen 5">
+            <a:extLst>
+              <a:ext uri="{FF2B5EF4-FFF2-40B4-BE49-F238E27FC236}">
+                <a16:creationId xmlns:a16="http://schemas.microsoft.com/office/drawing/2014/main" id="{98AEF7DB-C09F-4CDF-A790-87FD5B9F33B5}"/>
+              </a:ext>
+            </a:extLst>
+          </p:cNvPr>
+          <p:cNvPicPr>
+            <a:picLocks noChangeAspect="1"/>
+          </p:cNvPicPr>
+          <p:nvPr/>
+        </p:nvPicPr>
+        <p:blipFill rotWithShape="1">
+          <a:blip r:embed="rId4"/>
+          <a:srcRect t="1351" b="1351"/>
+          <a:stretch/>
+        </p:blipFill>
+        <p:spPr>
+          <a:xfrm>
+            <a:off x="8430074" y="2150580"/>
+            <a:ext cx="713926" cy="713926"/>
+          </a:xfrm>
+          <a:prstGeom prst="ellipse">
+            <a:avLst/>
+          </a:prstGeom>
+        </p:spPr>
+      </p:pic>
+    </p:spTree>
+    <p:extLst>
+      <p:ext uri="{BB962C8B-B14F-4D97-AF65-F5344CB8AC3E}">
+        <p14:creationId xmlns:p14="http://schemas.microsoft.com/office/powerpoint/2010/main" val="3580464724"/>
+      </p:ext>
+    </p:extLst>
+  </p:cSld>
+  <p:clrMapOvr>
+    <a:masterClrMapping/>
+  </p:clrMapOvr>
+  <p:timing>
+    <p:tnLst>
+      <p:par>
+        <p:cTn id="1" dur="indefinite" restart="never" nodeType="tmRoot"/>
+      </p:par>
+    </p:tnLst>
+  </p:timing>
+</p:sld>
+</file>
+
+<file path=ppt/slides/slide3.xml><?xml version="1.0" encoding="utf-8"?>
+<p:sld xmlns:a="http://schemas.openxmlformats.org/drawingml/2006/main" xmlns:r="http://schemas.openxmlformats.org/officeDocument/2006/relationships" xmlns:p="http://schemas.openxmlformats.org/presentationml/2006/main">
+  <p:cSld>
+    <p:spTree>
+      <p:nvGrpSpPr>
+        <p:cNvPr id="1" name="Shape 295"/>
+        <p:cNvGrpSpPr/>
+        <p:nvPr/>
+      </p:nvGrpSpPr>
+      <p:grpSpPr>
+        <a:xfrm>
+          <a:off x="0" y="0"/>
+          <a:ext cx="0" cy="0"/>
+          <a:chOff x="0" y="0"/>
+          <a:chExt cx="0" cy="0"/>
+        </a:xfrm>
+      </p:grpSpPr>
+      <p:sp>
+        <p:nvSpPr>
+          <p:cNvPr id="5" name="Rectángulo 4">
+            <a:extLst>
+              <a:ext uri="{FF2B5EF4-FFF2-40B4-BE49-F238E27FC236}">
+                <a16:creationId xmlns:a16="http://schemas.microsoft.com/office/drawing/2014/main" id="{25FE02A9-F4BA-47EE-969F-6D653E0A6409}"/>
+              </a:ext>
+            </a:extLst>
+          </p:cNvPr>
+          <p:cNvSpPr/>
+          <p:nvPr/>
+        </p:nvSpPr>
+        <p:spPr>
+          <a:xfrm>
+            <a:off x="5769968" y="0"/>
+            <a:ext cx="3584028" cy="5143500"/>
+          </a:xfrm>
+          <a:prstGeom prst="rect">
+            <a:avLst/>
+          </a:prstGeom>
+          <a:solidFill>
+            <a:srgbClr val="EEEEEE"/>
+          </a:solidFill>
+          <a:ln>
+            <a:noFill/>
+          </a:ln>
+        </p:spPr>
+        <p:style>
+          <a:lnRef idx="2">
+            <a:schemeClr val="accent1">
+              <a:shade val="50000"/>
+            </a:schemeClr>
+          </a:lnRef>
+          <a:fillRef idx="1">
+            <a:schemeClr val="accent1"/>
+          </a:fillRef>
+          <a:effectRef idx="0">
+            <a:schemeClr val="accent1"/>
+          </a:effectRef>
+          <a:fontRef idx="minor">
+            <a:schemeClr val="lt1"/>
+          </a:fontRef>
+        </p:style>
+        <p:txBody>
+          <a:bodyPr rtlCol="0" anchor="ctr"/>
+          <a:lstStyle/>
+          <a:p>
+            <a:pPr algn="ctr"/>
+            <a:endParaRPr lang="es-CL"/>
+          </a:p>
+        </p:txBody>
+      </p:sp>
+      <p:sp>
+        <p:nvSpPr>
+          <p:cNvPr id="297" name="Google Shape;297;p47"/>
+          <p:cNvSpPr txBox="1"/>
+          <p:nvPr/>
+        </p:nvSpPr>
+        <p:spPr>
+          <a:xfrm>
+            <a:off x="5917500" y="2012092"/>
+            <a:ext cx="3288964" cy="651642"/>
+          </a:xfrm>
+          <a:prstGeom prst="rect">
+            <a:avLst/>
+          </a:prstGeom>
+          <a:noFill/>
+          <a:ln>
+            <a:noFill/>
+          </a:ln>
+        </p:spPr>
+        <p:txBody>
+          <a:bodyPr spcFirstLastPara="1" wrap="square" lIns="91425" tIns="91425" rIns="91425" bIns="91425" anchor="t" anchorCtr="0">
+            <a:noAutofit/>
+          </a:bodyPr>
+          <a:lstStyle/>
+          <a:p>
+            <a:pPr marL="0" lvl="0" indent="0" algn="l" rtl="0">
+              <a:spcBef>
+                <a:spcPts val="0"/>
+              </a:spcBef>
+              <a:spcAft>
+                <a:spcPts val="0"/>
+              </a:spcAft>
+              <a:buNone/>
+            </a:pPr>
+            <a:r>
+              <a:rPr lang="en" sz="3200" b="1" dirty="0" smtClean="0">
+                <a:solidFill>
+                  <a:srgbClr val="3982F2"/>
+                </a:solidFill>
+                <a:latin typeface="Proxima Nova"/>
+                <a:ea typeface="Proxima Nova"/>
+                <a:cs typeface="Proxima Nova"/>
+                <a:sym typeface="Proxima Nova"/>
+              </a:rPr>
+              <a:t>Daily </a:t>
+            </a:r>
+          </a:p>
+          <a:p>
+            <a:pPr marL="0" lvl="0" indent="0" algn="l" rtl="0">
+              <a:spcBef>
+                <a:spcPts val="0"/>
+              </a:spcBef>
+              <a:spcAft>
+                <a:spcPts val="0"/>
+              </a:spcAft>
+              <a:buNone/>
+            </a:pPr>
+            <a:r>
+              <a:rPr lang="en" sz="3200" b="1" dirty="0" smtClean="0">
+                <a:solidFill>
+                  <a:srgbClr val="3982F2"/>
+                </a:solidFill>
+                <a:latin typeface="Proxima Nova"/>
+                <a:ea typeface="Proxima Nova"/>
+                <a:cs typeface="Proxima Nova"/>
+                <a:sym typeface="Proxima Nova"/>
+              </a:rPr>
+              <a:t>Perfomance</a:t>
+            </a:r>
+            <a:endParaRPr sz="3200" dirty="0">
+              <a:solidFill>
+                <a:srgbClr val="666666"/>
+              </a:solidFill>
+              <a:latin typeface="Proxima Nova"/>
+              <a:ea typeface="Proxima Nova"/>
+              <a:cs typeface="Proxima Nova"/>
+              <a:sym typeface="Proxima Nova"/>
+            </a:endParaRPr>
+          </a:p>
+        </p:txBody>
+      </p:sp>
+      <p:sp>
+        <p:nvSpPr>
+          <p:cNvPr id="298" name="Google Shape;298;p47"/>
+          <p:cNvSpPr txBox="1"/>
+          <p:nvPr/>
+        </p:nvSpPr>
+        <p:spPr>
+          <a:xfrm>
+            <a:off x="7908540" y="73829"/>
+            <a:ext cx="1235460" cy="384000"/>
+          </a:xfrm>
+          <a:prstGeom prst="rect">
+            <a:avLst/>
+          </a:prstGeom>
+          <a:noFill/>
+          <a:ln>
+            <a:noFill/>
+          </a:ln>
+        </p:spPr>
+        <p:txBody>
+          <a:bodyPr spcFirstLastPara="1" wrap="square" lIns="91425" tIns="91425" rIns="91425" bIns="91425" anchor="t" anchorCtr="0">
+            <a:noAutofit/>
+          </a:bodyPr>
+          <a:lstStyle/>
+          <a:p>
+            <a:pPr marL="0" lvl="0" indent="0" algn="l" rtl="0">
+              <a:spcBef>
+                <a:spcPts val="0"/>
+              </a:spcBef>
+              <a:spcAft>
+                <a:spcPts val="0"/>
+              </a:spcAft>
+              <a:buNone/>
+            </a:pPr>
+            <a:r>
+              <a:rPr lang="es-CL" dirty="0" err="1" smtClean="0">
+                <a:solidFill>
+                  <a:schemeClr val="bg1">
+                    <a:lumMod val="65000"/>
+                  </a:schemeClr>
+                </a:solidFill>
+                <a:latin typeface="Proxima Nova"/>
+                <a:ea typeface="Proxima Nova"/>
+                <a:cs typeface="Proxima Nova"/>
+                <a:sym typeface="Proxima Nova"/>
+              </a:rPr>
+              <a:t>Purchase</a:t>
+            </a:r>
+            <a:endParaRPr dirty="0">
+              <a:solidFill>
+                <a:schemeClr val="bg1">
+                  <a:lumMod val="65000"/>
+                </a:schemeClr>
+              </a:solidFill>
+              <a:latin typeface="Proxima Nova"/>
+              <a:ea typeface="Proxima Nova"/>
+              <a:cs typeface="Proxima Nova"/>
+              <a:sym typeface="Proxima Nova"/>
+            </a:endParaRPr>
+          </a:p>
+        </p:txBody>
+      </p:sp>
+      <p:pic>
+        <p:nvPicPr>
+          <p:cNvPr id="301" name="Google Shape;301;p47"/>
+          <p:cNvPicPr preferRelativeResize="0"/>
+          <p:nvPr/>
+        </p:nvPicPr>
+        <p:blipFill>
+          <a:blip r:embed="rId3">
+            <a:alphaModFix/>
+          </a:blip>
+          <a:stretch>
+            <a:fillRect/>
+          </a:stretch>
+        </p:blipFill>
+        <p:spPr>
+          <a:xfrm>
+            <a:off x="8622600" y="4713448"/>
+            <a:ext cx="415100" cy="288100"/>
+          </a:xfrm>
+          <a:prstGeom prst="rect">
+            <a:avLst/>
+          </a:prstGeom>
+          <a:noFill/>
+          <a:ln>
+            <a:noFill/>
+          </a:ln>
+        </p:spPr>
+      </p:pic>
+      <p:pic>
+        <p:nvPicPr>
+          <p:cNvPr id="8" name="Imagen 7">
+            <a:extLst>
+              <a:ext uri="{FF2B5EF4-FFF2-40B4-BE49-F238E27FC236}">
+                <a16:creationId xmlns:a16="http://schemas.microsoft.com/office/drawing/2014/main" id="{98AEF7DB-C09F-4CDF-A790-87FD5B9F33B5}"/>
+              </a:ext>
+            </a:extLst>
+          </p:cNvPr>
+          <p:cNvPicPr>
+            <a:picLocks noChangeAspect="1"/>
+          </p:cNvPicPr>
+          <p:nvPr/>
+        </p:nvPicPr>
+        <p:blipFill rotWithShape="1">
+          <a:blip r:embed="rId4"/>
+          <a:srcRect t="1351" b="1351"/>
+          <a:stretch/>
+        </p:blipFill>
+        <p:spPr>
+          <a:xfrm>
+            <a:off x="8430074" y="2150580"/>
+            <a:ext cx="713926" cy="713926"/>
+          </a:xfrm>
+          <a:prstGeom prst="ellipse">
+            <a:avLst/>
+          </a:prstGeom>
+        </p:spPr>
+      </p:pic>
+    </p:spTree>
+    <p:extLst>
+      <p:ext uri="{BB962C8B-B14F-4D97-AF65-F5344CB8AC3E}">
+        <p14:creationId xmlns:p14="http://schemas.microsoft.com/office/powerpoint/2010/main" val="1969848107"/>
+      </p:ext>
+    </p:extLst>
+  </p:cSld>
+  <p:clrMapOvr>
+    <a:masterClrMapping/>
+  </p:clrMapOvr>
+  <p:timing>
+    <p:tnLst>
+      <p:par>
+        <p:cTn id="1" dur="indefinite" restart="never" nodeType="tmRoot"/>
+      </p:par>
+    </p:tnLst>
+  </p:timing>
+</p:sld>
+</file>
+
+<file path=ppt/slides/slide4.xml><?xml version="1.0" encoding="utf-8"?>
+<p:sld xmlns:a="http://schemas.openxmlformats.org/drawingml/2006/main" xmlns:r="http://schemas.openxmlformats.org/officeDocument/2006/relationships" xmlns:p="http://schemas.openxmlformats.org/presentationml/2006/main">
+  <p:cSld>
+    <p:spTree>
+      <p:nvGrpSpPr>
+        <p:cNvPr id="1" name="Shape 329"/>
+        <p:cNvGrpSpPr/>
+        <p:nvPr/>
+      </p:nvGrpSpPr>
+      <p:grpSpPr>
+        <a:xfrm>
+          <a:off x="0" y="0"/>
+          <a:ext cx="0" cy="0"/>
+          <a:chOff x="0" y="0"/>
+          <a:chExt cx="0" cy="0"/>
+        </a:xfrm>
+      </p:grpSpPr>
+      <p:sp>
+        <p:nvSpPr>
+          <p:cNvPr id="331" name="Google Shape;331;p50"/>
+          <p:cNvSpPr txBox="1"/>
+          <p:nvPr/>
+        </p:nvSpPr>
+        <p:spPr>
+          <a:xfrm>
+            <a:off x="120375" y="97525"/>
+            <a:ext cx="2543312" cy="384000"/>
+          </a:xfrm>
+          <a:prstGeom prst="rect">
+            <a:avLst/>
+          </a:prstGeom>
+          <a:noFill/>
+          <a:ln>
+            <a:noFill/>
+          </a:ln>
+        </p:spPr>
+        <p:txBody>
+          <a:bodyPr spcFirstLastPara="1" wrap="square" lIns="91425" tIns="91425" rIns="91425" bIns="91425" anchor="t" anchorCtr="0">
+            <a:noAutofit/>
+          </a:bodyPr>
+          <a:lstStyle/>
+          <a:p>
+            <a:pPr marL="0" lvl="0" indent="0" algn="l" rtl="0">
+              <a:spcBef>
+                <a:spcPts val="0"/>
+              </a:spcBef>
+              <a:spcAft>
+                <a:spcPts val="0"/>
+              </a:spcAft>
+              <a:buNone/>
+            </a:pPr>
+            <a:r>
+              <a:rPr lang="es-CL" dirty="0">
+                <a:solidFill>
+                  <a:srgbClr val="AAAAAA"/>
+                </a:solidFill>
+                <a:latin typeface="Proxima Nova"/>
+                <a:ea typeface="Proxima Nova"/>
+                <a:cs typeface="Proxima Nova"/>
+                <a:sym typeface="Proxima Nova"/>
+              </a:rPr>
+              <a:t>Performance por formato</a:t>
+            </a:r>
+            <a:endParaRPr dirty="0">
+              <a:solidFill>
+                <a:srgbClr val="AAAAAA"/>
+              </a:solidFill>
+              <a:latin typeface="Proxima Nova"/>
+              <a:ea typeface="Proxima Nova"/>
+              <a:cs typeface="Proxima Nova"/>
+              <a:sym typeface="Proxima Nova"/>
+            </a:endParaRPr>
+          </a:p>
+        </p:txBody>
+      </p:sp>
+      <p:sp>
+        <p:nvSpPr>
+          <p:cNvPr id="332" name="Google Shape;332;p50"/>
+          <p:cNvSpPr txBox="1"/>
+          <p:nvPr/>
+        </p:nvSpPr>
+        <p:spPr>
+          <a:xfrm>
+            <a:off x="120375" y="564850"/>
+            <a:ext cx="7701900" cy="1130700"/>
+          </a:xfrm>
+          <a:prstGeom prst="rect">
+            <a:avLst/>
+          </a:prstGeom>
+          <a:noFill/>
+          <a:ln>
+            <a:noFill/>
+          </a:ln>
+        </p:spPr>
+        <p:txBody>
+          <a:bodyPr spcFirstLastPara="1" wrap="square" lIns="91425" tIns="91425" rIns="91425" bIns="91425" anchor="t" anchorCtr="0">
+            <a:noAutofit/>
+          </a:bodyPr>
+          <a:lstStyle/>
+          <a:p>
+            <a:pPr marL="0" lvl="0" indent="0" algn="l" rtl="0">
+              <a:spcBef>
+                <a:spcPts val="0"/>
+              </a:spcBef>
+              <a:spcAft>
+                <a:spcPts val="0"/>
+              </a:spcAft>
+              <a:buNone/>
+            </a:pPr>
+            <a:endParaRPr sz="2400" b="1" dirty="0">
+              <a:solidFill>
+                <a:srgbClr val="333333"/>
+              </a:solidFill>
+              <a:latin typeface="Proxima Nova"/>
+              <a:ea typeface="Proxima Nova"/>
+              <a:cs typeface="Proxima Nova"/>
+              <a:sym typeface="Proxima Nova"/>
+            </a:endParaRPr>
+          </a:p>
+        </p:txBody>
+      </p:sp>
+      <p:sp>
+        <p:nvSpPr>
+          <p:cNvPr id="7" name="Rectángulo 6">
+            <a:extLst>
+              <a:ext uri="{FF2B5EF4-FFF2-40B4-BE49-F238E27FC236}">
+                <a16:creationId xmlns:a16="http://schemas.microsoft.com/office/drawing/2014/main" id="{25FE02A9-F4BA-47EE-969F-6D653E0A6409}"/>
+              </a:ext>
+            </a:extLst>
+          </p:cNvPr>
+          <p:cNvSpPr/>
+          <p:nvPr/>
+        </p:nvSpPr>
+        <p:spPr>
+          <a:xfrm>
+            <a:off x="0" y="693682"/>
+            <a:ext cx="9144000" cy="4449817"/>
+          </a:xfrm>
+          <a:prstGeom prst="rect">
+            <a:avLst/>
+          </a:prstGeom>
+          <a:solidFill>
+            <a:srgbClr val="EEEEEE"/>
+          </a:solidFill>
+          <a:ln>
+            <a:noFill/>
+          </a:ln>
+        </p:spPr>
+        <p:style>
+          <a:lnRef idx="2">
+            <a:schemeClr val="accent1">
+              <a:shade val="50000"/>
+            </a:schemeClr>
+          </a:lnRef>
+          <a:fillRef idx="1">
+            <a:schemeClr val="accent1"/>
+          </a:fillRef>
+          <a:effectRef idx="0">
+            <a:schemeClr val="accent1"/>
+          </a:effectRef>
+          <a:fontRef idx="minor">
+            <a:schemeClr val="lt1"/>
+          </a:fontRef>
+        </p:style>
+        <p:txBody>
+          <a:bodyPr rtlCol="0" anchor="ctr"/>
+          <a:lstStyle/>
+          <a:p>
+            <a:pPr algn="ctr"/>
+            <a:endParaRPr lang="es-CL"/>
+          </a:p>
+        </p:txBody>
+      </p:sp>
+      <p:pic>
+        <p:nvPicPr>
+          <p:cNvPr id="333" name="Google Shape;333;p50"/>
+          <p:cNvPicPr preferRelativeResize="0"/>
+          <p:nvPr/>
+        </p:nvPicPr>
+        <p:blipFill>
+          <a:blip r:embed="rId3">
+            <a:alphaModFix/>
+          </a:blip>
+          <a:stretch>
+            <a:fillRect/>
+          </a:stretch>
+        </p:blipFill>
+        <p:spPr>
+          <a:xfrm>
+            <a:off x="8622600" y="4713448"/>
+            <a:ext cx="415100" cy="288100"/>
+          </a:xfrm>
+          <a:prstGeom prst="rect">
+            <a:avLst/>
+          </a:prstGeom>
+          <a:noFill/>
+          <a:ln>
+            <a:noFill/>
+          </a:ln>
+        </p:spPr>
+      </p:pic>
+    </p:spTree>
+  </p:cSld>
+  <p:clrMapOvr>
+    <a:masterClrMapping/>
+  </p:clrMapOvr>
+  <p:timing>
+    <p:tnLst>
+      <p:par>
+        <p:cTn id="1" dur="indefinite" restart="never" nodeType="tmRoot"/>
+      </p:par>
+    </p:tnLst>
+  </p:timing>
+</p:sld>
+</file>
+
+<file path=ppt/slides/slide5.xml><?xml version="1.0" encoding="utf-8"?>
+<p:sld xmlns:a="http://schemas.openxmlformats.org/drawingml/2006/main" xmlns:r="http://schemas.openxmlformats.org/officeDocument/2006/relationships" xmlns:p="http://schemas.openxmlformats.org/presentationml/2006/main">
+  <p:cSld>
+    <p:spTree>
+      <p:nvGrpSpPr>
+        <p:cNvPr id="1" name="Shape 329"/>
+        <p:cNvGrpSpPr/>
+        <p:nvPr/>
+      </p:nvGrpSpPr>
+      <p:grpSpPr>
+        <a:xfrm>
+          <a:off x="0" y="0"/>
+          <a:ext cx="0" cy="0"/>
+          <a:chOff x="0" y="0"/>
+          <a:chExt cx="0" cy="0"/>
+        </a:xfrm>
+      </p:grpSpPr>
+      <p:sp>
+        <p:nvSpPr>
+          <p:cNvPr id="331" name="Google Shape;331;p50"/>
+          <p:cNvSpPr txBox="1"/>
+          <p:nvPr/>
+        </p:nvSpPr>
+        <p:spPr>
+          <a:xfrm>
+            <a:off x="120375" y="97525"/>
+            <a:ext cx="2543312" cy="384000"/>
+          </a:xfrm>
+          <a:prstGeom prst="rect">
+            <a:avLst/>
+          </a:prstGeom>
+          <a:noFill/>
+          <a:ln>
+            <a:noFill/>
+          </a:ln>
+        </p:spPr>
+        <p:txBody>
+          <a:bodyPr spcFirstLastPara="1" wrap="square" lIns="91425" tIns="91425" rIns="91425" bIns="91425" anchor="t" anchorCtr="0">
+            <a:noAutofit/>
+          </a:bodyPr>
+          <a:lstStyle/>
+          <a:p>
+            <a:pPr marL="0" lvl="0" indent="0" algn="l" rtl="0">
+              <a:spcBef>
+                <a:spcPts val="0"/>
+              </a:spcBef>
+              <a:spcAft>
+                <a:spcPts val="0"/>
+              </a:spcAft>
+              <a:buNone/>
+            </a:pPr>
+            <a:r>
+              <a:rPr lang="es-CL" dirty="0">
+                <a:solidFill>
+                  <a:srgbClr val="AAAAAA"/>
+                </a:solidFill>
+                <a:latin typeface="Proxima Nova"/>
+                <a:ea typeface="Proxima Nova"/>
+                <a:cs typeface="Proxima Nova"/>
+                <a:sym typeface="Proxima Nova"/>
+              </a:rPr>
+              <a:t>Performance </a:t>
+            </a:r>
+            <a:r>
+              <a:rPr lang="es-CL" dirty="0" smtClean="0">
+                <a:solidFill>
+                  <a:srgbClr val="AAAAAA"/>
+                </a:solidFill>
+                <a:latin typeface="Proxima Nova"/>
+                <a:ea typeface="Proxima Nova"/>
+                <a:cs typeface="Proxima Nova"/>
+                <a:sym typeface="Proxima Nova"/>
+              </a:rPr>
+              <a:t>de formato por dispositivo</a:t>
+            </a:r>
+            <a:endParaRPr dirty="0">
+              <a:solidFill>
+                <a:srgbClr val="AAAAAA"/>
+              </a:solidFill>
+              <a:latin typeface="Proxima Nova"/>
+              <a:ea typeface="Proxima Nova"/>
+              <a:cs typeface="Proxima Nova"/>
+              <a:sym typeface="Proxima Nova"/>
+            </a:endParaRPr>
+          </a:p>
+        </p:txBody>
+      </p:sp>
+      <p:sp>
+        <p:nvSpPr>
+          <p:cNvPr id="332" name="Google Shape;332;p50"/>
+          <p:cNvSpPr txBox="1"/>
+          <p:nvPr/>
+        </p:nvSpPr>
+        <p:spPr>
+          <a:xfrm>
+            <a:off x="120375" y="564850"/>
+            <a:ext cx="7701900" cy="1130700"/>
+          </a:xfrm>
+          <a:prstGeom prst="rect">
+            <a:avLst/>
+          </a:prstGeom>
+          <a:noFill/>
+          <a:ln>
+            <a:noFill/>
+          </a:ln>
+        </p:spPr>
+        <p:txBody>
+          <a:bodyPr spcFirstLastPara="1" wrap="square" lIns="91425" tIns="91425" rIns="91425" bIns="91425" anchor="t" anchorCtr="0">
+            <a:noAutofit/>
+          </a:bodyPr>
+          <a:lstStyle/>
+          <a:p>
+            <a:pPr marL="0" lvl="0" indent="0" algn="l" rtl="0">
+              <a:spcBef>
+                <a:spcPts val="0"/>
+              </a:spcBef>
+              <a:spcAft>
+                <a:spcPts val="0"/>
+              </a:spcAft>
+              <a:buNone/>
+            </a:pPr>
+            <a:endParaRPr sz="2400" b="1" dirty="0">
+              <a:solidFill>
+                <a:srgbClr val="333333"/>
+              </a:solidFill>
+              <a:latin typeface="Proxima Nova"/>
+              <a:ea typeface="Proxima Nova"/>
+              <a:cs typeface="Proxima Nova"/>
+              <a:sym typeface="Proxima Nova"/>
+            </a:endParaRPr>
+          </a:p>
+        </p:txBody>
+      </p:sp>
+      <p:sp>
+        <p:nvSpPr>
+          <p:cNvPr id="7" name="Rectángulo 6">
+            <a:extLst>
+              <a:ext uri="{FF2B5EF4-FFF2-40B4-BE49-F238E27FC236}">
+                <a16:creationId xmlns:a16="http://schemas.microsoft.com/office/drawing/2014/main" id="{25FE02A9-F4BA-47EE-969F-6D653E0A6409}"/>
+              </a:ext>
+            </a:extLst>
+          </p:cNvPr>
+          <p:cNvSpPr/>
+          <p:nvPr/>
+        </p:nvSpPr>
+        <p:spPr>
+          <a:xfrm>
+            <a:off x="0" y="693682"/>
+            <a:ext cx="9144000" cy="4449817"/>
+          </a:xfrm>
+          <a:prstGeom prst="rect">
+            <a:avLst/>
+          </a:prstGeom>
+          <a:solidFill>
+            <a:srgbClr val="EEEEEE"/>
+          </a:solidFill>
+          <a:ln>
+            <a:noFill/>
+          </a:ln>
+        </p:spPr>
+        <p:style>
+          <a:lnRef idx="2">
+            <a:schemeClr val="accent1">
+              <a:shade val="50000"/>
+            </a:schemeClr>
+          </a:lnRef>
+          <a:fillRef idx="1">
+            <a:schemeClr val="accent1"/>
+          </a:fillRef>
+          <a:effectRef idx="0">
+            <a:schemeClr val="accent1"/>
+          </a:effectRef>
+          <a:fontRef idx="minor">
+            <a:schemeClr val="lt1"/>
+          </a:fontRef>
+        </p:style>
+        <p:txBody>
+          <a:bodyPr rtlCol="0" anchor="ctr"/>
+          <a:lstStyle/>
+          <a:p>
+            <a:pPr algn="ctr"/>
+            <a:endParaRPr lang="es-CL"/>
+          </a:p>
+        </p:txBody>
+      </p:sp>
+      <p:pic>
+        <p:nvPicPr>
+          <p:cNvPr id="333" name="Google Shape;333;p50"/>
+          <p:cNvPicPr preferRelativeResize="0"/>
+          <p:nvPr/>
+        </p:nvPicPr>
+        <p:blipFill>
+          <a:blip r:embed="rId3">
+            <a:alphaModFix/>
+          </a:blip>
+          <a:stretch>
+            <a:fillRect/>
+          </a:stretch>
+        </p:blipFill>
+        <p:spPr>
+          <a:xfrm>
+            <a:off x="8622600" y="4713448"/>
+            <a:ext cx="415100" cy="288100"/>
+          </a:xfrm>
+          <a:prstGeom prst="rect">
+            <a:avLst/>
+          </a:prstGeom>
+          <a:noFill/>
+          <a:ln>
+            <a:noFill/>
+          </a:ln>
+        </p:spPr>
+      </p:pic>
+    </p:spTree>
+    <p:extLst>
+      <p:ext uri="{BB962C8B-B14F-4D97-AF65-F5344CB8AC3E}">
+        <p14:creationId xmlns:p14="http://schemas.microsoft.com/office/powerpoint/2010/main" val="1107502239"/>
+      </p:ext>
+    </p:extLst>
+  </p:cSld>
+  <p:clrMapOvr>
+    <a:masterClrMapping/>
+  </p:clrMapOvr>
+  <p:timing>
+    <p:tnLst>
+      <p:par>
+        <p:cTn id="1" dur="indefinite" restart="never" nodeType="tmRoot"/>
+      </p:par>
+    </p:tnLst>
+  </p:timing>
+</p:sld>
+</file>
+
+<file path=ppt/slides/slide6.xml><?xml version="1.0" encoding="utf-8"?>
+<p:sld xmlns:a="http://schemas.openxmlformats.org/drawingml/2006/main" xmlns:r="http://schemas.openxmlformats.org/officeDocument/2006/relationships" xmlns:p="http://schemas.openxmlformats.org/presentationml/2006/main">
+  <p:cSld>
+    <p:spTree>
+      <p:nvGrpSpPr>
+        <p:cNvPr id="1" name="Shape 329"/>
+        <p:cNvGrpSpPr/>
+        <p:nvPr/>
+      </p:nvGrpSpPr>
+      <p:grpSpPr>
+        <a:xfrm>
+          <a:off x="0" y="0"/>
+          <a:ext cx="0" cy="0"/>
+          <a:chOff x="0" y="0"/>
+          <a:chExt cx="0" cy="0"/>
+        </a:xfrm>
+      </p:grpSpPr>
+      <p:sp>
+        <p:nvSpPr>
+          <p:cNvPr id="331" name="Google Shape;331;p50"/>
+          <p:cNvSpPr txBox="1"/>
+          <p:nvPr/>
+        </p:nvSpPr>
+        <p:spPr>
+          <a:xfrm>
+            <a:off x="120375" y="97525"/>
+            <a:ext cx="2543312" cy="384000"/>
+          </a:xfrm>
+          <a:prstGeom prst="rect">
+            <a:avLst/>
+          </a:prstGeom>
+          <a:noFill/>
+          <a:ln>
+            <a:noFill/>
+          </a:ln>
+        </p:spPr>
+        <p:txBody>
+          <a:bodyPr spcFirstLastPara="1" wrap="square" lIns="91425" tIns="91425" rIns="91425" bIns="91425" anchor="t" anchorCtr="0">
+            <a:noAutofit/>
+          </a:bodyPr>
+          <a:lstStyle/>
+          <a:p>
+            <a:pPr marL="0" lvl="0" indent="0" algn="l" rtl="0">
+              <a:spcBef>
+                <a:spcPts val="0"/>
+              </a:spcBef>
+              <a:spcAft>
+                <a:spcPts val="0"/>
+              </a:spcAft>
+              <a:buNone/>
+            </a:pPr>
+            <a:r>
+              <a:rPr lang="es-CL" dirty="0">
+                <a:solidFill>
+                  <a:srgbClr val="AAAAAA"/>
+                </a:solidFill>
+                <a:latin typeface="Proxima Nova"/>
+                <a:ea typeface="Proxima Nova"/>
+                <a:cs typeface="Proxima Nova"/>
+                <a:sym typeface="Proxima Nova"/>
+              </a:rPr>
+              <a:t>Performance </a:t>
+            </a:r>
+            <a:r>
+              <a:rPr lang="es-CL" dirty="0" smtClean="0">
+                <a:solidFill>
+                  <a:srgbClr val="AAAAAA"/>
+                </a:solidFill>
+                <a:latin typeface="Proxima Nova"/>
+                <a:ea typeface="Proxima Nova"/>
+                <a:cs typeface="Proxima Nova"/>
+                <a:sym typeface="Proxima Nova"/>
+              </a:rPr>
+              <a:t>de formato por categorías</a:t>
+            </a:r>
+            <a:endParaRPr dirty="0">
+              <a:solidFill>
+                <a:srgbClr val="AAAAAA"/>
+              </a:solidFill>
+              <a:latin typeface="Proxima Nova"/>
+              <a:ea typeface="Proxima Nova"/>
+              <a:cs typeface="Proxima Nova"/>
+              <a:sym typeface="Proxima Nova"/>
+            </a:endParaRPr>
+          </a:p>
+        </p:txBody>
+      </p:sp>
+      <p:sp>
+        <p:nvSpPr>
+          <p:cNvPr id="332" name="Google Shape;332;p50"/>
+          <p:cNvSpPr txBox="1"/>
+          <p:nvPr/>
+        </p:nvSpPr>
+        <p:spPr>
+          <a:xfrm>
+            <a:off x="120375" y="564850"/>
+            <a:ext cx="7701900" cy="1130700"/>
+          </a:xfrm>
+          <a:prstGeom prst="rect">
+            <a:avLst/>
+          </a:prstGeom>
+          <a:noFill/>
+          <a:ln>
+            <a:noFill/>
+          </a:ln>
+        </p:spPr>
+        <p:txBody>
+          <a:bodyPr spcFirstLastPara="1" wrap="square" lIns="91425" tIns="91425" rIns="91425" bIns="91425" anchor="t" anchorCtr="0">
+            <a:noAutofit/>
+          </a:bodyPr>
+          <a:lstStyle/>
+          <a:p>
+            <a:pPr marL="0" lvl="0" indent="0" algn="l" rtl="0">
+              <a:spcBef>
+                <a:spcPts val="0"/>
+              </a:spcBef>
+              <a:spcAft>
+                <a:spcPts val="0"/>
+              </a:spcAft>
+              <a:buNone/>
+            </a:pPr>
+            <a:endParaRPr sz="2400" b="1" dirty="0">
+              <a:solidFill>
+                <a:srgbClr val="333333"/>
+              </a:solidFill>
+              <a:latin typeface="Proxima Nova"/>
+              <a:ea typeface="Proxima Nova"/>
+              <a:cs typeface="Proxima Nova"/>
+              <a:sym typeface="Proxima Nova"/>
+            </a:endParaRPr>
+          </a:p>
+        </p:txBody>
+      </p:sp>
+      <p:sp>
+        <p:nvSpPr>
+          <p:cNvPr id="7" name="Rectángulo 6">
+            <a:extLst>
+              <a:ext uri="{FF2B5EF4-FFF2-40B4-BE49-F238E27FC236}">
+                <a16:creationId xmlns:a16="http://schemas.microsoft.com/office/drawing/2014/main" id="{25FE02A9-F4BA-47EE-969F-6D653E0A6409}"/>
+              </a:ext>
+            </a:extLst>
+          </p:cNvPr>
+          <p:cNvSpPr/>
+          <p:nvPr/>
+        </p:nvSpPr>
+        <p:spPr>
+          <a:xfrm>
+            <a:off x="0" y="693682"/>
+            <a:ext cx="9144000" cy="4449817"/>
+          </a:xfrm>
+          <a:prstGeom prst="rect">
+            <a:avLst/>
+          </a:prstGeom>
+          <a:solidFill>
+            <a:srgbClr val="EEEEEE"/>
+          </a:solidFill>
+          <a:ln>
+            <a:noFill/>
+          </a:ln>
+        </p:spPr>
+        <p:style>
+          <a:lnRef idx="2">
+            <a:schemeClr val="accent1">
+              <a:shade val="50000"/>
+            </a:schemeClr>
+          </a:lnRef>
+          <a:fillRef idx="1">
+            <a:schemeClr val="accent1"/>
+          </a:fillRef>
+          <a:effectRef idx="0">
+            <a:schemeClr val="accent1"/>
+          </a:effectRef>
+          <a:fontRef idx="minor">
+            <a:schemeClr val="lt1"/>
+          </a:fontRef>
+        </p:style>
+        <p:txBody>
+          <a:bodyPr rtlCol="0" anchor="ctr"/>
+          <a:lstStyle/>
+          <a:p>
+            <a:pPr algn="ctr"/>
+            <a:endParaRPr lang="es-CL"/>
+          </a:p>
+        </p:txBody>
+      </p:sp>
+      <p:pic>
+        <p:nvPicPr>
+          <p:cNvPr id="333" name="Google Shape;333;p50"/>
+          <p:cNvPicPr preferRelativeResize="0"/>
+          <p:nvPr/>
+        </p:nvPicPr>
+        <p:blipFill>
+          <a:blip r:embed="rId3">
+            <a:alphaModFix/>
+          </a:blip>
+          <a:stretch>
+            <a:fillRect/>
+          </a:stretch>
+        </p:blipFill>
+        <p:spPr>
+          <a:xfrm>
+            <a:off x="8622600" y="4713448"/>
+            <a:ext cx="415100" cy="288100"/>
+          </a:xfrm>
+          <a:prstGeom prst="rect">
+            <a:avLst/>
+          </a:prstGeom>
+          <a:noFill/>
+          <a:ln>
+            <a:noFill/>
+          </a:ln>
+        </p:spPr>
+      </p:pic>
+    </p:spTree>
+    <p:extLst>
+      <p:ext uri="{BB962C8B-B14F-4D97-AF65-F5344CB8AC3E}">
+        <p14:creationId xmlns:p14="http://schemas.microsoft.com/office/powerpoint/2010/main" val="17248312"/>
+      </p:ext>
+    </p:extLst>
+  </p:cSld>
+  <p:clrMapOvr>
+    <a:masterClrMapping/>
+  </p:clrMapOvr>
+  <p:timing>
+    <p:tnLst>
+      <p:par>
+        <p:cTn id="1" dur="indefinite" restart="never" nodeType="tmRoot"/>
+      </p:par>
+    </p:tnLst>
+  </p:timing>
+</p:sld>
+</file>
+
+<file path=ppt/slides/slide7.xml><?xml version="1.0" encoding="utf-8"?>
+<p:sld xmlns:a="http://schemas.openxmlformats.org/drawingml/2006/main" xmlns:r="http://schemas.openxmlformats.org/officeDocument/2006/relationships" xmlns:p="http://schemas.openxmlformats.org/presentationml/2006/main">
+  <p:cSld>
+    <p:spTree>
+      <p:nvGrpSpPr>
+        <p:cNvPr id="1" name="Shape 295"/>
+        <p:cNvGrpSpPr/>
+        <p:nvPr/>
+      </p:nvGrpSpPr>
+      <p:grpSpPr>
+        <a:xfrm>
+          <a:off x="0" y="0"/>
+          <a:ext cx="0" cy="0"/>
+          <a:chOff x="0" y="0"/>
+          <a:chExt cx="0" cy="0"/>
+        </a:xfrm>
+      </p:grpSpPr>
+      <p:sp>
+        <p:nvSpPr>
+          <p:cNvPr id="298" name="Google Shape;298;p47"/>
+          <p:cNvSpPr txBox="1"/>
+          <p:nvPr/>
+        </p:nvSpPr>
+        <p:spPr>
+          <a:xfrm>
+            <a:off x="120374" y="97525"/>
+            <a:ext cx="2507211" cy="384000"/>
+          </a:xfrm>
+          <a:prstGeom prst="rect">
+            <a:avLst/>
+          </a:prstGeom>
+          <a:noFill/>
+          <a:ln>
+            <a:noFill/>
+          </a:ln>
+        </p:spPr>
+        <p:txBody>
+          <a:bodyPr spcFirstLastPara="1" wrap="square" lIns="91425" tIns="91425" rIns="91425" bIns="91425" anchor="t" anchorCtr="0">
+            <a:noAutofit/>
+          </a:bodyPr>
+          <a:lstStyle/>
+          <a:p>
+            <a:pPr marL="0" lvl="0" indent="0" algn="l" rtl="0">
+              <a:spcBef>
+                <a:spcPts val="0"/>
+              </a:spcBef>
+              <a:spcAft>
+                <a:spcPts val="0"/>
+              </a:spcAft>
+              <a:buNone/>
+            </a:pPr>
+            <a:r>
+              <a:rPr lang="es-CL" dirty="0" smtClean="0">
+                <a:solidFill>
+                  <a:schemeClr val="bg1">
+                    <a:lumMod val="65000"/>
+                  </a:schemeClr>
+                </a:solidFill>
+                <a:latin typeface="Proxima Nova"/>
+                <a:ea typeface="Proxima Nova"/>
+                <a:cs typeface="Proxima Nova"/>
+                <a:sym typeface="Proxima Nova"/>
+              </a:rPr>
+              <a:t>Tráfico de la campaña</a:t>
+            </a:r>
+            <a:endParaRPr dirty="0">
+              <a:solidFill>
+                <a:schemeClr val="bg1">
+                  <a:lumMod val="65000"/>
+                </a:schemeClr>
+              </a:solidFill>
+              <a:latin typeface="Proxima Nova"/>
+              <a:ea typeface="Proxima Nova"/>
+              <a:cs typeface="Proxima Nova"/>
+              <a:sym typeface="Proxima Nova"/>
+            </a:endParaRPr>
+          </a:p>
+        </p:txBody>
+      </p:sp>
+      <p:pic>
+        <p:nvPicPr>
+          <p:cNvPr id="301" name="Google Shape;301;p47"/>
+          <p:cNvPicPr preferRelativeResize="0"/>
+          <p:nvPr/>
+        </p:nvPicPr>
+        <p:blipFill>
+          <a:blip r:embed="rId3">
+            <a:alphaModFix/>
+          </a:blip>
+          <a:stretch>
+            <a:fillRect/>
+          </a:stretch>
+        </p:blipFill>
+        <p:spPr>
+          <a:xfrm>
+            <a:off x="8622600" y="4713448"/>
+            <a:ext cx="415100" cy="288100"/>
+          </a:xfrm>
+          <a:prstGeom prst="rect">
+            <a:avLst/>
+          </a:prstGeom>
+          <a:noFill/>
+          <a:ln>
+            <a:noFill/>
+          </a:ln>
+        </p:spPr>
+      </p:pic>
+    </p:spTree>
+    <p:extLst>
+      <p:ext uri="{BB962C8B-B14F-4D97-AF65-F5344CB8AC3E}">
+        <p14:creationId xmlns:p14="http://schemas.microsoft.com/office/powerpoint/2010/main" val="2059885495"/>
+      </p:ext>
+    </p:extLst>
+  </p:cSld>
+  <p:clrMapOvr>
+    <a:masterClrMapping/>
+  </p:clrMapOvr>
+  <p:timing>
+    <p:tnLst>
+      <p:par>
+        <p:cTn id="1" dur="indefinite" restart="never" nodeType="tmRoot"/>
+      </p:par>
+    </p:tnLst>
+  </p:timing>
+</p:sld>
+</file>
+
+<file path=ppt/slides/slide8.xml><?xml version="1.0" encoding="utf-8"?>
+<p:sld xmlns:a="http://schemas.openxmlformats.org/drawingml/2006/main" xmlns:r="http://schemas.openxmlformats.org/officeDocument/2006/relationships" xmlns:p="http://schemas.openxmlformats.org/presentationml/2006/main">
+  <p:cSld>
+    <p:spTree>
+      <p:nvGrpSpPr>
+        <p:cNvPr id="1" name="Shape 295"/>
+        <p:cNvGrpSpPr/>
+        <p:nvPr/>
+      </p:nvGrpSpPr>
+      <p:grpSpPr>
+        <a:xfrm>
+          <a:off x="0" y="0"/>
+          <a:ext cx="0" cy="0"/>
+          <a:chOff x="0" y="0"/>
+          <a:chExt cx="0" cy="0"/>
+        </a:xfrm>
+      </p:grpSpPr>
+      <p:sp>
+        <p:nvSpPr>
+          <p:cNvPr id="5" name="Rectángulo 4">
+            <a:extLst>
+              <a:ext uri="{FF2B5EF4-FFF2-40B4-BE49-F238E27FC236}">
+                <a16:creationId xmlns:a16="http://schemas.microsoft.com/office/drawing/2014/main" id="{25FE02A9-F4BA-47EE-969F-6D653E0A6409}"/>
+              </a:ext>
+            </a:extLst>
+          </p:cNvPr>
+          <p:cNvSpPr/>
+          <p:nvPr/>
+        </p:nvSpPr>
+        <p:spPr>
+          <a:xfrm>
+            <a:off x="5100949" y="-3020"/>
+            <a:ext cx="4043051" cy="5143500"/>
+          </a:xfrm>
+          <a:prstGeom prst="rect">
+            <a:avLst/>
+          </a:prstGeom>
+          <a:solidFill>
+            <a:srgbClr val="EEEEEE"/>
+          </a:solidFill>
+          <a:ln>
+            <a:noFill/>
+          </a:ln>
+        </p:spPr>
+        <p:style>
+          <a:lnRef idx="2">
+            <a:schemeClr val="accent1">
+              <a:shade val="50000"/>
+            </a:schemeClr>
+          </a:lnRef>
+          <a:fillRef idx="1">
+            <a:schemeClr val="accent1"/>
+          </a:fillRef>
+          <a:effectRef idx="0">
+            <a:schemeClr val="accent1"/>
+          </a:effectRef>
+          <a:fontRef idx="minor">
+            <a:schemeClr val="lt1"/>
+          </a:fontRef>
+        </p:style>
+        <p:txBody>
+          <a:bodyPr rtlCol="0" anchor="ctr"/>
+          <a:lstStyle/>
+          <a:p>
+            <a:pPr algn="ctr"/>
+            <a:endParaRPr lang="es-CL"/>
+          </a:p>
+        </p:txBody>
+      </p:sp>
+      <p:sp>
+        <p:nvSpPr>
+          <p:cNvPr id="297" name="Google Shape;297;p47"/>
+          <p:cNvSpPr txBox="1"/>
+          <p:nvPr/>
+        </p:nvSpPr>
+        <p:spPr>
+          <a:xfrm>
+            <a:off x="5980481" y="1342707"/>
+            <a:ext cx="2274258" cy="1677600"/>
+          </a:xfrm>
+          <a:prstGeom prst="rect">
+            <a:avLst/>
+          </a:prstGeom>
+          <a:noFill/>
+          <a:ln>
+            <a:noFill/>
+          </a:ln>
+        </p:spPr>
+        <p:txBody>
+          <a:bodyPr spcFirstLastPara="1" wrap="square" lIns="91425" tIns="91425" rIns="91425" bIns="91425" anchor="t" anchorCtr="0">
+            <a:noAutofit/>
+          </a:bodyPr>
+          <a:lstStyle/>
+          <a:p>
+            <a:pPr marL="0" lvl="0" indent="0" algn="l" rtl="0">
+              <a:spcBef>
+                <a:spcPts val="0"/>
+              </a:spcBef>
+              <a:spcAft>
+                <a:spcPts val="0"/>
+              </a:spcAft>
+              <a:buNone/>
+            </a:pPr>
+            <a:r>
+              <a:rPr lang="en" sz="9600" b="1" dirty="0" smtClean="0">
+                <a:solidFill>
+                  <a:srgbClr val="3982F2"/>
+                </a:solidFill>
+                <a:latin typeface="Proxima Nova"/>
+                <a:ea typeface="Proxima Nova"/>
+                <a:cs typeface="Proxima Nova"/>
+                <a:sym typeface="Proxima Nova"/>
+              </a:rPr>
+              <a:t>X</a:t>
+            </a:r>
+            <a:r>
+              <a:rPr lang="en" sz="4800" b="1" dirty="0" smtClean="0">
+                <a:solidFill>
+                  <a:srgbClr val="3982F2"/>
+                </a:solidFill>
+                <a:latin typeface="Proxima Nova"/>
+                <a:ea typeface="Proxima Nova"/>
+                <a:cs typeface="Proxima Nova"/>
+                <a:sym typeface="Proxima Nova"/>
+              </a:rPr>
+              <a:t>%</a:t>
+            </a:r>
+            <a:endParaRPr sz="9600" dirty="0">
+              <a:solidFill>
+                <a:srgbClr val="666666"/>
+              </a:solidFill>
+              <a:latin typeface="Proxima Nova"/>
+              <a:ea typeface="Proxima Nova"/>
+              <a:cs typeface="Proxima Nova"/>
+              <a:sym typeface="Proxima Nova"/>
+            </a:endParaRPr>
+          </a:p>
+        </p:txBody>
+      </p:sp>
+      <p:sp>
+        <p:nvSpPr>
+          <p:cNvPr id="298" name="Google Shape;298;p47"/>
+          <p:cNvSpPr txBox="1"/>
+          <p:nvPr/>
+        </p:nvSpPr>
+        <p:spPr>
+          <a:xfrm>
+            <a:off x="120374" y="97525"/>
+            <a:ext cx="2507211" cy="384000"/>
+          </a:xfrm>
+          <a:prstGeom prst="rect">
+            <a:avLst/>
+          </a:prstGeom>
+          <a:noFill/>
+          <a:ln>
+            <a:noFill/>
+          </a:ln>
+        </p:spPr>
+        <p:txBody>
+          <a:bodyPr spcFirstLastPara="1" wrap="square" lIns="91425" tIns="91425" rIns="91425" bIns="91425" anchor="t" anchorCtr="0">
+            <a:noAutofit/>
+          </a:bodyPr>
+          <a:lstStyle/>
+          <a:p>
+            <a:pPr marL="0" lvl="0" indent="0" algn="l" rtl="0">
+              <a:spcBef>
+                <a:spcPts val="0"/>
+              </a:spcBef>
+              <a:spcAft>
+                <a:spcPts val="0"/>
+              </a:spcAft>
+              <a:buNone/>
+            </a:pPr>
+            <a:r>
+              <a:rPr lang="es-CL" dirty="0">
+                <a:solidFill>
+                  <a:schemeClr val="bg1">
+                    <a:lumMod val="65000"/>
+                  </a:schemeClr>
+                </a:solidFill>
+                <a:latin typeface="Proxima Nova"/>
+                <a:ea typeface="Proxima Nova"/>
+                <a:cs typeface="Proxima Nova"/>
+                <a:sym typeface="Proxima Nova"/>
+              </a:rPr>
+              <a:t>Audiencia </a:t>
+            </a:r>
+            <a:r>
+              <a:rPr lang="es-CL" dirty="0" smtClean="0">
+                <a:solidFill>
+                  <a:schemeClr val="bg1">
+                    <a:lumMod val="65000"/>
+                  </a:schemeClr>
+                </a:solidFill>
+                <a:latin typeface="Proxima Nova"/>
+                <a:ea typeface="Proxima Nova"/>
+                <a:cs typeface="Proxima Nova"/>
+                <a:sym typeface="Proxima Nova"/>
+              </a:rPr>
+              <a:t>– Género</a:t>
+            </a:r>
+            <a:endParaRPr dirty="0">
+              <a:solidFill>
+                <a:schemeClr val="bg1">
+                  <a:lumMod val="65000"/>
+                </a:schemeClr>
+              </a:solidFill>
+              <a:latin typeface="Proxima Nova"/>
+              <a:ea typeface="Proxima Nova"/>
+              <a:cs typeface="Proxima Nova"/>
+              <a:sym typeface="Proxima Nova"/>
+            </a:endParaRPr>
+          </a:p>
+        </p:txBody>
+      </p:sp>
+      <p:pic>
+        <p:nvPicPr>
+          <p:cNvPr id="301" name="Google Shape;301;p47"/>
+          <p:cNvPicPr preferRelativeResize="0"/>
+          <p:nvPr/>
+        </p:nvPicPr>
+        <p:blipFill>
+          <a:blip r:embed="rId3">
+            <a:alphaModFix/>
+          </a:blip>
+          <a:stretch>
+            <a:fillRect/>
+          </a:stretch>
+        </p:blipFill>
+        <p:spPr>
+          <a:xfrm>
+            <a:off x="8622600" y="4713448"/>
+            <a:ext cx="415100" cy="288100"/>
+          </a:xfrm>
+          <a:prstGeom prst="rect">
+            <a:avLst/>
+          </a:prstGeom>
+          <a:noFill/>
+          <a:ln>
+            <a:noFill/>
+          </a:ln>
+        </p:spPr>
+      </p:pic>
+      <p:sp>
+        <p:nvSpPr>
+          <p:cNvPr id="302" name="Google Shape;302;p47"/>
+          <p:cNvSpPr txBox="1"/>
+          <p:nvPr/>
+        </p:nvSpPr>
+        <p:spPr>
+          <a:xfrm>
+            <a:off x="5646753" y="2632203"/>
+            <a:ext cx="2951435" cy="384000"/>
+          </a:xfrm>
+          <a:prstGeom prst="rect">
+            <a:avLst/>
+          </a:prstGeom>
+          <a:noFill/>
+          <a:ln>
+            <a:noFill/>
+          </a:ln>
+        </p:spPr>
+        <p:txBody>
+          <a:bodyPr spcFirstLastPara="1" wrap="square" lIns="91425" tIns="91425" rIns="91425" bIns="91425" anchor="t" anchorCtr="0">
+            <a:noAutofit/>
+          </a:bodyPr>
+          <a:lstStyle/>
+          <a:p>
+            <a:pPr marL="0" lvl="0" indent="0" algn="l" rtl="0">
+              <a:spcBef>
+                <a:spcPts val="0"/>
+              </a:spcBef>
+              <a:spcAft>
+                <a:spcPts val="0"/>
+              </a:spcAft>
+              <a:buNone/>
+            </a:pPr>
+            <a:r>
+              <a:rPr lang="es-CL" dirty="0">
+                <a:solidFill>
+                  <a:srgbClr val="333333"/>
+                </a:solidFill>
+                <a:latin typeface="Proxima Nova"/>
+                <a:ea typeface="Proxima Nova"/>
+                <a:cs typeface="Proxima Nova"/>
+                <a:sym typeface="Proxima Nova"/>
+              </a:rPr>
+              <a:t>De las visitas únicas </a:t>
+            </a:r>
+            <a:r>
+              <a:rPr lang="es-CL" dirty="0" smtClean="0">
+                <a:solidFill>
+                  <a:srgbClr val="333333"/>
+                </a:solidFill>
+                <a:latin typeface="Proxima Nova"/>
+                <a:ea typeface="Proxima Nova"/>
+                <a:cs typeface="Proxima Nova"/>
+                <a:sym typeface="Proxima Nova"/>
+              </a:rPr>
+              <a:t>al </a:t>
+            </a:r>
+            <a:r>
+              <a:rPr lang="es-CL" dirty="0" err="1" smtClean="0">
+                <a:solidFill>
+                  <a:srgbClr val="333333"/>
+                </a:solidFill>
+                <a:latin typeface="Proxima Nova"/>
+                <a:ea typeface="Proxima Nova"/>
+                <a:cs typeface="Proxima Nova"/>
+                <a:sym typeface="Proxima Nova"/>
+              </a:rPr>
+              <a:t>landing</a:t>
+            </a:r>
+            <a:r>
+              <a:rPr lang="es-CL" dirty="0" smtClean="0">
+                <a:solidFill>
+                  <a:srgbClr val="333333"/>
+                </a:solidFill>
+                <a:latin typeface="Proxima Nova"/>
+                <a:ea typeface="Proxima Nova"/>
+                <a:cs typeface="Proxima Nova"/>
+                <a:sym typeface="Proxima Nova"/>
+              </a:rPr>
+              <a:t> de la </a:t>
+            </a:r>
+            <a:r>
+              <a:rPr lang="es-CL" dirty="0" smtClean="0">
+                <a:solidFill>
+                  <a:srgbClr val="333333"/>
+                </a:solidFill>
+                <a:latin typeface="Proxima Nova"/>
+                <a:ea typeface="Proxima Nova"/>
+                <a:cs typeface="Proxima Nova"/>
+                <a:sym typeface="Proxima Nova"/>
+              </a:rPr>
+              <a:t>campaña/ tienda oficial </a:t>
+            </a:r>
+            <a:r>
+              <a:rPr lang="es-CL" dirty="0">
+                <a:solidFill>
+                  <a:srgbClr val="333333"/>
+                </a:solidFill>
+                <a:latin typeface="Proxima Nova"/>
+                <a:ea typeface="Proxima Nova"/>
+                <a:cs typeface="Proxima Nova"/>
+                <a:sym typeface="Proxima Nova"/>
+              </a:rPr>
+              <a:t>fueron</a:t>
+            </a:r>
+            <a:r>
+              <a:rPr lang="en" dirty="0">
+                <a:solidFill>
+                  <a:srgbClr val="333333"/>
+                </a:solidFill>
+                <a:latin typeface="Proxima Nova"/>
+                <a:ea typeface="Proxima Nova"/>
+                <a:cs typeface="Proxima Nova"/>
+                <a:sym typeface="Proxima Nova"/>
+              </a:rPr>
+              <a:t> </a:t>
+            </a:r>
+            <a:r>
+              <a:rPr lang="es-CL" b="1" dirty="0">
+                <a:solidFill>
+                  <a:srgbClr val="333333"/>
+                </a:solidFill>
+                <a:latin typeface="Proxima Nova"/>
+                <a:ea typeface="Proxima Nova"/>
+                <a:cs typeface="Proxima Nova"/>
+                <a:sym typeface="Proxima Nova"/>
+              </a:rPr>
+              <a:t>hombres</a:t>
+            </a:r>
+            <a:r>
+              <a:rPr lang="en" dirty="0" smtClean="0">
+                <a:solidFill>
+                  <a:srgbClr val="333333"/>
+                </a:solidFill>
+                <a:latin typeface="Proxima Nova"/>
+                <a:ea typeface="Proxima Nova"/>
+                <a:cs typeface="Proxima Nova"/>
+                <a:sym typeface="Proxima Nova"/>
+              </a:rPr>
+              <a:t>.</a:t>
+            </a:r>
+            <a:endParaRPr lang="en" dirty="0">
+              <a:solidFill>
+                <a:srgbClr val="333333"/>
+              </a:solidFill>
+              <a:latin typeface="Proxima Nova"/>
+              <a:ea typeface="Proxima Nova"/>
+              <a:cs typeface="Proxima Nova"/>
+              <a:sym typeface="Proxima Nova"/>
+            </a:endParaRPr>
+          </a:p>
+        </p:txBody>
+      </p:sp>
+    </p:spTree>
+    <p:extLst>
+      <p:ext uri="{BB962C8B-B14F-4D97-AF65-F5344CB8AC3E}">
+        <p14:creationId xmlns:p14="http://schemas.microsoft.com/office/powerpoint/2010/main" val="3253844440"/>
+      </p:ext>
+    </p:extLst>
+  </p:cSld>
+  <p:clrMapOvr>
+    <a:masterClrMapping/>
+  </p:clrMapOvr>
+  <p:timing>
+    <p:tnLst>
+      <p:par>
+        <p:cTn id="1" dur="indefinite" restart="never" nodeType="tmRoot"/>
+      </p:par>
+    </p:tnLst>
+  </p:timing>
+</p:sld>
+</file>
+
+<file path=ppt/slides/slide9.xml><?xml version="1.0" encoding="utf-8"?>
+<p:sld xmlns:a="http://schemas.openxmlformats.org/drawingml/2006/main" xmlns:r="http://schemas.openxmlformats.org/officeDocument/2006/relationships" xmlns:p="http://schemas.openxmlformats.org/presentationml/2006/main">
+  <p:cSld>
+    <p:spTree>
+      <p:nvGrpSpPr>
+        <p:cNvPr id="1" name="Shape 401"/>
+        <p:cNvGrpSpPr/>
+        <p:nvPr/>
+      </p:nvGrpSpPr>
+      <p:grpSpPr>
+        <a:xfrm>
+          <a:off x="0" y="0"/>
+          <a:ext cx="0" cy="0"/>
+          <a:chOff x="0" y="0"/>
+          <a:chExt cx="0" cy="0"/>
+        </a:xfrm>
+      </p:grpSpPr>
+      <p:sp>
+        <p:nvSpPr>
+          <p:cNvPr id="7" name="Rectángulo 6">
+            <a:extLst>
+              <a:ext uri="{FF2B5EF4-FFF2-40B4-BE49-F238E27FC236}">
+                <a16:creationId xmlns:a16="http://schemas.microsoft.com/office/drawing/2014/main" id="{2C1E0629-43CD-4C7D-94D0-743A4AECDDDD}"/>
+              </a:ext>
+            </a:extLst>
+          </p:cNvPr>
+          <p:cNvSpPr/>
+          <p:nvPr/>
+        </p:nvSpPr>
+        <p:spPr>
+          <a:xfrm>
+            <a:off x="5780690" y="-3020"/>
+            <a:ext cx="3363310" cy="5143500"/>
+          </a:xfrm>
+          <a:prstGeom prst="rect">
+            <a:avLst/>
+          </a:prstGeom>
+          <a:solidFill>
+            <a:srgbClr val="EEEEEE"/>
+          </a:solidFill>
+          <a:ln>
+            <a:noFill/>
+          </a:ln>
+        </p:spPr>
+        <p:style>
+          <a:lnRef idx="2">
+            <a:schemeClr val="accent1">
+              <a:shade val="50000"/>
+            </a:schemeClr>
+          </a:lnRef>
+          <a:fillRef idx="1">
+            <a:schemeClr val="accent1"/>
+          </a:fillRef>
+          <a:effectRef idx="0">
+            <a:schemeClr val="accent1"/>
+          </a:effectRef>
+          <a:fontRef idx="minor">
+            <a:schemeClr val="lt1"/>
+          </a:fontRef>
+        </p:style>
+        <p:txBody>
+          <a:bodyPr rtlCol="0" anchor="ctr"/>
+          <a:lstStyle/>
+          <a:p>
+            <a:pPr algn="ctr"/>
+            <a:endParaRPr lang="es-CL"/>
+          </a:p>
+        </p:txBody>
+      </p:sp>
+      <p:pic>
+        <p:nvPicPr>
+          <p:cNvPr id="404" name="Google Shape;404;p57"/>
+          <p:cNvPicPr preferRelativeResize="0"/>
+          <p:nvPr/>
+        </p:nvPicPr>
+        <p:blipFill>
+          <a:blip r:embed="rId3">
+            <a:alphaModFix/>
+          </a:blip>
+          <a:stretch>
+            <a:fillRect/>
+          </a:stretch>
+        </p:blipFill>
+        <p:spPr>
+          <a:xfrm>
+            <a:off x="8622600" y="4713448"/>
+            <a:ext cx="415100" cy="288100"/>
+          </a:xfrm>
+          <a:prstGeom prst="rect">
+            <a:avLst/>
+          </a:prstGeom>
+          <a:noFill/>
+          <a:ln>
+            <a:noFill/>
+          </a:ln>
+        </p:spPr>
+      </p:pic>
+      <p:sp>
+        <p:nvSpPr>
+          <p:cNvPr id="405" name="Google Shape;405;p57"/>
+          <p:cNvSpPr txBox="1"/>
+          <p:nvPr/>
+        </p:nvSpPr>
+        <p:spPr>
+          <a:xfrm>
+            <a:off x="120375" y="97525"/>
+            <a:ext cx="2538300" cy="384000"/>
+          </a:xfrm>
+          <a:prstGeom prst="rect">
+            <a:avLst/>
+          </a:prstGeom>
+          <a:noFill/>
+          <a:ln>
+            <a:noFill/>
+          </a:ln>
+        </p:spPr>
+        <p:txBody>
+          <a:bodyPr spcFirstLastPara="1" wrap="square" lIns="91425" tIns="91425" rIns="91425" bIns="91425" anchor="t" anchorCtr="0">
+            <a:noAutofit/>
+          </a:bodyPr>
+          <a:lstStyle/>
+          <a:p>
+            <a:pPr marL="0" lvl="0" indent="0" algn="l" rtl="0">
+              <a:spcBef>
+                <a:spcPts val="0"/>
+              </a:spcBef>
+              <a:spcAft>
+                <a:spcPts val="0"/>
+              </a:spcAft>
+              <a:buNone/>
+            </a:pPr>
+            <a:r>
+              <a:rPr lang="es-CL" dirty="0">
+                <a:solidFill>
+                  <a:schemeClr val="bg1">
+                    <a:lumMod val="65000"/>
+                  </a:schemeClr>
+                </a:solidFill>
+                <a:latin typeface="Proxima Nova"/>
+                <a:ea typeface="Proxima Nova"/>
+                <a:cs typeface="Proxima Nova"/>
+                <a:sym typeface="Proxima Nova"/>
+              </a:rPr>
+              <a:t>Audiencia - Edad</a:t>
+            </a:r>
+            <a:endParaRPr dirty="0">
+              <a:solidFill>
+                <a:schemeClr val="bg1">
+                  <a:lumMod val="65000"/>
+                </a:schemeClr>
+              </a:solidFill>
+              <a:latin typeface="Proxima Nova"/>
+              <a:ea typeface="Proxima Nova"/>
+              <a:cs typeface="Proxima Nova"/>
+              <a:sym typeface="Proxima Nova"/>
+            </a:endParaRPr>
+          </a:p>
+        </p:txBody>
+      </p:sp>
+      <p:sp>
+        <p:nvSpPr>
+          <p:cNvPr id="406" name="Google Shape;406;p57"/>
+          <p:cNvSpPr txBox="1"/>
+          <p:nvPr/>
+        </p:nvSpPr>
+        <p:spPr>
+          <a:xfrm>
+            <a:off x="5967745" y="1748314"/>
+            <a:ext cx="2989200" cy="606900"/>
+          </a:xfrm>
+          <a:prstGeom prst="rect">
+            <a:avLst/>
+          </a:prstGeom>
+          <a:noFill/>
+          <a:ln>
+            <a:noFill/>
+          </a:ln>
+        </p:spPr>
+        <p:txBody>
+          <a:bodyPr spcFirstLastPara="1" wrap="square" lIns="91425" tIns="91425" rIns="91425" bIns="91425" anchor="t" anchorCtr="0">
+            <a:noAutofit/>
+          </a:bodyPr>
+          <a:lstStyle/>
+          <a:p>
+            <a:pPr marL="0" lvl="0" indent="0" algn="l" rtl="0">
+              <a:spcBef>
+                <a:spcPts val="0"/>
+              </a:spcBef>
+              <a:spcAft>
+                <a:spcPts val="0"/>
+              </a:spcAft>
+              <a:buNone/>
+            </a:pPr>
+            <a:r>
+              <a:rPr lang="es-CL" b="1" dirty="0" smtClean="0">
+                <a:solidFill>
+                  <a:srgbClr val="333333"/>
+                </a:solidFill>
+                <a:latin typeface="Proxima Nova"/>
+                <a:ea typeface="Proxima Nova"/>
+                <a:cs typeface="Proxima Nova"/>
+                <a:sym typeface="Proxima Nova"/>
+              </a:rPr>
+              <a:t>X%</a:t>
+            </a:r>
+            <a:r>
+              <a:rPr lang="es-CL" dirty="0" smtClean="0">
+                <a:solidFill>
+                  <a:srgbClr val="333333"/>
+                </a:solidFill>
+                <a:latin typeface="Proxima Nova"/>
+                <a:ea typeface="Proxima Nova"/>
+                <a:cs typeface="Proxima Nova"/>
+                <a:sym typeface="Proxima Nova"/>
+              </a:rPr>
+              <a:t> de los visitantes al </a:t>
+            </a:r>
+            <a:r>
+              <a:rPr lang="es-CL" dirty="0" err="1" smtClean="0">
+                <a:solidFill>
+                  <a:srgbClr val="333333"/>
+                </a:solidFill>
+                <a:latin typeface="Proxima Nova"/>
+                <a:ea typeface="Proxima Nova"/>
+                <a:cs typeface="Proxima Nova"/>
+                <a:sym typeface="Proxima Nova"/>
+              </a:rPr>
+              <a:t>landing</a:t>
+            </a:r>
+            <a:r>
+              <a:rPr lang="es-CL" dirty="0" smtClean="0">
+                <a:solidFill>
+                  <a:srgbClr val="333333"/>
+                </a:solidFill>
+                <a:latin typeface="Proxima Nova"/>
+                <a:ea typeface="Proxima Nova"/>
+                <a:cs typeface="Proxima Nova"/>
+                <a:sym typeface="Proxima Nova"/>
+              </a:rPr>
+              <a:t> de campaña/tienda oficial tienen entre</a:t>
+            </a:r>
+            <a:endParaRPr dirty="0"/>
+          </a:p>
+        </p:txBody>
+      </p:sp>
+      <p:sp>
+        <p:nvSpPr>
+          <p:cNvPr id="11" name="Google Shape;535;p71">
+            <a:extLst>
+              <a:ext uri="{FF2B5EF4-FFF2-40B4-BE49-F238E27FC236}">
+                <a16:creationId xmlns:a16="http://schemas.microsoft.com/office/drawing/2014/main" id="{3858A8D1-F2A6-45D2-A9A8-C40F1A9B2BF2}"/>
+              </a:ext>
+            </a:extLst>
+          </p:cNvPr>
+          <p:cNvSpPr txBox="1"/>
+          <p:nvPr/>
+        </p:nvSpPr>
+        <p:spPr>
+          <a:xfrm>
+            <a:off x="6272782" y="2676224"/>
+            <a:ext cx="2379126" cy="583800"/>
+          </a:xfrm>
+          <a:prstGeom prst="rect">
+            <a:avLst/>
+          </a:prstGeom>
+          <a:noFill/>
+          <a:ln>
+            <a:noFill/>
+          </a:ln>
+        </p:spPr>
+        <p:txBody>
+          <a:bodyPr spcFirstLastPara="1" wrap="square" lIns="91425" tIns="91425" rIns="91425" bIns="91425" anchor="t" anchorCtr="0">
+            <a:noAutofit/>
+          </a:bodyPr>
+          <a:lstStyle/>
+          <a:p>
+            <a:pPr marL="0" lvl="0" indent="0" algn="l" rtl="0">
+              <a:spcBef>
+                <a:spcPts val="0"/>
+              </a:spcBef>
+              <a:spcAft>
+                <a:spcPts val="0"/>
+              </a:spcAft>
+              <a:buNone/>
+            </a:pPr>
+            <a:r>
+              <a:rPr lang="en" sz="3600" b="1" dirty="0" smtClean="0">
+                <a:solidFill>
+                  <a:srgbClr val="3982F1"/>
+                </a:solidFill>
+                <a:latin typeface="Proxima Nova"/>
+                <a:ea typeface="Proxima Nova"/>
+                <a:cs typeface="Proxima Nova"/>
+                <a:sym typeface="Proxima Nova"/>
+              </a:rPr>
+              <a:t>X </a:t>
+            </a:r>
+            <a:r>
+              <a:rPr lang="es-CL" sz="3600" b="1" dirty="0">
+                <a:solidFill>
+                  <a:srgbClr val="3982F1"/>
+                </a:solidFill>
+                <a:latin typeface="Proxima Nova"/>
+                <a:ea typeface="Proxima Nova"/>
+                <a:cs typeface="Proxima Nova"/>
+                <a:sym typeface="Proxima Nova"/>
+              </a:rPr>
+              <a:t>y </a:t>
+            </a:r>
+            <a:r>
+              <a:rPr lang="es-CL" sz="3600" b="1" dirty="0" smtClean="0">
+                <a:solidFill>
+                  <a:srgbClr val="3982F1"/>
+                </a:solidFill>
+                <a:latin typeface="Proxima Nova"/>
+                <a:ea typeface="Proxima Nova"/>
+                <a:cs typeface="Proxima Nova"/>
+                <a:sym typeface="Proxima Nova"/>
+              </a:rPr>
+              <a:t>X </a:t>
+            </a:r>
+            <a:r>
+              <a:rPr lang="es-CL" sz="3600" b="1" dirty="0">
+                <a:solidFill>
+                  <a:srgbClr val="3982F1"/>
+                </a:solidFill>
+                <a:latin typeface="Proxima Nova"/>
+                <a:ea typeface="Proxima Nova"/>
+                <a:cs typeface="Proxima Nova"/>
+                <a:sym typeface="Proxima Nova"/>
+              </a:rPr>
+              <a:t>años</a:t>
+            </a:r>
+            <a:endParaRPr sz="3600" b="1" dirty="0">
+              <a:solidFill>
+                <a:srgbClr val="3982F1"/>
+              </a:solidFill>
+              <a:latin typeface="Proxima Nova"/>
+              <a:ea typeface="Proxima Nova"/>
+              <a:cs typeface="Proxima Nova"/>
+              <a:sym typeface="Proxima Nova"/>
+            </a:endParaRPr>
+          </a:p>
+        </p:txBody>
+      </p:sp>
+    </p:spTree>
+    <p:extLst>
+      <p:ext uri="{BB962C8B-B14F-4D97-AF65-F5344CB8AC3E}">
+        <p14:creationId xmlns:p14="http://schemas.microsoft.com/office/powerpoint/2010/main" val="939450318"/>
       </p:ext>
     </p:extLst>
   </p:cSld>
